--- a/slides/w11SQL1.pptx
+++ b/slides/w11SQL1.pptx
@@ -5,7 +5,7 @@
     <p:sldMasterId id="2147483648" r:id="rId1"/>
   </p:sldMasterIdLst>
   <p:notesMasterIdLst>
-    <p:notesMasterId r:id="rId59"/>
+    <p:notesMasterId r:id="rId60"/>
   </p:notesMasterIdLst>
   <p:sldIdLst>
     <p:sldId id="315" r:id="rId2"/>
@@ -18,53 +18,54 @@
     <p:sldId id="262" r:id="rId9"/>
     <p:sldId id="263" r:id="rId10"/>
     <p:sldId id="264" r:id="rId11"/>
-    <p:sldId id="265" r:id="rId12"/>
-    <p:sldId id="266" r:id="rId13"/>
-    <p:sldId id="267" r:id="rId14"/>
-    <p:sldId id="268" r:id="rId15"/>
-    <p:sldId id="308" r:id="rId16"/>
-    <p:sldId id="309" r:id="rId17"/>
-    <p:sldId id="269" r:id="rId18"/>
-    <p:sldId id="270" r:id="rId19"/>
-    <p:sldId id="295" r:id="rId20"/>
-    <p:sldId id="281" r:id="rId21"/>
-    <p:sldId id="311" r:id="rId22"/>
-    <p:sldId id="282" r:id="rId23"/>
-    <p:sldId id="283" r:id="rId24"/>
-    <p:sldId id="312" r:id="rId25"/>
-    <p:sldId id="307" r:id="rId26"/>
-    <p:sldId id="271" r:id="rId27"/>
-    <p:sldId id="272" r:id="rId28"/>
-    <p:sldId id="276" r:id="rId29"/>
-    <p:sldId id="277" r:id="rId30"/>
-    <p:sldId id="290" r:id="rId31"/>
-    <p:sldId id="296" r:id="rId32"/>
-    <p:sldId id="286" r:id="rId33"/>
-    <p:sldId id="313" r:id="rId34"/>
-    <p:sldId id="278" r:id="rId35"/>
-    <p:sldId id="279" r:id="rId36"/>
-    <p:sldId id="310" r:id="rId37"/>
-    <p:sldId id="316" r:id="rId38"/>
-    <p:sldId id="314" r:id="rId39"/>
-    <p:sldId id="273" r:id="rId40"/>
-    <p:sldId id="274" r:id="rId41"/>
-    <p:sldId id="275" r:id="rId42"/>
-    <p:sldId id="297" r:id="rId43"/>
-    <p:sldId id="298" r:id="rId44"/>
-    <p:sldId id="299" r:id="rId45"/>
-    <p:sldId id="300" r:id="rId46"/>
-    <p:sldId id="301" r:id="rId47"/>
-    <p:sldId id="302" r:id="rId48"/>
-    <p:sldId id="303" r:id="rId49"/>
-    <p:sldId id="352" r:id="rId50"/>
-    <p:sldId id="353" r:id="rId51"/>
-    <p:sldId id="401" r:id="rId52"/>
-    <p:sldId id="402" r:id="rId53"/>
-    <p:sldId id="304" r:id="rId54"/>
-    <p:sldId id="305" r:id="rId55"/>
-    <p:sldId id="306" r:id="rId56"/>
-    <p:sldId id="256" r:id="rId57"/>
-    <p:sldId id="285" r:id="rId58"/>
+    <p:sldId id="403" r:id="rId12"/>
+    <p:sldId id="265" r:id="rId13"/>
+    <p:sldId id="266" r:id="rId14"/>
+    <p:sldId id="267" r:id="rId15"/>
+    <p:sldId id="268" r:id="rId16"/>
+    <p:sldId id="308" r:id="rId17"/>
+    <p:sldId id="309" r:id="rId18"/>
+    <p:sldId id="269" r:id="rId19"/>
+    <p:sldId id="270" r:id="rId20"/>
+    <p:sldId id="295" r:id="rId21"/>
+    <p:sldId id="281" r:id="rId22"/>
+    <p:sldId id="311" r:id="rId23"/>
+    <p:sldId id="282" r:id="rId24"/>
+    <p:sldId id="283" r:id="rId25"/>
+    <p:sldId id="312" r:id="rId26"/>
+    <p:sldId id="307" r:id="rId27"/>
+    <p:sldId id="271" r:id="rId28"/>
+    <p:sldId id="272" r:id="rId29"/>
+    <p:sldId id="276" r:id="rId30"/>
+    <p:sldId id="277" r:id="rId31"/>
+    <p:sldId id="290" r:id="rId32"/>
+    <p:sldId id="296" r:id="rId33"/>
+    <p:sldId id="286" r:id="rId34"/>
+    <p:sldId id="313" r:id="rId35"/>
+    <p:sldId id="278" r:id="rId36"/>
+    <p:sldId id="279" r:id="rId37"/>
+    <p:sldId id="310" r:id="rId38"/>
+    <p:sldId id="316" r:id="rId39"/>
+    <p:sldId id="314" r:id="rId40"/>
+    <p:sldId id="273" r:id="rId41"/>
+    <p:sldId id="274" r:id="rId42"/>
+    <p:sldId id="275" r:id="rId43"/>
+    <p:sldId id="297" r:id="rId44"/>
+    <p:sldId id="298" r:id="rId45"/>
+    <p:sldId id="299" r:id="rId46"/>
+    <p:sldId id="300" r:id="rId47"/>
+    <p:sldId id="301" r:id="rId48"/>
+    <p:sldId id="302" r:id="rId49"/>
+    <p:sldId id="303" r:id="rId50"/>
+    <p:sldId id="352" r:id="rId51"/>
+    <p:sldId id="353" r:id="rId52"/>
+    <p:sldId id="401" r:id="rId53"/>
+    <p:sldId id="402" r:id="rId54"/>
+    <p:sldId id="304" r:id="rId55"/>
+    <p:sldId id="305" r:id="rId56"/>
+    <p:sldId id="306" r:id="rId57"/>
+    <p:sldId id="256" r:id="rId58"/>
+    <p:sldId id="285" r:id="rId59"/>
   </p:sldIdLst>
   <p:sldSz cx="12192000" cy="6858000"/>
   <p:notesSz cx="6858000" cy="9144000"/>
@@ -1591,9 +1592,9 @@
     <dgm:cxn modelId="{6AE94128-F7A6-481C-8DFB-8FFBA27F88AD}" type="presOf" srcId="{AB5973DC-8174-4516-9D01-B8BD10277204}" destId="{3351FB4B-47AD-4B78-B839-8924BEC4B72F}" srcOrd="0" destOrd="0" presId="urn:microsoft.com/office/officeart/2005/8/layout/vList2"/>
     <dgm:cxn modelId="{9615482A-2CD5-4763-8944-7EA8AE5F4CFF}" srcId="{473F853C-80C8-47FD-BB32-8DFDF3C432F0}" destId="{26253829-850B-4A0B-93CA-7EDA9AB09EBE}" srcOrd="0" destOrd="0" parTransId="{8FBA7CEF-38A9-4BB6-9946-47DBA7DCA967}" sibTransId="{F387FF21-07AE-45D8-AA8E-54F204556746}"/>
     <dgm:cxn modelId="{4721FB41-8E43-4428-BCED-3EE69D290117}" srcId="{4D8B2E93-DED8-4568-AC93-E1B7FFDDE1B8}" destId="{35F724A0-A988-4FCA-922D-F01F69B1EB30}" srcOrd="3" destOrd="0" parTransId="{CECB305A-50E0-4708-B8E1-2569A70D7EBB}" sibTransId="{DBD8CBEA-8FDC-49B0-B2AF-87F376829FAB}"/>
-    <dgm:cxn modelId="{B1C56268-C149-47F2-B70F-20E534875751}" srcId="{4D8B2E93-DED8-4568-AC93-E1B7FFDDE1B8}" destId="{C272A2C9-07AB-49CA-B1BC-F23588CB8399}" srcOrd="2" destOrd="0" parTransId="{FF461AB0-B521-40A8-96F2-FBA7F88D57D2}" sibTransId="{F6E35AB2-D27D-4B03-80E1-8DE0D0D4376D}"/>
     <dgm:cxn modelId="{095EFF49-34DC-4717-ADB3-67A415FC83A5}" srcId="{4D8B2E93-DED8-4568-AC93-E1B7FFDDE1B8}" destId="{473F853C-80C8-47FD-BB32-8DFDF3C432F0}" srcOrd="5" destOrd="0" parTransId="{0F720A59-84A1-4532-ABBA-16EE3FDCFF51}" sibTransId="{AB05BC4A-CF73-4E40-899A-E3B87A303E21}"/>
     <dgm:cxn modelId="{E83C204B-6180-4CF2-AF30-E7A9793442C0}" type="presOf" srcId="{920487A9-6512-4113-97F9-C1E56C4EB5FF}" destId="{0B2AA7C9-C237-4C8D-82E4-E35FA15ABF76}" srcOrd="0" destOrd="0" presId="urn:microsoft.com/office/officeart/2005/8/layout/vList2"/>
+    <dgm:cxn modelId="{B1C56268-C149-47F2-B70F-20E534875751}" srcId="{4D8B2E93-DED8-4568-AC93-E1B7FFDDE1B8}" destId="{C272A2C9-07AB-49CA-B1BC-F23588CB8399}" srcOrd="2" destOrd="0" parTransId="{FF461AB0-B521-40A8-96F2-FBA7F88D57D2}" sibTransId="{F6E35AB2-D27D-4B03-80E1-8DE0D0D4376D}"/>
     <dgm:cxn modelId="{B037DF86-2CEE-412D-9456-F9931E110338}" type="presOf" srcId="{C272A2C9-07AB-49CA-B1BC-F23588CB8399}" destId="{70ECCB4C-566B-497C-8E54-E673FC3DA9FB}" srcOrd="0" destOrd="0" presId="urn:microsoft.com/office/officeart/2005/8/layout/vList2"/>
     <dgm:cxn modelId="{D73B9A96-1CA6-4192-A824-6910382E3A67}" srcId="{8EC7ECAB-BA3E-41C9-BDDE-EC4FA95AF4AB}" destId="{6C5C7C1D-F02B-4F84-8C2E-3638E2997836}" srcOrd="0" destOrd="0" parTransId="{283D4555-4D12-444D-86EC-B01DFAE4FF9B}" sibTransId="{2BE46BEC-F004-47EE-A861-6967FFD71A96}"/>
     <dgm:cxn modelId="{8E0BB897-A05E-4EE7-A1F6-C06D7E802B81}" type="presOf" srcId="{AABB7B56-69DC-47AD-B081-6B3B9C623264}" destId="{2FD07959-5F3D-4ABC-B27A-8814101C84F0}" srcOrd="0" destOrd="0" presId="urn:microsoft.com/office/officeart/2005/8/layout/vList2"/>
@@ -3808,7 +3809,7 @@
           <a:p>
             <a:fld id="{0EB9D7D9-9BFB-4C98-AB72-5D51E3AE2BDC}" type="datetimeFigureOut">
               <a:rPr lang="zh-TW" altLang="en-US" smtClean="0"/>
-              <a:t>2025/10/17</a:t>
+              <a:t>2025/11/8</a:t>
             </a:fld>
             <a:endParaRPr lang="zh-TW" altLang="en-US"/>
           </a:p>
@@ -4249,7 +4250,7 @@
           <a:p>
             <a:fld id="{AAFE9762-296E-4738-BA39-AEDA9F187EE2}" type="slidenum">
               <a:rPr lang="zh-TW" altLang="en-US" smtClean="0"/>
-              <a:t>14</a:t>
+              <a:t>15</a:t>
             </a:fld>
             <a:endParaRPr lang="zh-TW" altLang="en-US"/>
           </a:p>
@@ -4356,7 +4357,7 @@
           <a:p>
             <a:fld id="{AAFE9762-296E-4738-BA39-AEDA9F187EE2}" type="slidenum">
               <a:rPr lang="zh-TW" altLang="en-US" smtClean="0"/>
-              <a:t>44</a:t>
+              <a:t>45</a:t>
             </a:fld>
             <a:endParaRPr lang="zh-TW" altLang="en-US"/>
           </a:p>
@@ -4522,7 +4523,7 @@
           <a:p>
             <a:fld id="{68713FC6-417D-4B67-BEC4-A5B4A80C0D9C}" type="datetime1">
               <a:rPr lang="zh-TW" altLang="en-US" smtClean="0"/>
-              <a:t>2025/10/17</a:t>
+              <a:t>2025/11/8</a:t>
             </a:fld>
             <a:endParaRPr lang="zh-TW" altLang="en-US"/>
           </a:p>
@@ -4720,7 +4721,7 @@
           <a:p>
             <a:fld id="{BB28B273-3923-453A-8AC7-BFBBE792023A}" type="datetime1">
               <a:rPr lang="zh-TW" altLang="en-US" smtClean="0"/>
-              <a:t>2025/10/17</a:t>
+              <a:t>2025/11/8</a:t>
             </a:fld>
             <a:endParaRPr lang="zh-TW" altLang="en-US"/>
           </a:p>
@@ -4928,7 +4929,7 @@
           <a:p>
             <a:fld id="{3E6F82F9-C5C6-4061-BA51-DA12DF0DADE4}" type="datetime1">
               <a:rPr lang="zh-TW" altLang="en-US" smtClean="0"/>
-              <a:t>2025/10/17</a:t>
+              <a:t>2025/11/8</a:t>
             </a:fld>
             <a:endParaRPr lang="zh-TW" altLang="en-US"/>
           </a:p>
@@ -5136,7 +5137,7 @@
           <a:p>
             <a:fld id="{83DDF9CD-7CBC-4AB1-8834-785FFDC79F24}" type="datetime1">
               <a:rPr lang="zh-TW" altLang="en-US" smtClean="0"/>
-              <a:t>2025/10/17</a:t>
+              <a:t>2025/11/8</a:t>
             </a:fld>
             <a:endParaRPr lang="zh-TW" altLang="en-US"/>
           </a:p>
@@ -5411,7 +5412,7 @@
           <a:p>
             <a:fld id="{FFBE6ED5-8421-49A7-BBBE-AAC511AAFAEE}" type="datetime1">
               <a:rPr lang="zh-TW" altLang="en-US" smtClean="0"/>
-              <a:t>2025/10/17</a:t>
+              <a:t>2025/11/8</a:t>
             </a:fld>
             <a:endParaRPr lang="zh-TW" altLang="en-US"/>
           </a:p>
@@ -5676,7 +5677,7 @@
           <a:p>
             <a:fld id="{C1D60487-1E56-4C53-ABA1-49D9D495B91C}" type="datetime1">
               <a:rPr lang="zh-TW" altLang="en-US" smtClean="0"/>
-              <a:t>2025/10/17</a:t>
+              <a:t>2025/11/8</a:t>
             </a:fld>
             <a:endParaRPr lang="zh-TW" altLang="en-US"/>
           </a:p>
@@ -6088,7 +6089,7 @@
           <a:p>
             <a:fld id="{D2495D32-4A18-448E-9965-CD9BDF31F446}" type="datetime1">
               <a:rPr lang="zh-TW" altLang="en-US" smtClean="0"/>
-              <a:t>2025/10/17</a:t>
+              <a:t>2025/11/8</a:t>
             </a:fld>
             <a:endParaRPr lang="zh-TW" altLang="en-US"/>
           </a:p>
@@ -6234,7 +6235,7 @@
           <a:p>
             <a:fld id="{58F46E45-846F-4CAE-8623-B257F776F5F4}" type="datetime1">
               <a:rPr lang="zh-TW" altLang="en-US" smtClean="0"/>
-              <a:t>2025/10/17</a:t>
+              <a:t>2025/11/8</a:t>
             </a:fld>
             <a:endParaRPr lang="zh-TW" altLang="en-US"/>
           </a:p>
@@ -6347,7 +6348,7 @@
           <a:p>
             <a:fld id="{178187EA-61C0-4227-93A6-9B04777DE214}" type="datetime1">
               <a:rPr lang="zh-TW" altLang="en-US" smtClean="0"/>
-              <a:t>2025/10/17</a:t>
+              <a:t>2025/11/8</a:t>
             </a:fld>
             <a:endParaRPr lang="zh-TW" altLang="en-US"/>
           </a:p>
@@ -6658,7 +6659,7 @@
           <a:p>
             <a:fld id="{829F7A04-CDE9-4A8E-93B0-69400A92E015}" type="datetime1">
               <a:rPr lang="zh-TW" altLang="en-US" smtClean="0"/>
-              <a:t>2025/10/17</a:t>
+              <a:t>2025/11/8</a:t>
             </a:fld>
             <a:endParaRPr lang="zh-TW" altLang="en-US"/>
           </a:p>
@@ -6946,7 +6947,7 @@
           <a:p>
             <a:fld id="{5254AF8A-DF7B-4C04-A316-CEC3F04FED4A}" type="datetime1">
               <a:rPr lang="zh-TW" altLang="en-US" smtClean="0"/>
-              <a:t>2025/10/17</a:t>
+              <a:t>2025/11/8</a:t>
             </a:fld>
             <a:endParaRPr lang="zh-TW" altLang="en-US"/>
           </a:p>
@@ -7187,7 +7188,7 @@
           <a:p>
             <a:fld id="{27C29384-6EEC-49C3-B798-1BF2845BC021}" type="datetime1">
               <a:rPr lang="zh-TW" altLang="en-US" smtClean="0"/>
-              <a:t>2025/10/17</a:t>
+              <a:t>2025/11/8</a:t>
             </a:fld>
             <a:endParaRPr lang="zh-TW" altLang="en-US"/>
           </a:p>
@@ -7683,13 +7684,13 @@
   <p:clrMapOvr>
     <a:masterClrMapping/>
   </p:clrMapOvr>
-  <mc:AlternateContent xmlns:mc="http://schemas.openxmlformats.org/markup-compatibility/2006">
-    <mc:Choice xmlns:p14="http://schemas.microsoft.com/office/powerpoint/2010/main" Requires="p14">
+  <mc:AlternateContent xmlns:mc="http://schemas.openxmlformats.org/markup-compatibility/2006" xmlns:p14="http://schemas.microsoft.com/office/powerpoint/2010/main">
+    <mc:Choice Requires="p14">
       <p:transition spd="slow" p14:dur="2000">
         <p:cut/>
       </p:transition>
     </mc:Choice>
-    <mc:Fallback>
+    <mc:Fallback xmlns="">
       <p:transition spd="slow">
         <p:cut/>
       </p:transition>
@@ -7774,14 +7775,14 @@
               </a:lnSpc>
             </a:pPr>
             <a:r>
-              <a:rPr lang="en-US" altLang="zh-TW" b="0" i="0" dirty="0">
+              <a:rPr lang="en-US" altLang="zh-TW" sz="2800" i="0" dirty="0">
                 <a:effectLst/>
                 <a:latin typeface="Lato" panose="020F0502020204030203" pitchFamily="34" charset="0"/>
               </a:rPr>
               <a:t>CREATE</a:t>
             </a:r>
             <a:r>
-              <a:rPr lang="zh-TW" altLang="en-US" b="0" i="0" dirty="0">
+              <a:rPr lang="zh-TW" altLang="en-US" sz="2800" i="0" dirty="0">
                 <a:solidFill>
                   <a:srgbClr val="303233"/>
                 </a:solidFill>
@@ -7790,7 +7791,7 @@
               </a:rPr>
               <a:t>：創建數據庫或表</a:t>
             </a:r>
-            <a:endParaRPr lang="en-US" altLang="zh-TW" b="0" i="0" dirty="0">
+            <a:endParaRPr lang="en-US" altLang="zh-TW" sz="2800" i="0" dirty="0">
               <a:solidFill>
                 <a:srgbClr val="303233"/>
               </a:solidFill>
@@ -7805,7 +7806,7 @@
               </a:lnSpc>
             </a:pPr>
             <a:r>
-              <a:rPr lang="en-US" altLang="zh-TW" b="0" i="0" dirty="0">
+              <a:rPr lang="en-US" altLang="zh-TW" sz="2400" b="1" i="0" dirty="0">
                 <a:solidFill>
                   <a:srgbClr val="0070C0"/>
                 </a:solidFill>
@@ -7815,7 +7816,7 @@
               <a:t>CREATE DATABASE </a:t>
             </a:r>
             <a:r>
-              <a:rPr lang="en-US" altLang="zh-TW" b="0" i="0" dirty="0">
+              <a:rPr lang="en-US" altLang="zh-TW" sz="2400" b="1" i="0" dirty="0">
                 <a:solidFill>
                   <a:srgbClr val="303233"/>
                 </a:solidFill>
@@ -7825,7 +7826,7 @@
               <a:t>test;</a:t>
             </a:r>
             <a:r>
-              <a:rPr lang="zh-TW" altLang="en-US" b="0" i="0" dirty="0">
+              <a:rPr lang="zh-TW" altLang="en-US" sz="2400" b="1" i="0" dirty="0">
                 <a:solidFill>
                   <a:srgbClr val="303233"/>
                 </a:solidFill>
@@ -7835,7 +7836,7 @@
               <a:t> </a:t>
             </a:r>
             <a:r>
-              <a:rPr lang="en-US" altLang="zh-TW" b="1" i="0" dirty="0">
+              <a:rPr lang="en-US" altLang="zh-TW" sz="2400" b="1" i="0" dirty="0">
                 <a:solidFill>
                   <a:srgbClr val="C00000"/>
                 </a:solidFill>
@@ -7845,7 +7846,7 @@
               <a:t>(</a:t>
             </a:r>
             <a:r>
-              <a:rPr lang="zh-TW" altLang="en-US" b="1" i="0" dirty="0">
+              <a:rPr lang="zh-TW" altLang="en-US" sz="2400" b="1" i="0" dirty="0">
                 <a:solidFill>
                   <a:srgbClr val="C00000"/>
                 </a:solidFill>
@@ -7855,7 +7856,7 @@
               <a:t>在</a:t>
             </a:r>
             <a:r>
-              <a:rPr lang="en-US" altLang="zh-TW" b="1" i="0" dirty="0">
+              <a:rPr lang="en-US" altLang="zh-TW" sz="2400" b="1" i="0" dirty="0">
                 <a:solidFill>
                   <a:srgbClr val="C00000"/>
                 </a:solidFill>
@@ -7865,7 +7866,7 @@
               <a:t>sqlite3</a:t>
             </a:r>
             <a:r>
-              <a:rPr lang="zh-TW" altLang="en-US" b="1" i="0" dirty="0">
+              <a:rPr lang="zh-TW" altLang="en-US" sz="2400" b="1" i="0" dirty="0">
                 <a:solidFill>
                   <a:srgbClr val="C00000"/>
                 </a:solidFill>
@@ -7875,7 +7876,7 @@
               <a:t>中沒有</a:t>
             </a:r>
             <a:r>
-              <a:rPr lang="en-US" altLang="zh-TW" b="1" i="0" dirty="0">
+              <a:rPr lang="en-US" altLang="zh-TW" sz="2400" b="1" i="0" dirty="0">
                 <a:solidFill>
                   <a:srgbClr val="C00000"/>
                 </a:solidFill>
@@ -7885,7 +7886,7 @@
               <a:t>create database</a:t>
             </a:r>
             <a:r>
-              <a:rPr lang="zh-TW" altLang="en-US" b="1" i="0" dirty="0">
+              <a:rPr lang="zh-TW" altLang="en-US" sz="2400" b="1" i="0" dirty="0">
                 <a:solidFill>
                   <a:srgbClr val="C00000"/>
                 </a:solidFill>
@@ -7895,7 +7896,7 @@
               <a:t>指令</a:t>
             </a:r>
             <a:r>
-              <a:rPr lang="en-US" altLang="zh-TW" b="1" i="0" dirty="0">
+              <a:rPr lang="en-US" altLang="zh-TW" sz="2400" b="1" i="0" dirty="0">
                 <a:solidFill>
                   <a:srgbClr val="C00000"/>
                 </a:solidFill>
@@ -7912,7 +7913,7 @@
               </a:lnSpc>
             </a:pPr>
             <a:r>
-              <a:rPr lang="en-US" altLang="zh-TW" dirty="0">
+              <a:rPr lang="en-US" altLang="zh-TW" sz="2400" b="1" dirty="0">
                 <a:solidFill>
                   <a:srgbClr val="0070C0"/>
                 </a:solidFill>
@@ -7921,7 +7922,7 @@
               <a:t>CREATE DATABASE </a:t>
             </a:r>
             <a:r>
-              <a:rPr lang="en-US" altLang="zh-TW" dirty="0">
+              <a:rPr lang="en-US" altLang="zh-TW" sz="2400" b="1" dirty="0">
                 <a:solidFill>
                   <a:srgbClr val="00B050"/>
                 </a:solidFill>
@@ -7930,7 +7931,7 @@
               <a:t>IF NOT EXISTS </a:t>
             </a:r>
             <a:r>
-              <a:rPr lang="en-US" altLang="zh-TW" dirty="0">
+              <a:rPr lang="en-US" altLang="zh-TW" sz="2400" b="1" dirty="0">
                 <a:solidFill>
                   <a:srgbClr val="303233"/>
                 </a:solidFill>
@@ -7938,7 +7939,7 @@
               </a:rPr>
               <a:t>test;</a:t>
             </a:r>
-            <a:endParaRPr lang="en-US" altLang="zh-TW" b="0" i="0" dirty="0">
+            <a:endParaRPr lang="en-US" altLang="zh-TW" sz="2400" b="1" i="0" dirty="0">
               <a:solidFill>
                 <a:srgbClr val="303233"/>
               </a:solidFill>
@@ -7953,14 +7954,14 @@
               </a:lnSpc>
             </a:pPr>
             <a:r>
-              <a:rPr lang="en-US" altLang="zh-TW" b="0" i="0" dirty="0">
+              <a:rPr lang="en-US" altLang="zh-TW" sz="2800" i="0" dirty="0">
                 <a:effectLst/>
                 <a:latin typeface="Lato" panose="020F0502020204030203" pitchFamily="34" charset="0"/>
               </a:rPr>
               <a:t>ALTER</a:t>
             </a:r>
             <a:r>
-              <a:rPr lang="zh-TW" altLang="en-US" b="0" i="0" dirty="0">
+              <a:rPr lang="zh-TW" altLang="en-US" sz="2800" i="0" dirty="0">
                 <a:solidFill>
                   <a:srgbClr val="303233"/>
                 </a:solidFill>
@@ -7969,7 +7970,7 @@
               </a:rPr>
               <a:t>：修改表的結構</a:t>
             </a:r>
-            <a:endParaRPr lang="en-US" altLang="zh-TW" b="0" i="0" dirty="0">
+            <a:endParaRPr lang="en-US" altLang="zh-TW" sz="2800" i="0" dirty="0">
               <a:solidFill>
                 <a:srgbClr val="303233"/>
               </a:solidFill>
@@ -7984,14 +7985,14 @@
               </a:lnSpc>
             </a:pPr>
             <a:r>
-              <a:rPr lang="en-US" altLang="zh-TW" b="0" i="0" dirty="0">
+              <a:rPr lang="en-US" altLang="zh-TW" sz="2800" i="0" dirty="0">
                 <a:effectLst/>
                 <a:latin typeface="Lato" panose="020F0502020204030203" pitchFamily="34" charset="0"/>
               </a:rPr>
               <a:t>DROP</a:t>
             </a:r>
             <a:r>
-              <a:rPr lang="zh-TW" altLang="en-US" b="0" i="0" dirty="0">
+              <a:rPr lang="zh-TW" altLang="en-US" sz="2800" i="0" dirty="0">
                 <a:solidFill>
                   <a:srgbClr val="303233"/>
                 </a:solidFill>
@@ -8000,7 +8001,7 @@
               </a:rPr>
               <a:t>：刪除表或數據庫。</a:t>
             </a:r>
-            <a:endParaRPr lang="en-US" altLang="zh-TW" b="0" i="0" dirty="0">
+            <a:endParaRPr lang="en-US" altLang="zh-TW" sz="2800" i="0" dirty="0">
               <a:solidFill>
                 <a:srgbClr val="303233"/>
               </a:solidFill>
@@ -8015,7 +8016,7 @@
               </a:lnSpc>
             </a:pPr>
             <a:r>
-              <a:rPr lang="en-US" altLang="zh-TW" dirty="0">
+              <a:rPr lang="en-US" altLang="zh-TW" sz="2400" b="1" dirty="0">
                 <a:solidFill>
                   <a:srgbClr val="0070C0"/>
                 </a:solidFill>
@@ -8024,7 +8025,7 @@
               <a:t>DROP DATABASE </a:t>
             </a:r>
             <a:r>
-              <a:rPr lang="en-US" altLang="zh-TW" dirty="0">
+              <a:rPr lang="en-US" altLang="zh-TW" sz="2400" b="1" dirty="0">
                 <a:solidFill>
                   <a:srgbClr val="303233"/>
                 </a:solidFill>
@@ -8032,7 +8033,7 @@
               </a:rPr>
               <a:t>test;</a:t>
             </a:r>
-            <a:endParaRPr lang="zh-TW" altLang="en-US" dirty="0"/>
+            <a:endParaRPr lang="zh-TW" altLang="en-US" b="1" dirty="0"/>
           </a:p>
         </p:txBody>
       </p:sp>
@@ -8059,7 +8060,7 @@
           <a:p>
             <a:fld id="{32AB48A0-6D68-47E4-B6CA-D6527EE405AA}" type="datetime1">
               <a:rPr lang="zh-TW" altLang="en-US" smtClean="0"/>
-              <a:t>2025/10/17</a:t>
+              <a:t>2025/11/8</a:t>
             </a:fld>
             <a:endParaRPr lang="zh-TW" altLang="en-US"/>
           </a:p>
@@ -8104,13 +8105,13 @@
   <p:clrMapOvr>
     <a:masterClrMapping/>
   </p:clrMapOvr>
-  <mc:AlternateContent xmlns:mc="http://schemas.openxmlformats.org/markup-compatibility/2006">
-    <mc:Choice xmlns:p14="http://schemas.microsoft.com/office/powerpoint/2010/main" Requires="p14">
+  <mc:AlternateContent xmlns:mc="http://schemas.openxmlformats.org/markup-compatibility/2006" xmlns:p14="http://schemas.microsoft.com/office/powerpoint/2010/main">
+    <mc:Choice Requires="p14">
       <p:transition spd="slow" p14:dur="2000">
         <p:cut/>
       </p:transition>
     </mc:Choice>
-    <mc:Fallback>
+    <mc:Fallback xmlns="">
       <p:transition spd="slow">
         <p:cut/>
       </p:transition>
@@ -8120,6 +8121,406 @@
 </file>
 
 <file path=ppt/slides/slide11.xml><?xml version="1.0" encoding="utf-8"?>
+<p:sld xmlns:a="http://schemas.openxmlformats.org/drawingml/2006/main" xmlns:r="http://schemas.openxmlformats.org/officeDocument/2006/relationships" xmlns:p="http://schemas.openxmlformats.org/presentationml/2006/main">
+  <p:cSld>
+    <p:spTree>
+      <p:nvGrpSpPr>
+        <p:cNvPr id="1" name=""/>
+        <p:cNvGrpSpPr/>
+        <p:nvPr/>
+      </p:nvGrpSpPr>
+      <p:grpSpPr>
+        <a:xfrm>
+          <a:off x="0" y="0"/>
+          <a:ext cx="0" cy="0"/>
+          <a:chOff x="0" y="0"/>
+          <a:chExt cx="0" cy="0"/>
+        </a:xfrm>
+      </p:grpSpPr>
+      <p:sp>
+        <p:nvSpPr>
+          <p:cNvPr id="2" name="標題 1">
+            <a:extLst>
+              <a:ext uri="{FF2B5EF4-FFF2-40B4-BE49-F238E27FC236}">
+                <a16:creationId xmlns:a16="http://schemas.microsoft.com/office/drawing/2014/main" id="{E0D67C65-23CE-F069-4289-EED8E16742CD}"/>
+              </a:ext>
+            </a:extLst>
+          </p:cNvPr>
+          <p:cNvSpPr>
+            <a:spLocks noGrp="1"/>
+          </p:cNvSpPr>
+          <p:nvPr>
+            <p:ph type="title"/>
+          </p:nvPr>
+        </p:nvSpPr>
+        <p:spPr/>
+        <p:txBody>
+          <a:bodyPr/>
+          <a:lstStyle/>
+          <a:p>
+            <a:r>
+              <a:rPr kumimoji="1" lang="en-US" altLang="zh-TW" dirty="0"/>
+              <a:t>member </a:t>
+            </a:r>
+            <a:r>
+              <a:rPr kumimoji="1" lang="zh-TW" altLang="en-US" dirty="0"/>
+              <a:t>資料表</a:t>
+            </a:r>
+          </a:p>
+        </p:txBody>
+      </p:sp>
+      <p:sp>
+        <p:nvSpPr>
+          <p:cNvPr id="3" name="內容版面配置區 2">
+            <a:extLst>
+              <a:ext uri="{FF2B5EF4-FFF2-40B4-BE49-F238E27FC236}">
+                <a16:creationId xmlns:a16="http://schemas.microsoft.com/office/drawing/2014/main" id="{E443F68D-FA5A-E121-20CB-7EF15D999F42}"/>
+              </a:ext>
+            </a:extLst>
+          </p:cNvPr>
+          <p:cNvSpPr>
+            <a:spLocks noGrp="1"/>
+          </p:cNvSpPr>
+          <p:nvPr>
+            <p:ph sz="half" idx="1"/>
+          </p:nvPr>
+        </p:nvSpPr>
+        <p:spPr/>
+        <p:txBody>
+          <a:bodyPr/>
+          <a:lstStyle/>
+          <a:p>
+            <a:r>
+              <a:rPr kumimoji="1" lang="zh-TW" altLang="en-US" dirty="0"/>
+              <a:t>會員編號</a:t>
+            </a:r>
+            <a:r>
+              <a:rPr kumimoji="1" lang="en-US" altLang="zh-TW" dirty="0"/>
+              <a:t> (</a:t>
+            </a:r>
+            <a:r>
+              <a:rPr kumimoji="1" lang="en-US" altLang="zh-TW" dirty="0" err="1"/>
+              <a:t>mID</a:t>
+            </a:r>
+            <a:r>
+              <a:rPr kumimoji="1" lang="en-US" altLang="zh-TW" dirty="0"/>
+              <a:t>)  </a:t>
+            </a:r>
+            <a:r>
+              <a:rPr kumimoji="1" lang="en-US" altLang="zh-TW" dirty="0">
+                <a:solidFill>
+                  <a:srgbClr val="0000FF"/>
+                </a:solidFill>
+              </a:rPr>
+              <a:t>char(8)</a:t>
+            </a:r>
+          </a:p>
+          <a:p>
+            <a:r>
+              <a:rPr kumimoji="1" lang="zh-TW" altLang="en-US" dirty="0"/>
+              <a:t>身份字號</a:t>
+            </a:r>
+            <a:r>
+              <a:rPr kumimoji="1" lang="en-US" altLang="zh-TW" dirty="0"/>
+              <a:t> (</a:t>
+            </a:r>
+            <a:r>
+              <a:rPr kumimoji="1" lang="en-US" altLang="zh-TW" dirty="0" err="1"/>
+              <a:t>pID</a:t>
+            </a:r>
+            <a:r>
+              <a:rPr kumimoji="1" lang="en-US" altLang="zh-TW" dirty="0"/>
+              <a:t>) </a:t>
+            </a:r>
+            <a:r>
+              <a:rPr kumimoji="1" lang="en-US" altLang="zh-TW" dirty="0">
+                <a:solidFill>
+                  <a:srgbClr val="0000FF"/>
+                </a:solidFill>
+              </a:rPr>
+              <a:t>char(10)</a:t>
+            </a:r>
+          </a:p>
+          <a:p>
+            <a:r>
+              <a:rPr kumimoji="1" lang="zh-TW" altLang="en-US" dirty="0"/>
+              <a:t>姓名</a:t>
+            </a:r>
+            <a:r>
+              <a:rPr kumimoji="1" lang="en-US" altLang="zh-TW" dirty="0"/>
+              <a:t> (name) </a:t>
+            </a:r>
+            <a:r>
+              <a:rPr kumimoji="1" lang="en-US" altLang="zh-TW" dirty="0">
+                <a:solidFill>
+                  <a:srgbClr val="0000FF"/>
+                </a:solidFill>
+              </a:rPr>
+              <a:t>varchar(8)</a:t>
+            </a:r>
+          </a:p>
+          <a:p>
+            <a:r>
+              <a:rPr kumimoji="1" lang="zh-TW" altLang="en-US" dirty="0"/>
+              <a:t>生日</a:t>
+            </a:r>
+            <a:r>
+              <a:rPr kumimoji="1" lang="en-US" altLang="zh-TW" dirty="0"/>
+              <a:t> (birthday) </a:t>
+            </a:r>
+            <a:r>
+              <a:rPr kumimoji="1" lang="en-US" altLang="zh-TW" dirty="0">
+                <a:solidFill>
+                  <a:srgbClr val="0000FF"/>
+                </a:solidFill>
+              </a:rPr>
+              <a:t>text</a:t>
+            </a:r>
+          </a:p>
+          <a:p>
+            <a:r>
+              <a:rPr kumimoji="1" lang="zh-TW" altLang="en-US" dirty="0"/>
+              <a:t>電話</a:t>
+            </a:r>
+            <a:r>
+              <a:rPr kumimoji="1" lang="en-US" altLang="zh-TW" dirty="0"/>
+              <a:t> (phone) </a:t>
+            </a:r>
+            <a:r>
+              <a:rPr kumimoji="1" lang="en-US" altLang="zh-TW" dirty="0">
+                <a:solidFill>
+                  <a:srgbClr val="0000FF"/>
+                </a:solidFill>
+              </a:rPr>
+              <a:t>varchar(10)</a:t>
+            </a:r>
+          </a:p>
+          <a:p>
+            <a:r>
+              <a:rPr kumimoji="1" lang="zh-TW" altLang="en-US" dirty="0"/>
+              <a:t>地址</a:t>
+            </a:r>
+            <a:r>
+              <a:rPr kumimoji="1" lang="en-US" altLang="zh-TW" dirty="0"/>
+              <a:t> (address) </a:t>
+            </a:r>
+            <a:r>
+              <a:rPr kumimoji="1" lang="en-US" altLang="zh-TW" dirty="0">
+                <a:solidFill>
+                  <a:srgbClr val="0000FF"/>
+                </a:solidFill>
+              </a:rPr>
+              <a:t>varchar(40)</a:t>
+            </a:r>
+          </a:p>
+          <a:p>
+            <a:r>
+              <a:rPr kumimoji="1" lang="zh-TW" altLang="en-US" dirty="0"/>
+              <a:t>電子郵件</a:t>
+            </a:r>
+            <a:r>
+              <a:rPr kumimoji="1" lang="en-US" altLang="zh-TW" dirty="0"/>
+              <a:t> (email) </a:t>
+            </a:r>
+            <a:r>
+              <a:rPr kumimoji="1" lang="en-US" altLang="zh-TW" dirty="0">
+                <a:solidFill>
+                  <a:srgbClr val="0000FF"/>
+                </a:solidFill>
+              </a:rPr>
+              <a:t>varchar(20)</a:t>
+            </a:r>
+          </a:p>
+          <a:p>
+            <a:r>
+              <a:rPr kumimoji="1" lang="zh-TW" altLang="en-US" dirty="0"/>
+              <a:t>介紹人</a:t>
+            </a:r>
+            <a:r>
+              <a:rPr kumimoji="1" lang="en-US" altLang="zh-TW" dirty="0"/>
+              <a:t> (introducer) </a:t>
+            </a:r>
+            <a:r>
+              <a:rPr kumimoji="1" lang="en-US" altLang="zh-TW" dirty="0">
+                <a:solidFill>
+                  <a:srgbClr val="0000FF"/>
+                </a:solidFill>
+              </a:rPr>
+              <a:t>char(8)</a:t>
+            </a:r>
+            <a:endParaRPr kumimoji="1" lang="zh-TW" altLang="en-US" dirty="0">
+              <a:solidFill>
+                <a:srgbClr val="0000FF"/>
+              </a:solidFill>
+            </a:endParaRPr>
+          </a:p>
+        </p:txBody>
+      </p:sp>
+      <p:sp>
+        <p:nvSpPr>
+          <p:cNvPr id="6" name="內容版面配置區 5">
+            <a:extLst>
+              <a:ext uri="{FF2B5EF4-FFF2-40B4-BE49-F238E27FC236}">
+                <a16:creationId xmlns:a16="http://schemas.microsoft.com/office/drawing/2014/main" id="{3CA53D5B-48E1-1836-0482-BD96189F37B6}"/>
+              </a:ext>
+            </a:extLst>
+          </p:cNvPr>
+          <p:cNvSpPr>
+            <a:spLocks noGrp="1"/>
+          </p:cNvSpPr>
+          <p:nvPr>
+            <p:ph sz="half" idx="2"/>
+          </p:nvPr>
+        </p:nvSpPr>
+        <p:spPr/>
+        <p:txBody>
+          <a:bodyPr/>
+          <a:lstStyle/>
+          <a:p>
+            <a:r>
+              <a:rPr lang="en-US" altLang="zh-TW" dirty="0" err="1"/>
+              <a:t>mID</a:t>
+            </a:r>
+            <a:r>
+              <a:rPr lang="en-US" altLang="zh-TW" dirty="0"/>
+              <a:t> is </a:t>
+            </a:r>
+            <a:r>
+              <a:rPr lang="en-US" altLang="zh-TW" dirty="0">
+                <a:solidFill>
+                  <a:srgbClr val="0000FF"/>
+                </a:solidFill>
+              </a:rPr>
+              <a:t>primary key</a:t>
+            </a:r>
+          </a:p>
+          <a:p>
+            <a:r>
+              <a:rPr lang="en-US" altLang="zh-TW" dirty="0" err="1"/>
+              <a:t>pID</a:t>
+            </a:r>
+            <a:r>
+              <a:rPr lang="en-US" altLang="zh-TW" dirty="0"/>
+              <a:t> is </a:t>
+            </a:r>
+            <a:r>
+              <a:rPr lang="en-US" altLang="zh-TW" dirty="0">
+                <a:solidFill>
+                  <a:srgbClr val="0000FF"/>
+                </a:solidFill>
+              </a:rPr>
+              <a:t>unique</a:t>
+            </a:r>
+          </a:p>
+          <a:p>
+            <a:r>
+              <a:rPr lang="en-US" altLang="zh-TW" dirty="0"/>
+              <a:t>introducer is the </a:t>
+            </a:r>
+            <a:r>
+              <a:rPr lang="en-US" altLang="zh-TW" dirty="0" err="1">
+                <a:solidFill>
+                  <a:srgbClr val="0000FF"/>
+                </a:solidFill>
+              </a:rPr>
+              <a:t>forign</a:t>
+            </a:r>
+            <a:r>
+              <a:rPr lang="en-US" altLang="zh-TW" dirty="0">
+                <a:solidFill>
+                  <a:srgbClr val="0000FF"/>
+                </a:solidFill>
+              </a:rPr>
+              <a:t> key reference to </a:t>
+            </a:r>
+            <a:r>
+              <a:rPr lang="en-US" altLang="zh-TW" dirty="0"/>
+              <a:t>member(</a:t>
+            </a:r>
+            <a:r>
+              <a:rPr lang="en-US" altLang="zh-TW" dirty="0" err="1"/>
+              <a:t>mID</a:t>
+            </a:r>
+            <a:r>
+              <a:rPr lang="en-US" altLang="zh-TW" dirty="0"/>
+              <a:t>) and ON DELETE SET  ON UPDATE CASCADE</a:t>
+            </a:r>
+            <a:endParaRPr lang="zh-TW" altLang="en-US" dirty="0"/>
+          </a:p>
+        </p:txBody>
+      </p:sp>
+      <p:sp>
+        <p:nvSpPr>
+          <p:cNvPr id="4" name="日期版面配置區 3">
+            <a:extLst>
+              <a:ext uri="{FF2B5EF4-FFF2-40B4-BE49-F238E27FC236}">
+                <a16:creationId xmlns:a16="http://schemas.microsoft.com/office/drawing/2014/main" id="{81C2DBA2-0ED5-3F14-FC6C-161CD434F8B0}"/>
+              </a:ext>
+            </a:extLst>
+          </p:cNvPr>
+          <p:cNvSpPr>
+            <a:spLocks noGrp="1"/>
+          </p:cNvSpPr>
+          <p:nvPr>
+            <p:ph type="dt" sz="half" idx="10"/>
+          </p:nvPr>
+        </p:nvSpPr>
+        <p:spPr/>
+        <p:txBody>
+          <a:bodyPr/>
+          <a:lstStyle/>
+          <a:p>
+            <a:fld id="{83DDF9CD-7CBC-4AB1-8834-785FFDC79F24}" type="datetime1">
+              <a:rPr lang="zh-TW" altLang="en-US" smtClean="0"/>
+              <a:t>2025/11/8</a:t>
+            </a:fld>
+            <a:endParaRPr lang="zh-TW" altLang="en-US"/>
+          </a:p>
+        </p:txBody>
+      </p:sp>
+      <p:sp>
+        <p:nvSpPr>
+          <p:cNvPr id="5" name="投影片編號版面配置區 4">
+            <a:extLst>
+              <a:ext uri="{FF2B5EF4-FFF2-40B4-BE49-F238E27FC236}">
+                <a16:creationId xmlns:a16="http://schemas.microsoft.com/office/drawing/2014/main" id="{73D02210-E4A9-7AF9-9D5B-3B93E4704589}"/>
+              </a:ext>
+            </a:extLst>
+          </p:cNvPr>
+          <p:cNvSpPr>
+            <a:spLocks noGrp="1"/>
+          </p:cNvSpPr>
+          <p:nvPr>
+            <p:ph type="sldNum" sz="quarter" idx="12"/>
+          </p:nvPr>
+        </p:nvSpPr>
+        <p:spPr/>
+        <p:txBody>
+          <a:bodyPr/>
+          <a:lstStyle/>
+          <a:p>
+            <a:fld id="{3F90885F-363B-4E17-8682-14738066703A}" type="slidenum">
+              <a:rPr lang="zh-TW" altLang="en-US" smtClean="0"/>
+              <a:t>11</a:t>
+            </a:fld>
+            <a:endParaRPr lang="zh-TW" altLang="en-US"/>
+          </a:p>
+        </p:txBody>
+      </p:sp>
+    </p:spTree>
+    <p:extLst>
+      <p:ext uri="{BB962C8B-B14F-4D97-AF65-F5344CB8AC3E}">
+        <p14:creationId xmlns:p14="http://schemas.microsoft.com/office/powerpoint/2010/main" val="3213807363"/>
+      </p:ext>
+    </p:extLst>
+  </p:cSld>
+  <p:clrMapOvr>
+    <a:masterClrMapping/>
+  </p:clrMapOvr>
+</p:sld>
+</file>
+
+<file path=ppt/slides/slide12.xml><?xml version="1.0" encoding="utf-8"?>
 <p:sld xmlns:a="http://schemas.openxmlformats.org/drawingml/2006/main" xmlns:r="http://schemas.openxmlformats.org/officeDocument/2006/relationships" xmlns:p="http://schemas.openxmlformats.org/presentationml/2006/main">
   <p:cSld>
     <p:spTree>
@@ -8275,7 +8676,7 @@
               <a:buNone/>
             </a:pPr>
             <a:r>
-              <a:rPr lang="en-US" altLang="zh-TW" sz="2400" b="1">
+              <a:rPr lang="en-US" altLang="zh-TW" sz="2400" b="1" dirty="0">
                 <a:solidFill>
                   <a:schemeClr val="tx1"/>
                 </a:solidFill>
@@ -8283,7 +8684,7 @@
               <a:t>CREATE TABLE</a:t>
             </a:r>
             <a:r>
-              <a:rPr lang="en-US" altLang="zh-TW" sz="2400">
+              <a:rPr lang="en-US" altLang="zh-TW" sz="2400" dirty="0">
                 <a:solidFill>
                   <a:schemeClr val="tx1"/>
                 </a:solidFill>
@@ -8291,7 +8692,7 @@
               <a:t> </a:t>
             </a:r>
             <a:r>
-              <a:rPr lang="en-US" altLang="zh-TW" sz="2400" b="1">
+              <a:rPr lang="en-US" altLang="zh-TW" sz="2400" b="1" dirty="0">
                 <a:solidFill>
                   <a:srgbClr val="C00000"/>
                 </a:solidFill>
@@ -8299,7 +8700,7 @@
               <a:t>Member</a:t>
             </a:r>
             <a:r>
-              <a:rPr lang="zh-TW" altLang="en-US" sz="2400">
+              <a:rPr lang="zh-TW" altLang="en-US" sz="2400" dirty="0">
                 <a:solidFill>
                   <a:srgbClr val="C00000"/>
                 </a:solidFill>
@@ -8307,7 +8708,7 @@
               <a:t> </a:t>
             </a:r>
             <a:r>
-              <a:rPr lang="en-US" altLang="zh-TW" sz="2400"/>
+              <a:rPr lang="en-US" altLang="zh-TW" sz="2400" dirty="0"/>
               <a:t>(</a:t>
             </a:r>
           </a:p>
@@ -8317,23 +8718,31 @@
               <a:buNone/>
             </a:pPr>
             <a:r>
-              <a:rPr lang="en-US" altLang="zh-TW" sz="2400">
+              <a:rPr lang="en-US" altLang="zh-TW" sz="2400" dirty="0" err="1">
                 <a:solidFill>
                   <a:schemeClr val="tx1"/>
                 </a:solidFill>
               </a:rPr>
-              <a:t>mId      </a:t>
-            </a:r>
-            <a:r>
-              <a:rPr lang="zh-TW" altLang="en-US" sz="2400">
+              <a:t>mId</a:t>
+            </a:r>
+            <a:r>
+              <a:rPr lang="en-US" altLang="zh-TW" sz="2400" dirty="0">
                 <a:solidFill>
                   <a:schemeClr val="tx1"/>
                 </a:solidFill>
               </a:rPr>
+              <a:t>      </a:t>
+            </a:r>
+            <a:r>
+              <a:rPr lang="zh-TW" altLang="en-US" sz="2400" dirty="0">
+                <a:solidFill>
+                  <a:schemeClr val="tx1"/>
+                </a:solidFill>
+              </a:rPr>
               <a:t>        </a:t>
             </a:r>
             <a:r>
-              <a:rPr lang="en-US" altLang="zh-TW" sz="2400" b="1">
+              <a:rPr lang="en-US" altLang="zh-TW" sz="2400" b="1" dirty="0">
                 <a:solidFill>
                   <a:schemeClr val="tx1"/>
                 </a:solidFill>
@@ -8341,7 +8750,7 @@
               <a:t>CHAR</a:t>
             </a:r>
             <a:r>
-              <a:rPr lang="en-US" altLang="zh-TW" sz="2400">
+              <a:rPr lang="en-US" altLang="zh-TW" sz="2400" dirty="0">
                 <a:solidFill>
                   <a:schemeClr val="tx1"/>
                 </a:solidFill>
@@ -8349,7 +8758,7 @@
               <a:t>(8)       </a:t>
             </a:r>
             <a:r>
-              <a:rPr lang="zh-TW" altLang="en-US" sz="2400">
+              <a:rPr lang="zh-TW" altLang="en-US" sz="2400" dirty="0">
                 <a:solidFill>
                   <a:schemeClr val="tx1"/>
                 </a:solidFill>
@@ -8357,7 +8766,7 @@
               <a:t>   </a:t>
             </a:r>
             <a:r>
-              <a:rPr lang="en-US" altLang="zh-TW" sz="2400" b="1">
+              <a:rPr lang="en-US" altLang="zh-TW" sz="2400" b="1" dirty="0">
                 <a:solidFill>
                   <a:schemeClr val="tx1"/>
                 </a:solidFill>
@@ -8365,7 +8774,7 @@
               <a:t>NOT NULL</a:t>
             </a:r>
             <a:r>
-              <a:rPr lang="zh-TW" altLang="en-US" sz="2400">
+              <a:rPr lang="zh-TW" altLang="en-US" sz="2400" dirty="0">
                 <a:solidFill>
                   <a:schemeClr val="tx1"/>
                 </a:solidFill>
@@ -8373,7 +8782,7 @@
               <a:t> </a:t>
             </a:r>
             <a:r>
-              <a:rPr lang="en-US" altLang="zh-TW" sz="2400">
+              <a:rPr lang="en-US" altLang="zh-TW" sz="2400" dirty="0">
                 <a:solidFill>
                   <a:schemeClr val="tx1"/>
                 </a:solidFill>
@@ -8387,15 +8796,15 @@
               <a:buNone/>
             </a:pPr>
             <a:r>
-              <a:rPr lang="en-US" altLang="zh-TW" sz="2400">
+              <a:rPr lang="en-US" altLang="zh-TW" sz="2400" dirty="0" err="1">
                 <a:solidFill>
                   <a:schemeClr val="tx1"/>
                 </a:solidFill>
               </a:rPr>
-              <a:t>pId       </a:t>
-            </a:r>
-            <a:r>
-              <a:rPr lang="zh-TW" altLang="en-US" sz="2400">
+              <a:t>pId</a:t>
+            </a:r>
+            <a:r>
+              <a:rPr lang="en-US" altLang="zh-TW" sz="2400" dirty="0">
                 <a:solidFill>
                   <a:schemeClr val="tx1"/>
                 </a:solidFill>
@@ -8403,15 +8812,23 @@
               <a:t>       </a:t>
             </a:r>
             <a:r>
-              <a:rPr lang="en-US" altLang="zh-TW" sz="2400" b="1">
+              <a:rPr lang="zh-TW" altLang="en-US" sz="2400" dirty="0">
                 <a:solidFill>
                   <a:schemeClr val="tx1"/>
                 </a:solidFill>
               </a:rPr>
+              <a:t>       </a:t>
+            </a:r>
+            <a:r>
+              <a:rPr lang="en-US" altLang="zh-TW" sz="2400" b="1" dirty="0">
+                <a:solidFill>
+                  <a:schemeClr val="tx1"/>
+                </a:solidFill>
+              </a:rPr>
               <a:t>CHAR</a:t>
             </a:r>
             <a:r>
-              <a:rPr lang="en-US" altLang="zh-TW" sz="2400">
+              <a:rPr lang="en-US" altLang="zh-TW" sz="2400" dirty="0">
                 <a:solidFill>
                   <a:schemeClr val="tx1"/>
                 </a:solidFill>
@@ -8419,7 +8836,7 @@
               <a:t>(10)       </a:t>
             </a:r>
             <a:r>
-              <a:rPr lang="zh-TW" altLang="en-US" sz="2400">
+              <a:rPr lang="zh-TW" altLang="en-US" sz="2400" dirty="0">
                 <a:solidFill>
                   <a:schemeClr val="tx1"/>
                 </a:solidFill>
@@ -8427,7 +8844,7 @@
               <a:t> </a:t>
             </a:r>
             <a:r>
-              <a:rPr lang="en-US" altLang="zh-TW" sz="2400" b="1">
+              <a:rPr lang="en-US" altLang="zh-TW" sz="2400" b="1" dirty="0">
                 <a:solidFill>
                   <a:schemeClr val="tx1"/>
                 </a:solidFill>
@@ -8435,7 +8852,7 @@
               <a:t>NOT NULL </a:t>
             </a:r>
             <a:r>
-              <a:rPr lang="en-US" altLang="zh-TW" sz="2400">
+              <a:rPr lang="en-US" altLang="zh-TW" sz="2400" dirty="0">
                 <a:solidFill>
                   <a:schemeClr val="tx1"/>
                 </a:solidFill>
@@ -8449,7 +8866,7 @@
               <a:buNone/>
             </a:pPr>
             <a:r>
-              <a:rPr lang="en-US" altLang="zh-TW" sz="2400">
+              <a:rPr lang="en-US" altLang="zh-TW" sz="2400" dirty="0">
                 <a:solidFill>
                   <a:schemeClr val="tx1"/>
                 </a:solidFill>
@@ -8457,7 +8874,7 @@
               <a:t>name      </a:t>
             </a:r>
             <a:r>
-              <a:rPr lang="zh-TW" altLang="en-US" sz="2400">
+              <a:rPr lang="zh-TW" altLang="en-US" sz="2400" dirty="0">
                 <a:solidFill>
                   <a:schemeClr val="tx1"/>
                 </a:solidFill>
@@ -8465,7 +8882,7 @@
               <a:t>    </a:t>
             </a:r>
             <a:r>
-              <a:rPr lang="en-US" altLang="zh-TW" sz="2400" b="1">
+              <a:rPr lang="en-US" altLang="zh-TW" sz="2400" b="1" dirty="0">
                 <a:solidFill>
                   <a:schemeClr val="tx1"/>
                 </a:solidFill>
@@ -8473,7 +8890,7 @@
               <a:t>VARCHAR</a:t>
             </a:r>
             <a:r>
-              <a:rPr lang="en-US" altLang="zh-TW" sz="2400">
+              <a:rPr lang="en-US" altLang="zh-TW" sz="2400" dirty="0">
                 <a:solidFill>
                   <a:schemeClr val="tx1"/>
                 </a:solidFill>
@@ -8481,7 +8898,7 @@
               <a:t>(8)   </a:t>
             </a:r>
             <a:r>
-              <a:rPr lang="en-US" altLang="zh-TW" sz="2400" b="1">
+              <a:rPr lang="en-US" altLang="zh-TW" sz="2400" b="1" dirty="0">
                 <a:solidFill>
                   <a:schemeClr val="tx1"/>
                 </a:solidFill>
@@ -8489,7 +8906,7 @@
               <a:t>NOT NULL </a:t>
             </a:r>
             <a:r>
-              <a:rPr lang="en-US" altLang="zh-TW" sz="2400">
+              <a:rPr lang="en-US" altLang="zh-TW" sz="2400" dirty="0">
                 <a:solidFill>
                   <a:schemeClr val="tx1"/>
                 </a:solidFill>
@@ -8503,7 +8920,7 @@
               <a:buNone/>
             </a:pPr>
             <a:r>
-              <a:rPr lang="en-US" altLang="zh-TW" sz="2400">
+              <a:rPr lang="en-US" altLang="zh-TW" sz="2400" dirty="0">
                 <a:solidFill>
                   <a:schemeClr val="tx1"/>
                 </a:solidFill>
@@ -8511,7 +8928,7 @@
               <a:t>birthday  </a:t>
             </a:r>
             <a:r>
-              <a:rPr lang="zh-TW" altLang="en-US" sz="2400">
+              <a:rPr lang="zh-TW" altLang="en-US" sz="2400" dirty="0">
                 <a:solidFill>
                   <a:schemeClr val="tx1"/>
                 </a:solidFill>
@@ -8519,7 +8936,7 @@
               <a:t>    </a:t>
             </a:r>
             <a:r>
-              <a:rPr lang="en-US" altLang="zh-TW" sz="2400" b="1">
+              <a:rPr lang="en-US" altLang="zh-TW" sz="2400" b="1" dirty="0">
                 <a:solidFill>
                   <a:schemeClr val="tx1"/>
                 </a:solidFill>
@@ -8527,7 +8944,7 @@
               <a:t>DATE </a:t>
             </a:r>
             <a:r>
-              <a:rPr lang="en-US" altLang="zh-TW" sz="2400">
+              <a:rPr lang="en-US" altLang="zh-TW" sz="2400" dirty="0">
                 <a:solidFill>
                   <a:schemeClr val="tx1"/>
                 </a:solidFill>
@@ -8541,7 +8958,7 @@
               <a:buNone/>
             </a:pPr>
             <a:r>
-              <a:rPr lang="en-US" altLang="zh-TW" sz="2400">
+              <a:rPr lang="en-US" altLang="zh-TW" sz="2400" dirty="0">
                 <a:solidFill>
                   <a:schemeClr val="tx1"/>
                 </a:solidFill>
@@ -8549,7 +8966,7 @@
               <a:t>phone</a:t>
             </a:r>
             <a:r>
-              <a:rPr lang="zh-TW" altLang="en-US" sz="2400">
+              <a:rPr lang="zh-TW" altLang="en-US" sz="2400" dirty="0">
                 <a:solidFill>
                   <a:schemeClr val="tx1"/>
                 </a:solidFill>
@@ -8557,7 +8974,7 @@
               <a:t>         </a:t>
             </a:r>
             <a:r>
-              <a:rPr lang="en-US" altLang="zh-TW" sz="2400" b="1">
+              <a:rPr lang="en-US" altLang="zh-TW" sz="2400" b="1" dirty="0">
                 <a:solidFill>
                   <a:schemeClr val="tx1"/>
                 </a:solidFill>
@@ -8565,7 +8982,7 @@
               <a:t>VARCHAR</a:t>
             </a:r>
             <a:r>
-              <a:rPr lang="en-US" altLang="zh-TW" sz="2400">
+              <a:rPr lang="en-US" altLang="zh-TW" sz="2400" dirty="0">
                 <a:solidFill>
                   <a:schemeClr val="tx1"/>
                 </a:solidFill>
@@ -8579,7 +8996,7 @@
               <a:buNone/>
             </a:pPr>
             <a:r>
-              <a:rPr lang="en-US" altLang="zh-TW" sz="2400">
+              <a:rPr lang="en-US" altLang="zh-TW" sz="2400" dirty="0">
                 <a:solidFill>
                   <a:schemeClr val="tx1"/>
                 </a:solidFill>
@@ -8587,7 +9004,7 @@
               <a:t>address  </a:t>
             </a:r>
             <a:r>
-              <a:rPr lang="zh-TW" altLang="en-US" sz="2400">
+              <a:rPr lang="zh-TW" altLang="en-US" sz="2400" dirty="0">
                 <a:solidFill>
                   <a:schemeClr val="tx1"/>
                 </a:solidFill>
@@ -8595,7 +9012,7 @@
               <a:t>    </a:t>
             </a:r>
             <a:r>
-              <a:rPr lang="en-US" altLang="zh-TW" sz="2400" b="1">
+              <a:rPr lang="en-US" altLang="zh-TW" sz="2400" b="1" dirty="0">
                 <a:solidFill>
                   <a:schemeClr val="tx1"/>
                 </a:solidFill>
@@ -8603,7 +9020,7 @@
               <a:t>VARCHAR</a:t>
             </a:r>
             <a:r>
-              <a:rPr lang="en-US" altLang="zh-TW" sz="2400">
+              <a:rPr lang="en-US" altLang="zh-TW" sz="2400" dirty="0">
                 <a:solidFill>
                   <a:schemeClr val="tx1"/>
                 </a:solidFill>
@@ -8617,7 +9034,7 @@
               <a:buNone/>
             </a:pPr>
             <a:r>
-              <a:rPr lang="en-US" altLang="zh-TW" sz="2400">
+              <a:rPr lang="en-US" altLang="zh-TW" sz="2400" dirty="0">
                 <a:solidFill>
                   <a:schemeClr val="tx1"/>
                 </a:solidFill>
@@ -8625,7 +9042,7 @@
               <a:t>email      </a:t>
             </a:r>
             <a:r>
-              <a:rPr lang="zh-TW" altLang="en-US" sz="2400">
+              <a:rPr lang="zh-TW" altLang="en-US" sz="2400" dirty="0">
                 <a:solidFill>
                   <a:schemeClr val="tx1"/>
                 </a:solidFill>
@@ -8633,7 +9050,7 @@
               <a:t>     </a:t>
             </a:r>
             <a:r>
-              <a:rPr lang="en-US" altLang="zh-TW" sz="2400" b="1">
+              <a:rPr lang="en-US" altLang="zh-TW" sz="2400" b="1" dirty="0">
                 <a:solidFill>
                   <a:schemeClr val="tx1"/>
                 </a:solidFill>
@@ -8641,7 +9058,7 @@
               <a:t>VARCHAR</a:t>
             </a:r>
             <a:r>
-              <a:rPr lang="en-US" altLang="zh-TW" sz="2400">
+              <a:rPr lang="en-US" altLang="zh-TW" sz="2400" dirty="0">
                 <a:solidFill>
                   <a:schemeClr val="tx1"/>
                 </a:solidFill>
@@ -8655,7 +9072,7 @@
               <a:buNone/>
             </a:pPr>
             <a:r>
-              <a:rPr lang="en-US" altLang="zh-TW" sz="2400">
+              <a:rPr lang="en-US" altLang="zh-TW" sz="2400" dirty="0">
                 <a:solidFill>
                   <a:schemeClr val="tx1"/>
                 </a:solidFill>
@@ -8663,7 +9080,7 @@
               <a:t>introducer   </a:t>
             </a:r>
             <a:r>
-              <a:rPr lang="en-US" altLang="zh-TW" sz="2400" b="1">
+              <a:rPr lang="en-US" altLang="zh-TW" sz="2400" b="1" dirty="0">
                 <a:solidFill>
                   <a:schemeClr val="tx1"/>
                 </a:solidFill>
@@ -8671,7 +9088,7 @@
               <a:t>CHAR</a:t>
             </a:r>
             <a:r>
-              <a:rPr lang="en-US" altLang="zh-TW" sz="2400">
+              <a:rPr lang="en-US" altLang="zh-TW" sz="2400" dirty="0">
                 <a:solidFill>
                   <a:schemeClr val="tx1"/>
                 </a:solidFill>
@@ -8685,7 +9102,7 @@
               <a:buNone/>
             </a:pPr>
             <a:r>
-              <a:rPr lang="en-US" altLang="zh-TW" sz="2400">
+              <a:rPr lang="en-US" altLang="zh-TW" sz="2400" dirty="0">
                 <a:solidFill>
                   <a:schemeClr val="hlink"/>
                 </a:solidFill>
@@ -8699,7 +9116,7 @@
               <a:buNone/>
             </a:pPr>
             <a:r>
-              <a:rPr lang="en-US" altLang="zh-TW" sz="2400" b="1">
+              <a:rPr lang="en-US" altLang="zh-TW" sz="2400" b="1" dirty="0">
                 <a:solidFill>
                   <a:schemeClr val="tx1"/>
                 </a:solidFill>
@@ -8707,14 +9124,30 @@
               <a:t>PRIMARY KEY</a:t>
             </a:r>
             <a:r>
-              <a:rPr lang="en-US" altLang="zh-TW" sz="2400">
+              <a:rPr lang="en-US" altLang="zh-TW" sz="2400" dirty="0">
                 <a:solidFill>
                   <a:schemeClr val="tx1"/>
                 </a:solidFill>
               </a:rPr>
-              <a:t> (mId),</a:t>
-            </a:r>
-            <a:endParaRPr lang="en-US" altLang="zh-TW" sz="2400" b="1">
+              <a:t> (</a:t>
+            </a:r>
+            <a:r>
+              <a:rPr lang="en-US" altLang="zh-TW" sz="2400" dirty="0" err="1">
+                <a:solidFill>
+                  <a:schemeClr val="tx1"/>
+                </a:solidFill>
+              </a:rPr>
+              <a:t>mId</a:t>
+            </a:r>
+            <a:r>
+              <a:rPr lang="en-US" altLang="zh-TW" sz="2400" dirty="0">
+                <a:solidFill>
+                  <a:schemeClr val="tx1"/>
+                </a:solidFill>
+              </a:rPr>
+              <a:t>),</a:t>
+            </a:r>
+            <a:endParaRPr lang="en-US" altLang="zh-TW" sz="2400" b="1" dirty="0">
               <a:solidFill>
                 <a:schemeClr val="tx1"/>
               </a:solidFill>
@@ -8726,7 +9159,7 @@
               <a:buNone/>
             </a:pPr>
             <a:r>
-              <a:rPr lang="en-US" altLang="zh-TW" sz="2400" b="1">
+              <a:rPr lang="en-US" altLang="zh-TW" sz="2400" b="1" dirty="0">
                 <a:solidFill>
                   <a:schemeClr val="tx1"/>
                 </a:solidFill>
@@ -8734,22 +9167,38 @@
               <a:t>UNIQUE</a:t>
             </a:r>
             <a:r>
-              <a:rPr lang="en-US" altLang="zh-TW" sz="2400">
+              <a:rPr lang="en-US" altLang="zh-TW" sz="2400" dirty="0">
                 <a:solidFill>
                   <a:schemeClr val="tx1"/>
                 </a:solidFill>
               </a:rPr>
-              <a:t> (pId)</a:t>
-            </a:r>
-            <a:r>
-              <a:rPr lang="en-US" altLang="zh-TW" sz="2400" b="1">
+              <a:t> (</a:t>
+            </a:r>
+            <a:r>
+              <a:rPr lang="en-US" altLang="zh-TW" sz="2400" dirty="0" err="1">
                 <a:solidFill>
                   <a:schemeClr val="tx1"/>
                 </a:solidFill>
               </a:rPr>
+              <a:t>pId</a:t>
+            </a:r>
+            <a:r>
+              <a:rPr lang="en-US" altLang="zh-TW" sz="2400" dirty="0">
+                <a:solidFill>
+                  <a:schemeClr val="tx1"/>
+                </a:solidFill>
+              </a:rPr>
+              <a:t>)</a:t>
+            </a:r>
+            <a:r>
+              <a:rPr lang="en-US" altLang="zh-TW" sz="2400" b="1" dirty="0">
+                <a:solidFill>
+                  <a:schemeClr val="tx1"/>
+                </a:solidFill>
+              </a:rPr>
               <a:t>,</a:t>
             </a:r>
-            <a:endParaRPr lang="en-US" altLang="zh-TW" sz="2400">
+            <a:endParaRPr lang="en-US" altLang="zh-TW" sz="2400" dirty="0">
               <a:solidFill>
                 <a:schemeClr val="tx1"/>
               </a:solidFill>
@@ -8761,7 +9210,7 @@
               <a:buNone/>
             </a:pPr>
             <a:r>
-              <a:rPr lang="en-US" altLang="zh-TW" sz="2400" b="1">
+              <a:rPr lang="en-US" altLang="zh-TW" sz="2400" b="1" dirty="0">
                 <a:solidFill>
                   <a:schemeClr val="tx1"/>
                 </a:solidFill>
@@ -8769,7 +9218,7 @@
               <a:t>FOREIGN KEY</a:t>
             </a:r>
             <a:r>
-              <a:rPr lang="en-US" altLang="zh-TW" sz="2400">
+              <a:rPr lang="en-US" altLang="zh-TW" sz="2400" dirty="0">
                 <a:solidFill>
                   <a:schemeClr val="tx1"/>
                 </a:solidFill>
@@ -8783,7 +9232,7 @@
               <a:buNone/>
             </a:pPr>
             <a:r>
-              <a:rPr lang="en-US" altLang="zh-TW" sz="2400" b="1">
+              <a:rPr lang="en-US" altLang="zh-TW" sz="2400" b="1" dirty="0">
                 <a:solidFill>
                   <a:schemeClr val="tx1"/>
                 </a:solidFill>
@@ -8791,14 +9240,30 @@
               <a:t>REFERENCES </a:t>
             </a:r>
             <a:r>
-              <a:rPr lang="en-US" altLang="zh-TW" sz="2400">
+              <a:rPr lang="en-US" altLang="zh-TW" sz="2400" dirty="0">
                 <a:solidFill>
                   <a:schemeClr val="tx1"/>
                 </a:solidFill>
               </a:rPr>
-              <a:t>Member(mId)</a:t>
-            </a:r>
-            <a:endParaRPr lang="en-US" altLang="zh-TW" sz="2400" b="1">
+              <a:t>Member(</a:t>
+            </a:r>
+            <a:r>
+              <a:rPr lang="en-US" altLang="zh-TW" sz="2400" dirty="0" err="1">
+                <a:solidFill>
+                  <a:schemeClr val="tx1"/>
+                </a:solidFill>
+              </a:rPr>
+              <a:t>mId</a:t>
+            </a:r>
+            <a:r>
+              <a:rPr lang="en-US" altLang="zh-TW" sz="2400" dirty="0">
+                <a:solidFill>
+                  <a:schemeClr val="tx1"/>
+                </a:solidFill>
+              </a:rPr>
+              <a:t>)</a:t>
+            </a:r>
+            <a:endParaRPr lang="en-US" altLang="zh-TW" sz="2400" b="1" dirty="0">
               <a:solidFill>
                 <a:schemeClr val="tx1"/>
               </a:solidFill>
@@ -8810,7 +9275,7 @@
               <a:buNone/>
             </a:pPr>
             <a:r>
-              <a:rPr lang="en-US" altLang="zh-TW" sz="2400" b="1">
+              <a:rPr lang="en-US" altLang="zh-TW" sz="2400" b="1" dirty="0">
                 <a:solidFill>
                   <a:schemeClr val="tx1"/>
                 </a:solidFill>
@@ -8818,7 +9283,7 @@
               <a:t>ON DELETE</a:t>
             </a:r>
             <a:r>
-              <a:rPr lang="en-US" altLang="zh-TW" sz="2400">
+              <a:rPr lang="en-US" altLang="zh-TW" sz="2400" dirty="0">
                 <a:solidFill>
                   <a:schemeClr val="tx1"/>
                 </a:solidFill>
@@ -8826,7 +9291,7 @@
               <a:t> </a:t>
             </a:r>
             <a:r>
-              <a:rPr lang="en-US" altLang="zh-TW" sz="2400" b="1">
+              <a:rPr lang="en-US" altLang="zh-TW" sz="2400" b="1" dirty="0">
                 <a:solidFill>
                   <a:schemeClr val="tx1"/>
                 </a:solidFill>
@@ -8834,7 +9299,7 @@
               <a:t>SET NULL</a:t>
             </a:r>
             <a:r>
-              <a:rPr lang="en-US" altLang="zh-TW" sz="2400">
+              <a:rPr lang="en-US" altLang="zh-TW" sz="2400" dirty="0">
                 <a:solidFill>
                   <a:schemeClr val="tx1"/>
                 </a:solidFill>
@@ -8842,7 +9307,7 @@
               <a:t> </a:t>
             </a:r>
             <a:r>
-              <a:rPr lang="en-US" altLang="zh-TW" sz="2400" b="1">
+              <a:rPr lang="en-US" altLang="zh-TW" sz="2400" b="1" dirty="0">
                 <a:solidFill>
                   <a:schemeClr val="tx1"/>
                 </a:solidFill>
@@ -8850,7 +9315,7 @@
               <a:t>ON UPDATE</a:t>
             </a:r>
             <a:r>
-              <a:rPr lang="en-US" altLang="zh-TW" sz="2400">
+              <a:rPr lang="en-US" altLang="zh-TW" sz="2400" dirty="0">
                 <a:solidFill>
                   <a:schemeClr val="tx1"/>
                 </a:solidFill>
@@ -8858,7 +9323,7 @@
               <a:t> </a:t>
             </a:r>
             <a:r>
-              <a:rPr lang="en-US" altLang="zh-TW" sz="2400" b="1">
+              <a:rPr lang="en-US" altLang="zh-TW" sz="2400" b="1" dirty="0">
                 <a:solidFill>
                   <a:schemeClr val="tx1"/>
                 </a:solidFill>
@@ -8872,7 +9337,7 @@
               <a:buNone/>
             </a:pPr>
             <a:r>
-              <a:rPr lang="en-US" altLang="zh-TW" sz="2400" b="1">
+              <a:rPr lang="en-US" altLang="zh-TW" sz="2400" b="1" dirty="0">
                 <a:solidFill>
                   <a:schemeClr val="tx1"/>
                 </a:solidFill>
@@ -8905,7 +9370,7 @@
           <a:p>
             <a:fld id="{A9B834FA-4627-44EF-A0F9-6FB4B283ED8E}" type="datetime1">
               <a:rPr lang="zh-TW" altLang="en-US" smtClean="0"/>
-              <a:t>2025/10/17</a:t>
+              <a:t>2025/11/8</a:t>
             </a:fld>
             <a:endParaRPr lang="zh-TW" altLang="en-US"/>
           </a:p>
@@ -8934,7 +9399,7 @@
           <a:p>
             <a:fld id="{3F90885F-363B-4E17-8682-14738066703A}" type="slidenum">
               <a:rPr lang="zh-TW" altLang="en-US" smtClean="0"/>
-              <a:t>11</a:t>
+              <a:t>12</a:t>
             </a:fld>
             <a:endParaRPr lang="zh-TW" altLang="en-US"/>
           </a:p>
@@ -9067,13 +9532,13 @@
   <p:clrMapOvr>
     <a:masterClrMapping/>
   </p:clrMapOvr>
-  <mc:AlternateContent xmlns:mc="http://schemas.openxmlformats.org/markup-compatibility/2006">
-    <mc:Choice xmlns:p14="http://schemas.microsoft.com/office/powerpoint/2010/main" Requires="p14">
+  <mc:AlternateContent xmlns:mc="http://schemas.openxmlformats.org/markup-compatibility/2006" xmlns:p14="http://schemas.microsoft.com/office/powerpoint/2010/main">
+    <mc:Choice Requires="p14">
       <p:transition spd="slow" p14:dur="2000">
         <p:cut/>
       </p:transition>
     </mc:Choice>
-    <mc:Fallback>
+    <mc:Fallback xmlns="">
       <p:transition spd="slow">
         <p:cut/>
       </p:transition>
@@ -9082,7 +9547,7 @@
 </p:sld>
 </file>
 
-<file path=ppt/slides/slide12.xml><?xml version="1.0" encoding="utf-8"?>
+<file path=ppt/slides/slide13.xml><?xml version="1.0" encoding="utf-8"?>
 <p:sld xmlns:a="http://schemas.openxmlformats.org/drawingml/2006/main" xmlns:r="http://schemas.openxmlformats.org/officeDocument/2006/relationships" xmlns:p="http://schemas.openxmlformats.org/presentationml/2006/main">
   <p:cSld>
     <p:spTree>
@@ -9548,7 +10013,7 @@
           <a:p>
             <a:fld id="{181576F0-0CF9-49E5-8C5B-3E05609C062C}" type="datetime1">
               <a:rPr lang="zh-TW" altLang="en-US" smtClean="0"/>
-              <a:t>2025/10/17</a:t>
+              <a:t>2025/11/8</a:t>
             </a:fld>
             <a:endParaRPr lang="zh-TW" altLang="en-US"/>
           </a:p>
@@ -9577,7 +10042,7 @@
           <a:p>
             <a:fld id="{3F90885F-363B-4E17-8682-14738066703A}" type="slidenum">
               <a:rPr lang="zh-TW" altLang="en-US" smtClean="0"/>
-              <a:t>12</a:t>
+              <a:t>13</a:t>
             </a:fld>
             <a:endParaRPr lang="zh-TW" altLang="en-US"/>
           </a:p>
@@ -9593,13 +10058,13 @@
   <p:clrMapOvr>
     <a:masterClrMapping/>
   </p:clrMapOvr>
-  <mc:AlternateContent xmlns:mc="http://schemas.openxmlformats.org/markup-compatibility/2006">
-    <mc:Choice xmlns:p14="http://schemas.microsoft.com/office/powerpoint/2010/main" Requires="p14">
+  <mc:AlternateContent xmlns:mc="http://schemas.openxmlformats.org/markup-compatibility/2006" xmlns:p14="http://schemas.microsoft.com/office/powerpoint/2010/main">
+    <mc:Choice Requires="p14">
       <p:transition spd="slow" p14:dur="2000">
         <p:cut/>
       </p:transition>
     </mc:Choice>
-    <mc:Fallback>
+    <mc:Fallback xmlns="">
       <p:transition spd="slow">
         <p:cut/>
       </p:transition>
@@ -9608,7 +10073,7 @@
 </p:sld>
 </file>
 
-<file path=ppt/slides/slide13.xml><?xml version="1.0" encoding="utf-8"?>
+<file path=ppt/slides/slide14.xml><?xml version="1.0" encoding="utf-8"?>
 <p:sld xmlns:a="http://schemas.openxmlformats.org/drawingml/2006/main" xmlns:r="http://schemas.openxmlformats.org/officeDocument/2006/relationships" xmlns:p="http://schemas.openxmlformats.org/presentationml/2006/main">
   <p:cSld>
     <p:spTree>
@@ -9950,7 +10415,7 @@
           <a:p>
             <a:fld id="{ACBB6085-7463-4EFB-803E-ECAEAF68E590}" type="datetime1">
               <a:rPr lang="zh-TW" altLang="en-US" smtClean="0"/>
-              <a:t>2025/10/17</a:t>
+              <a:t>2025/11/8</a:t>
             </a:fld>
             <a:endParaRPr lang="zh-TW" altLang="en-US"/>
           </a:p>
@@ -9979,7 +10444,7 @@
           <a:p>
             <a:fld id="{3F90885F-363B-4E17-8682-14738066703A}" type="slidenum">
               <a:rPr lang="zh-TW" altLang="en-US" smtClean="0"/>
-              <a:t>13</a:t>
+              <a:t>14</a:t>
             </a:fld>
             <a:endParaRPr lang="zh-TW" altLang="en-US"/>
           </a:p>
@@ -9995,13 +10460,13 @@
   <p:clrMapOvr>
     <a:masterClrMapping/>
   </p:clrMapOvr>
-  <mc:AlternateContent xmlns:mc="http://schemas.openxmlformats.org/markup-compatibility/2006">
-    <mc:Choice xmlns:p14="http://schemas.microsoft.com/office/powerpoint/2010/main" Requires="p14">
+  <mc:AlternateContent xmlns:mc="http://schemas.openxmlformats.org/markup-compatibility/2006" xmlns:p14="http://schemas.microsoft.com/office/powerpoint/2010/main">
+    <mc:Choice Requires="p14">
       <p:transition spd="slow" p14:dur="2000">
         <p:cut/>
       </p:transition>
     </mc:Choice>
-    <mc:Fallback>
+    <mc:Fallback xmlns="">
       <p:transition spd="slow">
         <p:cut/>
       </p:transition>
@@ -10010,7 +10475,7 @@
 </p:sld>
 </file>
 
-<file path=ppt/slides/slide14.xml><?xml version="1.0" encoding="utf-8"?>
+<file path=ppt/slides/slide15.xml><?xml version="1.0" encoding="utf-8"?>
 <p:sld xmlns:a="http://schemas.openxmlformats.org/drawingml/2006/main" xmlns:r="http://schemas.openxmlformats.org/officeDocument/2006/relationships" xmlns:p="http://schemas.openxmlformats.org/presentationml/2006/main">
   <p:cSld>
     <p:spTree>
@@ -10259,7 +10724,7 @@
           <a:p>
             <a:fld id="{8AAE7028-D050-4F27-B436-C4FD4FB2CC74}" type="datetime1">
               <a:rPr lang="zh-TW" altLang="en-US" smtClean="0"/>
-              <a:t>2025/10/17</a:t>
+              <a:t>2025/11/8</a:t>
             </a:fld>
             <a:endParaRPr lang="zh-TW" altLang="en-US"/>
           </a:p>
@@ -10288,7 +10753,7 @@
           <a:p>
             <a:fld id="{3F90885F-363B-4E17-8682-14738066703A}" type="slidenum">
               <a:rPr lang="zh-TW" altLang="en-US" smtClean="0"/>
-              <a:t>14</a:t>
+              <a:t>15</a:t>
             </a:fld>
             <a:endParaRPr lang="zh-TW" altLang="en-US"/>
           </a:p>
@@ -10304,13 +10769,13 @@
   <p:clrMapOvr>
     <a:masterClrMapping/>
   </p:clrMapOvr>
-  <mc:AlternateContent xmlns:mc="http://schemas.openxmlformats.org/markup-compatibility/2006">
-    <mc:Choice xmlns:p14="http://schemas.microsoft.com/office/powerpoint/2010/main" Requires="p14">
+  <mc:AlternateContent xmlns:mc="http://schemas.openxmlformats.org/markup-compatibility/2006" xmlns:p14="http://schemas.microsoft.com/office/powerpoint/2010/main">
+    <mc:Choice Requires="p14">
       <p:transition spd="slow" p14:dur="2000">
         <p:cut/>
       </p:transition>
     </mc:Choice>
-    <mc:Fallback>
+    <mc:Fallback xmlns="">
       <p:transition spd="slow">
         <p:cut/>
       </p:transition>
@@ -10319,7 +10784,7 @@
 </p:sld>
 </file>
 
-<file path=ppt/slides/slide15.xml><?xml version="1.0" encoding="utf-8"?>
+<file path=ppt/slides/slide16.xml><?xml version="1.0" encoding="utf-8"?>
 <p:sld xmlns:a="http://schemas.openxmlformats.org/drawingml/2006/main" xmlns:r="http://schemas.openxmlformats.org/officeDocument/2006/relationships" xmlns:p="http://schemas.openxmlformats.org/presentationml/2006/main">
   <p:cSld>
     <p:spTree>
@@ -10390,132 +10855,212 @@
           <a:lstStyle/>
           <a:p>
             <a:r>
-              <a:rPr lang="en-US" altLang="zh-TW"/>
+              <a:rPr lang="en-US" altLang="zh-TW" dirty="0"/>
               <a:t>NULL</a:t>
             </a:r>
             <a:r>
-              <a:rPr lang="zh-TW" altLang="en-US"/>
+              <a:rPr lang="zh-TW" altLang="en-US" dirty="0"/>
               <a:t> </a:t>
             </a:r>
             <a:r>
-              <a:rPr lang="en-US" altLang="zh-TW"/>
+              <a:rPr lang="en-US" altLang="zh-TW" dirty="0"/>
               <a:t>:</a:t>
             </a:r>
             <a:r>
-              <a:rPr lang="zh-TW" altLang="en-US"/>
-              <a:t> 空值</a:t>
-            </a:r>
-            <a:endParaRPr lang="en-US" altLang="zh-TW"/>
-          </a:p>
-          <a:p>
-            <a:r>
-              <a:rPr lang="en-US" altLang="zh-TW"/>
+              <a:rPr lang="zh-TW" altLang="en-US" dirty="0"/>
+              <a:t> </a:t>
+            </a:r>
+            <a:r>
+              <a:rPr lang="zh-TW" altLang="en-US" dirty="0">
+                <a:solidFill>
+                  <a:schemeClr val="tx1"/>
+                </a:solidFill>
+              </a:rPr>
+              <a:t>空值</a:t>
+            </a:r>
+            <a:endParaRPr lang="en-US" altLang="zh-TW" dirty="0">
+              <a:solidFill>
+                <a:schemeClr val="tx1"/>
+              </a:solidFill>
+            </a:endParaRPr>
+          </a:p>
+          <a:p>
+            <a:r>
+              <a:rPr lang="en-US" altLang="zh-TW" dirty="0"/>
               <a:t>INTEGER</a:t>
             </a:r>
             <a:r>
-              <a:rPr lang="zh-TW" altLang="en-US"/>
+              <a:rPr lang="zh-TW" altLang="en-US" dirty="0"/>
               <a:t> </a:t>
             </a:r>
             <a:r>
-              <a:rPr lang="en-US" altLang="zh-TW"/>
+              <a:rPr lang="en-US" altLang="zh-TW" dirty="0"/>
               <a:t>:</a:t>
             </a:r>
             <a:r>
-              <a:rPr lang="zh-TW" altLang="en-US"/>
-              <a:t> 整數</a:t>
-            </a:r>
-            <a:endParaRPr lang="en-US" altLang="zh-TW"/>
-          </a:p>
-          <a:p>
-            <a:r>
-              <a:rPr lang="en-US" altLang="zh-TW"/>
+              <a:rPr lang="zh-TW" altLang="en-US" dirty="0"/>
+              <a:t> </a:t>
+            </a:r>
+            <a:r>
+              <a:rPr lang="zh-TW" altLang="en-US" dirty="0">
+                <a:solidFill>
+                  <a:schemeClr val="tx1"/>
+                </a:solidFill>
+              </a:rPr>
+              <a:t>整數</a:t>
+            </a:r>
+            <a:endParaRPr lang="en-US" altLang="zh-TW" dirty="0">
+              <a:solidFill>
+                <a:schemeClr val="tx1"/>
+              </a:solidFill>
+            </a:endParaRPr>
+          </a:p>
+          <a:p>
+            <a:r>
+              <a:rPr lang="en-US" altLang="zh-TW" dirty="0"/>
               <a:t>REAL</a:t>
             </a:r>
             <a:r>
-              <a:rPr lang="zh-TW" altLang="en-US"/>
+              <a:rPr lang="zh-TW" altLang="en-US" dirty="0"/>
               <a:t> </a:t>
             </a:r>
             <a:r>
-              <a:rPr lang="en-US" altLang="zh-TW"/>
+              <a:rPr lang="en-US" altLang="zh-TW" dirty="0"/>
               <a:t>:</a:t>
             </a:r>
             <a:r>
-              <a:rPr lang="zh-TW" altLang="en-US"/>
-              <a:t> 浮點數</a:t>
-            </a:r>
-            <a:endParaRPr lang="en-US" altLang="zh-TW"/>
-          </a:p>
-          <a:p>
-            <a:r>
-              <a:rPr lang="en-US" altLang="zh-TW"/>
+              <a:rPr lang="zh-TW" altLang="en-US" dirty="0"/>
+              <a:t> </a:t>
+            </a:r>
+            <a:r>
+              <a:rPr lang="zh-TW" altLang="en-US" dirty="0">
+                <a:solidFill>
+                  <a:schemeClr val="tx1"/>
+                </a:solidFill>
+              </a:rPr>
+              <a:t>浮點數</a:t>
+            </a:r>
+            <a:endParaRPr lang="en-US" altLang="zh-TW" dirty="0">
+              <a:solidFill>
+                <a:schemeClr val="tx1"/>
+              </a:solidFill>
+            </a:endParaRPr>
+          </a:p>
+          <a:p>
+            <a:r>
+              <a:rPr lang="en-US" altLang="zh-TW" dirty="0"/>
               <a:t>TEXT</a:t>
             </a:r>
             <a:r>
-              <a:rPr lang="zh-TW" altLang="en-US"/>
+              <a:rPr lang="zh-TW" altLang="en-US" dirty="0"/>
               <a:t> </a:t>
             </a:r>
             <a:r>
-              <a:rPr lang="en-US" altLang="zh-TW"/>
+              <a:rPr lang="en-US" altLang="zh-TW" dirty="0"/>
               <a:t>:</a:t>
             </a:r>
             <a:r>
-              <a:rPr lang="zh-TW" altLang="en-US"/>
-              <a:t> 文字 </a:t>
-            </a:r>
-            <a:r>
-              <a:rPr lang="en-US" altLang="zh-TW"/>
-              <a:t>(</a:t>
-            </a:r>
-            <a:r>
-              <a:rPr lang="zh-TW" altLang="en-US"/>
+              <a:rPr lang="zh-TW" altLang="en-US" dirty="0"/>
+              <a:t> </a:t>
+            </a:r>
+            <a:r>
+              <a:rPr lang="zh-TW" altLang="en-US" dirty="0">
+                <a:solidFill>
+                  <a:schemeClr val="tx1"/>
+                </a:solidFill>
+              </a:rPr>
+              <a:t>文字 </a:t>
+            </a:r>
+            <a:endParaRPr lang="en-US" altLang="zh-TW" dirty="0">
+              <a:solidFill>
+                <a:schemeClr val="tx1"/>
+              </a:solidFill>
+            </a:endParaRPr>
+          </a:p>
+          <a:p>
+            <a:pPr lvl="1"/>
+            <a:r>
+              <a:rPr lang="zh-TW" altLang="en-US" b="1" dirty="0">
+                <a:solidFill>
+                  <a:schemeClr val="tx1"/>
+                </a:solidFill>
+                <a:latin typeface="Microsoft JhengHei" panose="020B0604030504040204" pitchFamily="34" charset="-120"/>
+                <a:ea typeface="Microsoft JhengHei" panose="020B0604030504040204" pitchFamily="34" charset="-120"/>
+              </a:rPr>
               <a:t>日期以文字表示再用函式轉換</a:t>
             </a:r>
-            <a:r>
-              <a:rPr lang="en-US" altLang="zh-TW"/>
-              <a:t>)</a:t>
-            </a:r>
-          </a:p>
-          <a:p>
-            <a:r>
-              <a:rPr lang="en-US" altLang="zh-TW"/>
+            <a:endParaRPr lang="en-US" altLang="zh-TW" b="1" dirty="0">
+              <a:solidFill>
+                <a:schemeClr val="tx1"/>
+              </a:solidFill>
+              <a:latin typeface="Microsoft JhengHei" panose="020B0604030504040204" pitchFamily="34" charset="-120"/>
+              <a:ea typeface="Microsoft JhengHei" panose="020B0604030504040204" pitchFamily="34" charset="-120"/>
+            </a:endParaRPr>
+          </a:p>
+          <a:p>
+            <a:r>
+              <a:rPr lang="en-US" altLang="zh-TW" dirty="0"/>
               <a:t>BLOB</a:t>
             </a:r>
             <a:r>
-              <a:rPr lang="zh-TW" altLang="en-US"/>
+              <a:rPr lang="zh-TW" altLang="en-US" dirty="0"/>
               <a:t> </a:t>
             </a:r>
             <a:r>
-              <a:rPr lang="en-US" altLang="zh-TW"/>
+              <a:rPr lang="en-US" altLang="zh-TW" dirty="0"/>
               <a:t>:</a:t>
             </a:r>
             <a:r>
-              <a:rPr lang="zh-TW" altLang="en-US"/>
+              <a:rPr lang="zh-TW" altLang="en-US" dirty="0"/>
               <a:t> </a:t>
             </a:r>
             <a:r>
-              <a:rPr lang="en-US" altLang="zh-TW"/>
+              <a:rPr lang="en-US" altLang="zh-TW" dirty="0">
+                <a:solidFill>
+                  <a:schemeClr val="tx1"/>
+                </a:solidFill>
+              </a:rPr>
               <a:t>B</a:t>
             </a:r>
             <a:r>
-              <a:rPr lang="en-US" altLang="zh-TW" i="0">
+              <a:rPr lang="en-US" altLang="zh-TW" i="0" dirty="0">
+                <a:solidFill>
+                  <a:schemeClr val="tx1"/>
+                </a:solidFill>
                 <a:effectLst/>
               </a:rPr>
               <a:t>inary Large </a:t>
             </a:r>
             <a:r>
-              <a:rPr lang="en-US" altLang="zh-TW"/>
+              <a:rPr lang="en-US" altLang="zh-TW" dirty="0">
+                <a:solidFill>
+                  <a:schemeClr val="tx1"/>
+                </a:solidFill>
+              </a:rPr>
               <a:t>Object </a:t>
             </a:r>
             <a:r>
-              <a:rPr lang="zh-TW" altLang="en-US"/>
+              <a:rPr lang="zh-TW" altLang="en-US" dirty="0">
+                <a:solidFill>
+                  <a:schemeClr val="tx1"/>
+                </a:solidFill>
+              </a:rPr>
               <a:t>二進位資料儲存，</a:t>
             </a:r>
             <a:r>
-              <a:rPr lang="en-US" altLang="zh-TW"/>
+              <a:rPr lang="en-US" altLang="zh-TW" dirty="0">
+                <a:solidFill>
+                  <a:schemeClr val="tx1"/>
+                </a:solidFill>
+              </a:rPr>
               <a:t>Blob</a:t>
             </a:r>
             <a:r>
-              <a:rPr lang="zh-TW" altLang="en-US"/>
+              <a:rPr lang="zh-TW" altLang="en-US" dirty="0">
+                <a:solidFill>
+                  <a:schemeClr val="tx1"/>
+                </a:solidFill>
+              </a:rPr>
               <a:t>通常是影像、聲音或多媒體檔案</a:t>
             </a:r>
           </a:p>
@@ -10544,7 +11089,7 @@
           <a:p>
             <a:fld id="{C7B59A67-F71B-4DCD-8AD5-5009C1006353}" type="datetime1">
               <a:rPr lang="zh-TW" altLang="en-US" smtClean="0"/>
-              <a:t>2025/10/17</a:t>
+              <a:t>2025/11/8</a:t>
             </a:fld>
             <a:endParaRPr lang="zh-TW" altLang="en-US"/>
           </a:p>
@@ -10573,7 +11118,7 @@
           <a:p>
             <a:fld id="{3F90885F-363B-4E17-8682-14738066703A}" type="slidenum">
               <a:rPr lang="zh-TW" altLang="en-US" smtClean="0"/>
-              <a:t>15</a:t>
+              <a:t>16</a:t>
             </a:fld>
             <a:endParaRPr lang="zh-TW" altLang="en-US"/>
           </a:p>
@@ -10589,13 +11134,13 @@
   <p:clrMapOvr>
     <a:masterClrMapping/>
   </p:clrMapOvr>
-  <mc:AlternateContent xmlns:mc="http://schemas.openxmlformats.org/markup-compatibility/2006">
-    <mc:Choice xmlns:p14="http://schemas.microsoft.com/office/powerpoint/2010/main" Requires="p14">
+  <mc:AlternateContent xmlns:mc="http://schemas.openxmlformats.org/markup-compatibility/2006" xmlns:p14="http://schemas.microsoft.com/office/powerpoint/2010/main">
+    <mc:Choice Requires="p14">
       <p:transition spd="slow" p14:dur="2000">
         <p:cut/>
       </p:transition>
     </mc:Choice>
-    <mc:Fallback>
+    <mc:Fallback xmlns="">
       <p:transition spd="slow">
         <p:cut/>
       </p:transition>
@@ -10604,7 +11149,7 @@
 </p:sld>
 </file>
 
-<file path=ppt/slides/slide16.xml><?xml version="1.0" encoding="utf-8"?>
+<file path=ppt/slides/slide17.xml><?xml version="1.0" encoding="utf-8"?>
 <p:sld xmlns:a="http://schemas.openxmlformats.org/drawingml/2006/main" xmlns:r="http://schemas.openxmlformats.org/officeDocument/2006/relationships" xmlns:p="http://schemas.openxmlformats.org/presentationml/2006/main">
   <p:cSld>
     <p:spTree>
@@ -10878,7 +11423,7 @@
           <a:p>
             <a:fld id="{EE8D8BD6-C802-4B7A-AAAF-87BE5953DF38}" type="datetime1">
               <a:rPr lang="zh-TW" altLang="en-US" smtClean="0"/>
-              <a:t>2025/10/17</a:t>
+              <a:t>2025/11/8</a:t>
             </a:fld>
             <a:endParaRPr lang="zh-TW" altLang="en-US"/>
           </a:p>
@@ -10907,7 +11452,7 @@
           <a:p>
             <a:fld id="{3F90885F-363B-4E17-8682-14738066703A}" type="slidenum">
               <a:rPr lang="zh-TW" altLang="en-US" smtClean="0"/>
-              <a:t>16</a:t>
+              <a:t>17</a:t>
             </a:fld>
             <a:endParaRPr lang="zh-TW" altLang="en-US"/>
           </a:p>
@@ -10923,13 +11468,13 @@
   <p:clrMapOvr>
     <a:masterClrMapping/>
   </p:clrMapOvr>
-  <mc:AlternateContent xmlns:mc="http://schemas.openxmlformats.org/markup-compatibility/2006">
-    <mc:Choice xmlns:p14="http://schemas.microsoft.com/office/powerpoint/2010/main" Requires="p14">
+  <mc:AlternateContent xmlns:mc="http://schemas.openxmlformats.org/markup-compatibility/2006" xmlns:p14="http://schemas.microsoft.com/office/powerpoint/2010/main">
+    <mc:Choice Requires="p14">
       <p:transition spd="slow" p14:dur="2000">
         <p:cut/>
       </p:transition>
     </mc:Choice>
-    <mc:Fallback>
+    <mc:Fallback xmlns="">
       <p:transition spd="slow">
         <p:cut/>
       </p:transition>
@@ -10938,7 +11483,7 @@
 </p:sld>
 </file>
 
-<file path=ppt/slides/slide17.xml><?xml version="1.0" encoding="utf-8"?>
+<file path=ppt/slides/slide18.xml><?xml version="1.0" encoding="utf-8"?>
 <p:sld xmlns:a="http://schemas.openxmlformats.org/drawingml/2006/main" xmlns:r="http://schemas.openxmlformats.org/officeDocument/2006/relationships" xmlns:p="http://schemas.openxmlformats.org/presentationml/2006/main">
   <p:cSld>
     <p:spTree>
@@ -11324,7 +11869,7 @@
           <a:p>
             <a:fld id="{521FA7C5-DF82-4F85-9A3D-D92C0D7A152D}" type="datetime1">
               <a:rPr lang="zh-TW" altLang="en-US" smtClean="0"/>
-              <a:t>2025/10/17</a:t>
+              <a:t>2025/11/8</a:t>
             </a:fld>
             <a:endParaRPr lang="zh-TW" altLang="en-US"/>
           </a:p>
@@ -11353,7 +11898,7 @@
           <a:p>
             <a:fld id="{3F90885F-363B-4E17-8682-14738066703A}" type="slidenum">
               <a:rPr lang="zh-TW" altLang="en-US" smtClean="0"/>
-              <a:t>17</a:t>
+              <a:t>18</a:t>
             </a:fld>
             <a:endParaRPr lang="zh-TW" altLang="en-US"/>
           </a:p>
@@ -11369,13 +11914,13 @@
   <p:clrMapOvr>
     <a:masterClrMapping/>
   </p:clrMapOvr>
-  <mc:AlternateContent xmlns:mc="http://schemas.openxmlformats.org/markup-compatibility/2006">
-    <mc:Choice xmlns:p14="http://schemas.microsoft.com/office/powerpoint/2010/main" Requires="p14">
+  <mc:AlternateContent xmlns:mc="http://schemas.openxmlformats.org/markup-compatibility/2006" xmlns:p14="http://schemas.microsoft.com/office/powerpoint/2010/main">
+    <mc:Choice Requires="p14">
       <p:transition spd="slow" p14:dur="2000">
         <p:cut/>
       </p:transition>
     </mc:Choice>
-    <mc:Fallback>
+    <mc:Fallback xmlns="">
       <p:transition spd="slow">
         <p:cut/>
       </p:transition>
@@ -11384,7 +11929,7 @@
 </p:sld>
 </file>
 
-<file path=ppt/slides/slide18.xml><?xml version="1.0" encoding="utf-8"?>
+<file path=ppt/slides/slide19.xml><?xml version="1.0" encoding="utf-8"?>
 <p:sld xmlns:a="http://schemas.openxmlformats.org/drawingml/2006/main" xmlns:r="http://schemas.openxmlformats.org/officeDocument/2006/relationships" xmlns:p="http://schemas.openxmlformats.org/presentationml/2006/main">
   <p:cSld>
     <p:spTree>
@@ -11483,7 +12028,7 @@
           <a:p>
             <a:fld id="{084391C4-B5F7-406A-AC79-E524857CEEB3}" type="datetime1">
               <a:rPr lang="zh-TW" altLang="en-US" smtClean="0"/>
-              <a:t>2025/10/17</a:t>
+              <a:t>2025/11/8</a:t>
             </a:fld>
             <a:endParaRPr lang="zh-TW" altLang="en-US"/>
           </a:p>
@@ -11512,7 +12057,7 @@
           <a:p>
             <a:fld id="{3F90885F-363B-4E17-8682-14738066703A}" type="slidenum">
               <a:rPr lang="zh-TW" altLang="en-US" smtClean="0"/>
-              <a:t>18</a:t>
+              <a:t>19</a:t>
             </a:fld>
             <a:endParaRPr lang="zh-TW" altLang="en-US"/>
           </a:p>
@@ -11528,13 +12073,13 @@
   <p:clrMapOvr>
     <a:masterClrMapping/>
   </p:clrMapOvr>
-  <mc:AlternateContent xmlns:mc="http://schemas.openxmlformats.org/markup-compatibility/2006">
-    <mc:Choice xmlns:p14="http://schemas.microsoft.com/office/powerpoint/2010/main" Requires="p14">
+  <mc:AlternateContent xmlns:mc="http://schemas.openxmlformats.org/markup-compatibility/2006" xmlns:p14="http://schemas.microsoft.com/office/powerpoint/2010/main">
+    <mc:Choice Requires="p14">
       <p:transition spd="slow" p14:dur="2000">
         <p:cut/>
       </p:transition>
     </mc:Choice>
-    <mc:Fallback>
+    <mc:Fallback xmlns="">
       <p:transition spd="slow">
         <p:cut/>
       </p:transition>
@@ -11543,7 +12088,310 @@
 </p:sld>
 </file>
 
-<file path=ppt/slides/slide19.xml><?xml version="1.0" encoding="utf-8"?>
+<file path=ppt/slides/slide2.xml><?xml version="1.0" encoding="utf-8"?>
+<p:sld xmlns:a="http://schemas.openxmlformats.org/drawingml/2006/main" xmlns:r="http://schemas.openxmlformats.org/officeDocument/2006/relationships" xmlns:p="http://schemas.openxmlformats.org/presentationml/2006/main">
+  <p:cSld>
+    <p:spTree>
+      <p:nvGrpSpPr>
+        <p:cNvPr id="1" name=""/>
+        <p:cNvGrpSpPr/>
+        <p:nvPr/>
+      </p:nvGrpSpPr>
+      <p:grpSpPr>
+        <a:xfrm>
+          <a:off x="0" y="0"/>
+          <a:ext cx="0" cy="0"/>
+          <a:chOff x="0" y="0"/>
+          <a:chExt cx="0" cy="0"/>
+        </a:xfrm>
+      </p:grpSpPr>
+      <p:sp>
+        <p:nvSpPr>
+          <p:cNvPr id="2" name="標題 1">
+            <a:extLst>
+              <a:ext uri="{FF2B5EF4-FFF2-40B4-BE49-F238E27FC236}">
+                <a16:creationId xmlns:a16="http://schemas.microsoft.com/office/drawing/2014/main" id="{6E54EAFE-D6BE-45B3-BBB0-7D25FB2BC229}"/>
+              </a:ext>
+            </a:extLst>
+          </p:cNvPr>
+          <p:cNvSpPr>
+            <a:spLocks noGrp="1"/>
+          </p:cNvSpPr>
+          <p:nvPr>
+            <p:ph type="title"/>
+          </p:nvPr>
+        </p:nvSpPr>
+        <p:spPr/>
+        <p:txBody>
+          <a:bodyPr/>
+          <a:lstStyle/>
+          <a:p>
+            <a:r>
+              <a:rPr lang="zh-TW" altLang="en-US"/>
+              <a:t>關聯式資料庫</a:t>
+            </a:r>
+            <a:r>
+              <a:rPr lang="en-US" altLang="zh-TW"/>
+              <a:t>(Relational Database)</a:t>
+            </a:r>
+            <a:endParaRPr lang="zh-TW" altLang="en-US"/>
+          </a:p>
+        </p:txBody>
+      </p:sp>
+      <p:sp>
+        <p:nvSpPr>
+          <p:cNvPr id="3" name="內容版面配置區 2">
+            <a:extLst>
+              <a:ext uri="{FF2B5EF4-FFF2-40B4-BE49-F238E27FC236}">
+                <a16:creationId xmlns:a16="http://schemas.microsoft.com/office/drawing/2014/main" id="{4F558108-500E-4871-8329-C0168553DA63}"/>
+              </a:ext>
+            </a:extLst>
+          </p:cNvPr>
+          <p:cNvSpPr>
+            <a:spLocks noGrp="1"/>
+          </p:cNvSpPr>
+          <p:nvPr>
+            <p:ph idx="1"/>
+          </p:nvPr>
+        </p:nvSpPr>
+        <p:spPr/>
+        <p:txBody>
+          <a:bodyPr/>
+          <a:lstStyle/>
+          <a:p>
+            <a:r>
+              <a:rPr lang="zh-TW" altLang="en-US"/>
+              <a:t>關聯式資料庫以資料表</a:t>
+            </a:r>
+            <a:r>
+              <a:rPr lang="en-US" altLang="zh-TW"/>
+              <a:t>(tables)</a:t>
+            </a:r>
+            <a:r>
+              <a:rPr lang="zh-TW" altLang="en-US"/>
+              <a:t>的形式儲存資料，其中「行」為屬性、「列」為紀錄</a:t>
+            </a:r>
+            <a:endParaRPr lang="en-US" altLang="zh-TW"/>
+          </a:p>
+          <a:p>
+            <a:r>
+              <a:rPr lang="zh-TW" altLang="en-US"/>
+              <a:t>關聯式資料庫利用資料表連結</a:t>
+            </a:r>
+            <a:r>
+              <a:rPr lang="en-US" altLang="zh-TW"/>
+              <a:t>(link)</a:t>
+            </a:r>
+            <a:r>
+              <a:rPr lang="zh-TW" altLang="en-US"/>
+              <a:t>建立資料表之間的關聯，稱為 </a:t>
+            </a:r>
+            <a:r>
+              <a:rPr lang="en-US" altLang="zh-TW"/>
+              <a:t>joining tables</a:t>
+            </a:r>
+          </a:p>
+          <a:p>
+            <a:r>
+              <a:rPr lang="zh-TW" altLang="en-US"/>
+              <a:t>資料庫由資料表組成，資料表存在一個欄位稱為「主鍵」</a:t>
+            </a:r>
+            <a:r>
+              <a:rPr lang="en-US" altLang="zh-TW"/>
+              <a:t>(primary key)</a:t>
+            </a:r>
+            <a:r>
+              <a:rPr lang="zh-TW" altLang="en-US"/>
+              <a:t>，主鍵可以「唯一鑑別一筆資料出來」，另有一個「外部鍵」</a:t>
+            </a:r>
+            <a:r>
+              <a:rPr lang="en-US" altLang="zh-TW"/>
+              <a:t>(foreign key)</a:t>
+            </a:r>
+            <a:r>
+              <a:rPr lang="zh-TW" altLang="en-US"/>
+              <a:t>，可以參考到另一資料表的主鍵</a:t>
+            </a:r>
+            <a:endParaRPr lang="en-US" altLang="zh-TW"/>
+          </a:p>
+          <a:p>
+            <a:r>
+              <a:rPr lang="zh-TW" altLang="en-US"/>
+              <a:t>關聯式資料庫的好處，包括「彈性」、「</a:t>
+            </a:r>
+            <a:r>
+              <a:rPr lang="en-US" altLang="zh-TW"/>
+              <a:t>ACID</a:t>
+            </a:r>
+            <a:r>
+              <a:rPr lang="zh-TW" altLang="en-US"/>
+              <a:t>合規」、「協作」、「內建安全」、「資料庫正規化」</a:t>
+            </a:r>
+            <a:endParaRPr lang="en-US" altLang="zh-TW"/>
+          </a:p>
+          <a:p>
+            <a:pPr lvl="1"/>
+            <a:r>
+              <a:rPr lang="zh-TW" altLang="en-US" b="1"/>
+              <a:t>資料與程式分離</a:t>
+            </a:r>
+            <a:endParaRPr lang="en-US" altLang="zh-TW" b="1"/>
+          </a:p>
+          <a:p>
+            <a:pPr lvl="1"/>
+            <a:r>
+              <a:rPr lang="en-US" altLang="zh-TW" b="1" i="0">
+                <a:effectLst/>
+                <a:latin typeface="Google Sans Text"/>
+              </a:rPr>
+              <a:t>ACID</a:t>
+            </a:r>
+            <a:r>
+              <a:rPr lang="zh-TW" altLang="en-US" b="1" i="0">
+                <a:effectLst/>
+                <a:latin typeface="Google Sans Text"/>
+              </a:rPr>
+              <a:t>確保資料正確性</a:t>
+            </a:r>
+            <a:r>
+              <a:rPr lang="en-US" altLang="zh-TW" b="1" i="0">
+                <a:effectLst/>
+                <a:latin typeface="Google Sans Text"/>
+              </a:rPr>
+              <a:t>(</a:t>
+            </a:r>
+            <a:r>
+              <a:rPr lang="zh-TW" altLang="en-US" b="1" i="0">
+                <a:effectLst/>
+                <a:latin typeface="Arial" panose="020B0604020202020204" pitchFamily="34" charset="0"/>
+              </a:rPr>
+              <a:t>原子性、一致姓、隔離性、持久性</a:t>
+            </a:r>
+            <a:r>
+              <a:rPr lang="en-US" altLang="zh-TW" b="1" i="0">
+                <a:effectLst/>
+                <a:latin typeface="Google Sans Text"/>
+              </a:rPr>
+              <a:t>)</a:t>
+            </a:r>
+          </a:p>
+          <a:p>
+            <a:pPr lvl="1"/>
+            <a:r>
+              <a:rPr lang="zh-TW" altLang="en-US" b="1">
+                <a:latin typeface="Google Sans Text"/>
+              </a:rPr>
+              <a:t>易用、多人共用</a:t>
+            </a:r>
+            <a:endParaRPr lang="en-US" altLang="zh-TW" b="1">
+              <a:latin typeface="Google Sans Text"/>
+            </a:endParaRPr>
+          </a:p>
+          <a:p>
+            <a:pPr lvl="1"/>
+            <a:r>
+              <a:rPr lang="zh-TW" altLang="en-US" b="1">
+                <a:latin typeface="Google Sans Text"/>
+              </a:rPr>
+              <a:t>依角色存取資料安全性</a:t>
+            </a:r>
+            <a:endParaRPr lang="en-US" altLang="zh-TW" b="1">
+              <a:latin typeface="Google Sans Text"/>
+            </a:endParaRPr>
+          </a:p>
+          <a:p>
+            <a:pPr lvl="1"/>
+            <a:r>
+              <a:rPr lang="zh-TW" altLang="en-US" b="1"/>
+              <a:t>資料正規化防止資料重覆及完整</a:t>
+            </a:r>
+          </a:p>
+        </p:txBody>
+      </p:sp>
+      <p:sp>
+        <p:nvSpPr>
+          <p:cNvPr id="4" name="日期版面配置區 3">
+            <a:extLst>
+              <a:ext uri="{FF2B5EF4-FFF2-40B4-BE49-F238E27FC236}">
+                <a16:creationId xmlns:a16="http://schemas.microsoft.com/office/drawing/2014/main" id="{54C3C073-677F-4A99-A0CD-DF3886E7A348}"/>
+              </a:ext>
+            </a:extLst>
+          </p:cNvPr>
+          <p:cNvSpPr>
+            <a:spLocks noGrp="1"/>
+          </p:cNvSpPr>
+          <p:nvPr>
+            <p:ph type="dt" sz="half" idx="10"/>
+          </p:nvPr>
+        </p:nvSpPr>
+        <p:spPr/>
+        <p:txBody>
+          <a:bodyPr/>
+          <a:lstStyle/>
+          <a:p>
+            <a:fld id="{9F5EFD7E-4320-4648-918F-91126DB645CD}" type="datetime1">
+              <a:rPr lang="zh-TW" altLang="en-US" smtClean="0"/>
+              <a:t>2025/11/8</a:t>
+            </a:fld>
+            <a:endParaRPr lang="zh-TW" altLang="en-US"/>
+          </a:p>
+        </p:txBody>
+      </p:sp>
+      <p:sp>
+        <p:nvSpPr>
+          <p:cNvPr id="5" name="投影片編號版面配置區 4">
+            <a:extLst>
+              <a:ext uri="{FF2B5EF4-FFF2-40B4-BE49-F238E27FC236}">
+                <a16:creationId xmlns:a16="http://schemas.microsoft.com/office/drawing/2014/main" id="{4AB17C0D-D36F-498A-BC32-C1BDFF0B5846}"/>
+              </a:ext>
+            </a:extLst>
+          </p:cNvPr>
+          <p:cNvSpPr>
+            <a:spLocks noGrp="1"/>
+          </p:cNvSpPr>
+          <p:nvPr>
+            <p:ph type="sldNum" sz="quarter" idx="12"/>
+          </p:nvPr>
+        </p:nvSpPr>
+        <p:spPr/>
+        <p:txBody>
+          <a:bodyPr/>
+          <a:lstStyle/>
+          <a:p>
+            <a:fld id="{3F90885F-363B-4E17-8682-14738066703A}" type="slidenum">
+              <a:rPr lang="zh-TW" altLang="en-US" smtClean="0"/>
+              <a:t>2</a:t>
+            </a:fld>
+            <a:endParaRPr lang="zh-TW" altLang="en-US"/>
+          </a:p>
+        </p:txBody>
+      </p:sp>
+    </p:spTree>
+    <p:extLst>
+      <p:ext uri="{BB962C8B-B14F-4D97-AF65-F5344CB8AC3E}">
+        <p14:creationId xmlns:p14="http://schemas.microsoft.com/office/powerpoint/2010/main" val="879157118"/>
+      </p:ext>
+    </p:extLst>
+  </p:cSld>
+  <p:clrMapOvr>
+    <a:masterClrMapping/>
+  </p:clrMapOvr>
+  <mc:AlternateContent xmlns:mc="http://schemas.openxmlformats.org/markup-compatibility/2006" xmlns:p14="http://schemas.microsoft.com/office/powerpoint/2010/main">
+    <mc:Choice Requires="p14">
+      <p:transition spd="slow" p14:dur="2000">
+        <p:cut/>
+      </p:transition>
+    </mc:Choice>
+    <mc:Fallback xmlns="">
+      <p:transition spd="slow">
+        <p:cut/>
+      </p:transition>
+    </mc:Fallback>
+  </mc:AlternateContent>
+</p:sld>
+</file>
+
+<file path=ppt/slides/slide20.xml><?xml version="1.0" encoding="utf-8"?>
 <p:sld xmlns:a="http://schemas.openxmlformats.org/drawingml/2006/main" xmlns:r="http://schemas.openxmlformats.org/officeDocument/2006/relationships" xmlns:p="http://schemas.openxmlformats.org/presentationml/2006/main">
   <p:cSld>
     <p:spTree>
@@ -12251,7 +13099,7 @@
           <a:p>
             <a:fld id="{49F5165D-3A50-4590-82B5-ACF32EC00168}" type="datetime1">
               <a:rPr lang="zh-TW" altLang="en-US" smtClean="0"/>
-              <a:t>2025/10/17</a:t>
+              <a:t>2025/11/8</a:t>
             </a:fld>
             <a:endParaRPr lang="zh-TW" altLang="en-US"/>
           </a:p>
@@ -12280,7 +13128,7 @@
           <a:p>
             <a:fld id="{3F90885F-363B-4E17-8682-14738066703A}" type="slidenum">
               <a:rPr lang="zh-TW" altLang="en-US" smtClean="0"/>
-              <a:t>19</a:t>
+              <a:t>20</a:t>
             </a:fld>
             <a:endParaRPr lang="zh-TW" altLang="en-US"/>
           </a:p>
@@ -12326,13 +13174,13 @@
   <p:clrMapOvr>
     <a:masterClrMapping/>
   </p:clrMapOvr>
-  <mc:AlternateContent xmlns:mc="http://schemas.openxmlformats.org/markup-compatibility/2006">
-    <mc:Choice xmlns:p14="http://schemas.microsoft.com/office/powerpoint/2010/main" Requires="p14">
+  <mc:AlternateContent xmlns:mc="http://schemas.openxmlformats.org/markup-compatibility/2006" xmlns:p14="http://schemas.microsoft.com/office/powerpoint/2010/main">
+    <mc:Choice Requires="p14">
       <p:transition spd="slow" p14:dur="2000">
         <p:cut/>
       </p:transition>
     </mc:Choice>
-    <mc:Fallback>
+    <mc:Fallback xmlns="">
       <p:transition spd="slow">
         <p:cut/>
       </p:transition>
@@ -12341,310 +13189,7 @@
 </p:sld>
 </file>
 
-<file path=ppt/slides/slide2.xml><?xml version="1.0" encoding="utf-8"?>
-<p:sld xmlns:a="http://schemas.openxmlformats.org/drawingml/2006/main" xmlns:r="http://schemas.openxmlformats.org/officeDocument/2006/relationships" xmlns:p="http://schemas.openxmlformats.org/presentationml/2006/main">
-  <p:cSld>
-    <p:spTree>
-      <p:nvGrpSpPr>
-        <p:cNvPr id="1" name=""/>
-        <p:cNvGrpSpPr/>
-        <p:nvPr/>
-      </p:nvGrpSpPr>
-      <p:grpSpPr>
-        <a:xfrm>
-          <a:off x="0" y="0"/>
-          <a:ext cx="0" cy="0"/>
-          <a:chOff x="0" y="0"/>
-          <a:chExt cx="0" cy="0"/>
-        </a:xfrm>
-      </p:grpSpPr>
-      <p:sp>
-        <p:nvSpPr>
-          <p:cNvPr id="2" name="標題 1">
-            <a:extLst>
-              <a:ext uri="{FF2B5EF4-FFF2-40B4-BE49-F238E27FC236}">
-                <a16:creationId xmlns:a16="http://schemas.microsoft.com/office/drawing/2014/main" id="{6E54EAFE-D6BE-45B3-BBB0-7D25FB2BC229}"/>
-              </a:ext>
-            </a:extLst>
-          </p:cNvPr>
-          <p:cNvSpPr>
-            <a:spLocks noGrp="1"/>
-          </p:cNvSpPr>
-          <p:nvPr>
-            <p:ph type="title"/>
-          </p:nvPr>
-        </p:nvSpPr>
-        <p:spPr/>
-        <p:txBody>
-          <a:bodyPr/>
-          <a:lstStyle/>
-          <a:p>
-            <a:r>
-              <a:rPr lang="zh-TW" altLang="en-US"/>
-              <a:t>關聯式資料庫</a:t>
-            </a:r>
-            <a:r>
-              <a:rPr lang="en-US" altLang="zh-TW"/>
-              <a:t>(Relational Database)</a:t>
-            </a:r>
-            <a:endParaRPr lang="zh-TW" altLang="en-US"/>
-          </a:p>
-        </p:txBody>
-      </p:sp>
-      <p:sp>
-        <p:nvSpPr>
-          <p:cNvPr id="3" name="內容版面配置區 2">
-            <a:extLst>
-              <a:ext uri="{FF2B5EF4-FFF2-40B4-BE49-F238E27FC236}">
-                <a16:creationId xmlns:a16="http://schemas.microsoft.com/office/drawing/2014/main" id="{4F558108-500E-4871-8329-C0168553DA63}"/>
-              </a:ext>
-            </a:extLst>
-          </p:cNvPr>
-          <p:cNvSpPr>
-            <a:spLocks noGrp="1"/>
-          </p:cNvSpPr>
-          <p:nvPr>
-            <p:ph idx="1"/>
-          </p:nvPr>
-        </p:nvSpPr>
-        <p:spPr/>
-        <p:txBody>
-          <a:bodyPr/>
-          <a:lstStyle/>
-          <a:p>
-            <a:r>
-              <a:rPr lang="zh-TW" altLang="en-US"/>
-              <a:t>關聯式資料庫以資料表</a:t>
-            </a:r>
-            <a:r>
-              <a:rPr lang="en-US" altLang="zh-TW"/>
-              <a:t>(tables)</a:t>
-            </a:r>
-            <a:r>
-              <a:rPr lang="zh-TW" altLang="en-US"/>
-              <a:t>的形式儲存資料，其中「行」為屬性、「列」為紀錄</a:t>
-            </a:r>
-            <a:endParaRPr lang="en-US" altLang="zh-TW"/>
-          </a:p>
-          <a:p>
-            <a:r>
-              <a:rPr lang="zh-TW" altLang="en-US"/>
-              <a:t>關聯式資料庫利用資料表連結</a:t>
-            </a:r>
-            <a:r>
-              <a:rPr lang="en-US" altLang="zh-TW"/>
-              <a:t>(link)</a:t>
-            </a:r>
-            <a:r>
-              <a:rPr lang="zh-TW" altLang="en-US"/>
-              <a:t>建立資料表之間的關聯，稱為 </a:t>
-            </a:r>
-            <a:r>
-              <a:rPr lang="en-US" altLang="zh-TW"/>
-              <a:t>joining tables</a:t>
-            </a:r>
-          </a:p>
-          <a:p>
-            <a:r>
-              <a:rPr lang="zh-TW" altLang="en-US"/>
-              <a:t>資料庫由資料表組成，資料表存在一個欄位稱為「主鍵」</a:t>
-            </a:r>
-            <a:r>
-              <a:rPr lang="en-US" altLang="zh-TW"/>
-              <a:t>(primary key)</a:t>
-            </a:r>
-            <a:r>
-              <a:rPr lang="zh-TW" altLang="en-US"/>
-              <a:t>，主鍵可以「唯一鑑別一筆資料出來」，另有一個「外部鍵」</a:t>
-            </a:r>
-            <a:r>
-              <a:rPr lang="en-US" altLang="zh-TW"/>
-              <a:t>(foreign key)</a:t>
-            </a:r>
-            <a:r>
-              <a:rPr lang="zh-TW" altLang="en-US"/>
-              <a:t>，可以參考到另一資料表的主鍵</a:t>
-            </a:r>
-            <a:endParaRPr lang="en-US" altLang="zh-TW"/>
-          </a:p>
-          <a:p>
-            <a:r>
-              <a:rPr lang="zh-TW" altLang="en-US"/>
-              <a:t>關聯式資料庫的好處，包括「彈性」、「</a:t>
-            </a:r>
-            <a:r>
-              <a:rPr lang="en-US" altLang="zh-TW"/>
-              <a:t>ACID</a:t>
-            </a:r>
-            <a:r>
-              <a:rPr lang="zh-TW" altLang="en-US"/>
-              <a:t>合規」、「協作」、「內建安全」、「資料庫正規化」</a:t>
-            </a:r>
-            <a:endParaRPr lang="en-US" altLang="zh-TW"/>
-          </a:p>
-          <a:p>
-            <a:pPr lvl="1"/>
-            <a:r>
-              <a:rPr lang="zh-TW" altLang="en-US" b="1"/>
-              <a:t>資料與程式分離</a:t>
-            </a:r>
-            <a:endParaRPr lang="en-US" altLang="zh-TW" b="1"/>
-          </a:p>
-          <a:p>
-            <a:pPr lvl="1"/>
-            <a:r>
-              <a:rPr lang="en-US" altLang="zh-TW" b="1" i="0">
-                <a:effectLst/>
-                <a:latin typeface="Google Sans Text"/>
-              </a:rPr>
-              <a:t>ACID</a:t>
-            </a:r>
-            <a:r>
-              <a:rPr lang="zh-TW" altLang="en-US" b="1" i="0">
-                <a:effectLst/>
-                <a:latin typeface="Google Sans Text"/>
-              </a:rPr>
-              <a:t>確保資料正確性</a:t>
-            </a:r>
-            <a:r>
-              <a:rPr lang="en-US" altLang="zh-TW" b="1" i="0">
-                <a:effectLst/>
-                <a:latin typeface="Google Sans Text"/>
-              </a:rPr>
-              <a:t>(</a:t>
-            </a:r>
-            <a:r>
-              <a:rPr lang="zh-TW" altLang="en-US" b="1" i="0">
-                <a:effectLst/>
-                <a:latin typeface="Arial" panose="020B0604020202020204" pitchFamily="34" charset="0"/>
-              </a:rPr>
-              <a:t>原子性、一致姓、隔離性、持久性</a:t>
-            </a:r>
-            <a:r>
-              <a:rPr lang="en-US" altLang="zh-TW" b="1" i="0">
-                <a:effectLst/>
-                <a:latin typeface="Google Sans Text"/>
-              </a:rPr>
-              <a:t>)</a:t>
-            </a:r>
-          </a:p>
-          <a:p>
-            <a:pPr lvl="1"/>
-            <a:r>
-              <a:rPr lang="zh-TW" altLang="en-US" b="1">
-                <a:latin typeface="Google Sans Text"/>
-              </a:rPr>
-              <a:t>易用、多人共用</a:t>
-            </a:r>
-            <a:endParaRPr lang="en-US" altLang="zh-TW" b="1">
-              <a:latin typeface="Google Sans Text"/>
-            </a:endParaRPr>
-          </a:p>
-          <a:p>
-            <a:pPr lvl="1"/>
-            <a:r>
-              <a:rPr lang="zh-TW" altLang="en-US" b="1">
-                <a:latin typeface="Google Sans Text"/>
-              </a:rPr>
-              <a:t>依角色存取資料安全性</a:t>
-            </a:r>
-            <a:endParaRPr lang="en-US" altLang="zh-TW" b="1">
-              <a:latin typeface="Google Sans Text"/>
-            </a:endParaRPr>
-          </a:p>
-          <a:p>
-            <a:pPr lvl="1"/>
-            <a:r>
-              <a:rPr lang="zh-TW" altLang="en-US" b="1"/>
-              <a:t>資料正規化防止資料重覆及完整</a:t>
-            </a:r>
-          </a:p>
-        </p:txBody>
-      </p:sp>
-      <p:sp>
-        <p:nvSpPr>
-          <p:cNvPr id="4" name="日期版面配置區 3">
-            <a:extLst>
-              <a:ext uri="{FF2B5EF4-FFF2-40B4-BE49-F238E27FC236}">
-                <a16:creationId xmlns:a16="http://schemas.microsoft.com/office/drawing/2014/main" id="{54C3C073-677F-4A99-A0CD-DF3886E7A348}"/>
-              </a:ext>
-            </a:extLst>
-          </p:cNvPr>
-          <p:cNvSpPr>
-            <a:spLocks noGrp="1"/>
-          </p:cNvSpPr>
-          <p:nvPr>
-            <p:ph type="dt" sz="half" idx="10"/>
-          </p:nvPr>
-        </p:nvSpPr>
-        <p:spPr/>
-        <p:txBody>
-          <a:bodyPr/>
-          <a:lstStyle/>
-          <a:p>
-            <a:fld id="{9F5EFD7E-4320-4648-918F-91126DB645CD}" type="datetime1">
-              <a:rPr lang="zh-TW" altLang="en-US" smtClean="0"/>
-              <a:t>2025/10/17</a:t>
-            </a:fld>
-            <a:endParaRPr lang="zh-TW" altLang="en-US"/>
-          </a:p>
-        </p:txBody>
-      </p:sp>
-      <p:sp>
-        <p:nvSpPr>
-          <p:cNvPr id="5" name="投影片編號版面配置區 4">
-            <a:extLst>
-              <a:ext uri="{FF2B5EF4-FFF2-40B4-BE49-F238E27FC236}">
-                <a16:creationId xmlns:a16="http://schemas.microsoft.com/office/drawing/2014/main" id="{4AB17C0D-D36F-498A-BC32-C1BDFF0B5846}"/>
-              </a:ext>
-            </a:extLst>
-          </p:cNvPr>
-          <p:cNvSpPr>
-            <a:spLocks noGrp="1"/>
-          </p:cNvSpPr>
-          <p:nvPr>
-            <p:ph type="sldNum" sz="quarter" idx="12"/>
-          </p:nvPr>
-        </p:nvSpPr>
-        <p:spPr/>
-        <p:txBody>
-          <a:bodyPr/>
-          <a:lstStyle/>
-          <a:p>
-            <a:fld id="{3F90885F-363B-4E17-8682-14738066703A}" type="slidenum">
-              <a:rPr lang="zh-TW" altLang="en-US" smtClean="0"/>
-              <a:t>2</a:t>
-            </a:fld>
-            <a:endParaRPr lang="zh-TW" altLang="en-US"/>
-          </a:p>
-        </p:txBody>
-      </p:sp>
-    </p:spTree>
-    <p:extLst>
-      <p:ext uri="{BB962C8B-B14F-4D97-AF65-F5344CB8AC3E}">
-        <p14:creationId xmlns:p14="http://schemas.microsoft.com/office/powerpoint/2010/main" val="879157118"/>
-      </p:ext>
-    </p:extLst>
-  </p:cSld>
-  <p:clrMapOvr>
-    <a:masterClrMapping/>
-  </p:clrMapOvr>
-  <mc:AlternateContent xmlns:mc="http://schemas.openxmlformats.org/markup-compatibility/2006">
-    <mc:Choice xmlns:p14="http://schemas.microsoft.com/office/powerpoint/2010/main" Requires="p14">
-      <p:transition spd="slow" p14:dur="2000">
-        <p:cut/>
-      </p:transition>
-    </mc:Choice>
-    <mc:Fallback>
-      <p:transition spd="slow">
-        <p:cut/>
-      </p:transition>
-    </mc:Fallback>
-  </mc:AlternateContent>
-</p:sld>
-</file>
-
-<file path=ppt/slides/slide20.xml><?xml version="1.0" encoding="utf-8"?>
+<file path=ppt/slides/slide21.xml><?xml version="1.0" encoding="utf-8"?>
 <p:sld xmlns:a="http://schemas.openxmlformats.org/drawingml/2006/main" xmlns:r="http://schemas.openxmlformats.org/officeDocument/2006/relationships" xmlns:p="http://schemas.openxmlformats.org/presentationml/2006/main">
   <p:cSld>
     <p:spTree>
@@ -12695,23 +13240,36 @@
           <a:lstStyle/>
           <a:p>
             <a:r>
-              <a:rPr lang="en-US" altLang="zh-TW" sz="2400"/>
-              <a:t>CREATE TABLE  xTransaction</a:t>
-            </a:r>
-          </a:p>
-          <a:p>
-            <a:r>
-              <a:rPr lang="en-US" altLang="zh-TW" sz="2400"/>
+              <a:rPr lang="en-US" altLang="zh-TW" sz="2400" dirty="0"/>
+              <a:t>CREATE TABLE  </a:t>
+            </a:r>
+            <a:r>
+              <a:rPr lang="en-US" altLang="zh-TW" sz="2400" dirty="0" err="1"/>
+              <a:t>xTransaction</a:t>
+            </a:r>
+            <a:endParaRPr lang="en-US" altLang="zh-TW" sz="2400" dirty="0"/>
+          </a:p>
+          <a:p>
+            <a:r>
+              <a:rPr lang="en-US" altLang="zh-TW" sz="2400" dirty="0"/>
               <a:t>(</a:t>
             </a:r>
           </a:p>
           <a:p>
             <a:r>
-              <a:rPr lang="en-US" altLang="zh-TW" sz="2000"/>
-              <a:t>	tNo              CHAR(5)    </a:t>
-            </a:r>
-            <a:r>
-              <a:rPr lang="en-US" altLang="zh-TW" sz="2000">
+              <a:rPr lang="en-US" altLang="zh-TW" sz="2000" dirty="0"/>
+              <a:t>	</a:t>
+            </a:r>
+            <a:r>
+              <a:rPr lang="en-US" altLang="zh-TW" sz="2000" dirty="0" err="1"/>
+              <a:t>tNo</a:t>
+            </a:r>
+            <a:r>
+              <a:rPr lang="en-US" altLang="zh-TW" sz="2000" dirty="0"/>
+              <a:t>              CHAR(5)    </a:t>
+            </a:r>
+            <a:r>
+              <a:rPr lang="en-US" altLang="zh-TW" sz="2000" dirty="0">
                 <a:highlight>
                   <a:srgbClr val="FFFF00"/>
                 </a:highlight>
@@ -12719,68 +13277,124 @@
               <a:t>NOT NULL</a:t>
             </a:r>
             <a:r>
-              <a:rPr lang="en-US" altLang="zh-TW" sz="2000"/>
+              <a:rPr lang="en-US" altLang="zh-TW" sz="2000" dirty="0"/>
               <a:t>,</a:t>
             </a:r>
           </a:p>
           <a:p>
             <a:r>
-              <a:rPr lang="en-US" altLang="zh-TW" sz="2000"/>
-              <a:t>	transMId     CHAR(8)       NOT NULL,</a:t>
-            </a:r>
-          </a:p>
-          <a:p>
-            <a:r>
-              <a:rPr lang="en-US" altLang="zh-TW" sz="2000"/>
-              <a:t>	transTime   DATETIME  NOT NULL,</a:t>
-            </a:r>
-          </a:p>
-          <a:p>
-            <a:r>
-              <a:rPr lang="en-US" altLang="zh-TW" sz="2000"/>
+              <a:rPr lang="en-US" altLang="zh-TW" sz="2000" dirty="0"/>
+              <a:t>	</a:t>
+            </a:r>
+            <a:r>
+              <a:rPr lang="en-US" altLang="zh-TW" sz="2000" dirty="0" err="1"/>
+              <a:t>transMId</a:t>
+            </a:r>
+            <a:r>
+              <a:rPr lang="en-US" altLang="zh-TW" sz="2000" dirty="0"/>
+              <a:t>     CHAR(8)       NOT NULL,</a:t>
+            </a:r>
+          </a:p>
+          <a:p>
+            <a:r>
+              <a:rPr lang="en-US" altLang="zh-TW" sz="2000" dirty="0"/>
+              <a:t>	</a:t>
+            </a:r>
+            <a:r>
+              <a:rPr lang="en-US" altLang="zh-TW" sz="2000" dirty="0" err="1"/>
+              <a:t>transTime</a:t>
+            </a:r>
+            <a:r>
+              <a:rPr lang="en-US" altLang="zh-TW" sz="2000" dirty="0"/>
+              <a:t>   DATETIME  NOT NULL,</a:t>
+            </a:r>
+          </a:p>
+          <a:p>
+            <a:r>
+              <a:rPr lang="en-US" altLang="zh-TW" sz="2000" dirty="0"/>
               <a:t>	method       VARCHAR(5)     NOT NULL,</a:t>
             </a:r>
           </a:p>
           <a:p>
             <a:r>
-              <a:rPr lang="en-US" altLang="zh-TW" sz="2000"/>
-              <a:t>	bankId        VARCHAR(14),</a:t>
-            </a:r>
-          </a:p>
-          <a:p>
-            <a:r>
-              <a:rPr lang="en-US" altLang="zh-TW" sz="2000"/>
-              <a:t>	bankName VARCHAR(20),</a:t>
-            </a:r>
-          </a:p>
-          <a:p>
-            <a:r>
-              <a:rPr lang="en-US" altLang="zh-TW" sz="2000"/>
-              <a:t>	cardId         VARCHAR(10),</a:t>
-            </a:r>
-          </a:p>
-          <a:p>
-            <a:r>
-              <a:rPr lang="en-US" altLang="zh-TW" sz="2000"/>
-              <a:t>	cardType     VARCHAR(10),</a:t>
-            </a:r>
-          </a:p>
-          <a:p>
-            <a:r>
-              <a:rPr lang="en-US" altLang="zh-TW" sz="2000"/>
-              <a:t>	dueDate      DATE,</a:t>
-            </a:r>
-          </a:p>
-          <a:p>
-            <a:endParaRPr lang="en-US" altLang="zh-TW" sz="2000"/>
-          </a:p>
-          <a:p>
-            <a:r>
-              <a:rPr lang="en-US" altLang="zh-TW" sz="2000"/>
+              <a:rPr lang="en-US" altLang="zh-TW" sz="2000" dirty="0"/>
               <a:t>	</a:t>
             </a:r>
             <a:r>
-              <a:rPr lang="en-US" altLang="zh-TW" sz="2000">
+              <a:rPr lang="en-US" altLang="zh-TW" sz="2000" dirty="0" err="1"/>
+              <a:t>bankId</a:t>
+            </a:r>
+            <a:r>
+              <a:rPr lang="en-US" altLang="zh-TW" sz="2000" dirty="0"/>
+              <a:t>        VARCHAR(14),</a:t>
+            </a:r>
+          </a:p>
+          <a:p>
+            <a:r>
+              <a:rPr lang="en-US" altLang="zh-TW" sz="2000" dirty="0"/>
+              <a:t>	</a:t>
+            </a:r>
+            <a:r>
+              <a:rPr lang="en-US" altLang="zh-TW" sz="2000" dirty="0" err="1"/>
+              <a:t>bankName</a:t>
+            </a:r>
+            <a:r>
+              <a:rPr lang="en-US" altLang="zh-TW" sz="2000" dirty="0"/>
+              <a:t> VARCHAR(20),</a:t>
+            </a:r>
+          </a:p>
+          <a:p>
+            <a:r>
+              <a:rPr lang="en-US" altLang="zh-TW" sz="2000" dirty="0"/>
+              <a:t>	</a:t>
+            </a:r>
+            <a:r>
+              <a:rPr lang="en-US" altLang="zh-TW" sz="2000" dirty="0" err="1"/>
+              <a:t>cardId</a:t>
+            </a:r>
+            <a:r>
+              <a:rPr lang="en-US" altLang="zh-TW" sz="2000" dirty="0"/>
+              <a:t>         VARCHAR(10),</a:t>
+            </a:r>
+          </a:p>
+          <a:p>
+            <a:r>
+              <a:rPr lang="en-US" altLang="zh-TW" sz="2000" dirty="0"/>
+              <a:t>	</a:t>
+            </a:r>
+            <a:r>
+              <a:rPr lang="en-US" altLang="zh-TW" sz="2000" dirty="0" err="1"/>
+              <a:t>cardType</a:t>
+            </a:r>
+            <a:r>
+              <a:rPr lang="en-US" altLang="zh-TW" sz="2000" dirty="0"/>
+              <a:t>     VARCHAR(10),</a:t>
+            </a:r>
+          </a:p>
+          <a:p>
+            <a:r>
+              <a:rPr lang="en-US" altLang="zh-TW" sz="2000" dirty="0"/>
+              <a:t>	</a:t>
+            </a:r>
+            <a:r>
+              <a:rPr lang="en-US" altLang="zh-TW" sz="2000" dirty="0" err="1"/>
+              <a:t>dueDate</a:t>
+            </a:r>
+            <a:r>
+              <a:rPr lang="en-US" altLang="zh-TW" sz="2000" dirty="0"/>
+              <a:t>      DATE,</a:t>
+            </a:r>
+          </a:p>
+          <a:p>
+            <a:endParaRPr lang="en-US" altLang="zh-TW" sz="2000" dirty="0"/>
+          </a:p>
+          <a:p>
+            <a:r>
+              <a:rPr lang="en-US" altLang="zh-TW" sz="2000" dirty="0"/>
+              <a:t>	</a:t>
+            </a:r>
+            <a:r>
+              <a:rPr lang="en-US" altLang="zh-TW" sz="2000" dirty="0">
                 <a:highlight>
                   <a:srgbClr val="FFFF00"/>
                 </a:highlight>
@@ -12788,17 +13402,25 @@
               <a:t>PRIMARY KEY </a:t>
             </a:r>
             <a:r>
-              <a:rPr lang="en-US" altLang="zh-TW" sz="2000"/>
-              <a:t>(tNo) ,</a:t>
-            </a:r>
-          </a:p>
-          <a:p>
-            <a:r>
-              <a:rPr lang="en-US" altLang="zh-TW" sz="2000"/>
+              <a:rPr lang="en-US" altLang="zh-TW" sz="2000" dirty="0"/>
+              <a:t>(</a:t>
+            </a:r>
+            <a:r>
+              <a:rPr lang="en-US" altLang="zh-TW" sz="2000" dirty="0" err="1"/>
+              <a:t>tNo</a:t>
+            </a:r>
+            <a:r>
+              <a:rPr lang="en-US" altLang="zh-TW" sz="2000" dirty="0"/>
+              <a:t>) ,</a:t>
+            </a:r>
+          </a:p>
+          <a:p>
+            <a:r>
+              <a:rPr lang="en-US" altLang="zh-TW" sz="2000" dirty="0"/>
               <a:t>	</a:t>
             </a:r>
             <a:r>
-              <a:rPr lang="en-US" altLang="zh-TW" sz="2000">
+              <a:rPr lang="en-US" altLang="zh-TW" sz="2000" dirty="0">
                 <a:highlight>
                   <a:srgbClr val="FFFF00"/>
                 </a:highlight>
@@ -12806,11 +13428,19 @@
               <a:t>FOREIGN KEY </a:t>
             </a:r>
             <a:r>
-              <a:rPr lang="en-US" altLang="zh-TW" sz="2000"/>
-              <a:t>(transMid) </a:t>
-            </a:r>
-            <a:r>
-              <a:rPr lang="en-US" altLang="zh-TW" sz="2000">
+              <a:rPr lang="en-US" altLang="zh-TW" sz="2000" dirty="0"/>
+              <a:t>(</a:t>
+            </a:r>
+            <a:r>
+              <a:rPr lang="en-US" altLang="zh-TW" sz="2000" dirty="0" err="1"/>
+              <a:t>transMid</a:t>
+            </a:r>
+            <a:r>
+              <a:rPr lang="en-US" altLang="zh-TW" sz="2000" dirty="0"/>
+              <a:t>) </a:t>
+            </a:r>
+            <a:r>
+              <a:rPr lang="en-US" altLang="zh-TW" sz="2000" dirty="0">
                 <a:highlight>
                   <a:srgbClr val="FFFF00"/>
                 </a:highlight>
@@ -12818,13 +13448,21 @@
               <a:t>REFERENCES</a:t>
             </a:r>
             <a:r>
-              <a:rPr lang="en-US" altLang="zh-TW" sz="2000"/>
-              <a:t> Member(mId)</a:t>
-            </a:r>
-          </a:p>
-          <a:p>
-            <a:r>
-              <a:rPr lang="en-US" altLang="zh-TW" sz="2400"/>
+              <a:rPr lang="en-US" altLang="zh-TW" sz="2000" dirty="0"/>
+              <a:t> Member(</a:t>
+            </a:r>
+            <a:r>
+              <a:rPr lang="en-US" altLang="zh-TW" sz="2000" dirty="0" err="1"/>
+              <a:t>mId</a:t>
+            </a:r>
+            <a:r>
+              <a:rPr lang="en-US" altLang="zh-TW" sz="2000" dirty="0"/>
+              <a:t>)</a:t>
+            </a:r>
+          </a:p>
+          <a:p>
+            <a:r>
+              <a:rPr lang="en-US" altLang="zh-TW" sz="2400" dirty="0"/>
               <a:t>);</a:t>
             </a:r>
           </a:p>
@@ -13072,7 +13710,7 @@
           <a:p>
             <a:fld id="{FC979A11-F167-4519-837B-91CFBB27FD15}" type="datetime1">
               <a:rPr lang="zh-TW" altLang="en-US" smtClean="0"/>
-              <a:t>2025/10/17</a:t>
+              <a:t>2025/11/8</a:t>
             </a:fld>
             <a:endParaRPr lang="zh-TW" altLang="en-US"/>
           </a:p>
@@ -13101,7 +13739,7 @@
           <a:p>
             <a:fld id="{3F90885F-363B-4E17-8682-14738066703A}" type="slidenum">
               <a:rPr lang="zh-TW" altLang="en-US" smtClean="0"/>
-              <a:t>20</a:t>
+              <a:t>21</a:t>
             </a:fld>
             <a:endParaRPr lang="zh-TW" altLang="en-US"/>
           </a:p>
@@ -13117,13 +13755,13 @@
   <p:clrMapOvr>
     <a:masterClrMapping/>
   </p:clrMapOvr>
-  <mc:AlternateContent xmlns:mc="http://schemas.openxmlformats.org/markup-compatibility/2006">
-    <mc:Choice xmlns:p14="http://schemas.microsoft.com/office/powerpoint/2010/main" Requires="p14">
+  <mc:AlternateContent xmlns:mc="http://schemas.openxmlformats.org/markup-compatibility/2006" xmlns:p14="http://schemas.microsoft.com/office/powerpoint/2010/main">
+    <mc:Choice Requires="p14">
       <p:transition spd="slow" p14:dur="2000">
         <p:cut/>
       </p:transition>
     </mc:Choice>
-    <mc:Fallback>
+    <mc:Fallback xmlns="">
       <p:transition spd="slow">
         <p:cut/>
       </p:transition>
@@ -13132,7 +13770,7 @@
 </p:sld>
 </file>
 
-<file path=ppt/slides/slide21.xml><?xml version="1.0" encoding="utf-8"?>
+<file path=ppt/slides/slide22.xml><?xml version="1.0" encoding="utf-8"?>
 <p:sld xmlns:a="http://schemas.openxmlformats.org/drawingml/2006/main" xmlns:r="http://schemas.openxmlformats.org/officeDocument/2006/relationships" xmlns:p="http://schemas.openxmlformats.org/presentationml/2006/main">
   <p:cSld>
     <p:spTree>
@@ -13346,7 +13984,7 @@
           <a:p>
             <a:fld id="{14536705-3AF2-4423-AE12-3D338DDEC00A}" type="datetime1">
               <a:rPr lang="zh-TW" altLang="en-US" smtClean="0"/>
-              <a:t>2025/10/17</a:t>
+              <a:t>2025/11/8</a:t>
             </a:fld>
             <a:endParaRPr lang="zh-TW" altLang="en-US"/>
           </a:p>
@@ -13375,7 +14013,7 @@
           <a:p>
             <a:fld id="{3F90885F-363B-4E17-8682-14738066703A}" type="slidenum">
               <a:rPr lang="zh-TW" altLang="en-US" smtClean="0"/>
-              <a:t>21</a:t>
+              <a:t>22</a:t>
             </a:fld>
             <a:endParaRPr lang="zh-TW" altLang="en-US"/>
           </a:p>
@@ -13507,13 +14145,13 @@
   <p:clrMapOvr>
     <a:masterClrMapping/>
   </p:clrMapOvr>
-  <mc:AlternateContent xmlns:mc="http://schemas.openxmlformats.org/markup-compatibility/2006">
-    <mc:Choice xmlns:p14="http://schemas.microsoft.com/office/powerpoint/2010/main" Requires="p14">
+  <mc:AlternateContent xmlns:mc="http://schemas.openxmlformats.org/markup-compatibility/2006" xmlns:p14="http://schemas.microsoft.com/office/powerpoint/2010/main">
+    <mc:Choice Requires="p14">
       <p:transition spd="slow" p14:dur="2000">
         <p:cut/>
       </p:transition>
     </mc:Choice>
-    <mc:Fallback>
+    <mc:Fallback xmlns="">
       <p:transition spd="slow">
         <p:cut/>
       </p:transition>
@@ -13643,7 +14281,7 @@
 </p:sld>
 </file>
 
-<file path=ppt/slides/slide22.xml><?xml version="1.0" encoding="utf-8"?>
+<file path=ppt/slides/slide23.xml><?xml version="1.0" encoding="utf-8"?>
 <p:sld xmlns:a="http://schemas.openxmlformats.org/drawingml/2006/main" xmlns:r="http://schemas.openxmlformats.org/officeDocument/2006/relationships" xmlns:p="http://schemas.openxmlformats.org/presentationml/2006/main">
   <p:cSld>
     <p:spTree>
@@ -14174,7 +14812,7 @@
           <a:p>
             <a:fld id="{65F48D55-34C3-4D09-964E-BDBD99034B7B}" type="datetime1">
               <a:rPr lang="zh-TW" altLang="en-US" smtClean="0"/>
-              <a:t>2025/10/17</a:t>
+              <a:t>2025/11/8</a:t>
             </a:fld>
             <a:endParaRPr lang="zh-TW" altLang="en-US"/>
           </a:p>
@@ -14203,7 +14841,7 @@
           <a:p>
             <a:fld id="{3F90885F-363B-4E17-8682-14738066703A}" type="slidenum">
               <a:rPr lang="zh-TW" altLang="en-US" smtClean="0"/>
-              <a:t>22</a:t>
+              <a:t>23</a:t>
             </a:fld>
             <a:endParaRPr lang="zh-TW" altLang="en-US"/>
           </a:p>
@@ -14219,13 +14857,13 @@
   <p:clrMapOvr>
     <a:masterClrMapping/>
   </p:clrMapOvr>
-  <mc:AlternateContent xmlns:mc="http://schemas.openxmlformats.org/markup-compatibility/2006">
-    <mc:Choice xmlns:p14="http://schemas.microsoft.com/office/powerpoint/2010/main" Requires="p14">
+  <mc:AlternateContent xmlns:mc="http://schemas.openxmlformats.org/markup-compatibility/2006" xmlns:p14="http://schemas.microsoft.com/office/powerpoint/2010/main">
+    <mc:Choice Requires="p14">
       <p:transition spd="slow" p14:dur="2000">
         <p:cut/>
       </p:transition>
     </mc:Choice>
-    <mc:Fallback>
+    <mc:Fallback xmlns="">
       <p:transition spd="slow">
         <p:cut/>
       </p:transition>
@@ -14234,7 +14872,7 @@
 </p:sld>
 </file>
 
-<file path=ppt/slides/slide23.xml><?xml version="1.0" encoding="utf-8"?>
+<file path=ppt/slides/slide24.xml><?xml version="1.0" encoding="utf-8"?>
 <p:sld xmlns:a="http://schemas.openxmlformats.org/drawingml/2006/main" xmlns:r="http://schemas.openxmlformats.org/officeDocument/2006/relationships" xmlns:p="http://schemas.openxmlformats.org/presentationml/2006/main">
   <p:cSld>
     <p:spTree>
@@ -14645,7 +15283,7 @@
           <a:p>
             <a:fld id="{0ADDF32B-5DD1-4DFB-B39F-6C02ABC2C1DF}" type="datetime1">
               <a:rPr lang="zh-TW" altLang="en-US" smtClean="0"/>
-              <a:t>2025/10/17</a:t>
+              <a:t>2025/11/8</a:t>
             </a:fld>
             <a:endParaRPr lang="zh-TW" altLang="en-US"/>
           </a:p>
@@ -14674,7 +15312,7 @@
           <a:p>
             <a:fld id="{3F90885F-363B-4E17-8682-14738066703A}" type="slidenum">
               <a:rPr lang="zh-TW" altLang="en-US" smtClean="0"/>
-              <a:t>23</a:t>
+              <a:t>24</a:t>
             </a:fld>
             <a:endParaRPr lang="zh-TW" altLang="en-US"/>
           </a:p>
@@ -14690,13 +15328,13 @@
   <p:clrMapOvr>
     <a:masterClrMapping/>
   </p:clrMapOvr>
-  <mc:AlternateContent xmlns:mc="http://schemas.openxmlformats.org/markup-compatibility/2006">
-    <mc:Choice xmlns:p14="http://schemas.microsoft.com/office/powerpoint/2010/main" Requires="p14">
+  <mc:AlternateContent xmlns:mc="http://schemas.openxmlformats.org/markup-compatibility/2006" xmlns:p14="http://schemas.microsoft.com/office/powerpoint/2010/main">
+    <mc:Choice Requires="p14">
       <p:transition spd="slow" p14:dur="2000">
         <p:cut/>
       </p:transition>
     </mc:Choice>
-    <mc:Fallback>
+    <mc:Fallback xmlns="">
       <p:transition spd="slow">
         <p:cut/>
       </p:transition>
@@ -14705,7 +15343,7 @@
 </p:sld>
 </file>
 
-<file path=ppt/slides/slide24.xml><?xml version="1.0" encoding="utf-8"?>
+<file path=ppt/slides/slide25.xml><?xml version="1.0" encoding="utf-8"?>
 <p:sld xmlns:a="http://schemas.openxmlformats.org/drawingml/2006/main" xmlns:r="http://schemas.openxmlformats.org/officeDocument/2006/relationships" xmlns:p="http://schemas.openxmlformats.org/presentationml/2006/main">
   <p:cSld>
     <p:spTree>
@@ -14940,7 +15578,7 @@
           <a:p>
             <a:fld id="{B7AFE504-B011-41A2-8FC9-AF0371E0717B}" type="datetime1">
               <a:rPr lang="zh-TW" altLang="en-US" smtClean="0"/>
-              <a:t>2025/10/17</a:t>
+              <a:t>2025/11/8</a:t>
             </a:fld>
             <a:endParaRPr lang="zh-TW" altLang="en-US"/>
           </a:p>
@@ -14969,7 +15607,7 @@
           <a:p>
             <a:fld id="{3F90885F-363B-4E17-8682-14738066703A}" type="slidenum">
               <a:rPr lang="zh-TW" altLang="en-US" smtClean="0"/>
-              <a:t>24</a:t>
+              <a:t>25</a:t>
             </a:fld>
             <a:endParaRPr lang="zh-TW" altLang="en-US"/>
           </a:p>
@@ -15044,13 +15682,13 @@
   <p:clrMapOvr>
     <a:masterClrMapping/>
   </p:clrMapOvr>
-  <mc:AlternateContent xmlns:mc="http://schemas.openxmlformats.org/markup-compatibility/2006">
-    <mc:Choice xmlns:p14="http://schemas.microsoft.com/office/powerpoint/2010/main" Requires="p14">
+  <mc:AlternateContent xmlns:mc="http://schemas.openxmlformats.org/markup-compatibility/2006" xmlns:p14="http://schemas.microsoft.com/office/powerpoint/2010/main">
+    <mc:Choice Requires="p14">
       <p:transition spd="slow" p14:dur="2000">
         <p:cut/>
       </p:transition>
     </mc:Choice>
-    <mc:Fallback>
+    <mc:Fallback xmlns="">
       <p:transition spd="slow">
         <p:cut/>
       </p:transition>
@@ -15059,7 +15697,7 @@
 </p:sld>
 </file>
 
-<file path=ppt/slides/slide25.xml><?xml version="1.0" encoding="utf-8"?>
+<file path=ppt/slides/slide26.xml><?xml version="1.0" encoding="utf-8"?>
 <p:sld xmlns:a="http://schemas.openxmlformats.org/drawingml/2006/main" xmlns:r="http://schemas.openxmlformats.org/officeDocument/2006/relationships" xmlns:p="http://schemas.openxmlformats.org/presentationml/2006/main">
   <p:cSld>
     <p:spTree>
@@ -15409,7 +16047,7 @@
           <a:p>
             <a:fld id="{49D9E9D9-3552-4565-BC16-DBECDA5FA702}" type="datetime1">
               <a:rPr lang="zh-TW" altLang="en-US" smtClean="0"/>
-              <a:t>2025/10/17</a:t>
+              <a:t>2025/11/8</a:t>
             </a:fld>
             <a:endParaRPr lang="zh-TW" altLang="en-US"/>
           </a:p>
@@ -15438,7 +16076,7 @@
           <a:p>
             <a:fld id="{3F90885F-363B-4E17-8682-14738066703A}" type="slidenum">
               <a:rPr lang="zh-TW" altLang="en-US" smtClean="0"/>
-              <a:t>25</a:t>
+              <a:t>26</a:t>
             </a:fld>
             <a:endParaRPr lang="zh-TW" altLang="en-US"/>
           </a:p>
@@ -15454,13 +16092,13 @@
   <p:clrMapOvr>
     <a:masterClrMapping/>
   </p:clrMapOvr>
-  <mc:AlternateContent xmlns:mc="http://schemas.openxmlformats.org/markup-compatibility/2006">
-    <mc:Choice xmlns:p14="http://schemas.microsoft.com/office/powerpoint/2010/main" Requires="p14">
+  <mc:AlternateContent xmlns:mc="http://schemas.openxmlformats.org/markup-compatibility/2006" xmlns:p14="http://schemas.microsoft.com/office/powerpoint/2010/main">
+    <mc:Choice Requires="p14">
       <p:transition spd="slow" p14:dur="2000">
         <p:cut/>
       </p:transition>
     </mc:Choice>
-    <mc:Fallback>
+    <mc:Fallback xmlns="">
       <p:transition spd="slow">
         <p:cut/>
       </p:transition>
@@ -15469,7 +16107,7 @@
 </p:sld>
 </file>
 
-<file path=ppt/slides/slide26.xml><?xml version="1.0" encoding="utf-8"?>
+<file path=ppt/slides/slide27.xml><?xml version="1.0" encoding="utf-8"?>
 <p:sld xmlns:a="http://schemas.openxmlformats.org/drawingml/2006/main" xmlns:r="http://schemas.openxmlformats.org/officeDocument/2006/relationships" xmlns:p="http://schemas.openxmlformats.org/presentationml/2006/main">
   <p:cSld>
     <p:spTree>
@@ -15811,7 +16449,7 @@
           <a:p>
             <a:fld id="{63A3CEC0-DBE2-47E7-ABE1-DCA361A65863}" type="datetime1">
               <a:rPr lang="zh-TW" altLang="en-US" smtClean="0"/>
-              <a:t>2025/10/17</a:t>
+              <a:t>2025/11/8</a:t>
             </a:fld>
             <a:endParaRPr lang="zh-TW" altLang="en-US"/>
           </a:p>
@@ -15840,7 +16478,7 @@
           <a:p>
             <a:fld id="{3F90885F-363B-4E17-8682-14738066703A}" type="slidenum">
               <a:rPr lang="zh-TW" altLang="en-US" smtClean="0"/>
-              <a:t>26</a:t>
+              <a:t>27</a:t>
             </a:fld>
             <a:endParaRPr lang="zh-TW" altLang="en-US"/>
           </a:p>
@@ -15856,13 +16494,13 @@
   <p:clrMapOvr>
     <a:masterClrMapping/>
   </p:clrMapOvr>
-  <mc:AlternateContent xmlns:mc="http://schemas.openxmlformats.org/markup-compatibility/2006">
-    <mc:Choice xmlns:p14="http://schemas.microsoft.com/office/powerpoint/2010/main" Requires="p14">
+  <mc:AlternateContent xmlns:mc="http://schemas.openxmlformats.org/markup-compatibility/2006" xmlns:p14="http://schemas.microsoft.com/office/powerpoint/2010/main">
+    <mc:Choice Requires="p14">
       <p:transition spd="slow" p14:dur="2000">
         <p:cut/>
       </p:transition>
     </mc:Choice>
-    <mc:Fallback>
+    <mc:Fallback xmlns="">
       <p:transition spd="slow">
         <p:cut/>
       </p:transition>
@@ -15871,7 +16509,7 @@
 </p:sld>
 </file>
 
-<file path=ppt/slides/slide27.xml><?xml version="1.0" encoding="utf-8"?>
+<file path=ppt/slides/slide28.xml><?xml version="1.0" encoding="utf-8"?>
 <p:sld xmlns:a="http://schemas.openxmlformats.org/drawingml/2006/main" xmlns:r="http://schemas.openxmlformats.org/officeDocument/2006/relationships" xmlns:p="http://schemas.openxmlformats.org/presentationml/2006/main">
   <p:cSld>
     <p:spTree>
@@ -16267,7 +16905,7 @@
           <a:p>
             <a:fld id="{72370A6F-1224-43FD-AAEA-28260D4F7ACC}" type="datetime1">
               <a:rPr lang="zh-TW" altLang="en-US" smtClean="0"/>
-              <a:t>2025/10/17</a:t>
+              <a:t>2025/11/8</a:t>
             </a:fld>
             <a:endParaRPr lang="zh-TW" altLang="en-US"/>
           </a:p>
@@ -16296,7 +16934,7 @@
           <a:p>
             <a:fld id="{3F90885F-363B-4E17-8682-14738066703A}" type="slidenum">
               <a:rPr lang="zh-TW" altLang="en-US" smtClean="0"/>
-              <a:t>27</a:t>
+              <a:t>28</a:t>
             </a:fld>
             <a:endParaRPr lang="zh-TW" altLang="en-US"/>
           </a:p>
@@ -16312,13 +16950,13 @@
   <p:clrMapOvr>
     <a:masterClrMapping/>
   </p:clrMapOvr>
-  <mc:AlternateContent xmlns:mc="http://schemas.openxmlformats.org/markup-compatibility/2006">
-    <mc:Choice xmlns:p14="http://schemas.microsoft.com/office/powerpoint/2010/main" Requires="p14">
+  <mc:AlternateContent xmlns:mc="http://schemas.openxmlformats.org/markup-compatibility/2006" xmlns:p14="http://schemas.microsoft.com/office/powerpoint/2010/main">
+    <mc:Choice Requires="p14">
       <p:transition spd="slow" p14:dur="2000">
         <p:cut/>
       </p:transition>
     </mc:Choice>
-    <mc:Fallback>
+    <mc:Fallback xmlns="">
       <p:transition spd="slow">
         <p:cut/>
       </p:transition>
@@ -16327,7 +16965,7 @@
 </p:sld>
 </file>
 
-<file path=ppt/slides/slide28.xml><?xml version="1.0" encoding="utf-8"?>
+<file path=ppt/slides/slide29.xml><?xml version="1.0" encoding="utf-8"?>
 <p:sld xmlns:a="http://schemas.openxmlformats.org/drawingml/2006/main" xmlns:r="http://schemas.openxmlformats.org/officeDocument/2006/relationships" xmlns:p="http://schemas.openxmlformats.org/presentationml/2006/main">
   <p:cSld>
     <p:spTree>
@@ -16414,468 +17052,13 @@
   <p:clrMapOvr>
     <a:masterClrMapping/>
   </p:clrMapOvr>
-  <mc:AlternateContent xmlns:mc="http://schemas.openxmlformats.org/markup-compatibility/2006">
-    <mc:Choice xmlns:p14="http://schemas.microsoft.com/office/powerpoint/2010/main" Requires="p14">
+  <mc:AlternateContent xmlns:mc="http://schemas.openxmlformats.org/markup-compatibility/2006" xmlns:p14="http://schemas.microsoft.com/office/powerpoint/2010/main">
+    <mc:Choice Requires="p14">
       <p:transition spd="slow" p14:dur="2000">
         <p:cut/>
       </p:transition>
     </mc:Choice>
-    <mc:Fallback>
-      <p:transition spd="slow">
-        <p:cut/>
-      </p:transition>
-    </mc:Fallback>
-  </mc:AlternateContent>
-</p:sld>
-</file>
-
-<file path=ppt/slides/slide29.xml><?xml version="1.0" encoding="utf-8"?>
-<p:sld xmlns:a="http://schemas.openxmlformats.org/drawingml/2006/main" xmlns:r="http://schemas.openxmlformats.org/officeDocument/2006/relationships" xmlns:p="http://schemas.openxmlformats.org/presentationml/2006/main">
-  <p:cSld>
-    <p:spTree>
-      <p:nvGrpSpPr>
-        <p:cNvPr id="1" name=""/>
-        <p:cNvGrpSpPr/>
-        <p:nvPr/>
-      </p:nvGrpSpPr>
-      <p:grpSpPr>
-        <a:xfrm>
-          <a:off x="0" y="0"/>
-          <a:ext cx="0" cy="0"/>
-          <a:chOff x="0" y="0"/>
-          <a:chExt cx="0" cy="0"/>
-        </a:xfrm>
-      </p:grpSpPr>
-      <p:sp>
-        <p:nvSpPr>
-          <p:cNvPr id="2" name="標題 1">
-            <a:extLst>
-              <a:ext uri="{FF2B5EF4-FFF2-40B4-BE49-F238E27FC236}">
-                <a16:creationId xmlns:a16="http://schemas.microsoft.com/office/drawing/2014/main" id="{BDE16164-2E5C-4B1F-80E6-117C83440F63}"/>
-              </a:ext>
-            </a:extLst>
-          </p:cNvPr>
-          <p:cNvSpPr>
-            <a:spLocks noGrp="1"/>
-          </p:cNvSpPr>
-          <p:nvPr>
-            <p:ph type="title"/>
-          </p:nvPr>
-        </p:nvSpPr>
-        <p:spPr/>
-        <p:txBody>
-          <a:bodyPr/>
-          <a:lstStyle/>
-          <a:p>
-            <a:r>
-              <a:rPr lang="zh-TW" altLang="en-US"/>
-              <a:t>新增紀錄</a:t>
-            </a:r>
-          </a:p>
-        </p:txBody>
-      </p:sp>
-      <p:sp>
-        <p:nvSpPr>
-          <p:cNvPr id="3" name="內容版面配置區 2">
-            <a:extLst>
-              <a:ext uri="{FF2B5EF4-FFF2-40B4-BE49-F238E27FC236}">
-                <a16:creationId xmlns:a16="http://schemas.microsoft.com/office/drawing/2014/main" id="{7C564DC3-D42E-428B-9E9A-AFBA787C89BE}"/>
-              </a:ext>
-            </a:extLst>
-          </p:cNvPr>
-          <p:cNvSpPr>
-            <a:spLocks noGrp="1"/>
-          </p:cNvSpPr>
-          <p:nvPr>
-            <p:ph idx="1"/>
-          </p:nvPr>
-        </p:nvSpPr>
-        <p:spPr/>
-        <p:txBody>
-          <a:bodyPr/>
-          <a:lstStyle/>
-          <a:p>
-            <a:pPr marL="0" indent="0">
-              <a:buNone/>
-            </a:pPr>
-            <a:r>
-              <a:rPr lang="en-US" altLang="zh-TW">
-                <a:solidFill>
-                  <a:srgbClr val="0070C0"/>
-                </a:solidFill>
-              </a:rPr>
-              <a:t>INSERT INTO </a:t>
-            </a:r>
-            <a:r>
-              <a:rPr lang="zh-TW" altLang="en-US"/>
-              <a:t>資料表名稱 </a:t>
-            </a:r>
-            <a:r>
-              <a:rPr lang="en-US" altLang="zh-TW"/>
-              <a:t>[&lt;</a:t>
-            </a:r>
-            <a:r>
-              <a:rPr lang="zh-TW" altLang="en-US"/>
-              <a:t>屬性串列</a:t>
-            </a:r>
-            <a:r>
-              <a:rPr lang="en-US" altLang="zh-TW"/>
-              <a:t>&gt;]</a:t>
-            </a:r>
-          </a:p>
-          <a:p>
-            <a:pPr marL="0" indent="0">
-              <a:buNone/>
-            </a:pPr>
-            <a:r>
-              <a:rPr lang="en-US" altLang="zh-TW">
-                <a:solidFill>
-                  <a:srgbClr val="0070C0"/>
-                </a:solidFill>
-              </a:rPr>
-              <a:t>VALUES </a:t>
-            </a:r>
-            <a:r>
-              <a:rPr lang="en-US" altLang="zh-TW"/>
-              <a:t>(&lt;</a:t>
-            </a:r>
-            <a:r>
-              <a:rPr lang="zh-TW" altLang="en-US"/>
-              <a:t>欄位值串列</a:t>
-            </a:r>
-            <a:r>
-              <a:rPr lang="en-US" altLang="zh-TW"/>
-              <a:t>&gt;)</a:t>
-            </a:r>
-          </a:p>
-          <a:p>
-            <a:pPr marL="0" indent="0">
-              <a:buNone/>
-            </a:pPr>
-            <a:endParaRPr lang="en-US" altLang="zh-TW"/>
-          </a:p>
-          <a:p>
-            <a:pPr marL="0" indent="0">
-              <a:buNone/>
-            </a:pPr>
-            <a:r>
-              <a:rPr lang="zh-TW" altLang="en-US"/>
-              <a:t>新增一筆完整記錄到</a:t>
-            </a:r>
-            <a:r>
-              <a:rPr lang="en-US" altLang="zh-TW"/>
-              <a:t>Product</a:t>
-            </a:r>
-            <a:r>
-              <a:rPr lang="zh-TW" altLang="en-US"/>
-              <a:t>資料表</a:t>
-            </a:r>
-            <a:endParaRPr lang="en-US" altLang="zh-TW"/>
-          </a:p>
-          <a:p>
-            <a:pPr marL="0" indent="0">
-              <a:buNone/>
-            </a:pPr>
-            <a:r>
-              <a:rPr lang="en-US" altLang="zh-TW"/>
-              <a:t>	</a:t>
-            </a:r>
-            <a:r>
-              <a:rPr lang="en-US" altLang="zh-TW">
-                <a:solidFill>
-                  <a:srgbClr val="0070C0"/>
-                </a:solidFill>
-              </a:rPr>
-              <a:t>INSERT</a:t>
-            </a:r>
-            <a:r>
-              <a:rPr lang="zh-TW" altLang="en-US">
-                <a:solidFill>
-                  <a:srgbClr val="0070C0"/>
-                </a:solidFill>
-              </a:rPr>
-              <a:t> </a:t>
-            </a:r>
-            <a:r>
-              <a:rPr lang="en-US" altLang="zh-TW">
-                <a:solidFill>
-                  <a:srgbClr val="0070C0"/>
-                </a:solidFill>
-              </a:rPr>
-              <a:t>INTO</a:t>
-            </a:r>
-            <a:r>
-              <a:rPr lang="zh-TW" altLang="en-US">
-                <a:solidFill>
-                  <a:srgbClr val="0070C0"/>
-                </a:solidFill>
-              </a:rPr>
-              <a:t> </a:t>
-            </a:r>
-            <a:r>
-              <a:rPr lang="en-US" altLang="zh-TW">
-                <a:solidFill>
-                  <a:srgbClr val="00B050"/>
-                </a:solidFill>
-              </a:rPr>
-              <a:t>Prodcut</a:t>
-            </a:r>
-          </a:p>
-          <a:p>
-            <a:pPr marL="0" indent="0">
-              <a:buNone/>
-            </a:pPr>
-            <a:r>
-              <a:rPr lang="en-US" altLang="zh-TW">
-                <a:solidFill>
-                  <a:srgbClr val="0070C0"/>
-                </a:solidFill>
-              </a:rPr>
-              <a:t>	VALUES </a:t>
-            </a:r>
-            <a:r>
-              <a:rPr lang="en-US" altLang="zh-TW">
-                <a:solidFill>
-                  <a:schemeClr val="tx1"/>
-                </a:solidFill>
-              </a:rPr>
-              <a:t>(‘b00001’, ‘</a:t>
-            </a:r>
-            <a:r>
-              <a:rPr lang="zh-TW" altLang="en-US">
-                <a:solidFill>
-                  <a:schemeClr val="tx1"/>
-                </a:solidFill>
-              </a:rPr>
-              <a:t>資料庫理論與實務</a:t>
-            </a:r>
-            <a:r>
-              <a:rPr lang="en-US" altLang="zh-TW">
-                <a:solidFill>
-                  <a:schemeClr val="tx1"/>
-                </a:solidFill>
-              </a:rPr>
-              <a:t>’, 500, 'Book’)</a:t>
-            </a:r>
-            <a:r>
-              <a:rPr lang="en-US" altLang="zh-TW">
-                <a:solidFill>
-                  <a:srgbClr val="0070C0"/>
-                </a:solidFill>
-              </a:rPr>
-              <a:t>;</a:t>
-            </a:r>
-          </a:p>
-          <a:p>
-            <a:pPr marL="0" indent="0">
-              <a:buNone/>
-            </a:pPr>
-            <a:r>
-              <a:rPr lang="zh-TW" altLang="en-US">
-                <a:latin typeface="微軟正黑體" panose="020B0604030504040204" pitchFamily="34" charset="-120"/>
-                <a:ea typeface="微軟正黑體" panose="020B0604030504040204" pitchFamily="34" charset="-120"/>
-              </a:rPr>
-              <a:t>新增一筆只含商品編號和商品名稱的記錄到「商品」資料表</a:t>
-            </a:r>
-            <a:endParaRPr lang="en-US" altLang="zh-TW">
-              <a:latin typeface="微軟正黑體" panose="020B0604030504040204" pitchFamily="34" charset="-120"/>
-              <a:ea typeface="微軟正黑體" panose="020B0604030504040204" pitchFamily="34" charset="-120"/>
-            </a:endParaRPr>
-          </a:p>
-          <a:p>
-            <a:pPr marL="0" indent="0">
-              <a:buNone/>
-            </a:pPr>
-            <a:r>
-              <a:rPr lang="en-US" altLang="zh-TW">
-                <a:latin typeface="微軟正黑體" panose="020B0604030504040204" pitchFamily="34" charset="-120"/>
-              </a:rPr>
-              <a:t>	</a:t>
-            </a:r>
-            <a:r>
-              <a:rPr lang="en-US" altLang="zh-TW">
-                <a:solidFill>
-                  <a:srgbClr val="0070C0"/>
-                </a:solidFill>
-              </a:rPr>
-              <a:t>INSERT INTO </a:t>
-            </a:r>
-            <a:r>
-              <a:rPr lang="en-US" altLang="zh-TW">
-                <a:solidFill>
-                  <a:srgbClr val="00B050"/>
-                </a:solidFill>
-              </a:rPr>
-              <a:t>Product</a:t>
-            </a:r>
-            <a:r>
-              <a:rPr lang="en-US" altLang="zh-TW">
-                <a:solidFill>
-                  <a:srgbClr val="0070C0"/>
-                </a:solidFill>
-              </a:rPr>
-              <a:t> (</a:t>
-            </a:r>
-            <a:r>
-              <a:rPr lang="en-US" altLang="zh-TW">
-                <a:solidFill>
-                  <a:srgbClr val="7030A0"/>
-                </a:solidFill>
-              </a:rPr>
-              <a:t>pName</a:t>
-            </a:r>
-            <a:r>
-              <a:rPr lang="en-US" altLang="zh-TW">
-                <a:solidFill>
-                  <a:srgbClr val="0070C0"/>
-                </a:solidFill>
-              </a:rPr>
-              <a:t>, </a:t>
-            </a:r>
-            <a:r>
-              <a:rPr lang="en-US" altLang="zh-TW">
-                <a:solidFill>
-                  <a:srgbClr val="7030A0"/>
-                </a:solidFill>
-              </a:rPr>
-              <a:t>pNo</a:t>
-            </a:r>
-            <a:r>
-              <a:rPr lang="en-US" altLang="zh-TW">
-                <a:solidFill>
-                  <a:srgbClr val="0070C0"/>
-                </a:solidFill>
-              </a:rPr>
-              <a:t>)</a:t>
-            </a:r>
-            <a:endParaRPr lang="zh-TW" altLang="en-US">
-              <a:solidFill>
-                <a:srgbClr val="0070C0"/>
-              </a:solidFill>
-            </a:endParaRPr>
-          </a:p>
-          <a:p>
-            <a:pPr marL="0" indent="0">
-              <a:buNone/>
-            </a:pPr>
-            <a:r>
-              <a:rPr lang="en-US" altLang="zh-TW">
-                <a:solidFill>
-                  <a:srgbClr val="0070C0"/>
-                </a:solidFill>
-              </a:rPr>
-              <a:t>	VALUES </a:t>
-            </a:r>
-            <a:r>
-              <a:rPr lang="en-US" altLang="zh-TW">
-                <a:solidFill>
-                  <a:schemeClr val="tx1"/>
-                </a:solidFill>
-              </a:rPr>
-              <a:t>('</a:t>
-            </a:r>
-            <a:r>
-              <a:rPr lang="zh-TW" altLang="en-US">
-                <a:solidFill>
-                  <a:schemeClr val="tx1"/>
-                </a:solidFill>
-              </a:rPr>
-              <a:t>資料庫管理與系統</a:t>
-            </a:r>
-            <a:r>
-              <a:rPr lang="en-US" altLang="zh-TW">
-                <a:solidFill>
-                  <a:schemeClr val="tx1"/>
-                </a:solidFill>
-              </a:rPr>
-              <a:t>', 'b00001')</a:t>
-            </a:r>
-            <a:r>
-              <a:rPr lang="en-US" altLang="zh-TW">
-                <a:solidFill>
-                  <a:srgbClr val="0070C0"/>
-                </a:solidFill>
-              </a:rPr>
-              <a:t>;</a:t>
-            </a:r>
-          </a:p>
-        </p:txBody>
-      </p:sp>
-      <p:sp>
-        <p:nvSpPr>
-          <p:cNvPr id="4" name="日期版面配置區 3">
-            <a:extLst>
-              <a:ext uri="{FF2B5EF4-FFF2-40B4-BE49-F238E27FC236}">
-                <a16:creationId xmlns:a16="http://schemas.microsoft.com/office/drawing/2014/main" id="{25D97186-7C9B-4F65-83B1-5B9AC14E11D9}"/>
-              </a:ext>
-            </a:extLst>
-          </p:cNvPr>
-          <p:cNvSpPr>
-            <a:spLocks noGrp="1"/>
-          </p:cNvSpPr>
-          <p:nvPr>
-            <p:ph type="dt" sz="half" idx="10"/>
-          </p:nvPr>
-        </p:nvSpPr>
-        <p:spPr/>
-        <p:txBody>
-          <a:bodyPr/>
-          <a:lstStyle/>
-          <a:p>
-            <a:fld id="{AEBBFFB7-19E4-477E-A877-5F6DBA409ACB}" type="datetime1">
-              <a:rPr lang="zh-TW" altLang="en-US" smtClean="0"/>
-              <a:t>2025/10/17</a:t>
-            </a:fld>
-            <a:endParaRPr lang="zh-TW" altLang="en-US"/>
-          </a:p>
-        </p:txBody>
-      </p:sp>
-      <p:sp>
-        <p:nvSpPr>
-          <p:cNvPr id="5" name="投影片編號版面配置區 4">
-            <a:extLst>
-              <a:ext uri="{FF2B5EF4-FFF2-40B4-BE49-F238E27FC236}">
-                <a16:creationId xmlns:a16="http://schemas.microsoft.com/office/drawing/2014/main" id="{9509F0AF-6E63-4AF0-BC2F-54E292197CAA}"/>
-              </a:ext>
-            </a:extLst>
-          </p:cNvPr>
-          <p:cNvSpPr>
-            <a:spLocks noGrp="1"/>
-          </p:cNvSpPr>
-          <p:nvPr>
-            <p:ph type="sldNum" sz="quarter" idx="12"/>
-          </p:nvPr>
-        </p:nvSpPr>
-        <p:spPr/>
-        <p:txBody>
-          <a:bodyPr/>
-          <a:lstStyle/>
-          <a:p>
-            <a:fld id="{3F90885F-363B-4E17-8682-14738066703A}" type="slidenum">
-              <a:rPr lang="zh-TW" altLang="en-US" smtClean="0"/>
-              <a:t>29</a:t>
-            </a:fld>
-            <a:endParaRPr lang="zh-TW" altLang="en-US"/>
-          </a:p>
-        </p:txBody>
-      </p:sp>
-    </p:spTree>
-    <p:extLst>
-      <p:ext uri="{BB962C8B-B14F-4D97-AF65-F5344CB8AC3E}">
-        <p14:creationId xmlns:p14="http://schemas.microsoft.com/office/powerpoint/2010/main" val="2933289885"/>
-      </p:ext>
-    </p:extLst>
-  </p:cSld>
-  <p:clrMapOvr>
-    <a:masterClrMapping/>
-  </p:clrMapOvr>
-  <mc:AlternateContent xmlns:mc="http://schemas.openxmlformats.org/markup-compatibility/2006">
-    <mc:Choice xmlns:p14="http://schemas.microsoft.com/office/powerpoint/2010/main" Requires="p14">
-      <p:transition spd="slow" p14:dur="2000">
-        <p:cut/>
-      </p:transition>
-    </mc:Choice>
-    <mc:Fallback>
+    <mc:Fallback xmlns="">
       <p:transition spd="slow">
         <p:cut/>
       </p:transition>
@@ -17652,7 +17835,7 @@
           <a:p>
             <a:fld id="{C26E654E-7F56-4337-973B-B6D5844EF98D}" type="datetime1">
               <a:rPr lang="zh-TW" altLang="en-US" smtClean="0"/>
-              <a:t>2025/10/17</a:t>
+              <a:t>2025/11/8</a:t>
             </a:fld>
             <a:endParaRPr lang="zh-TW" altLang="en-US"/>
           </a:p>
@@ -17697,13 +17880,13 @@
   <p:clrMapOvr>
     <a:masterClrMapping/>
   </p:clrMapOvr>
-  <mc:AlternateContent xmlns:mc="http://schemas.openxmlformats.org/markup-compatibility/2006">
-    <mc:Choice xmlns:p14="http://schemas.microsoft.com/office/powerpoint/2010/main" Requires="p14">
+  <mc:AlternateContent xmlns:mc="http://schemas.openxmlformats.org/markup-compatibility/2006" xmlns:p14="http://schemas.microsoft.com/office/powerpoint/2010/main">
+    <mc:Choice Requires="p14">
       <p:transition spd="slow" p14:dur="2000">
         <p:cut/>
       </p:transition>
     </mc:Choice>
-    <mc:Fallback>
+    <mc:Fallback xmlns="">
       <p:transition spd="slow">
         <p:cut/>
       </p:transition>
@@ -17713,6 +17896,461 @@
 </file>
 
 <file path=ppt/slides/slide30.xml><?xml version="1.0" encoding="utf-8"?>
+<p:sld xmlns:a="http://schemas.openxmlformats.org/drawingml/2006/main" xmlns:r="http://schemas.openxmlformats.org/officeDocument/2006/relationships" xmlns:p="http://schemas.openxmlformats.org/presentationml/2006/main">
+  <p:cSld>
+    <p:spTree>
+      <p:nvGrpSpPr>
+        <p:cNvPr id="1" name=""/>
+        <p:cNvGrpSpPr/>
+        <p:nvPr/>
+      </p:nvGrpSpPr>
+      <p:grpSpPr>
+        <a:xfrm>
+          <a:off x="0" y="0"/>
+          <a:ext cx="0" cy="0"/>
+          <a:chOff x="0" y="0"/>
+          <a:chExt cx="0" cy="0"/>
+        </a:xfrm>
+      </p:grpSpPr>
+      <p:sp>
+        <p:nvSpPr>
+          <p:cNvPr id="2" name="標題 1">
+            <a:extLst>
+              <a:ext uri="{FF2B5EF4-FFF2-40B4-BE49-F238E27FC236}">
+                <a16:creationId xmlns:a16="http://schemas.microsoft.com/office/drawing/2014/main" id="{BDE16164-2E5C-4B1F-80E6-117C83440F63}"/>
+              </a:ext>
+            </a:extLst>
+          </p:cNvPr>
+          <p:cNvSpPr>
+            <a:spLocks noGrp="1"/>
+          </p:cNvSpPr>
+          <p:nvPr>
+            <p:ph type="title"/>
+          </p:nvPr>
+        </p:nvSpPr>
+        <p:spPr/>
+        <p:txBody>
+          <a:bodyPr/>
+          <a:lstStyle/>
+          <a:p>
+            <a:r>
+              <a:rPr lang="zh-TW" altLang="en-US"/>
+              <a:t>新增紀錄</a:t>
+            </a:r>
+          </a:p>
+        </p:txBody>
+      </p:sp>
+      <p:sp>
+        <p:nvSpPr>
+          <p:cNvPr id="3" name="內容版面配置區 2">
+            <a:extLst>
+              <a:ext uri="{FF2B5EF4-FFF2-40B4-BE49-F238E27FC236}">
+                <a16:creationId xmlns:a16="http://schemas.microsoft.com/office/drawing/2014/main" id="{7C564DC3-D42E-428B-9E9A-AFBA787C89BE}"/>
+              </a:ext>
+            </a:extLst>
+          </p:cNvPr>
+          <p:cNvSpPr>
+            <a:spLocks noGrp="1"/>
+          </p:cNvSpPr>
+          <p:nvPr>
+            <p:ph idx="1"/>
+          </p:nvPr>
+        </p:nvSpPr>
+        <p:spPr/>
+        <p:txBody>
+          <a:bodyPr/>
+          <a:lstStyle/>
+          <a:p>
+            <a:pPr marL="0" indent="0">
+              <a:buNone/>
+            </a:pPr>
+            <a:r>
+              <a:rPr lang="en-US" altLang="zh-TW">
+                <a:solidFill>
+                  <a:srgbClr val="0070C0"/>
+                </a:solidFill>
+              </a:rPr>
+              <a:t>INSERT INTO </a:t>
+            </a:r>
+            <a:r>
+              <a:rPr lang="zh-TW" altLang="en-US"/>
+              <a:t>資料表名稱 </a:t>
+            </a:r>
+            <a:r>
+              <a:rPr lang="en-US" altLang="zh-TW"/>
+              <a:t>[&lt;</a:t>
+            </a:r>
+            <a:r>
+              <a:rPr lang="zh-TW" altLang="en-US"/>
+              <a:t>屬性串列</a:t>
+            </a:r>
+            <a:r>
+              <a:rPr lang="en-US" altLang="zh-TW"/>
+              <a:t>&gt;]</a:t>
+            </a:r>
+          </a:p>
+          <a:p>
+            <a:pPr marL="0" indent="0">
+              <a:buNone/>
+            </a:pPr>
+            <a:r>
+              <a:rPr lang="en-US" altLang="zh-TW">
+                <a:solidFill>
+                  <a:srgbClr val="0070C0"/>
+                </a:solidFill>
+              </a:rPr>
+              <a:t>VALUES </a:t>
+            </a:r>
+            <a:r>
+              <a:rPr lang="en-US" altLang="zh-TW"/>
+              <a:t>(&lt;</a:t>
+            </a:r>
+            <a:r>
+              <a:rPr lang="zh-TW" altLang="en-US"/>
+              <a:t>欄位值串列</a:t>
+            </a:r>
+            <a:r>
+              <a:rPr lang="en-US" altLang="zh-TW"/>
+              <a:t>&gt;)</a:t>
+            </a:r>
+          </a:p>
+          <a:p>
+            <a:pPr marL="0" indent="0">
+              <a:buNone/>
+            </a:pPr>
+            <a:endParaRPr lang="en-US" altLang="zh-TW"/>
+          </a:p>
+          <a:p>
+            <a:pPr marL="0" indent="0">
+              <a:buNone/>
+            </a:pPr>
+            <a:r>
+              <a:rPr lang="zh-TW" altLang="en-US"/>
+              <a:t>新增一筆完整記錄到</a:t>
+            </a:r>
+            <a:r>
+              <a:rPr lang="en-US" altLang="zh-TW"/>
+              <a:t>Product</a:t>
+            </a:r>
+            <a:r>
+              <a:rPr lang="zh-TW" altLang="en-US"/>
+              <a:t>資料表</a:t>
+            </a:r>
+            <a:endParaRPr lang="en-US" altLang="zh-TW"/>
+          </a:p>
+          <a:p>
+            <a:pPr marL="0" indent="0">
+              <a:buNone/>
+            </a:pPr>
+            <a:r>
+              <a:rPr lang="en-US" altLang="zh-TW"/>
+              <a:t>	</a:t>
+            </a:r>
+            <a:r>
+              <a:rPr lang="en-US" altLang="zh-TW">
+                <a:solidFill>
+                  <a:srgbClr val="0070C0"/>
+                </a:solidFill>
+              </a:rPr>
+              <a:t>INSERT</a:t>
+            </a:r>
+            <a:r>
+              <a:rPr lang="zh-TW" altLang="en-US">
+                <a:solidFill>
+                  <a:srgbClr val="0070C0"/>
+                </a:solidFill>
+              </a:rPr>
+              <a:t> </a:t>
+            </a:r>
+            <a:r>
+              <a:rPr lang="en-US" altLang="zh-TW">
+                <a:solidFill>
+                  <a:srgbClr val="0070C0"/>
+                </a:solidFill>
+              </a:rPr>
+              <a:t>INTO</a:t>
+            </a:r>
+            <a:r>
+              <a:rPr lang="zh-TW" altLang="en-US">
+                <a:solidFill>
+                  <a:srgbClr val="0070C0"/>
+                </a:solidFill>
+              </a:rPr>
+              <a:t> </a:t>
+            </a:r>
+            <a:r>
+              <a:rPr lang="en-US" altLang="zh-TW">
+                <a:solidFill>
+                  <a:srgbClr val="00B050"/>
+                </a:solidFill>
+              </a:rPr>
+              <a:t>Prodcut</a:t>
+            </a:r>
+          </a:p>
+          <a:p>
+            <a:pPr marL="0" indent="0">
+              <a:buNone/>
+            </a:pPr>
+            <a:r>
+              <a:rPr lang="en-US" altLang="zh-TW">
+                <a:solidFill>
+                  <a:srgbClr val="0070C0"/>
+                </a:solidFill>
+              </a:rPr>
+              <a:t>	VALUES </a:t>
+            </a:r>
+            <a:r>
+              <a:rPr lang="en-US" altLang="zh-TW">
+                <a:solidFill>
+                  <a:schemeClr val="tx1"/>
+                </a:solidFill>
+              </a:rPr>
+              <a:t>(‘b00001’, ‘</a:t>
+            </a:r>
+            <a:r>
+              <a:rPr lang="zh-TW" altLang="en-US">
+                <a:solidFill>
+                  <a:schemeClr val="tx1"/>
+                </a:solidFill>
+              </a:rPr>
+              <a:t>資料庫理論與實務</a:t>
+            </a:r>
+            <a:r>
+              <a:rPr lang="en-US" altLang="zh-TW">
+                <a:solidFill>
+                  <a:schemeClr val="tx1"/>
+                </a:solidFill>
+              </a:rPr>
+              <a:t>’, 500, 'Book’)</a:t>
+            </a:r>
+            <a:r>
+              <a:rPr lang="en-US" altLang="zh-TW">
+                <a:solidFill>
+                  <a:srgbClr val="0070C0"/>
+                </a:solidFill>
+              </a:rPr>
+              <a:t>;</a:t>
+            </a:r>
+          </a:p>
+          <a:p>
+            <a:pPr marL="0" indent="0">
+              <a:buNone/>
+            </a:pPr>
+            <a:r>
+              <a:rPr lang="zh-TW" altLang="en-US">
+                <a:latin typeface="微軟正黑體" panose="020B0604030504040204" pitchFamily="34" charset="-120"/>
+                <a:ea typeface="微軟正黑體" panose="020B0604030504040204" pitchFamily="34" charset="-120"/>
+              </a:rPr>
+              <a:t>新增一筆只含商品編號和商品名稱的記錄到「商品」資料表</a:t>
+            </a:r>
+            <a:endParaRPr lang="en-US" altLang="zh-TW">
+              <a:latin typeface="微軟正黑體" panose="020B0604030504040204" pitchFamily="34" charset="-120"/>
+              <a:ea typeface="微軟正黑體" panose="020B0604030504040204" pitchFamily="34" charset="-120"/>
+            </a:endParaRPr>
+          </a:p>
+          <a:p>
+            <a:pPr marL="0" indent="0">
+              <a:buNone/>
+            </a:pPr>
+            <a:r>
+              <a:rPr lang="en-US" altLang="zh-TW">
+                <a:latin typeface="微軟正黑體" panose="020B0604030504040204" pitchFamily="34" charset="-120"/>
+              </a:rPr>
+              <a:t>	</a:t>
+            </a:r>
+            <a:r>
+              <a:rPr lang="en-US" altLang="zh-TW">
+                <a:solidFill>
+                  <a:srgbClr val="0070C0"/>
+                </a:solidFill>
+              </a:rPr>
+              <a:t>INSERT INTO </a:t>
+            </a:r>
+            <a:r>
+              <a:rPr lang="en-US" altLang="zh-TW">
+                <a:solidFill>
+                  <a:srgbClr val="00B050"/>
+                </a:solidFill>
+              </a:rPr>
+              <a:t>Product</a:t>
+            </a:r>
+            <a:r>
+              <a:rPr lang="en-US" altLang="zh-TW">
+                <a:solidFill>
+                  <a:srgbClr val="0070C0"/>
+                </a:solidFill>
+              </a:rPr>
+              <a:t> (</a:t>
+            </a:r>
+            <a:r>
+              <a:rPr lang="en-US" altLang="zh-TW">
+                <a:solidFill>
+                  <a:srgbClr val="7030A0"/>
+                </a:solidFill>
+              </a:rPr>
+              <a:t>pName</a:t>
+            </a:r>
+            <a:r>
+              <a:rPr lang="en-US" altLang="zh-TW">
+                <a:solidFill>
+                  <a:srgbClr val="0070C0"/>
+                </a:solidFill>
+              </a:rPr>
+              <a:t>, </a:t>
+            </a:r>
+            <a:r>
+              <a:rPr lang="en-US" altLang="zh-TW">
+                <a:solidFill>
+                  <a:srgbClr val="7030A0"/>
+                </a:solidFill>
+              </a:rPr>
+              <a:t>pNo</a:t>
+            </a:r>
+            <a:r>
+              <a:rPr lang="en-US" altLang="zh-TW">
+                <a:solidFill>
+                  <a:srgbClr val="0070C0"/>
+                </a:solidFill>
+              </a:rPr>
+              <a:t>)</a:t>
+            </a:r>
+            <a:endParaRPr lang="zh-TW" altLang="en-US">
+              <a:solidFill>
+                <a:srgbClr val="0070C0"/>
+              </a:solidFill>
+            </a:endParaRPr>
+          </a:p>
+          <a:p>
+            <a:pPr marL="0" indent="0">
+              <a:buNone/>
+            </a:pPr>
+            <a:r>
+              <a:rPr lang="en-US" altLang="zh-TW">
+                <a:solidFill>
+                  <a:srgbClr val="0070C0"/>
+                </a:solidFill>
+              </a:rPr>
+              <a:t>	VALUES </a:t>
+            </a:r>
+            <a:r>
+              <a:rPr lang="en-US" altLang="zh-TW">
+                <a:solidFill>
+                  <a:schemeClr val="tx1"/>
+                </a:solidFill>
+              </a:rPr>
+              <a:t>('</a:t>
+            </a:r>
+            <a:r>
+              <a:rPr lang="zh-TW" altLang="en-US">
+                <a:solidFill>
+                  <a:schemeClr val="tx1"/>
+                </a:solidFill>
+              </a:rPr>
+              <a:t>資料庫管理與系統</a:t>
+            </a:r>
+            <a:r>
+              <a:rPr lang="en-US" altLang="zh-TW">
+                <a:solidFill>
+                  <a:schemeClr val="tx1"/>
+                </a:solidFill>
+              </a:rPr>
+              <a:t>', 'b00001')</a:t>
+            </a:r>
+            <a:r>
+              <a:rPr lang="en-US" altLang="zh-TW">
+                <a:solidFill>
+                  <a:srgbClr val="0070C0"/>
+                </a:solidFill>
+              </a:rPr>
+              <a:t>;</a:t>
+            </a:r>
+          </a:p>
+        </p:txBody>
+      </p:sp>
+      <p:sp>
+        <p:nvSpPr>
+          <p:cNvPr id="4" name="日期版面配置區 3">
+            <a:extLst>
+              <a:ext uri="{FF2B5EF4-FFF2-40B4-BE49-F238E27FC236}">
+                <a16:creationId xmlns:a16="http://schemas.microsoft.com/office/drawing/2014/main" id="{25D97186-7C9B-4F65-83B1-5B9AC14E11D9}"/>
+              </a:ext>
+            </a:extLst>
+          </p:cNvPr>
+          <p:cNvSpPr>
+            <a:spLocks noGrp="1"/>
+          </p:cNvSpPr>
+          <p:nvPr>
+            <p:ph type="dt" sz="half" idx="10"/>
+          </p:nvPr>
+        </p:nvSpPr>
+        <p:spPr/>
+        <p:txBody>
+          <a:bodyPr/>
+          <a:lstStyle/>
+          <a:p>
+            <a:fld id="{AEBBFFB7-19E4-477E-A877-5F6DBA409ACB}" type="datetime1">
+              <a:rPr lang="zh-TW" altLang="en-US" smtClean="0"/>
+              <a:t>2025/11/8</a:t>
+            </a:fld>
+            <a:endParaRPr lang="zh-TW" altLang="en-US"/>
+          </a:p>
+        </p:txBody>
+      </p:sp>
+      <p:sp>
+        <p:nvSpPr>
+          <p:cNvPr id="5" name="投影片編號版面配置區 4">
+            <a:extLst>
+              <a:ext uri="{FF2B5EF4-FFF2-40B4-BE49-F238E27FC236}">
+                <a16:creationId xmlns:a16="http://schemas.microsoft.com/office/drawing/2014/main" id="{9509F0AF-6E63-4AF0-BC2F-54E292197CAA}"/>
+              </a:ext>
+            </a:extLst>
+          </p:cNvPr>
+          <p:cNvSpPr>
+            <a:spLocks noGrp="1"/>
+          </p:cNvSpPr>
+          <p:nvPr>
+            <p:ph type="sldNum" sz="quarter" idx="12"/>
+          </p:nvPr>
+        </p:nvSpPr>
+        <p:spPr/>
+        <p:txBody>
+          <a:bodyPr/>
+          <a:lstStyle/>
+          <a:p>
+            <a:fld id="{3F90885F-363B-4E17-8682-14738066703A}" type="slidenum">
+              <a:rPr lang="zh-TW" altLang="en-US" smtClean="0"/>
+              <a:t>30</a:t>
+            </a:fld>
+            <a:endParaRPr lang="zh-TW" altLang="en-US"/>
+          </a:p>
+        </p:txBody>
+      </p:sp>
+    </p:spTree>
+    <p:extLst>
+      <p:ext uri="{BB962C8B-B14F-4D97-AF65-F5344CB8AC3E}">
+        <p14:creationId xmlns:p14="http://schemas.microsoft.com/office/powerpoint/2010/main" val="2933289885"/>
+      </p:ext>
+    </p:extLst>
+  </p:cSld>
+  <p:clrMapOvr>
+    <a:masterClrMapping/>
+  </p:clrMapOvr>
+  <mc:AlternateContent xmlns:mc="http://schemas.openxmlformats.org/markup-compatibility/2006" xmlns:p14="http://schemas.microsoft.com/office/powerpoint/2010/main">
+    <mc:Choice Requires="p14">
+      <p:transition spd="slow" p14:dur="2000">
+        <p:cut/>
+      </p:transition>
+    </mc:Choice>
+    <mc:Fallback xmlns="">
+      <p:transition spd="slow">
+        <p:cut/>
+      </p:transition>
+    </mc:Fallback>
+  </mc:AlternateContent>
+</p:sld>
+</file>
+
+<file path=ppt/slides/slide31.xml><?xml version="1.0" encoding="utf-8"?>
 <p:sld xmlns:a="http://schemas.openxmlformats.org/drawingml/2006/main" xmlns:r="http://schemas.openxmlformats.org/officeDocument/2006/relationships" xmlns:p="http://schemas.openxmlformats.org/presentationml/2006/main">
   <p:cSld>
     <p:spTree>
@@ -18038,7 +18676,7 @@
           <a:p>
             <a:fld id="{C0ACF0E8-B0B9-41BD-9550-D9A9E60C2C6B}" type="datetime1">
               <a:rPr lang="zh-TW" altLang="en-US" smtClean="0"/>
-              <a:t>2025/10/17</a:t>
+              <a:t>2025/11/8</a:t>
             </a:fld>
             <a:endParaRPr lang="zh-TW" altLang="en-US"/>
           </a:p>
@@ -18067,7 +18705,7 @@
           <a:p>
             <a:fld id="{3F90885F-363B-4E17-8682-14738066703A}" type="slidenum">
               <a:rPr lang="zh-TW" altLang="en-US" smtClean="0"/>
-              <a:t>30</a:t>
+              <a:t>31</a:t>
             </a:fld>
             <a:endParaRPr lang="zh-TW" altLang="en-US"/>
           </a:p>
@@ -18083,13 +18721,13 @@
   <p:clrMapOvr>
     <a:masterClrMapping/>
   </p:clrMapOvr>
-  <mc:AlternateContent xmlns:mc="http://schemas.openxmlformats.org/markup-compatibility/2006">
-    <mc:Choice xmlns:p14="http://schemas.microsoft.com/office/powerpoint/2010/main" Requires="p14">
+  <mc:AlternateContent xmlns:mc="http://schemas.openxmlformats.org/markup-compatibility/2006" xmlns:p14="http://schemas.microsoft.com/office/powerpoint/2010/main">
+    <mc:Choice Requires="p14">
       <p:transition spd="slow" p14:dur="2000">
         <p:cut/>
       </p:transition>
     </mc:Choice>
-    <mc:Fallback>
+    <mc:Fallback xmlns="">
       <p:transition spd="slow">
         <p:cut/>
       </p:transition>
@@ -18098,7 +18736,7 @@
 </p:sld>
 </file>
 
-<file path=ppt/slides/slide31.xml><?xml version="1.0" encoding="utf-8"?>
+<file path=ppt/slides/slide32.xml><?xml version="1.0" encoding="utf-8"?>
 <p:sld xmlns:a="http://schemas.openxmlformats.org/drawingml/2006/main" xmlns:r="http://schemas.openxmlformats.org/officeDocument/2006/relationships" xmlns:p="http://schemas.openxmlformats.org/presentationml/2006/main">
   <p:cSld>
     <p:spTree>
@@ -18468,7 +19106,7 @@
           <a:p>
             <a:fld id="{84C568B7-0CE7-4B49-80C5-2788B1133AFA}" type="datetime1">
               <a:rPr lang="zh-TW" altLang="en-US" smtClean="0"/>
-              <a:t>2025/10/17</a:t>
+              <a:t>2025/11/8</a:t>
             </a:fld>
             <a:endParaRPr lang="zh-TW" altLang="en-US"/>
           </a:p>
@@ -18497,7 +19135,7 @@
           <a:p>
             <a:fld id="{3F90885F-363B-4E17-8682-14738066703A}" type="slidenum">
               <a:rPr lang="zh-TW" altLang="en-US" smtClean="0"/>
-              <a:t>31</a:t>
+              <a:t>32</a:t>
             </a:fld>
             <a:endParaRPr lang="zh-TW" altLang="en-US"/>
           </a:p>
@@ -18543,13 +19181,13 @@
   <p:clrMapOvr>
     <a:masterClrMapping/>
   </p:clrMapOvr>
-  <mc:AlternateContent xmlns:mc="http://schemas.openxmlformats.org/markup-compatibility/2006">
-    <mc:Choice xmlns:p14="http://schemas.microsoft.com/office/powerpoint/2010/main" Requires="p14">
+  <mc:AlternateContent xmlns:mc="http://schemas.openxmlformats.org/markup-compatibility/2006" xmlns:p14="http://schemas.microsoft.com/office/powerpoint/2010/main">
+    <mc:Choice Requires="p14">
       <p:transition spd="slow" p14:dur="2000">
         <p:cut/>
       </p:transition>
     </mc:Choice>
-    <mc:Fallback>
+    <mc:Fallback xmlns="">
       <p:transition spd="slow">
         <p:cut/>
       </p:transition>
@@ -18558,7 +19196,7 @@
 </p:sld>
 </file>
 
-<file path=ppt/slides/slide32.xml><?xml version="1.0" encoding="utf-8"?>
+<file path=ppt/slides/slide33.xml><?xml version="1.0" encoding="utf-8"?>
 <p:sld xmlns:a="http://schemas.openxmlformats.org/drawingml/2006/main" xmlns:r="http://schemas.openxmlformats.org/officeDocument/2006/relationships" xmlns:p="http://schemas.openxmlformats.org/presentationml/2006/main">
   <p:cSld>
     <p:spTree>
@@ -18794,7 +19432,7 @@
           <a:p>
             <a:fld id="{6501D742-3FAB-45EA-8BB1-F6680D7FB623}" type="datetime1">
               <a:rPr lang="zh-TW" altLang="en-US" smtClean="0"/>
-              <a:t>2025/10/17</a:t>
+              <a:t>2025/11/8</a:t>
             </a:fld>
             <a:endParaRPr lang="zh-TW" altLang="en-US"/>
           </a:p>
@@ -18823,7 +19461,7 @@
           <a:p>
             <a:fld id="{3F90885F-363B-4E17-8682-14738066703A}" type="slidenum">
               <a:rPr lang="zh-TW" altLang="en-US" smtClean="0"/>
-              <a:t>32</a:t>
+              <a:t>33</a:t>
             </a:fld>
             <a:endParaRPr lang="zh-TW" altLang="en-US"/>
           </a:p>
@@ -19022,13 +19660,13 @@
   <p:clrMapOvr>
     <a:masterClrMapping/>
   </p:clrMapOvr>
-  <mc:AlternateContent xmlns:mc="http://schemas.openxmlformats.org/markup-compatibility/2006">
-    <mc:Choice xmlns:p14="http://schemas.microsoft.com/office/powerpoint/2010/main" Requires="p14">
+  <mc:AlternateContent xmlns:mc="http://schemas.openxmlformats.org/markup-compatibility/2006" xmlns:p14="http://schemas.microsoft.com/office/powerpoint/2010/main">
+    <mc:Choice Requires="p14">
       <p:transition spd="slow" p14:dur="2000">
         <p:cut/>
       </p:transition>
     </mc:Choice>
-    <mc:Fallback>
+    <mc:Fallback xmlns="">
       <p:transition spd="slow">
         <p:cut/>
       </p:transition>
@@ -19037,7 +19675,7 @@
 </p:sld>
 </file>
 
-<file path=ppt/slides/slide33.xml><?xml version="1.0" encoding="utf-8"?>
+<file path=ppt/slides/slide34.xml><?xml version="1.0" encoding="utf-8"?>
 <p:sld xmlns:a="http://schemas.openxmlformats.org/drawingml/2006/main" xmlns:r="http://schemas.openxmlformats.org/officeDocument/2006/relationships" xmlns:p="http://schemas.openxmlformats.org/presentationml/2006/main">
   <p:cSld>
     <p:spTree>
@@ -19201,7 +19839,7 @@
           <a:p>
             <a:fld id="{A4761F47-39D7-4DD0-84AD-81CC893880C3}" type="datetime1">
               <a:rPr lang="zh-TW" altLang="en-US" smtClean="0"/>
-              <a:t>2025/10/17</a:t>
+              <a:t>2025/11/8</a:t>
             </a:fld>
             <a:endParaRPr lang="zh-TW" altLang="en-US"/>
           </a:p>
@@ -19230,7 +19868,7 @@
           <a:p>
             <a:fld id="{3F90885F-363B-4E17-8682-14738066703A}" type="slidenum">
               <a:rPr lang="zh-TW" altLang="en-US" smtClean="0"/>
-              <a:t>33</a:t>
+              <a:t>34</a:t>
             </a:fld>
             <a:endParaRPr lang="zh-TW" altLang="en-US"/>
           </a:p>
@@ -19389,13 +20027,13 @@
   <p:clrMapOvr>
     <a:masterClrMapping/>
   </p:clrMapOvr>
-  <mc:AlternateContent xmlns:mc="http://schemas.openxmlformats.org/markup-compatibility/2006">
-    <mc:Choice xmlns:p14="http://schemas.microsoft.com/office/powerpoint/2010/main" Requires="p14">
+  <mc:AlternateContent xmlns:mc="http://schemas.openxmlformats.org/markup-compatibility/2006" xmlns:p14="http://schemas.microsoft.com/office/powerpoint/2010/main">
+    <mc:Choice Requires="p14">
       <p:transition spd="slow" p14:dur="2000">
         <p:cut/>
       </p:transition>
     </mc:Choice>
-    <mc:Fallback>
+    <mc:Fallback xmlns="">
       <p:transition spd="slow">
         <p:cut/>
       </p:transition>
@@ -19404,7 +20042,7 @@
 </p:sld>
 </file>
 
-<file path=ppt/slides/slide34.xml><?xml version="1.0" encoding="utf-8"?>
+<file path=ppt/slides/slide35.xml><?xml version="1.0" encoding="utf-8"?>
 <p:sld xmlns:a="http://schemas.openxmlformats.org/drawingml/2006/main" xmlns:r="http://schemas.openxmlformats.org/officeDocument/2006/relationships" xmlns:p="http://schemas.openxmlformats.org/presentationml/2006/main">
   <p:cSld>
     <p:spTree>
@@ -19852,7 +20490,7 @@
           <a:p>
             <a:fld id="{A58DD454-B244-435B-926B-9AD61594AAB1}" type="datetime1">
               <a:rPr lang="zh-TW" altLang="en-US" smtClean="0"/>
-              <a:t>2025/10/17</a:t>
+              <a:t>2025/11/8</a:t>
             </a:fld>
             <a:endParaRPr lang="zh-TW" altLang="en-US"/>
           </a:p>
@@ -19881,7 +20519,7 @@
           <a:p>
             <a:fld id="{3F90885F-363B-4E17-8682-14738066703A}" type="slidenum">
               <a:rPr lang="zh-TW" altLang="en-US" smtClean="0"/>
-              <a:t>34</a:t>
+              <a:t>35</a:t>
             </a:fld>
             <a:endParaRPr lang="zh-TW" altLang="en-US"/>
           </a:p>
@@ -19897,13 +20535,13 @@
   <p:clrMapOvr>
     <a:masterClrMapping/>
   </p:clrMapOvr>
-  <mc:AlternateContent xmlns:mc="http://schemas.openxmlformats.org/markup-compatibility/2006">
-    <mc:Choice xmlns:p14="http://schemas.microsoft.com/office/powerpoint/2010/main" Requires="p14">
+  <mc:AlternateContent xmlns:mc="http://schemas.openxmlformats.org/markup-compatibility/2006" xmlns:p14="http://schemas.microsoft.com/office/powerpoint/2010/main">
+    <mc:Choice Requires="p14">
       <p:transition spd="slow" p14:dur="2000">
         <p:cut/>
       </p:transition>
     </mc:Choice>
-    <mc:Fallback>
+    <mc:Fallback xmlns="">
       <p:transition spd="slow">
         <p:cut/>
       </p:transition>
@@ -19912,7 +20550,7 @@
 </p:sld>
 </file>
 
-<file path=ppt/slides/slide35.xml><?xml version="1.0" encoding="utf-8"?>
+<file path=ppt/slides/slide36.xml><?xml version="1.0" encoding="utf-8"?>
 <p:sld xmlns:a="http://schemas.openxmlformats.org/drawingml/2006/main" xmlns:r="http://schemas.openxmlformats.org/officeDocument/2006/relationships" xmlns:p="http://schemas.openxmlformats.org/presentationml/2006/main">
   <p:cSld>
     <p:spTree>
@@ -20213,7 +20851,7 @@
           <a:p>
             <a:fld id="{187374CD-2B11-4E45-BC37-85229340081A}" type="datetime1">
               <a:rPr lang="zh-TW" altLang="en-US" smtClean="0"/>
-              <a:t>2025/10/17</a:t>
+              <a:t>2025/11/8</a:t>
             </a:fld>
             <a:endParaRPr lang="zh-TW" altLang="en-US"/>
           </a:p>
@@ -20242,7 +20880,7 @@
           <a:p>
             <a:fld id="{3F90885F-363B-4E17-8682-14738066703A}" type="slidenum">
               <a:rPr lang="zh-TW" altLang="en-US" smtClean="0"/>
-              <a:t>35</a:t>
+              <a:t>36</a:t>
             </a:fld>
             <a:endParaRPr lang="zh-TW" altLang="en-US"/>
           </a:p>
@@ -20258,13 +20896,13 @@
   <p:clrMapOvr>
     <a:masterClrMapping/>
   </p:clrMapOvr>
-  <mc:AlternateContent xmlns:mc="http://schemas.openxmlformats.org/markup-compatibility/2006">
-    <mc:Choice xmlns:p14="http://schemas.microsoft.com/office/powerpoint/2010/main" Requires="p14">
+  <mc:AlternateContent xmlns:mc="http://schemas.openxmlformats.org/markup-compatibility/2006" xmlns:p14="http://schemas.microsoft.com/office/powerpoint/2010/main">
+    <mc:Choice Requires="p14">
       <p:transition spd="slow" p14:dur="2000">
         <p:cut/>
       </p:transition>
     </mc:Choice>
-    <mc:Fallback>
+    <mc:Fallback xmlns="">
       <p:transition spd="slow">
         <p:cut/>
       </p:transition>
@@ -20273,7 +20911,7 @@
 </p:sld>
 </file>
 
-<file path=ppt/slides/slide36.xml><?xml version="1.0" encoding="utf-8"?>
+<file path=ppt/slides/slide37.xml><?xml version="1.0" encoding="utf-8"?>
 <p:sld xmlns:a="http://schemas.openxmlformats.org/drawingml/2006/main" xmlns:r="http://schemas.openxmlformats.org/officeDocument/2006/relationships" xmlns:p="http://schemas.openxmlformats.org/presentationml/2006/main">
   <p:cSld>
     <p:spTree>
@@ -20507,7 +21145,7 @@
           <a:p>
             <a:fld id="{E7AC55A9-DF25-4E7A-B6AE-9F1ED649BF82}" type="datetime1">
               <a:rPr lang="zh-TW" altLang="en-US" smtClean="0"/>
-              <a:t>2025/10/17</a:t>
+              <a:t>2025/11/8</a:t>
             </a:fld>
             <a:endParaRPr lang="zh-TW" altLang="en-US"/>
           </a:p>
@@ -20536,7 +21174,7 @@
           <a:p>
             <a:fld id="{3F90885F-363B-4E17-8682-14738066703A}" type="slidenum">
               <a:rPr lang="zh-TW" altLang="en-US" smtClean="0"/>
-              <a:t>36</a:t>
+              <a:t>37</a:t>
             </a:fld>
             <a:endParaRPr lang="zh-TW" altLang="en-US"/>
           </a:p>
@@ -20552,13 +21190,13 @@
   <p:clrMapOvr>
     <a:masterClrMapping/>
   </p:clrMapOvr>
-  <mc:AlternateContent xmlns:mc="http://schemas.openxmlformats.org/markup-compatibility/2006">
-    <mc:Choice xmlns:p14="http://schemas.microsoft.com/office/powerpoint/2010/main" Requires="p14">
+  <mc:AlternateContent xmlns:mc="http://schemas.openxmlformats.org/markup-compatibility/2006" xmlns:p14="http://schemas.microsoft.com/office/powerpoint/2010/main">
+    <mc:Choice Requires="p14">
       <p:transition spd="slow" p14:dur="2000">
         <p:cut/>
       </p:transition>
     </mc:Choice>
-    <mc:Fallback>
+    <mc:Fallback xmlns="">
       <p:transition spd="slow">
         <p:cut/>
       </p:transition>
@@ -20567,7 +21205,7 @@
 </p:sld>
 </file>
 
-<file path=ppt/slides/slide37.xml><?xml version="1.0" encoding="utf-8"?>
+<file path=ppt/slides/slide38.xml><?xml version="1.0" encoding="utf-8"?>
 <p:sld xmlns:a="http://schemas.openxmlformats.org/drawingml/2006/main" xmlns:r="http://schemas.openxmlformats.org/officeDocument/2006/relationships" xmlns:p="http://schemas.openxmlformats.org/presentationml/2006/main">
   <p:cSld>
     <p:spTree>
@@ -20701,7 +21339,7 @@
           <a:p>
             <a:fld id="{83DDF9CD-7CBC-4AB1-8834-785FFDC79F24}" type="datetime1">
               <a:rPr lang="zh-TW" altLang="en-US" smtClean="0"/>
-              <a:t>2025/10/17</a:t>
+              <a:t>2025/11/8</a:t>
             </a:fld>
             <a:endParaRPr lang="zh-TW" altLang="en-US"/>
           </a:p>
@@ -20730,7 +21368,7 @@
           <a:p>
             <a:fld id="{3F90885F-363B-4E17-8682-14738066703A}" type="slidenum">
               <a:rPr lang="zh-TW" altLang="en-US" smtClean="0"/>
-              <a:t>37</a:t>
+              <a:t>38</a:t>
             </a:fld>
             <a:endParaRPr lang="zh-TW" altLang="en-US"/>
           </a:p>
@@ -20746,13 +21384,13 @@
   <p:clrMapOvr>
     <a:masterClrMapping/>
   </p:clrMapOvr>
-  <mc:AlternateContent xmlns:mc="http://schemas.openxmlformats.org/markup-compatibility/2006">
-    <mc:Choice xmlns:p14="http://schemas.microsoft.com/office/powerpoint/2010/main" Requires="p14">
+  <mc:AlternateContent xmlns:mc="http://schemas.openxmlformats.org/markup-compatibility/2006" xmlns:p14="http://schemas.microsoft.com/office/powerpoint/2010/main">
+    <mc:Choice Requires="p14">
       <p:transition spd="slow" p14:dur="2000">
         <p:cut/>
       </p:transition>
     </mc:Choice>
-    <mc:Fallback>
+    <mc:Fallback xmlns="">
       <p:transition spd="slow">
         <p:cut/>
       </p:transition>
@@ -20761,7 +21399,7 @@
 </p:sld>
 </file>
 
-<file path=ppt/slides/slide38.xml><?xml version="1.0" encoding="utf-8"?>
+<file path=ppt/slides/slide39.xml><?xml version="1.0" encoding="utf-8"?>
 <p:sld xmlns:a="http://schemas.openxmlformats.org/drawingml/2006/main" xmlns:r="http://schemas.openxmlformats.org/officeDocument/2006/relationships" xmlns:p="http://schemas.openxmlformats.org/presentationml/2006/main">
   <p:cSld>
     <p:spTree>
@@ -20935,7 +21573,7 @@
           <a:p>
             <a:fld id="{F7ABC82A-C99D-4C59-A4D6-03F5B6F5161E}" type="datetime1">
               <a:rPr lang="zh-TW" altLang="en-US" smtClean="0"/>
-              <a:t>2025/10/17</a:t>
+              <a:t>2025/11/8</a:t>
             </a:fld>
             <a:endParaRPr lang="zh-TW" altLang="en-US"/>
           </a:p>
@@ -20964,7 +21602,7 @@
           <a:p>
             <a:fld id="{3F90885F-363B-4E17-8682-14738066703A}" type="slidenum">
               <a:rPr lang="zh-TW" altLang="en-US" smtClean="0"/>
-              <a:t>38</a:t>
+              <a:t>39</a:t>
             </a:fld>
             <a:endParaRPr lang="zh-TW" altLang="en-US"/>
           </a:p>
@@ -21010,135 +21648,13 @@
   <p:clrMapOvr>
     <a:masterClrMapping/>
   </p:clrMapOvr>
-  <mc:AlternateContent xmlns:mc="http://schemas.openxmlformats.org/markup-compatibility/2006">
-    <mc:Choice xmlns:p14="http://schemas.microsoft.com/office/powerpoint/2010/main" Requires="p14">
+  <mc:AlternateContent xmlns:mc="http://schemas.openxmlformats.org/markup-compatibility/2006" xmlns:p14="http://schemas.microsoft.com/office/powerpoint/2010/main">
+    <mc:Choice Requires="p14">
       <p:transition spd="slow" p14:dur="2000">
         <p:cut/>
       </p:transition>
     </mc:Choice>
-    <mc:Fallback>
-      <p:transition spd="slow">
-        <p:cut/>
-      </p:transition>
-    </mc:Fallback>
-  </mc:AlternateContent>
-</p:sld>
-</file>
-
-<file path=ppt/slides/slide39.xml><?xml version="1.0" encoding="utf-8"?>
-<p:sld xmlns:a="http://schemas.openxmlformats.org/drawingml/2006/main" xmlns:r="http://schemas.openxmlformats.org/officeDocument/2006/relationships" xmlns:p="http://schemas.openxmlformats.org/presentationml/2006/main">
-  <p:cSld>
-    <p:spTree>
-      <p:nvGrpSpPr>
-        <p:cNvPr id="1" name=""/>
-        <p:cNvGrpSpPr/>
-        <p:nvPr/>
-      </p:nvGrpSpPr>
-      <p:grpSpPr>
-        <a:xfrm>
-          <a:off x="0" y="0"/>
-          <a:ext cx="0" cy="0"/>
-          <a:chOff x="0" y="0"/>
-          <a:chExt cx="0" cy="0"/>
-        </a:xfrm>
-      </p:grpSpPr>
-      <p:sp>
-        <p:nvSpPr>
-          <p:cNvPr id="4" name="標題 3">
-            <a:extLst>
-              <a:ext uri="{FF2B5EF4-FFF2-40B4-BE49-F238E27FC236}">
-                <a16:creationId xmlns:a16="http://schemas.microsoft.com/office/drawing/2014/main" id="{556899FC-8427-4EFE-B10B-9F992737C74D}"/>
-              </a:ext>
-            </a:extLst>
-          </p:cNvPr>
-          <p:cNvSpPr>
-            <a:spLocks noGrp="1"/>
-          </p:cNvSpPr>
-          <p:nvPr>
-            <p:ph type="ctrTitle"/>
-          </p:nvPr>
-        </p:nvSpPr>
-        <p:spPr/>
-        <p:txBody>
-          <a:bodyPr/>
-          <a:lstStyle/>
-          <a:p>
-            <a:r>
-              <a:rPr lang="zh-TW" altLang="en-US" b="1" spc="600">
-                <a:solidFill>
-                  <a:schemeClr val="tx1"/>
-                </a:solidFill>
-                <a:latin typeface="微軟正黑體" pitchFamily="34" charset="-120"/>
-                <a:ea typeface="微軟正黑體" pitchFamily="34" charset="-120"/>
-              </a:rPr>
-              <a:t>基本的</a:t>
-            </a:r>
-            <a:r>
-              <a:rPr lang="en-US" altLang="zh-TW" b="1" spc="600">
-                <a:solidFill>
-                  <a:schemeClr val="tx1"/>
-                </a:solidFill>
-                <a:latin typeface="微軟正黑體" pitchFamily="34" charset="-120"/>
-                <a:ea typeface="微軟正黑體" pitchFamily="34" charset="-120"/>
-              </a:rPr>
-              <a:t>SQL</a:t>
-            </a:r>
-            <a:r>
-              <a:rPr lang="zh-TW" altLang="en-US" b="1" spc="600">
-                <a:solidFill>
-                  <a:schemeClr val="tx1"/>
-                </a:solidFill>
-                <a:latin typeface="微軟正黑體" pitchFamily="34" charset="-120"/>
-                <a:ea typeface="微軟正黑體" pitchFamily="34" charset="-120"/>
-              </a:rPr>
-              <a:t>查詢語法</a:t>
-            </a:r>
-            <a:endParaRPr lang="zh-TW" altLang="en-US"/>
-          </a:p>
-        </p:txBody>
-      </p:sp>
-      <p:sp>
-        <p:nvSpPr>
-          <p:cNvPr id="5" name="副標題 4">
-            <a:extLst>
-              <a:ext uri="{FF2B5EF4-FFF2-40B4-BE49-F238E27FC236}">
-                <a16:creationId xmlns:a16="http://schemas.microsoft.com/office/drawing/2014/main" id="{F2DD82D0-AC17-44D4-9ACA-EF9447D62930}"/>
-              </a:ext>
-            </a:extLst>
-          </p:cNvPr>
-          <p:cNvSpPr>
-            <a:spLocks noGrp="1"/>
-          </p:cNvSpPr>
-          <p:nvPr>
-            <p:ph type="subTitle" idx="1"/>
-          </p:nvPr>
-        </p:nvSpPr>
-        <p:spPr/>
-        <p:txBody>
-          <a:bodyPr/>
-          <a:lstStyle/>
-          <a:p>
-            <a:endParaRPr lang="zh-TW" altLang="en-US"/>
-          </a:p>
-        </p:txBody>
-      </p:sp>
-    </p:spTree>
-    <p:extLst>
-      <p:ext uri="{BB962C8B-B14F-4D97-AF65-F5344CB8AC3E}">
-        <p14:creationId xmlns:p14="http://schemas.microsoft.com/office/powerpoint/2010/main" val="1583941931"/>
-      </p:ext>
-    </p:extLst>
-  </p:cSld>
-  <p:clrMapOvr>
-    <a:masterClrMapping/>
-  </p:clrMapOvr>
-  <mc:AlternateContent xmlns:mc="http://schemas.openxmlformats.org/markup-compatibility/2006">
-    <mc:Choice xmlns:p14="http://schemas.microsoft.com/office/powerpoint/2010/main" Requires="p14">
-      <p:transition spd="slow" p14:dur="2000">
-        <p:cut/>
-      </p:transition>
-    </mc:Choice>
-    <mc:Fallback>
+    <mc:Fallback xmlns="">
       <p:transition spd="slow">
         <p:cut/>
       </p:transition>
@@ -21499,7 +22015,7 @@
           <a:p>
             <a:fld id="{3B447CFC-5E0C-47E3-948F-6615A86ED1C7}" type="datetime1">
               <a:rPr lang="zh-TW" altLang="en-US" smtClean="0"/>
-              <a:t>2025/10/17</a:t>
+              <a:t>2025/11/8</a:t>
             </a:fld>
             <a:endParaRPr lang="zh-TW" altLang="en-US"/>
           </a:p>
@@ -21692,13 +22208,13 @@
   <p:clrMapOvr>
     <a:masterClrMapping/>
   </p:clrMapOvr>
-  <mc:AlternateContent xmlns:mc="http://schemas.openxmlformats.org/markup-compatibility/2006">
-    <mc:Choice xmlns:p14="http://schemas.microsoft.com/office/powerpoint/2010/main" Requires="p14">
+  <mc:AlternateContent xmlns:mc="http://schemas.openxmlformats.org/markup-compatibility/2006" xmlns:p14="http://schemas.microsoft.com/office/powerpoint/2010/main">
+    <mc:Choice Requires="p14">
       <p:transition spd="slow" p14:dur="2000">
         <p:cut/>
       </p:transition>
     </mc:Choice>
-    <mc:Fallback>
+    <mc:Fallback xmlns="">
       <p:transition spd="slow">
         <p:cut/>
       </p:transition>
@@ -21708,6 +22224,128 @@
 </file>
 
 <file path=ppt/slides/slide40.xml><?xml version="1.0" encoding="utf-8"?>
+<p:sld xmlns:a="http://schemas.openxmlformats.org/drawingml/2006/main" xmlns:r="http://schemas.openxmlformats.org/officeDocument/2006/relationships" xmlns:p="http://schemas.openxmlformats.org/presentationml/2006/main">
+  <p:cSld>
+    <p:spTree>
+      <p:nvGrpSpPr>
+        <p:cNvPr id="1" name=""/>
+        <p:cNvGrpSpPr/>
+        <p:nvPr/>
+      </p:nvGrpSpPr>
+      <p:grpSpPr>
+        <a:xfrm>
+          <a:off x="0" y="0"/>
+          <a:ext cx="0" cy="0"/>
+          <a:chOff x="0" y="0"/>
+          <a:chExt cx="0" cy="0"/>
+        </a:xfrm>
+      </p:grpSpPr>
+      <p:sp>
+        <p:nvSpPr>
+          <p:cNvPr id="4" name="標題 3">
+            <a:extLst>
+              <a:ext uri="{FF2B5EF4-FFF2-40B4-BE49-F238E27FC236}">
+                <a16:creationId xmlns:a16="http://schemas.microsoft.com/office/drawing/2014/main" id="{556899FC-8427-4EFE-B10B-9F992737C74D}"/>
+              </a:ext>
+            </a:extLst>
+          </p:cNvPr>
+          <p:cNvSpPr>
+            <a:spLocks noGrp="1"/>
+          </p:cNvSpPr>
+          <p:nvPr>
+            <p:ph type="ctrTitle"/>
+          </p:nvPr>
+        </p:nvSpPr>
+        <p:spPr/>
+        <p:txBody>
+          <a:bodyPr/>
+          <a:lstStyle/>
+          <a:p>
+            <a:r>
+              <a:rPr lang="zh-TW" altLang="en-US" b="1" spc="600">
+                <a:solidFill>
+                  <a:schemeClr val="tx1"/>
+                </a:solidFill>
+                <a:latin typeface="微軟正黑體" pitchFamily="34" charset="-120"/>
+                <a:ea typeface="微軟正黑體" pitchFamily="34" charset="-120"/>
+              </a:rPr>
+              <a:t>基本的</a:t>
+            </a:r>
+            <a:r>
+              <a:rPr lang="en-US" altLang="zh-TW" b="1" spc="600">
+                <a:solidFill>
+                  <a:schemeClr val="tx1"/>
+                </a:solidFill>
+                <a:latin typeface="微軟正黑體" pitchFamily="34" charset="-120"/>
+                <a:ea typeface="微軟正黑體" pitchFamily="34" charset="-120"/>
+              </a:rPr>
+              <a:t>SQL</a:t>
+            </a:r>
+            <a:r>
+              <a:rPr lang="zh-TW" altLang="en-US" b="1" spc="600">
+                <a:solidFill>
+                  <a:schemeClr val="tx1"/>
+                </a:solidFill>
+                <a:latin typeface="微軟正黑體" pitchFamily="34" charset="-120"/>
+                <a:ea typeface="微軟正黑體" pitchFamily="34" charset="-120"/>
+              </a:rPr>
+              <a:t>查詢語法</a:t>
+            </a:r>
+            <a:endParaRPr lang="zh-TW" altLang="en-US"/>
+          </a:p>
+        </p:txBody>
+      </p:sp>
+      <p:sp>
+        <p:nvSpPr>
+          <p:cNvPr id="5" name="副標題 4">
+            <a:extLst>
+              <a:ext uri="{FF2B5EF4-FFF2-40B4-BE49-F238E27FC236}">
+                <a16:creationId xmlns:a16="http://schemas.microsoft.com/office/drawing/2014/main" id="{F2DD82D0-AC17-44D4-9ACA-EF9447D62930}"/>
+              </a:ext>
+            </a:extLst>
+          </p:cNvPr>
+          <p:cNvSpPr>
+            <a:spLocks noGrp="1"/>
+          </p:cNvSpPr>
+          <p:nvPr>
+            <p:ph type="subTitle" idx="1"/>
+          </p:nvPr>
+        </p:nvSpPr>
+        <p:spPr/>
+        <p:txBody>
+          <a:bodyPr/>
+          <a:lstStyle/>
+          <a:p>
+            <a:endParaRPr lang="zh-TW" altLang="en-US"/>
+          </a:p>
+        </p:txBody>
+      </p:sp>
+    </p:spTree>
+    <p:extLst>
+      <p:ext uri="{BB962C8B-B14F-4D97-AF65-F5344CB8AC3E}">
+        <p14:creationId xmlns:p14="http://schemas.microsoft.com/office/powerpoint/2010/main" val="1583941931"/>
+      </p:ext>
+    </p:extLst>
+  </p:cSld>
+  <p:clrMapOvr>
+    <a:masterClrMapping/>
+  </p:clrMapOvr>
+  <mc:AlternateContent xmlns:mc="http://schemas.openxmlformats.org/markup-compatibility/2006" xmlns:p14="http://schemas.microsoft.com/office/powerpoint/2010/main">
+    <mc:Choice Requires="p14">
+      <p:transition spd="slow" p14:dur="2000">
+        <p:cut/>
+      </p:transition>
+    </mc:Choice>
+    <mc:Fallback xmlns="">
+      <p:transition spd="slow">
+        <p:cut/>
+      </p:transition>
+    </mc:Fallback>
+  </mc:AlternateContent>
+</p:sld>
+</file>
+
+<file path=ppt/slides/slide41.xml><?xml version="1.0" encoding="utf-8"?>
 <p:sld xmlns:a="http://schemas.openxmlformats.org/drawingml/2006/main" xmlns:r="http://schemas.openxmlformats.org/officeDocument/2006/relationships" xmlns:p="http://schemas.openxmlformats.org/presentationml/2006/main">
   <p:cSld>
     <p:spTree>
@@ -22235,7 +22873,7 @@
           <a:p>
             <a:fld id="{59E3CB1F-C9DF-4883-942E-225A463CB8B1}" type="datetime1">
               <a:rPr lang="zh-TW" altLang="en-US" smtClean="0"/>
-              <a:t>2025/10/17</a:t>
+              <a:t>2025/11/8</a:t>
             </a:fld>
             <a:endParaRPr lang="zh-TW" altLang="en-US"/>
           </a:p>
@@ -22264,7 +22902,7 @@
           <a:p>
             <a:fld id="{3F90885F-363B-4E17-8682-14738066703A}" type="slidenum">
               <a:rPr lang="zh-TW" altLang="en-US" smtClean="0"/>
-              <a:t>40</a:t>
+              <a:t>41</a:t>
             </a:fld>
             <a:endParaRPr lang="zh-TW" altLang="en-US"/>
           </a:p>
@@ -22280,13 +22918,13 @@
   <p:clrMapOvr>
     <a:masterClrMapping/>
   </p:clrMapOvr>
-  <mc:AlternateContent xmlns:mc="http://schemas.openxmlformats.org/markup-compatibility/2006">
-    <mc:Choice xmlns:p14="http://schemas.microsoft.com/office/powerpoint/2010/main" Requires="p14">
+  <mc:AlternateContent xmlns:mc="http://schemas.openxmlformats.org/markup-compatibility/2006" xmlns:p14="http://schemas.microsoft.com/office/powerpoint/2010/main">
+    <mc:Choice Requires="p14">
       <p:transition spd="slow" p14:dur="2000">
         <p:cut/>
       </p:transition>
     </mc:Choice>
-    <mc:Fallback>
+    <mc:Fallback xmlns="">
       <p:transition spd="slow">
         <p:cut/>
       </p:transition>
@@ -22295,7 +22933,7 @@
 </p:sld>
 </file>
 
-<file path=ppt/slides/slide41.xml><?xml version="1.0" encoding="utf-8"?>
+<file path=ppt/slides/slide42.xml><?xml version="1.0" encoding="utf-8"?>
 <p:sld xmlns:a="http://schemas.openxmlformats.org/drawingml/2006/main" xmlns:r="http://schemas.openxmlformats.org/officeDocument/2006/relationships" xmlns:p="http://schemas.openxmlformats.org/presentationml/2006/main">
   <p:cSld>
     <p:spTree>
@@ -22780,7 +23418,7 @@
           <a:p>
             <a:fld id="{C55F8594-5880-4E54-A955-E805B648DDC2}" type="datetime1">
               <a:rPr lang="zh-TW" altLang="en-US" smtClean="0"/>
-              <a:t>2025/10/17</a:t>
+              <a:t>2025/11/8</a:t>
             </a:fld>
             <a:endParaRPr lang="zh-TW" altLang="en-US"/>
           </a:p>
@@ -22809,7 +23447,7 @@
           <a:p>
             <a:fld id="{3F90885F-363B-4E17-8682-14738066703A}" type="slidenum">
               <a:rPr lang="zh-TW" altLang="en-US" smtClean="0"/>
-              <a:t>41</a:t>
+              <a:t>42</a:t>
             </a:fld>
             <a:endParaRPr lang="zh-TW" altLang="en-US"/>
           </a:p>
@@ -22825,13 +23463,13 @@
   <p:clrMapOvr>
     <a:masterClrMapping/>
   </p:clrMapOvr>
-  <mc:AlternateContent xmlns:mc="http://schemas.openxmlformats.org/markup-compatibility/2006">
-    <mc:Choice xmlns:p14="http://schemas.microsoft.com/office/powerpoint/2010/main" Requires="p14">
+  <mc:AlternateContent xmlns:mc="http://schemas.openxmlformats.org/markup-compatibility/2006" xmlns:p14="http://schemas.microsoft.com/office/powerpoint/2010/main">
+    <mc:Choice Requires="p14">
       <p:transition spd="slow" p14:dur="2000">
         <p:cut/>
       </p:transition>
     </mc:Choice>
-    <mc:Fallback>
+    <mc:Fallback xmlns="">
       <p:transition spd="slow">
         <p:cut/>
       </p:transition>
@@ -22840,7 +23478,7 @@
 </p:sld>
 </file>
 
-<file path=ppt/slides/slide42.xml><?xml version="1.0" encoding="utf-8"?>
+<file path=ppt/slides/slide43.xml><?xml version="1.0" encoding="utf-8"?>
 <p:sld xmlns:a="http://schemas.openxmlformats.org/drawingml/2006/main" xmlns:r="http://schemas.openxmlformats.org/officeDocument/2006/relationships" xmlns:p="http://schemas.openxmlformats.org/presentationml/2006/main">
   <p:cSld>
     <p:spTree>
@@ -23766,7 +24404,7 @@
           <a:p>
             <a:fld id="{4ED6409F-FDF9-4458-8B7D-EE13E2E5BC61}" type="datetime1">
               <a:rPr lang="zh-TW" altLang="en-US" smtClean="0"/>
-              <a:t>2025/10/17</a:t>
+              <a:t>2025/11/8</a:t>
             </a:fld>
             <a:endParaRPr lang="zh-TW" altLang="en-US"/>
           </a:p>
@@ -23795,7 +24433,7 @@
           <a:p>
             <a:fld id="{3F90885F-363B-4E17-8682-14738066703A}" type="slidenum">
               <a:rPr lang="zh-TW" altLang="en-US" smtClean="0"/>
-              <a:t>42</a:t>
+              <a:t>43</a:t>
             </a:fld>
             <a:endParaRPr lang="zh-TW" altLang="en-US"/>
           </a:p>
@@ -23811,13 +24449,13 @@
   <p:clrMapOvr>
     <a:masterClrMapping/>
   </p:clrMapOvr>
-  <mc:AlternateContent xmlns:mc="http://schemas.openxmlformats.org/markup-compatibility/2006">
-    <mc:Choice xmlns:p14="http://schemas.microsoft.com/office/powerpoint/2010/main" Requires="p14">
+  <mc:AlternateContent xmlns:mc="http://schemas.openxmlformats.org/markup-compatibility/2006" xmlns:p14="http://schemas.microsoft.com/office/powerpoint/2010/main">
+    <mc:Choice Requires="p14">
       <p:transition spd="slow" p14:dur="2000">
         <p:cut/>
       </p:transition>
     </mc:Choice>
-    <mc:Fallback>
+    <mc:Fallback xmlns="">
       <p:transition spd="slow">
         <p:cut/>
       </p:transition>
@@ -23826,7 +24464,7 @@
 </p:sld>
 </file>
 
-<file path=ppt/slides/slide43.xml><?xml version="1.0" encoding="utf-8"?>
+<file path=ppt/slides/slide44.xml><?xml version="1.0" encoding="utf-8"?>
 <p:sld xmlns:a="http://schemas.openxmlformats.org/drawingml/2006/main" xmlns:r="http://schemas.openxmlformats.org/officeDocument/2006/relationships" xmlns:p="http://schemas.openxmlformats.org/presentationml/2006/main">
   <p:cSld>
     <p:spTree>
@@ -24416,7 +25054,7 @@
           <a:p>
             <a:fld id="{6EC48C29-F74E-4ECA-90E8-095A40C8D946}" type="datetime1">
               <a:rPr lang="zh-TW" altLang="en-US" smtClean="0"/>
-              <a:t>2025/10/17</a:t>
+              <a:t>2025/11/8</a:t>
             </a:fld>
             <a:endParaRPr lang="zh-TW" altLang="en-US"/>
           </a:p>
@@ -24445,7 +25083,7 @@
           <a:p>
             <a:fld id="{3F90885F-363B-4E17-8682-14738066703A}" type="slidenum">
               <a:rPr lang="zh-TW" altLang="en-US" smtClean="0"/>
-              <a:t>43</a:t>
+              <a:t>44</a:t>
             </a:fld>
             <a:endParaRPr lang="zh-TW" altLang="en-US"/>
           </a:p>
@@ -24461,13 +25099,13 @@
   <p:clrMapOvr>
     <a:masterClrMapping/>
   </p:clrMapOvr>
-  <mc:AlternateContent xmlns:mc="http://schemas.openxmlformats.org/markup-compatibility/2006">
-    <mc:Choice xmlns:p14="http://schemas.microsoft.com/office/powerpoint/2010/main" Requires="p14">
+  <mc:AlternateContent xmlns:mc="http://schemas.openxmlformats.org/markup-compatibility/2006" xmlns:p14="http://schemas.microsoft.com/office/powerpoint/2010/main">
+    <mc:Choice Requires="p14">
       <p:transition spd="slow" p14:dur="2000">
         <p:cut/>
       </p:transition>
     </mc:Choice>
-    <mc:Fallback>
+    <mc:Fallback xmlns="">
       <p:transition spd="slow">
         <p:cut/>
       </p:transition>
@@ -24476,7 +25114,7 @@
 </p:sld>
 </file>
 
-<file path=ppt/slides/slide44.xml><?xml version="1.0" encoding="utf-8"?>
+<file path=ppt/slides/slide45.xml><?xml version="1.0" encoding="utf-8"?>
 <p:sld xmlns:a="http://schemas.openxmlformats.org/drawingml/2006/main" xmlns:r="http://schemas.openxmlformats.org/officeDocument/2006/relationships" xmlns:p="http://schemas.openxmlformats.org/presentationml/2006/main">
   <p:cSld>
     <p:spTree>
@@ -25111,7 +25749,7 @@
           <a:p>
             <a:fld id="{3B5FC7DC-7E15-4F95-BACB-272A19464511}" type="datetime1">
               <a:rPr lang="zh-TW" altLang="en-US" smtClean="0"/>
-              <a:t>2025/10/17</a:t>
+              <a:t>2025/11/8</a:t>
             </a:fld>
             <a:endParaRPr lang="zh-TW" altLang="en-US"/>
           </a:p>
@@ -25140,7 +25778,7 @@
           <a:p>
             <a:fld id="{3F90885F-363B-4E17-8682-14738066703A}" type="slidenum">
               <a:rPr lang="zh-TW" altLang="en-US" smtClean="0"/>
-              <a:t>44</a:t>
+              <a:t>45</a:t>
             </a:fld>
             <a:endParaRPr lang="zh-TW" altLang="en-US"/>
           </a:p>
@@ -25348,13 +25986,13 @@
   <p:clrMapOvr>
     <a:masterClrMapping/>
   </p:clrMapOvr>
-  <mc:AlternateContent xmlns:mc="http://schemas.openxmlformats.org/markup-compatibility/2006">
-    <mc:Choice xmlns:p14="http://schemas.microsoft.com/office/powerpoint/2010/main" Requires="p14">
+  <mc:AlternateContent xmlns:mc="http://schemas.openxmlformats.org/markup-compatibility/2006" xmlns:p14="http://schemas.microsoft.com/office/powerpoint/2010/main">
+    <mc:Choice Requires="p14">
       <p:transition spd="slow" p14:dur="2000">
         <p:cut/>
       </p:transition>
     </mc:Choice>
-    <mc:Fallback>
+    <mc:Fallback xmlns="">
       <p:transition spd="slow">
         <p:cut/>
       </p:transition>
@@ -25363,7 +26001,7 @@
 </p:sld>
 </file>
 
-<file path=ppt/slides/slide45.xml><?xml version="1.0" encoding="utf-8"?>
+<file path=ppt/slides/slide46.xml><?xml version="1.0" encoding="utf-8"?>
 <p:sld xmlns:a="http://schemas.openxmlformats.org/drawingml/2006/main" xmlns:r="http://schemas.openxmlformats.org/officeDocument/2006/relationships" xmlns:p="http://schemas.openxmlformats.org/presentationml/2006/main">
   <p:cSld>
     <p:spTree>
@@ -26104,7 +26742,7 @@
           <a:p>
             <a:fld id="{7F5543DC-48CE-4553-8E74-9C046DAFA24D}" type="datetime1">
               <a:rPr lang="zh-TW" altLang="en-US" smtClean="0"/>
-              <a:t>2025/10/17</a:t>
+              <a:t>2025/11/8</a:t>
             </a:fld>
             <a:endParaRPr lang="zh-TW" altLang="en-US"/>
           </a:p>
@@ -26133,7 +26771,7 @@
           <a:p>
             <a:fld id="{3F90885F-363B-4E17-8682-14738066703A}" type="slidenum">
               <a:rPr lang="zh-TW" altLang="en-US" smtClean="0"/>
-              <a:t>45</a:t>
+              <a:t>46</a:t>
             </a:fld>
             <a:endParaRPr lang="zh-TW" altLang="en-US"/>
           </a:p>
@@ -26149,13 +26787,13 @@
   <p:clrMapOvr>
     <a:masterClrMapping/>
   </p:clrMapOvr>
-  <mc:AlternateContent xmlns:mc="http://schemas.openxmlformats.org/markup-compatibility/2006">
-    <mc:Choice xmlns:p14="http://schemas.microsoft.com/office/powerpoint/2010/main" Requires="p14">
+  <mc:AlternateContent xmlns:mc="http://schemas.openxmlformats.org/markup-compatibility/2006" xmlns:p14="http://schemas.microsoft.com/office/powerpoint/2010/main">
+    <mc:Choice Requires="p14">
       <p:transition spd="slow" p14:dur="2000">
         <p:cut/>
       </p:transition>
     </mc:Choice>
-    <mc:Fallback>
+    <mc:Fallback xmlns="">
       <p:transition spd="slow">
         <p:cut/>
       </p:transition>
@@ -26164,7 +26802,7 @@
 </p:sld>
 </file>
 
-<file path=ppt/slides/slide46.xml><?xml version="1.0" encoding="utf-8"?>
+<file path=ppt/slides/slide47.xml><?xml version="1.0" encoding="utf-8"?>
 <p:sld xmlns:a="http://schemas.openxmlformats.org/drawingml/2006/main" xmlns:r="http://schemas.openxmlformats.org/officeDocument/2006/relationships" xmlns:p="http://schemas.openxmlformats.org/presentationml/2006/main">
   <p:cSld>
     <p:spTree>
@@ -26621,7 +27259,7 @@
           <a:p>
             <a:fld id="{E1671734-B71E-4364-B47C-1B9E1EE63246}" type="datetime1">
               <a:rPr lang="zh-TW" altLang="en-US" smtClean="0"/>
-              <a:t>2025/10/17</a:t>
+              <a:t>2025/11/8</a:t>
             </a:fld>
             <a:endParaRPr lang="zh-TW" altLang="en-US"/>
           </a:p>
@@ -26650,7 +27288,7 @@
           <a:p>
             <a:fld id="{3F90885F-363B-4E17-8682-14738066703A}" type="slidenum">
               <a:rPr lang="zh-TW" altLang="en-US" smtClean="0"/>
-              <a:t>46</a:t>
+              <a:t>47</a:t>
             </a:fld>
             <a:endParaRPr lang="zh-TW" altLang="en-US"/>
           </a:p>
@@ -26696,13 +27334,13 @@
   <p:clrMapOvr>
     <a:masterClrMapping/>
   </p:clrMapOvr>
-  <mc:AlternateContent xmlns:mc="http://schemas.openxmlformats.org/markup-compatibility/2006">
-    <mc:Choice xmlns:p14="http://schemas.microsoft.com/office/powerpoint/2010/main" Requires="p14">
+  <mc:AlternateContent xmlns:mc="http://schemas.openxmlformats.org/markup-compatibility/2006" xmlns:p14="http://schemas.microsoft.com/office/powerpoint/2010/main">
+    <mc:Choice Requires="p14">
       <p:transition spd="slow" p14:dur="2000">
         <p:cut/>
       </p:transition>
     </mc:Choice>
-    <mc:Fallback>
+    <mc:Fallback xmlns="">
       <p:transition spd="slow">
         <p:cut/>
       </p:transition>
@@ -26711,7 +27349,7 @@
 </p:sld>
 </file>
 
-<file path=ppt/slides/slide47.xml><?xml version="1.0" encoding="utf-8"?>
+<file path=ppt/slides/slide48.xml><?xml version="1.0" encoding="utf-8"?>
 <p:sld xmlns:a="http://schemas.openxmlformats.org/drawingml/2006/main" xmlns:r="http://schemas.openxmlformats.org/officeDocument/2006/relationships" xmlns:p="http://schemas.openxmlformats.org/presentationml/2006/main">
   <p:cSld>
     <p:spTree>
@@ -26953,7 +27591,7 @@
           <a:p>
             <a:fld id="{02EDF7FD-D384-45EE-8E17-3020415E9979}" type="datetime1">
               <a:rPr lang="zh-TW" altLang="en-US" smtClean="0"/>
-              <a:t>2025/10/17</a:t>
+              <a:t>2025/11/8</a:t>
             </a:fld>
             <a:endParaRPr lang="zh-TW" altLang="en-US"/>
           </a:p>
@@ -26982,7 +27620,7 @@
           <a:p>
             <a:fld id="{3F90885F-363B-4E17-8682-14738066703A}" type="slidenum">
               <a:rPr lang="zh-TW" altLang="en-US" smtClean="0"/>
-              <a:t>47</a:t>
+              <a:t>48</a:t>
             </a:fld>
             <a:endParaRPr lang="zh-TW" altLang="en-US"/>
           </a:p>
@@ -26998,13 +27636,13 @@
   <p:clrMapOvr>
     <a:masterClrMapping/>
   </p:clrMapOvr>
-  <mc:AlternateContent xmlns:mc="http://schemas.openxmlformats.org/markup-compatibility/2006">
-    <mc:Choice xmlns:p14="http://schemas.microsoft.com/office/powerpoint/2010/main" Requires="p14">
+  <mc:AlternateContent xmlns:mc="http://schemas.openxmlformats.org/markup-compatibility/2006" xmlns:p14="http://schemas.microsoft.com/office/powerpoint/2010/main">
+    <mc:Choice Requires="p14">
       <p:transition spd="slow" p14:dur="2000">
         <p:cut/>
       </p:transition>
     </mc:Choice>
-    <mc:Fallback>
+    <mc:Fallback xmlns="">
       <p:transition spd="slow">
         <p:cut/>
       </p:transition>
@@ -27013,7 +27651,7 @@
 </p:sld>
 </file>
 
-<file path=ppt/slides/slide48.xml><?xml version="1.0" encoding="utf-8"?>
+<file path=ppt/slides/slide49.xml><?xml version="1.0" encoding="utf-8"?>
 <p:sld xmlns:a="http://schemas.openxmlformats.org/drawingml/2006/main" xmlns:r="http://schemas.openxmlformats.org/officeDocument/2006/relationships" xmlns:p="http://schemas.openxmlformats.org/presentationml/2006/main">
   <p:cSld>
     <p:spTree>
@@ -27417,7 +28055,7 @@
           <a:p>
             <a:fld id="{74322684-E94F-48DD-9ACB-1C48B15B3DD3}" type="datetime1">
               <a:rPr lang="zh-TW" altLang="en-US" smtClean="0"/>
-              <a:t>2025/10/17</a:t>
+              <a:t>2025/11/8</a:t>
             </a:fld>
             <a:endParaRPr lang="zh-TW" altLang="en-US"/>
           </a:p>
@@ -27446,7 +28084,7 @@
           <a:p>
             <a:fld id="{3F90885F-363B-4E17-8682-14738066703A}" type="slidenum">
               <a:rPr lang="zh-TW" altLang="en-US" smtClean="0"/>
-              <a:t>48</a:t>
+              <a:t>49</a:t>
             </a:fld>
             <a:endParaRPr lang="zh-TW" altLang="en-US"/>
           </a:p>
@@ -27492,1347 +28130,13 @@
   <p:clrMapOvr>
     <a:masterClrMapping/>
   </p:clrMapOvr>
-  <mc:AlternateContent xmlns:mc="http://schemas.openxmlformats.org/markup-compatibility/2006">
-    <mc:Choice xmlns:p14="http://schemas.microsoft.com/office/powerpoint/2010/main" Requires="p14">
+  <mc:AlternateContent xmlns:mc="http://schemas.openxmlformats.org/markup-compatibility/2006" xmlns:p14="http://schemas.microsoft.com/office/powerpoint/2010/main">
+    <mc:Choice Requires="p14">
       <p:transition spd="slow" p14:dur="2000">
         <p:cut/>
       </p:transition>
     </mc:Choice>
-    <mc:Fallback>
-      <p:transition spd="slow">
-        <p:cut/>
-      </p:transition>
-    </mc:Fallback>
-  </mc:AlternateContent>
-</p:sld>
-</file>
-
-<file path=ppt/slides/slide49.xml><?xml version="1.0" encoding="utf-8"?>
-<p:sld xmlns:a="http://schemas.openxmlformats.org/drawingml/2006/main" xmlns:r="http://schemas.openxmlformats.org/officeDocument/2006/relationships" xmlns:p="http://schemas.openxmlformats.org/presentationml/2006/main">
-  <p:cSld>
-    <p:spTree>
-      <p:nvGrpSpPr>
-        <p:cNvPr id="1" name=""/>
-        <p:cNvGrpSpPr/>
-        <p:nvPr/>
-      </p:nvGrpSpPr>
-      <p:grpSpPr>
-        <a:xfrm>
-          <a:off x="0" y="0"/>
-          <a:ext cx="0" cy="0"/>
-          <a:chOff x="0" y="0"/>
-          <a:chExt cx="0" cy="0"/>
-        </a:xfrm>
-      </p:grpSpPr>
-      <p:sp>
-        <p:nvSpPr>
-          <p:cNvPr id="4100" name="Rectangle 2"/>
-          <p:cNvSpPr>
-            <a:spLocks noGrp="1" noRot="1" noChangeArrowheads="1"/>
-          </p:cNvSpPr>
-          <p:nvPr>
-            <p:ph type="title"/>
-          </p:nvPr>
-        </p:nvSpPr>
-        <p:spPr/>
-        <p:txBody>
-          <a:bodyPr>
-            <a:normAutofit/>
-          </a:bodyPr>
-          <a:lstStyle/>
-          <a:p>
-            <a:pPr eaLnBrk="1" hangingPunct="1"/>
-            <a:r>
-              <a:rPr lang="zh-TW" altLang="en-US" sz="3200" spc="600" dirty="0">
-                <a:latin typeface="微軟正黑體" pitchFamily="34" charset="-120"/>
-                <a:cs typeface="+mn-cs"/>
-              </a:rPr>
-              <a:t>集合運算式 </a:t>
-            </a:r>
-          </a:p>
-        </p:txBody>
-      </p:sp>
-      <p:sp>
-        <p:nvSpPr>
-          <p:cNvPr id="4101" name="Rectangle 3"/>
-          <p:cNvSpPr>
-            <a:spLocks noGrp="1" noRot="1" noChangeArrowheads="1"/>
-          </p:cNvSpPr>
-          <p:nvPr>
-            <p:ph type="body" idx="1"/>
-          </p:nvPr>
-        </p:nvSpPr>
-        <p:spPr>
-          <a:xfrm>
-            <a:off x="838200" y="914401"/>
-            <a:ext cx="10515600" cy="5394919"/>
-          </a:xfrm>
-        </p:spPr>
-        <p:txBody>
-          <a:bodyPr>
-            <a:normAutofit fontScale="92500"/>
-          </a:bodyPr>
-          <a:lstStyle/>
-          <a:p>
-            <a:pPr eaLnBrk="1" hangingPunct="1">
-              <a:lnSpc>
-                <a:spcPct val="80000"/>
-              </a:lnSpc>
-            </a:pPr>
-            <a:r>
-              <a:rPr lang="zh-TW" altLang="en-US" dirty="0">
-                <a:latin typeface="微軟正黑體" panose="020B0604030504040204" pitchFamily="34" charset="-120"/>
-              </a:rPr>
-              <a:t>相乘</a:t>
-            </a:r>
-            <a:r>
-              <a:rPr lang="en-US" altLang="zh-TW" dirty="0">
-                <a:latin typeface="微軟正黑體" panose="020B0604030504040204" pitchFamily="34" charset="-120"/>
-              </a:rPr>
-              <a:t> (Cartesian product)</a:t>
-            </a:r>
-            <a:endParaRPr lang="en-US" altLang="zh-TW" b="1" dirty="0">
-              <a:latin typeface="微軟正黑體" panose="020B0604030504040204" pitchFamily="34" charset="-120"/>
-              <a:ea typeface="微軟正黑體" panose="020B0604030504040204" pitchFamily="34" charset="-120"/>
-            </a:endParaRPr>
-          </a:p>
-          <a:p>
-            <a:pPr marL="0" indent="0">
-              <a:lnSpc>
-                <a:spcPct val="80000"/>
-              </a:lnSpc>
-              <a:buNone/>
-            </a:pPr>
-            <a:r>
-              <a:rPr lang="zh-TW" altLang="en-US" sz="1400" dirty="0">
-                <a:latin typeface="微軟正黑體" panose="020B0604030504040204" pitchFamily="34" charset="-120"/>
-              </a:rPr>
-              <a:t>          </a:t>
-            </a:r>
-            <a:r>
-              <a:rPr lang="en-US" altLang="zh-TW" sz="1900" dirty="0">
-                <a:solidFill>
-                  <a:schemeClr val="tx1"/>
-                </a:solidFill>
-                <a:latin typeface="微軟正黑體" panose="020B0604030504040204" pitchFamily="34" charset="-120"/>
-              </a:rPr>
-              <a:t>SELECT </a:t>
-            </a:r>
-            <a:r>
-              <a:rPr lang="en-US" altLang="zh-TW" sz="1900" dirty="0" err="1">
-                <a:solidFill>
-                  <a:schemeClr val="tx1"/>
-                </a:solidFill>
-                <a:latin typeface="微軟正黑體" panose="020B0604030504040204" pitchFamily="34" charset="-120"/>
-              </a:rPr>
-              <a:t>mId</a:t>
-            </a:r>
-            <a:r>
-              <a:rPr lang="en-US" altLang="zh-TW" sz="1900" dirty="0">
-                <a:solidFill>
-                  <a:schemeClr val="tx1"/>
-                </a:solidFill>
-                <a:latin typeface="微軟正黑體" panose="020B0604030504040204" pitchFamily="34" charset="-120"/>
-              </a:rPr>
-              <a:t>, </a:t>
-            </a:r>
-            <a:r>
-              <a:rPr lang="en-US" altLang="zh-TW" sz="1900" dirty="0" err="1">
-                <a:solidFill>
-                  <a:schemeClr val="tx1"/>
-                </a:solidFill>
-                <a:latin typeface="微軟正黑體" panose="020B0604030504040204" pitchFamily="34" charset="-120"/>
-              </a:rPr>
-              <a:t>pNo</a:t>
-            </a:r>
-            <a:endParaRPr lang="en-US" altLang="zh-TW" sz="1900" dirty="0">
-              <a:solidFill>
-                <a:schemeClr val="tx1"/>
-              </a:solidFill>
-              <a:latin typeface="微軟正黑體" panose="020B0604030504040204" pitchFamily="34" charset="-120"/>
-            </a:endParaRPr>
-          </a:p>
-          <a:p>
-            <a:pPr marL="0" indent="0">
-              <a:lnSpc>
-                <a:spcPct val="80000"/>
-              </a:lnSpc>
-              <a:buNone/>
-            </a:pPr>
-            <a:r>
-              <a:rPr lang="zh-TW" altLang="en-US" sz="1900" dirty="0">
-                <a:solidFill>
-                  <a:schemeClr val="tx1"/>
-                </a:solidFill>
-                <a:latin typeface="微軟正黑體" panose="020B0604030504040204" pitchFamily="34" charset="-120"/>
-              </a:rPr>
-              <a:t>       </a:t>
-            </a:r>
-            <a:r>
-              <a:rPr lang="en-US" altLang="zh-TW" sz="1900" dirty="0">
-                <a:solidFill>
-                  <a:schemeClr val="tx1"/>
-                </a:solidFill>
-                <a:latin typeface="微軟正黑體" panose="020B0604030504040204" pitchFamily="34" charset="-120"/>
-              </a:rPr>
-              <a:t>FROM Member, Product; </a:t>
-            </a:r>
-          </a:p>
-          <a:p>
-            <a:pPr lvl="1" eaLnBrk="1" hangingPunct="1">
-              <a:lnSpc>
-                <a:spcPct val="80000"/>
-              </a:lnSpc>
-              <a:buFont typeface="Wingdings" pitchFamily="2" charset="2"/>
-              <a:buNone/>
-            </a:pPr>
-            <a:endParaRPr lang="en-US" altLang="zh-TW" dirty="0">
-              <a:latin typeface="微軟正黑體" panose="020B0604030504040204" pitchFamily="34" charset="-120"/>
-            </a:endParaRPr>
-          </a:p>
-          <a:p>
-            <a:pPr eaLnBrk="1" hangingPunct="1">
-              <a:lnSpc>
-                <a:spcPct val="120000"/>
-              </a:lnSpc>
-            </a:pPr>
-            <a:r>
-              <a:rPr lang="zh-TW" altLang="en-US" b="1" dirty="0">
-                <a:latin typeface="微軟正黑體" panose="020B0604030504040204" pitchFamily="34" charset="-120"/>
-                <a:ea typeface="微軟正黑體" panose="020B0604030504040204" pitchFamily="34" charset="-120"/>
-              </a:rPr>
-              <a:t>交集、聯集、差集等運算子則分別用</a:t>
-            </a:r>
-            <a:r>
-              <a:rPr lang="en-US" altLang="zh-TW" b="1" dirty="0">
-                <a:latin typeface="微軟正黑體" panose="020B0604030504040204" pitchFamily="34" charset="-120"/>
-                <a:ea typeface="微軟正黑體" panose="020B0604030504040204" pitchFamily="34" charset="-120"/>
-              </a:rPr>
-              <a:t>INTERSECT</a:t>
-            </a:r>
-            <a:r>
-              <a:rPr lang="zh-TW" altLang="en-US" b="1" dirty="0">
-                <a:latin typeface="微軟正黑體" panose="020B0604030504040204" pitchFamily="34" charset="-120"/>
-                <a:ea typeface="微軟正黑體" panose="020B0604030504040204" pitchFamily="34" charset="-120"/>
-              </a:rPr>
-              <a:t>、</a:t>
-            </a:r>
-            <a:r>
-              <a:rPr lang="en-US" altLang="zh-TW" b="1" dirty="0">
-                <a:latin typeface="微軟正黑體" panose="020B0604030504040204" pitchFamily="34" charset="-120"/>
-                <a:ea typeface="微軟正黑體" panose="020B0604030504040204" pitchFamily="34" charset="-120"/>
-              </a:rPr>
-              <a:t>UNION</a:t>
-            </a:r>
-            <a:r>
-              <a:rPr lang="zh-TW" altLang="en-US" b="1" dirty="0">
-                <a:latin typeface="微軟正黑體" panose="020B0604030504040204" pitchFamily="34" charset="-120"/>
-                <a:ea typeface="微軟正黑體" panose="020B0604030504040204" pitchFamily="34" charset="-120"/>
-              </a:rPr>
-              <a:t>，和</a:t>
-            </a:r>
-            <a:r>
-              <a:rPr lang="en-US" altLang="zh-TW" b="1" dirty="0">
-                <a:latin typeface="微軟正黑體" panose="020B0604030504040204" pitchFamily="34" charset="-120"/>
-                <a:ea typeface="微軟正黑體" panose="020B0604030504040204" pitchFamily="34" charset="-120"/>
-              </a:rPr>
-              <a:t>EXCEPT </a:t>
-            </a:r>
-            <a:endParaRPr lang="en-US" altLang="zh-TW" sz="1800" dirty="0">
-              <a:latin typeface="微軟正黑體" panose="020B0604030504040204" pitchFamily="34" charset="-120"/>
-            </a:endParaRPr>
-          </a:p>
-          <a:p>
-            <a:pPr marL="457200" lvl="1" indent="0" eaLnBrk="1" hangingPunct="1">
-              <a:lnSpc>
-                <a:spcPct val="120000"/>
-              </a:lnSpc>
-              <a:buNone/>
-            </a:pPr>
-            <a:r>
-              <a:rPr lang="zh-TW" altLang="en-US" sz="2200" b="1" dirty="0">
-                <a:latin typeface="微軟正黑體" panose="020B0604030504040204" pitchFamily="34" charset="-120"/>
-              </a:rPr>
-              <a:t>實例</a:t>
-            </a:r>
-            <a:r>
-              <a:rPr lang="en-US" altLang="zh-TW" sz="2200" b="1" dirty="0">
-                <a:latin typeface="微軟正黑體" panose="020B0604030504040204" pitchFamily="34" charset="-120"/>
-              </a:rPr>
-              <a:t>: </a:t>
-            </a:r>
-            <a:r>
-              <a:rPr lang="zh-TW" altLang="en-US" sz="2200" b="1" dirty="0">
-                <a:latin typeface="微軟正黑體" panose="020B0604030504040204" pitchFamily="34" charset="-120"/>
-              </a:rPr>
-              <a:t>找出所有瀏覽過或購買過「系統分析理論與實務」的會員之會員編號和會員姓名。</a:t>
-            </a:r>
-            <a:endParaRPr lang="zh-TW" altLang="en-US" sz="1900" dirty="0">
-              <a:latin typeface="微軟正黑體" panose="020B0604030504040204" pitchFamily="34" charset="-120"/>
-            </a:endParaRPr>
-          </a:p>
-          <a:p>
-            <a:pPr lvl="1" eaLnBrk="1" hangingPunct="1">
-              <a:lnSpc>
-                <a:spcPct val="110000"/>
-              </a:lnSpc>
-              <a:buFont typeface="Wingdings" pitchFamily="2" charset="2"/>
-              <a:buNone/>
-            </a:pPr>
-            <a:r>
-              <a:rPr lang="en-US" altLang="zh-TW" sz="1900" b="1" dirty="0">
-                <a:latin typeface="微軟正黑體" panose="020B0604030504040204" pitchFamily="34" charset="-120"/>
-              </a:rPr>
-              <a:t>SELECT </a:t>
-            </a:r>
-            <a:r>
-              <a:rPr lang="en-US" altLang="zh-TW" sz="1900" dirty="0" err="1">
-                <a:latin typeface="微軟正黑體" panose="020B0604030504040204" pitchFamily="34" charset="-120"/>
-              </a:rPr>
-              <a:t>M.mId</a:t>
-            </a:r>
-            <a:r>
-              <a:rPr lang="en-US" altLang="zh-TW" sz="1900" dirty="0">
-                <a:latin typeface="微軟正黑體" panose="020B0604030504040204" pitchFamily="34" charset="-120"/>
-              </a:rPr>
-              <a:t>, M.name</a:t>
-            </a:r>
-            <a:endParaRPr lang="en-US" altLang="zh-TW" sz="1900" b="1" dirty="0">
-              <a:latin typeface="微軟正黑體" panose="020B0604030504040204" pitchFamily="34" charset="-120"/>
-            </a:endParaRPr>
-          </a:p>
-          <a:p>
-            <a:pPr lvl="1" eaLnBrk="1" hangingPunct="1">
-              <a:lnSpc>
-                <a:spcPct val="110000"/>
-              </a:lnSpc>
-              <a:buFont typeface="Wingdings" pitchFamily="2" charset="2"/>
-              <a:buNone/>
-            </a:pPr>
-            <a:r>
-              <a:rPr lang="en-US" altLang="zh-TW" sz="1900" b="1" dirty="0">
-                <a:latin typeface="微軟正黑體" panose="020B0604030504040204" pitchFamily="34" charset="-120"/>
-              </a:rPr>
-              <a:t>FROM</a:t>
-            </a:r>
-            <a:r>
-              <a:rPr lang="en-US" altLang="zh-TW" sz="1900" dirty="0">
-                <a:latin typeface="微軟正黑體" panose="020B0604030504040204" pitchFamily="34" charset="-120"/>
-              </a:rPr>
-              <a:t> Product</a:t>
-            </a:r>
-            <a:r>
-              <a:rPr lang="en-US" altLang="zh-TW" sz="1900" b="1" dirty="0">
-                <a:latin typeface="微軟正黑體" panose="020B0604030504040204" pitchFamily="34" charset="-120"/>
-              </a:rPr>
-              <a:t> AS</a:t>
-            </a:r>
-            <a:r>
-              <a:rPr lang="en-US" altLang="zh-TW" sz="1900" dirty="0">
-                <a:latin typeface="微軟正黑體" panose="020B0604030504040204" pitchFamily="34" charset="-120"/>
-              </a:rPr>
-              <a:t> P, Browse </a:t>
-            </a:r>
-            <a:r>
-              <a:rPr lang="en-US" altLang="zh-TW" sz="1900" b="1" dirty="0">
-                <a:latin typeface="微軟正黑體" panose="020B0604030504040204" pitchFamily="34" charset="-120"/>
-              </a:rPr>
-              <a:t>AS</a:t>
-            </a:r>
-            <a:r>
-              <a:rPr lang="en-US" altLang="zh-TW" sz="1900" dirty="0">
-                <a:latin typeface="微軟正黑體" panose="020B0604030504040204" pitchFamily="34" charset="-120"/>
-              </a:rPr>
-              <a:t> B, Member</a:t>
-            </a:r>
-            <a:r>
-              <a:rPr lang="en-US" altLang="zh-TW" sz="1900" b="1" dirty="0">
-                <a:latin typeface="微軟正黑體" panose="020B0604030504040204" pitchFamily="34" charset="-120"/>
-              </a:rPr>
-              <a:t> AS </a:t>
-            </a:r>
-            <a:r>
-              <a:rPr lang="en-US" altLang="zh-TW" sz="1900" dirty="0">
-                <a:latin typeface="微軟正黑體" panose="020B0604030504040204" pitchFamily="34" charset="-120"/>
-              </a:rPr>
-              <a:t>M</a:t>
-            </a:r>
-            <a:endParaRPr lang="en-US" altLang="zh-TW" sz="1900" b="1" dirty="0">
-              <a:latin typeface="微軟正黑體" panose="020B0604030504040204" pitchFamily="34" charset="-120"/>
-            </a:endParaRPr>
-          </a:p>
-          <a:p>
-            <a:pPr lvl="1" eaLnBrk="1" hangingPunct="1">
-              <a:lnSpc>
-                <a:spcPct val="110000"/>
-              </a:lnSpc>
-              <a:buFont typeface="Wingdings" pitchFamily="2" charset="2"/>
-              <a:buNone/>
-            </a:pPr>
-            <a:r>
-              <a:rPr lang="en-US" altLang="zh-TW" sz="1900" b="1" dirty="0">
-                <a:latin typeface="微軟正黑體" panose="020B0604030504040204" pitchFamily="34" charset="-120"/>
-              </a:rPr>
-              <a:t>WHERE</a:t>
-            </a:r>
-            <a:r>
-              <a:rPr lang="en-US" altLang="zh-TW" sz="1900" dirty="0">
-                <a:latin typeface="微軟正黑體" panose="020B0604030504040204" pitchFamily="34" charset="-120"/>
-              </a:rPr>
-              <a:t> </a:t>
-            </a:r>
-            <a:r>
-              <a:rPr lang="en-US" altLang="zh-TW" sz="1900" dirty="0" err="1">
-                <a:latin typeface="微軟正黑體" panose="020B0604030504040204" pitchFamily="34" charset="-120"/>
-              </a:rPr>
-              <a:t>pName</a:t>
-            </a:r>
-            <a:r>
-              <a:rPr lang="en-US" altLang="zh-TW" sz="1900" dirty="0">
-                <a:latin typeface="微軟正黑體" panose="020B0604030504040204" pitchFamily="34" charset="-120"/>
-              </a:rPr>
-              <a:t> = </a:t>
-            </a:r>
-            <a:r>
-              <a:rPr lang="en-US" altLang="zh-TW" sz="1900" dirty="0">
-                <a:latin typeface="微軟正黑體" panose="020B0604030504040204" pitchFamily="34" charset="-120"/>
-                <a:cs typeface="Times New Roman" pitchFamily="18" charset="0"/>
-              </a:rPr>
-              <a:t>‘</a:t>
-            </a:r>
-            <a:r>
-              <a:rPr lang="zh-TW" altLang="en-US" sz="1900" dirty="0">
-                <a:latin typeface="微軟正黑體" panose="020B0604030504040204" pitchFamily="34" charset="-120"/>
-              </a:rPr>
-              <a:t>系統分析理論與實務</a:t>
-            </a:r>
-            <a:r>
-              <a:rPr lang="en-US" altLang="zh-TW" sz="1900" dirty="0">
-                <a:latin typeface="微軟正黑體" panose="020B0604030504040204" pitchFamily="34" charset="-120"/>
-              </a:rPr>
-              <a:t>’</a:t>
-            </a:r>
-            <a:r>
-              <a:rPr lang="en-US" altLang="zh-TW" sz="1900" b="1" dirty="0">
-                <a:latin typeface="微軟正黑體" panose="020B0604030504040204" pitchFamily="34" charset="-120"/>
-              </a:rPr>
-              <a:t>AND</a:t>
-            </a:r>
-            <a:r>
-              <a:rPr lang="en-US" altLang="zh-TW" sz="1900" dirty="0">
-                <a:latin typeface="微軟正黑體" panose="020B0604030504040204" pitchFamily="34" charset="-120"/>
-              </a:rPr>
-              <a:t> </a:t>
-            </a:r>
-            <a:r>
-              <a:rPr lang="en-US" altLang="zh-TW" sz="1900" dirty="0" err="1">
-                <a:latin typeface="微軟正黑體" panose="020B0604030504040204" pitchFamily="34" charset="-120"/>
-              </a:rPr>
-              <a:t>P.pNo</a:t>
-            </a:r>
-            <a:r>
-              <a:rPr lang="en-US" altLang="zh-TW" sz="1900" dirty="0">
-                <a:latin typeface="微軟正黑體" panose="020B0604030504040204" pitchFamily="34" charset="-120"/>
-              </a:rPr>
-              <a:t> = </a:t>
-            </a:r>
-            <a:r>
-              <a:rPr lang="en-US" altLang="zh-TW" sz="1900" dirty="0" err="1">
-                <a:latin typeface="微軟正黑體" panose="020B0604030504040204" pitchFamily="34" charset="-120"/>
-              </a:rPr>
-              <a:t>B.pNo</a:t>
-            </a:r>
-            <a:r>
-              <a:rPr lang="en-US" altLang="zh-TW" sz="1900" dirty="0">
-                <a:latin typeface="微軟正黑體" panose="020B0604030504040204" pitchFamily="34" charset="-120"/>
-              </a:rPr>
-              <a:t> </a:t>
-            </a:r>
-            <a:r>
-              <a:rPr lang="en-US" altLang="zh-TW" sz="1900" b="1" dirty="0">
-                <a:latin typeface="微軟正黑體" panose="020B0604030504040204" pitchFamily="34" charset="-120"/>
-              </a:rPr>
-              <a:t>AND</a:t>
-            </a:r>
-            <a:r>
-              <a:rPr lang="en-US" altLang="zh-TW" sz="1900" dirty="0">
-                <a:latin typeface="微軟正黑體" panose="020B0604030504040204" pitchFamily="34" charset="-120"/>
-              </a:rPr>
-              <a:t> </a:t>
-            </a:r>
-            <a:r>
-              <a:rPr lang="en-US" altLang="zh-TW" sz="1900" dirty="0" err="1">
-                <a:latin typeface="微軟正黑體" panose="020B0604030504040204" pitchFamily="34" charset="-120"/>
-              </a:rPr>
-              <a:t>B.mId</a:t>
-            </a:r>
-            <a:r>
-              <a:rPr lang="en-US" altLang="zh-TW" sz="1900" dirty="0">
-                <a:latin typeface="微軟正黑體" panose="020B0604030504040204" pitchFamily="34" charset="-120"/>
-              </a:rPr>
-              <a:t> = </a:t>
-            </a:r>
-            <a:r>
-              <a:rPr lang="en-US" altLang="zh-TW" sz="1900" dirty="0" err="1">
-                <a:latin typeface="微軟正黑體" panose="020B0604030504040204" pitchFamily="34" charset="-120"/>
-              </a:rPr>
-              <a:t>M.mId</a:t>
-            </a:r>
-            <a:endParaRPr lang="en-US" altLang="zh-TW" sz="1900" b="1" dirty="0">
-              <a:latin typeface="微軟正黑體" panose="020B0604030504040204" pitchFamily="34" charset="-120"/>
-            </a:endParaRPr>
-          </a:p>
-          <a:p>
-            <a:pPr lvl="1" eaLnBrk="1" hangingPunct="1">
-              <a:lnSpc>
-                <a:spcPct val="110000"/>
-              </a:lnSpc>
-              <a:buFont typeface="Wingdings" pitchFamily="2" charset="2"/>
-              <a:buNone/>
-            </a:pPr>
-            <a:r>
-              <a:rPr lang="en-US" altLang="zh-TW" sz="1900" b="1" dirty="0">
-                <a:solidFill>
-                  <a:srgbClr val="0000FF"/>
-                </a:solidFill>
-                <a:latin typeface="微軟正黑體" panose="020B0604030504040204" pitchFamily="34" charset="-120"/>
-              </a:rPr>
-              <a:t>UNION</a:t>
-            </a:r>
-          </a:p>
-          <a:p>
-            <a:pPr lvl="1" eaLnBrk="1" hangingPunct="1">
-              <a:lnSpc>
-                <a:spcPct val="110000"/>
-              </a:lnSpc>
-              <a:buFont typeface="Wingdings" pitchFamily="2" charset="2"/>
-              <a:buNone/>
-            </a:pPr>
-            <a:r>
-              <a:rPr lang="en-US" altLang="zh-TW" sz="1900" b="1" dirty="0">
-                <a:latin typeface="微軟正黑體" panose="020B0604030504040204" pitchFamily="34" charset="-120"/>
-              </a:rPr>
-              <a:t>SELECT </a:t>
-            </a:r>
-            <a:r>
-              <a:rPr lang="en-US" altLang="zh-TW" sz="1900" dirty="0" err="1">
-                <a:latin typeface="微軟正黑體" panose="020B0604030504040204" pitchFamily="34" charset="-120"/>
-              </a:rPr>
-              <a:t>M.mId</a:t>
-            </a:r>
-            <a:r>
-              <a:rPr lang="en-US" altLang="zh-TW" sz="1900" dirty="0">
-                <a:latin typeface="微軟正黑體" panose="020B0604030504040204" pitchFamily="34" charset="-120"/>
-              </a:rPr>
-              <a:t>, M.name</a:t>
-            </a:r>
-            <a:endParaRPr lang="en-US" altLang="zh-TW" sz="1900" b="1" dirty="0">
-              <a:latin typeface="微軟正黑體" panose="020B0604030504040204" pitchFamily="34" charset="-120"/>
-            </a:endParaRPr>
-          </a:p>
-          <a:p>
-            <a:pPr lvl="1" eaLnBrk="1" hangingPunct="1">
-              <a:lnSpc>
-                <a:spcPct val="110000"/>
-              </a:lnSpc>
-              <a:buFont typeface="Wingdings" pitchFamily="2" charset="2"/>
-              <a:buNone/>
-            </a:pPr>
-            <a:r>
-              <a:rPr lang="en-US" altLang="zh-TW" sz="1900" b="1" dirty="0">
-                <a:latin typeface="微軟正黑體" panose="020B0604030504040204" pitchFamily="34" charset="-120"/>
-              </a:rPr>
-              <a:t>FROM</a:t>
-            </a:r>
-            <a:r>
-              <a:rPr lang="en-US" altLang="zh-TW" sz="1900" dirty="0">
-                <a:latin typeface="微軟正黑體" panose="020B0604030504040204" pitchFamily="34" charset="-120"/>
-              </a:rPr>
-              <a:t> Product </a:t>
-            </a:r>
-            <a:r>
-              <a:rPr lang="en-US" altLang="zh-TW" sz="1900" b="1" dirty="0">
-                <a:latin typeface="微軟正黑體" panose="020B0604030504040204" pitchFamily="34" charset="-120"/>
-              </a:rPr>
-              <a:t>AS </a:t>
-            </a:r>
-            <a:r>
-              <a:rPr lang="en-US" altLang="zh-TW" sz="1900" dirty="0">
-                <a:latin typeface="微軟正黑體" panose="020B0604030504040204" pitchFamily="34" charset="-120"/>
-              </a:rPr>
-              <a:t>P, Record </a:t>
-            </a:r>
-            <a:r>
-              <a:rPr lang="en-US" altLang="zh-TW" sz="1900" b="1" dirty="0">
-                <a:latin typeface="微軟正黑體" panose="020B0604030504040204" pitchFamily="34" charset="-120"/>
-              </a:rPr>
-              <a:t>AS</a:t>
-            </a:r>
-            <a:r>
-              <a:rPr lang="en-US" altLang="zh-TW" sz="1900" dirty="0">
-                <a:latin typeface="微軟正黑體" panose="020B0604030504040204" pitchFamily="34" charset="-120"/>
-              </a:rPr>
-              <a:t> R, `Transaction` </a:t>
-            </a:r>
-            <a:r>
-              <a:rPr lang="en-US" altLang="zh-TW" sz="1900" b="1" dirty="0">
-                <a:latin typeface="微軟正黑體" panose="020B0604030504040204" pitchFamily="34" charset="-120"/>
-              </a:rPr>
-              <a:t>AS </a:t>
-            </a:r>
-            <a:r>
-              <a:rPr lang="en-US" altLang="zh-TW" sz="1900" dirty="0">
-                <a:latin typeface="微軟正黑體" panose="020B0604030504040204" pitchFamily="34" charset="-120"/>
-              </a:rPr>
-              <a:t>T, Member </a:t>
-            </a:r>
-            <a:r>
-              <a:rPr lang="en-US" altLang="zh-TW" sz="1900" b="1" dirty="0">
-                <a:latin typeface="微軟正黑體" panose="020B0604030504040204" pitchFamily="34" charset="-120"/>
-              </a:rPr>
-              <a:t>AS</a:t>
-            </a:r>
-            <a:r>
-              <a:rPr lang="en-US" altLang="zh-TW" sz="1900" dirty="0">
-                <a:latin typeface="微軟正黑體" panose="020B0604030504040204" pitchFamily="34" charset="-120"/>
-              </a:rPr>
-              <a:t> M</a:t>
-            </a:r>
-            <a:endParaRPr lang="en-US" altLang="zh-TW" sz="1900" b="1" dirty="0">
-              <a:latin typeface="微軟正黑體" panose="020B0604030504040204" pitchFamily="34" charset="-120"/>
-            </a:endParaRPr>
-          </a:p>
-          <a:p>
-            <a:pPr lvl="1" eaLnBrk="1" hangingPunct="1">
-              <a:lnSpc>
-                <a:spcPct val="110000"/>
-              </a:lnSpc>
-              <a:buFont typeface="Wingdings" pitchFamily="2" charset="2"/>
-              <a:buNone/>
-            </a:pPr>
-            <a:r>
-              <a:rPr lang="en-US" altLang="zh-TW" sz="1900" b="1" dirty="0">
-                <a:latin typeface="微軟正黑體" panose="020B0604030504040204" pitchFamily="34" charset="-120"/>
-              </a:rPr>
-              <a:t>WHERE</a:t>
-            </a:r>
-            <a:r>
-              <a:rPr lang="en-US" altLang="zh-TW" sz="1900" dirty="0">
-                <a:latin typeface="微軟正黑體" panose="020B0604030504040204" pitchFamily="34" charset="-120"/>
-              </a:rPr>
-              <a:t> </a:t>
-            </a:r>
-            <a:r>
-              <a:rPr lang="en-US" altLang="zh-TW" sz="1900" dirty="0" err="1">
-                <a:latin typeface="微軟正黑體" panose="020B0604030504040204" pitchFamily="34" charset="-120"/>
-              </a:rPr>
-              <a:t>pName</a:t>
-            </a:r>
-            <a:r>
-              <a:rPr lang="en-US" altLang="zh-TW" sz="1900" dirty="0">
-                <a:latin typeface="微軟正黑體" panose="020B0604030504040204" pitchFamily="34" charset="-120"/>
-              </a:rPr>
-              <a:t> = </a:t>
-            </a:r>
-            <a:r>
-              <a:rPr lang="en-US" altLang="zh-TW" sz="1900" dirty="0">
-                <a:latin typeface="微軟正黑體" panose="020B0604030504040204" pitchFamily="34" charset="-120"/>
-                <a:cs typeface="Times New Roman" pitchFamily="18" charset="0"/>
-              </a:rPr>
-              <a:t>‘</a:t>
-            </a:r>
-            <a:r>
-              <a:rPr lang="zh-TW" altLang="en-US" sz="1900" dirty="0">
-                <a:latin typeface="微軟正黑體" panose="020B0604030504040204" pitchFamily="34" charset="-120"/>
-              </a:rPr>
-              <a:t>系統分析理論與實務</a:t>
-            </a:r>
-            <a:r>
-              <a:rPr lang="en-US" altLang="zh-TW" sz="1900" dirty="0">
-                <a:latin typeface="微軟正黑體" panose="020B0604030504040204" pitchFamily="34" charset="-120"/>
-                <a:cs typeface="Times New Roman" pitchFamily="18" charset="0"/>
-              </a:rPr>
-              <a:t>’</a:t>
-            </a:r>
-            <a:r>
-              <a:rPr lang="en-US" altLang="zh-TW" sz="1900" b="1" dirty="0">
-                <a:latin typeface="微軟正黑體" panose="020B0604030504040204" pitchFamily="34" charset="-120"/>
-              </a:rPr>
-              <a:t>AND</a:t>
-            </a:r>
-            <a:r>
-              <a:rPr lang="en-US" altLang="zh-TW" sz="1900" dirty="0">
-                <a:latin typeface="微軟正黑體" panose="020B0604030504040204" pitchFamily="34" charset="-120"/>
-              </a:rPr>
-              <a:t> </a:t>
-            </a:r>
-            <a:r>
-              <a:rPr lang="en-US" altLang="zh-TW" sz="1900" dirty="0" err="1">
-                <a:latin typeface="微軟正黑體" panose="020B0604030504040204" pitchFamily="34" charset="-120"/>
-              </a:rPr>
-              <a:t>P.pNo</a:t>
-            </a:r>
-            <a:r>
-              <a:rPr lang="en-US" altLang="zh-TW" sz="1900" dirty="0">
-                <a:latin typeface="微軟正黑體" panose="020B0604030504040204" pitchFamily="34" charset="-120"/>
-              </a:rPr>
-              <a:t> = </a:t>
-            </a:r>
-            <a:r>
-              <a:rPr lang="en-US" altLang="zh-TW" sz="1900" dirty="0" err="1">
-                <a:latin typeface="微軟正黑體" panose="020B0604030504040204" pitchFamily="34" charset="-120"/>
-              </a:rPr>
-              <a:t>R.pNo</a:t>
-            </a:r>
-            <a:r>
-              <a:rPr lang="en-US" altLang="zh-TW" sz="1900" dirty="0">
-                <a:latin typeface="微軟正黑體" panose="020B0604030504040204" pitchFamily="34" charset="-120"/>
-              </a:rPr>
-              <a:t> </a:t>
-            </a:r>
-            <a:r>
-              <a:rPr lang="en-US" altLang="zh-TW" sz="1900" b="1" dirty="0">
-                <a:latin typeface="微軟正黑體" panose="020B0604030504040204" pitchFamily="34" charset="-120"/>
-              </a:rPr>
-              <a:t>AND</a:t>
-            </a:r>
-            <a:r>
-              <a:rPr lang="en-US" altLang="zh-TW" sz="1900" dirty="0">
-                <a:latin typeface="微軟正黑體" panose="020B0604030504040204" pitchFamily="34" charset="-120"/>
-              </a:rPr>
-              <a:t> </a:t>
-            </a:r>
-            <a:r>
-              <a:rPr lang="en-US" altLang="zh-TW" sz="1900" dirty="0" err="1">
-                <a:latin typeface="微軟正黑體" panose="020B0604030504040204" pitchFamily="34" charset="-120"/>
-              </a:rPr>
-              <a:t>R.tNo</a:t>
-            </a:r>
-            <a:r>
-              <a:rPr lang="en-US" altLang="zh-TW" sz="1900" dirty="0">
-                <a:latin typeface="微軟正黑體" panose="020B0604030504040204" pitchFamily="34" charset="-120"/>
-              </a:rPr>
-              <a:t> = </a:t>
-            </a:r>
-            <a:r>
-              <a:rPr lang="en-US" altLang="zh-TW" sz="1900" dirty="0" err="1">
-                <a:latin typeface="微軟正黑體" panose="020B0604030504040204" pitchFamily="34" charset="-120"/>
-              </a:rPr>
-              <a:t>T.tNo</a:t>
-            </a:r>
-            <a:r>
-              <a:rPr lang="en-US" altLang="zh-TW" sz="1900" dirty="0">
-                <a:latin typeface="微軟正黑體" panose="020B0604030504040204" pitchFamily="34" charset="-120"/>
-              </a:rPr>
-              <a:t> </a:t>
-            </a:r>
-          </a:p>
-          <a:p>
-            <a:pPr lvl="1" eaLnBrk="1" hangingPunct="1">
-              <a:lnSpc>
-                <a:spcPct val="110000"/>
-              </a:lnSpc>
-              <a:buFont typeface="Wingdings" pitchFamily="2" charset="2"/>
-              <a:buNone/>
-            </a:pPr>
-            <a:r>
-              <a:rPr lang="en-US" altLang="zh-TW" sz="1900" b="1" dirty="0">
-                <a:latin typeface="微軟正黑體" panose="020B0604030504040204" pitchFamily="34" charset="-120"/>
-              </a:rPr>
-              <a:t>AND</a:t>
-            </a:r>
-            <a:r>
-              <a:rPr lang="en-US" altLang="zh-TW" sz="1900" dirty="0">
-                <a:latin typeface="微軟正黑體" panose="020B0604030504040204" pitchFamily="34" charset="-120"/>
-              </a:rPr>
-              <a:t> </a:t>
-            </a:r>
-            <a:r>
-              <a:rPr lang="en-US" altLang="zh-TW" sz="1900" dirty="0" err="1">
-                <a:latin typeface="微軟正黑體" panose="020B0604030504040204" pitchFamily="34" charset="-120"/>
-              </a:rPr>
-              <a:t>T.transMid</a:t>
-            </a:r>
-            <a:r>
-              <a:rPr lang="en-US" altLang="zh-TW" sz="1900" dirty="0">
-                <a:latin typeface="微軟正黑體" panose="020B0604030504040204" pitchFamily="34" charset="-120"/>
-              </a:rPr>
-              <a:t> = </a:t>
-            </a:r>
-            <a:r>
-              <a:rPr lang="en-US" altLang="zh-TW" sz="1900" dirty="0" err="1">
-                <a:latin typeface="微軟正黑體" panose="020B0604030504040204" pitchFamily="34" charset="-120"/>
-              </a:rPr>
-              <a:t>M.mId</a:t>
-            </a:r>
-            <a:r>
-              <a:rPr lang="en-US" altLang="zh-TW" sz="1900" dirty="0">
-                <a:latin typeface="微軟正黑體" panose="020B0604030504040204" pitchFamily="34" charset="-120"/>
-              </a:rPr>
-              <a:t>;</a:t>
-            </a:r>
-          </a:p>
-          <a:p>
-            <a:pPr lvl="1" eaLnBrk="1" hangingPunct="1">
-              <a:lnSpc>
-                <a:spcPct val="80000"/>
-              </a:lnSpc>
-            </a:pPr>
-            <a:endParaRPr lang="en-US" altLang="zh-TW" sz="1400" dirty="0"/>
-          </a:p>
-        </p:txBody>
-      </p:sp>
-      <p:sp>
-        <p:nvSpPr>
-          <p:cNvPr id="4102" name="Rectangle 8"/>
-          <p:cNvSpPr>
-            <a:spLocks noChangeArrowheads="1"/>
-          </p:cNvSpPr>
-          <p:nvPr/>
-        </p:nvSpPr>
-        <p:spPr bwMode="auto">
-          <a:xfrm>
-            <a:off x="1524001" y="2048947"/>
-            <a:ext cx="184731" cy="369332"/>
-          </a:xfrm>
-          <a:prstGeom prst="rect">
-            <a:avLst/>
-          </a:prstGeom>
-          <a:noFill/>
-          <a:ln>
-            <a:noFill/>
-          </a:ln>
-          <a:extLst>
-            <a:ext uri="{909E8E84-426E-40DD-AFC4-6F175D3DCCD1}">
-              <a14:hiddenFill xmlns:a14="http://schemas.microsoft.com/office/drawing/2010/main">
-                <a:solidFill>
-                  <a:srgbClr val="FFFFFF"/>
-                </a:solidFill>
-              </a14:hiddenFill>
-            </a:ext>
-            <a:ext uri="{91240B29-F687-4F45-9708-019B960494DF}">
-              <a14:hiddenLine xmlns:a14="http://schemas.microsoft.com/office/drawing/2010/main" w="9525">
-                <a:solidFill>
-                  <a:srgbClr val="000000"/>
-                </a:solidFill>
-                <a:miter lim="800000"/>
-                <a:headEnd/>
-                <a:tailEnd/>
-              </a14:hiddenLine>
-            </a:ext>
-          </a:extLst>
-        </p:spPr>
-        <p:txBody>
-          <a:bodyPr wrap="none" anchor="ctr">
-            <a:spAutoFit/>
-          </a:bodyPr>
-          <a:lstStyle>
-            <a:lvl1pPr eaLnBrk="0" hangingPunct="0">
-              <a:defRPr kumimoji="1">
-                <a:solidFill>
-                  <a:schemeClr val="tx1"/>
-                </a:solidFill>
-                <a:latin typeface="Arial" charset="0"/>
-                <a:ea typeface="新細明體" pitchFamily="18" charset="-120"/>
-              </a:defRPr>
-            </a:lvl1pPr>
-            <a:lvl2pPr marL="742950" indent="-285750" eaLnBrk="0" hangingPunct="0">
-              <a:defRPr kumimoji="1">
-                <a:solidFill>
-                  <a:schemeClr val="tx1"/>
-                </a:solidFill>
-                <a:latin typeface="Arial" charset="0"/>
-                <a:ea typeface="新細明體" pitchFamily="18" charset="-120"/>
-              </a:defRPr>
-            </a:lvl2pPr>
-            <a:lvl3pPr marL="1143000" indent="-228600" eaLnBrk="0" hangingPunct="0">
-              <a:defRPr kumimoji="1">
-                <a:solidFill>
-                  <a:schemeClr val="tx1"/>
-                </a:solidFill>
-                <a:latin typeface="Arial" charset="0"/>
-                <a:ea typeface="新細明體" pitchFamily="18" charset="-120"/>
-              </a:defRPr>
-            </a:lvl3pPr>
-            <a:lvl4pPr marL="1600200" indent="-228600" eaLnBrk="0" hangingPunct="0">
-              <a:defRPr kumimoji="1">
-                <a:solidFill>
-                  <a:schemeClr val="tx1"/>
-                </a:solidFill>
-                <a:latin typeface="Arial" charset="0"/>
-                <a:ea typeface="新細明體" pitchFamily="18" charset="-120"/>
-              </a:defRPr>
-            </a:lvl4pPr>
-            <a:lvl5pPr marL="2057400" indent="-228600" eaLnBrk="0" hangingPunct="0">
-              <a:defRPr kumimoji="1">
-                <a:solidFill>
-                  <a:schemeClr val="tx1"/>
-                </a:solidFill>
-                <a:latin typeface="Arial" charset="0"/>
-                <a:ea typeface="新細明體" pitchFamily="18" charset="-120"/>
-              </a:defRPr>
-            </a:lvl5pPr>
-            <a:lvl6pPr marL="2514600" indent="-228600" eaLnBrk="0" fontAlgn="base" hangingPunct="0">
-              <a:spcBef>
-                <a:spcPct val="0"/>
-              </a:spcBef>
-              <a:spcAft>
-                <a:spcPct val="0"/>
-              </a:spcAft>
-              <a:defRPr kumimoji="1">
-                <a:solidFill>
-                  <a:schemeClr val="tx1"/>
-                </a:solidFill>
-                <a:latin typeface="Arial" charset="0"/>
-                <a:ea typeface="新細明體" pitchFamily="18" charset="-120"/>
-              </a:defRPr>
-            </a:lvl6pPr>
-            <a:lvl7pPr marL="2971800" indent="-228600" eaLnBrk="0" fontAlgn="base" hangingPunct="0">
-              <a:spcBef>
-                <a:spcPct val="0"/>
-              </a:spcBef>
-              <a:spcAft>
-                <a:spcPct val="0"/>
-              </a:spcAft>
-              <a:defRPr kumimoji="1">
-                <a:solidFill>
-                  <a:schemeClr val="tx1"/>
-                </a:solidFill>
-                <a:latin typeface="Arial" charset="0"/>
-                <a:ea typeface="新細明體" pitchFamily="18" charset="-120"/>
-              </a:defRPr>
-            </a:lvl7pPr>
-            <a:lvl8pPr marL="3429000" indent="-228600" eaLnBrk="0" fontAlgn="base" hangingPunct="0">
-              <a:spcBef>
-                <a:spcPct val="0"/>
-              </a:spcBef>
-              <a:spcAft>
-                <a:spcPct val="0"/>
-              </a:spcAft>
-              <a:defRPr kumimoji="1">
-                <a:solidFill>
-                  <a:schemeClr val="tx1"/>
-                </a:solidFill>
-                <a:latin typeface="Arial" charset="0"/>
-                <a:ea typeface="新細明體" pitchFamily="18" charset="-120"/>
-              </a:defRPr>
-            </a:lvl8pPr>
-            <a:lvl9pPr marL="3886200" indent="-228600" eaLnBrk="0" fontAlgn="base" hangingPunct="0">
-              <a:spcBef>
-                <a:spcPct val="0"/>
-              </a:spcBef>
-              <a:spcAft>
-                <a:spcPct val="0"/>
-              </a:spcAft>
-              <a:defRPr kumimoji="1">
-                <a:solidFill>
-                  <a:schemeClr val="tx1"/>
-                </a:solidFill>
-                <a:latin typeface="Arial" charset="0"/>
-                <a:ea typeface="新細明體" pitchFamily="18" charset="-120"/>
-              </a:defRPr>
-            </a:lvl9pPr>
-          </a:lstStyle>
-          <a:p>
-            <a:pPr eaLnBrk="1" hangingPunct="1"/>
-            <a:endParaRPr lang="zh-TW" altLang="en-US"/>
-          </a:p>
-        </p:txBody>
-      </p:sp>
-      <p:sp>
-        <p:nvSpPr>
-          <p:cNvPr id="4103" name="Rectangle 10"/>
-          <p:cNvSpPr>
-            <a:spLocks noChangeArrowheads="1"/>
-          </p:cNvSpPr>
-          <p:nvPr/>
-        </p:nvSpPr>
-        <p:spPr bwMode="auto">
-          <a:xfrm>
-            <a:off x="1524001" y="1520309"/>
-            <a:ext cx="184731" cy="369332"/>
-          </a:xfrm>
-          <a:prstGeom prst="rect">
-            <a:avLst/>
-          </a:prstGeom>
-          <a:noFill/>
-          <a:ln>
-            <a:noFill/>
-          </a:ln>
-          <a:extLst>
-            <a:ext uri="{909E8E84-426E-40DD-AFC4-6F175D3DCCD1}">
-              <a14:hiddenFill xmlns:a14="http://schemas.microsoft.com/office/drawing/2010/main">
-                <a:solidFill>
-                  <a:srgbClr val="FFFFFF"/>
-                </a:solidFill>
-              </a14:hiddenFill>
-            </a:ext>
-            <a:ext uri="{91240B29-F687-4F45-9708-019B960494DF}">
-              <a14:hiddenLine xmlns:a14="http://schemas.microsoft.com/office/drawing/2010/main" w="9525">
-                <a:solidFill>
-                  <a:srgbClr val="000000"/>
-                </a:solidFill>
-                <a:miter lim="800000"/>
-                <a:headEnd/>
-                <a:tailEnd/>
-              </a14:hiddenLine>
-            </a:ext>
-          </a:extLst>
-        </p:spPr>
-        <p:txBody>
-          <a:bodyPr wrap="none" anchor="ctr">
-            <a:spAutoFit/>
-          </a:bodyPr>
-          <a:lstStyle>
-            <a:lvl1pPr eaLnBrk="0" hangingPunct="0">
-              <a:defRPr kumimoji="1">
-                <a:solidFill>
-                  <a:schemeClr val="tx1"/>
-                </a:solidFill>
-                <a:latin typeface="Arial" charset="0"/>
-                <a:ea typeface="新細明體" pitchFamily="18" charset="-120"/>
-              </a:defRPr>
-            </a:lvl1pPr>
-            <a:lvl2pPr marL="742950" indent="-285750" eaLnBrk="0" hangingPunct="0">
-              <a:defRPr kumimoji="1">
-                <a:solidFill>
-                  <a:schemeClr val="tx1"/>
-                </a:solidFill>
-                <a:latin typeface="Arial" charset="0"/>
-                <a:ea typeface="新細明體" pitchFamily="18" charset="-120"/>
-              </a:defRPr>
-            </a:lvl2pPr>
-            <a:lvl3pPr marL="1143000" indent="-228600" eaLnBrk="0" hangingPunct="0">
-              <a:defRPr kumimoji="1">
-                <a:solidFill>
-                  <a:schemeClr val="tx1"/>
-                </a:solidFill>
-                <a:latin typeface="Arial" charset="0"/>
-                <a:ea typeface="新細明體" pitchFamily="18" charset="-120"/>
-              </a:defRPr>
-            </a:lvl3pPr>
-            <a:lvl4pPr marL="1600200" indent="-228600" eaLnBrk="0" hangingPunct="0">
-              <a:defRPr kumimoji="1">
-                <a:solidFill>
-                  <a:schemeClr val="tx1"/>
-                </a:solidFill>
-                <a:latin typeface="Arial" charset="0"/>
-                <a:ea typeface="新細明體" pitchFamily="18" charset="-120"/>
-              </a:defRPr>
-            </a:lvl4pPr>
-            <a:lvl5pPr marL="2057400" indent="-228600" eaLnBrk="0" hangingPunct="0">
-              <a:defRPr kumimoji="1">
-                <a:solidFill>
-                  <a:schemeClr val="tx1"/>
-                </a:solidFill>
-                <a:latin typeface="Arial" charset="0"/>
-                <a:ea typeface="新細明體" pitchFamily="18" charset="-120"/>
-              </a:defRPr>
-            </a:lvl5pPr>
-            <a:lvl6pPr marL="2514600" indent="-228600" eaLnBrk="0" fontAlgn="base" hangingPunct="0">
-              <a:spcBef>
-                <a:spcPct val="0"/>
-              </a:spcBef>
-              <a:spcAft>
-                <a:spcPct val="0"/>
-              </a:spcAft>
-              <a:defRPr kumimoji="1">
-                <a:solidFill>
-                  <a:schemeClr val="tx1"/>
-                </a:solidFill>
-                <a:latin typeface="Arial" charset="0"/>
-                <a:ea typeface="新細明體" pitchFamily="18" charset="-120"/>
-              </a:defRPr>
-            </a:lvl6pPr>
-            <a:lvl7pPr marL="2971800" indent="-228600" eaLnBrk="0" fontAlgn="base" hangingPunct="0">
-              <a:spcBef>
-                <a:spcPct val="0"/>
-              </a:spcBef>
-              <a:spcAft>
-                <a:spcPct val="0"/>
-              </a:spcAft>
-              <a:defRPr kumimoji="1">
-                <a:solidFill>
-                  <a:schemeClr val="tx1"/>
-                </a:solidFill>
-                <a:latin typeface="Arial" charset="0"/>
-                <a:ea typeface="新細明體" pitchFamily="18" charset="-120"/>
-              </a:defRPr>
-            </a:lvl7pPr>
-            <a:lvl8pPr marL="3429000" indent="-228600" eaLnBrk="0" fontAlgn="base" hangingPunct="0">
-              <a:spcBef>
-                <a:spcPct val="0"/>
-              </a:spcBef>
-              <a:spcAft>
-                <a:spcPct val="0"/>
-              </a:spcAft>
-              <a:defRPr kumimoji="1">
-                <a:solidFill>
-                  <a:schemeClr val="tx1"/>
-                </a:solidFill>
-                <a:latin typeface="Arial" charset="0"/>
-                <a:ea typeface="新細明體" pitchFamily="18" charset="-120"/>
-              </a:defRPr>
-            </a:lvl8pPr>
-            <a:lvl9pPr marL="3886200" indent="-228600" eaLnBrk="0" fontAlgn="base" hangingPunct="0">
-              <a:spcBef>
-                <a:spcPct val="0"/>
-              </a:spcBef>
-              <a:spcAft>
-                <a:spcPct val="0"/>
-              </a:spcAft>
-              <a:defRPr kumimoji="1">
-                <a:solidFill>
-                  <a:schemeClr val="tx1"/>
-                </a:solidFill>
-                <a:latin typeface="Arial" charset="0"/>
-                <a:ea typeface="新細明體" pitchFamily="18" charset="-120"/>
-              </a:defRPr>
-            </a:lvl9pPr>
-          </a:lstStyle>
-          <a:p>
-            <a:pPr eaLnBrk="1" hangingPunct="1"/>
-            <a:endParaRPr lang="zh-TW" altLang="en-US"/>
-          </a:p>
-        </p:txBody>
-      </p:sp>
-      <p:sp>
-        <p:nvSpPr>
-          <p:cNvPr id="4105" name="Oval 12"/>
-          <p:cNvSpPr>
-            <a:spLocks noChangeArrowheads="1"/>
-          </p:cNvSpPr>
-          <p:nvPr/>
-        </p:nvSpPr>
-        <p:spPr bwMode="auto">
-          <a:xfrm>
-            <a:off x="1298261" y="4323856"/>
-            <a:ext cx="1008509" cy="345608"/>
-          </a:xfrm>
-          <a:prstGeom prst="ellipse">
-            <a:avLst/>
-          </a:prstGeom>
-          <a:noFill/>
-          <a:ln>
-            <a:solidFill>
-              <a:srgbClr val="C00000"/>
-            </a:solidFill>
-            <a:headEnd/>
-            <a:tailEnd/>
-          </a:ln>
-        </p:spPr>
-        <p:style>
-          <a:lnRef idx="2">
-            <a:schemeClr val="accent1"/>
-          </a:lnRef>
-          <a:fillRef idx="1">
-            <a:schemeClr val="lt1"/>
-          </a:fillRef>
-          <a:effectRef idx="0">
-            <a:schemeClr val="accent1"/>
-          </a:effectRef>
-          <a:fontRef idx="minor">
-            <a:schemeClr val="dk1"/>
-          </a:fontRef>
-        </p:style>
-        <p:txBody>
-          <a:bodyPr wrap="none" anchor="ctr"/>
-          <a:lstStyle>
-            <a:lvl1pPr eaLnBrk="0" hangingPunct="0">
-              <a:defRPr kumimoji="1">
-                <a:solidFill>
-                  <a:schemeClr val="tx1"/>
-                </a:solidFill>
-                <a:latin typeface="Arial" charset="0"/>
-                <a:ea typeface="新細明體" pitchFamily="18" charset="-120"/>
-              </a:defRPr>
-            </a:lvl1pPr>
-            <a:lvl2pPr marL="742950" indent="-285750" eaLnBrk="0" hangingPunct="0">
-              <a:defRPr kumimoji="1">
-                <a:solidFill>
-                  <a:schemeClr val="tx1"/>
-                </a:solidFill>
-                <a:latin typeface="Arial" charset="0"/>
-                <a:ea typeface="新細明體" pitchFamily="18" charset="-120"/>
-              </a:defRPr>
-            </a:lvl2pPr>
-            <a:lvl3pPr marL="1143000" indent="-228600" eaLnBrk="0" hangingPunct="0">
-              <a:defRPr kumimoji="1">
-                <a:solidFill>
-                  <a:schemeClr val="tx1"/>
-                </a:solidFill>
-                <a:latin typeface="Arial" charset="0"/>
-                <a:ea typeface="新細明體" pitchFamily="18" charset="-120"/>
-              </a:defRPr>
-            </a:lvl3pPr>
-            <a:lvl4pPr marL="1600200" indent="-228600" eaLnBrk="0" hangingPunct="0">
-              <a:defRPr kumimoji="1">
-                <a:solidFill>
-                  <a:schemeClr val="tx1"/>
-                </a:solidFill>
-                <a:latin typeface="Arial" charset="0"/>
-                <a:ea typeface="新細明體" pitchFamily="18" charset="-120"/>
-              </a:defRPr>
-            </a:lvl4pPr>
-            <a:lvl5pPr marL="2057400" indent="-228600" eaLnBrk="0" hangingPunct="0">
-              <a:defRPr kumimoji="1">
-                <a:solidFill>
-                  <a:schemeClr val="tx1"/>
-                </a:solidFill>
-                <a:latin typeface="Arial" charset="0"/>
-                <a:ea typeface="新細明體" pitchFamily="18" charset="-120"/>
-              </a:defRPr>
-            </a:lvl5pPr>
-            <a:lvl6pPr marL="2514600" indent="-228600" eaLnBrk="0" fontAlgn="base" hangingPunct="0">
-              <a:spcBef>
-                <a:spcPct val="0"/>
-              </a:spcBef>
-              <a:spcAft>
-                <a:spcPct val="0"/>
-              </a:spcAft>
-              <a:defRPr kumimoji="1">
-                <a:solidFill>
-                  <a:schemeClr val="tx1"/>
-                </a:solidFill>
-                <a:latin typeface="Arial" charset="0"/>
-                <a:ea typeface="新細明體" pitchFamily="18" charset="-120"/>
-              </a:defRPr>
-            </a:lvl6pPr>
-            <a:lvl7pPr marL="2971800" indent="-228600" eaLnBrk="0" fontAlgn="base" hangingPunct="0">
-              <a:spcBef>
-                <a:spcPct val="0"/>
-              </a:spcBef>
-              <a:spcAft>
-                <a:spcPct val="0"/>
-              </a:spcAft>
-              <a:defRPr kumimoji="1">
-                <a:solidFill>
-                  <a:schemeClr val="tx1"/>
-                </a:solidFill>
-                <a:latin typeface="Arial" charset="0"/>
-                <a:ea typeface="新細明體" pitchFamily="18" charset="-120"/>
-              </a:defRPr>
-            </a:lvl7pPr>
-            <a:lvl8pPr marL="3429000" indent="-228600" eaLnBrk="0" fontAlgn="base" hangingPunct="0">
-              <a:spcBef>
-                <a:spcPct val="0"/>
-              </a:spcBef>
-              <a:spcAft>
-                <a:spcPct val="0"/>
-              </a:spcAft>
-              <a:defRPr kumimoji="1">
-                <a:solidFill>
-                  <a:schemeClr val="tx1"/>
-                </a:solidFill>
-                <a:latin typeface="Arial" charset="0"/>
-                <a:ea typeface="新細明體" pitchFamily="18" charset="-120"/>
-              </a:defRPr>
-            </a:lvl8pPr>
-            <a:lvl9pPr marL="3886200" indent="-228600" eaLnBrk="0" fontAlgn="base" hangingPunct="0">
-              <a:spcBef>
-                <a:spcPct val="0"/>
-              </a:spcBef>
-              <a:spcAft>
-                <a:spcPct val="0"/>
-              </a:spcAft>
-              <a:defRPr kumimoji="1">
-                <a:solidFill>
-                  <a:schemeClr val="tx1"/>
-                </a:solidFill>
-                <a:latin typeface="Arial" charset="0"/>
-                <a:ea typeface="新細明體" pitchFamily="18" charset="-120"/>
-              </a:defRPr>
-            </a:lvl9pPr>
-          </a:lstStyle>
-          <a:p>
-            <a:pPr eaLnBrk="1" hangingPunct="1"/>
-            <a:endParaRPr lang="zh-TW" altLang="en-US"/>
-          </a:p>
-        </p:txBody>
-      </p:sp>
-      <p:sp>
-        <p:nvSpPr>
-          <p:cNvPr id="2" name="投影片編號版面配置區 1"/>
-          <p:cNvSpPr>
-            <a:spLocks noGrp="1"/>
-          </p:cNvSpPr>
-          <p:nvPr>
-            <p:ph type="sldNum" sz="quarter" idx="12"/>
-          </p:nvPr>
-        </p:nvSpPr>
-        <p:spPr/>
-        <p:txBody>
-          <a:bodyPr/>
-          <a:lstStyle/>
-          <a:p>
-            <a:fld id="{6F42FDE4-A7DD-41A7-A0A6-9B649FB43336}" type="slidenum">
-              <a:rPr kumimoji="0" lang="en-US" smtClean="0"/>
-              <a:pPr/>
-              <a:t>49</a:t>
-            </a:fld>
-            <a:endParaRPr kumimoji="0" lang="en-US"/>
-          </a:p>
-        </p:txBody>
-      </p:sp>
-      <p:sp>
-        <p:nvSpPr>
-          <p:cNvPr id="13" name="頁尾版面配置區 19"/>
-          <p:cNvSpPr>
-            <a:spLocks noGrp="1"/>
-          </p:cNvSpPr>
-          <p:nvPr>
-            <p:ph type="ftr" sz="quarter" idx="11"/>
-          </p:nvPr>
-        </p:nvSpPr>
-        <p:spPr>
-          <a:xfrm>
-            <a:off x="4648200" y="6356351"/>
-            <a:ext cx="2895600" cy="365125"/>
-          </a:xfrm>
-        </p:spPr>
-        <p:txBody>
-          <a:bodyPr/>
-          <a:lstStyle/>
-          <a:p>
-            <a:r>
-              <a:rPr kumimoji="0" lang="en-US" altLang="zh-TW" dirty="0"/>
-              <a:t>Copyright </a:t>
-            </a:r>
-            <a:r>
-              <a:rPr kumimoji="0" lang="zh-TW" altLang="en-US" dirty="0"/>
-              <a:t>黃三益</a:t>
-            </a:r>
-            <a:r>
-              <a:rPr kumimoji="0" lang="en-US" altLang="zh-TW" dirty="0"/>
-              <a:t>2023</a:t>
-            </a:r>
-          </a:p>
-          <a:p>
-            <a:r>
-              <a:rPr kumimoji="0" lang="zh-TW" altLang="en-US" dirty="0"/>
-              <a:t>資料庫的核心理論與實務第八版 </a:t>
-            </a:r>
-            <a:endParaRPr kumimoji="0" lang="en-US" dirty="0"/>
-          </a:p>
-        </p:txBody>
-      </p:sp>
-    </p:spTree>
-    <p:extLst>
-      <p:ext uri="{BB962C8B-B14F-4D97-AF65-F5344CB8AC3E}">
-        <p14:creationId xmlns:p14="http://schemas.microsoft.com/office/powerpoint/2010/main" val="1348400414"/>
-      </p:ext>
-    </p:extLst>
-  </p:cSld>
-  <p:clrMapOvr>
-    <a:masterClrMapping/>
-  </p:clrMapOvr>
-  <mc:AlternateContent xmlns:mc="http://schemas.openxmlformats.org/markup-compatibility/2006">
-    <mc:Choice xmlns:p14="http://schemas.microsoft.com/office/powerpoint/2010/main" Requires="p14">
-      <p:transition spd="slow" p14:dur="2000">
-        <p:cut/>
-      </p:transition>
-    </mc:Choice>
-    <mc:Fallback>
+    <mc:Fallback xmlns="">
       <p:transition spd="slow">
         <p:cut/>
       </p:transition>
@@ -29126,7 +28430,7 @@
           <a:p>
             <a:fld id="{E66ED3A7-EB85-48C1-9850-5627C7A46095}" type="datetime1">
               <a:rPr lang="zh-TW" altLang="en-US" smtClean="0"/>
-              <a:t>2025/10/17</a:t>
+              <a:t>2025/11/8</a:t>
             </a:fld>
             <a:endParaRPr lang="zh-TW" altLang="en-US"/>
           </a:p>
@@ -29171,13 +28475,13 @@
   <p:clrMapOvr>
     <a:masterClrMapping/>
   </p:clrMapOvr>
-  <mc:AlternateContent xmlns:mc="http://schemas.openxmlformats.org/markup-compatibility/2006">
-    <mc:Choice xmlns:p14="http://schemas.microsoft.com/office/powerpoint/2010/main" Requires="p14">
+  <mc:AlternateContent xmlns:mc="http://schemas.openxmlformats.org/markup-compatibility/2006" xmlns:p14="http://schemas.microsoft.com/office/powerpoint/2010/main">
+    <mc:Choice Requires="p14">
       <p:transition spd="slow" p14:dur="2000">
         <p:cut/>
       </p:transition>
     </mc:Choice>
-    <mc:Fallback>
+    <mc:Fallback xmlns="">
       <p:transition spd="slow">
         <p:cut/>
       </p:transition>
@@ -29187,6 +28491,1340 @@
 </file>
 
 <file path=ppt/slides/slide50.xml><?xml version="1.0" encoding="utf-8"?>
+<p:sld xmlns:a="http://schemas.openxmlformats.org/drawingml/2006/main" xmlns:r="http://schemas.openxmlformats.org/officeDocument/2006/relationships" xmlns:p="http://schemas.openxmlformats.org/presentationml/2006/main">
+  <p:cSld>
+    <p:spTree>
+      <p:nvGrpSpPr>
+        <p:cNvPr id="1" name=""/>
+        <p:cNvGrpSpPr/>
+        <p:nvPr/>
+      </p:nvGrpSpPr>
+      <p:grpSpPr>
+        <a:xfrm>
+          <a:off x="0" y="0"/>
+          <a:ext cx="0" cy="0"/>
+          <a:chOff x="0" y="0"/>
+          <a:chExt cx="0" cy="0"/>
+        </a:xfrm>
+      </p:grpSpPr>
+      <p:sp>
+        <p:nvSpPr>
+          <p:cNvPr id="4100" name="Rectangle 2"/>
+          <p:cNvSpPr>
+            <a:spLocks noGrp="1" noRot="1" noChangeArrowheads="1"/>
+          </p:cNvSpPr>
+          <p:nvPr>
+            <p:ph type="title"/>
+          </p:nvPr>
+        </p:nvSpPr>
+        <p:spPr/>
+        <p:txBody>
+          <a:bodyPr>
+            <a:normAutofit/>
+          </a:bodyPr>
+          <a:lstStyle/>
+          <a:p>
+            <a:pPr eaLnBrk="1" hangingPunct="1"/>
+            <a:r>
+              <a:rPr lang="zh-TW" altLang="en-US" sz="3200" spc="600" dirty="0">
+                <a:latin typeface="微軟正黑體" pitchFamily="34" charset="-120"/>
+                <a:cs typeface="+mn-cs"/>
+              </a:rPr>
+              <a:t>集合運算式 </a:t>
+            </a:r>
+          </a:p>
+        </p:txBody>
+      </p:sp>
+      <p:sp>
+        <p:nvSpPr>
+          <p:cNvPr id="4101" name="Rectangle 3"/>
+          <p:cNvSpPr>
+            <a:spLocks noGrp="1" noRot="1" noChangeArrowheads="1"/>
+          </p:cNvSpPr>
+          <p:nvPr>
+            <p:ph type="body" idx="1"/>
+          </p:nvPr>
+        </p:nvSpPr>
+        <p:spPr>
+          <a:xfrm>
+            <a:off x="838200" y="914401"/>
+            <a:ext cx="10515600" cy="5394919"/>
+          </a:xfrm>
+        </p:spPr>
+        <p:txBody>
+          <a:bodyPr>
+            <a:normAutofit fontScale="92500"/>
+          </a:bodyPr>
+          <a:lstStyle/>
+          <a:p>
+            <a:pPr eaLnBrk="1" hangingPunct="1">
+              <a:lnSpc>
+                <a:spcPct val="80000"/>
+              </a:lnSpc>
+            </a:pPr>
+            <a:r>
+              <a:rPr lang="zh-TW" altLang="en-US" dirty="0">
+                <a:latin typeface="微軟正黑體" panose="020B0604030504040204" pitchFamily="34" charset="-120"/>
+              </a:rPr>
+              <a:t>相乘</a:t>
+            </a:r>
+            <a:r>
+              <a:rPr lang="en-US" altLang="zh-TW" dirty="0">
+                <a:latin typeface="微軟正黑體" panose="020B0604030504040204" pitchFamily="34" charset="-120"/>
+              </a:rPr>
+              <a:t> (Cartesian product)</a:t>
+            </a:r>
+            <a:endParaRPr lang="en-US" altLang="zh-TW" b="1" dirty="0">
+              <a:latin typeface="微軟正黑體" panose="020B0604030504040204" pitchFamily="34" charset="-120"/>
+              <a:ea typeface="微軟正黑體" panose="020B0604030504040204" pitchFamily="34" charset="-120"/>
+            </a:endParaRPr>
+          </a:p>
+          <a:p>
+            <a:pPr marL="0" indent="0">
+              <a:lnSpc>
+                <a:spcPct val="80000"/>
+              </a:lnSpc>
+              <a:buNone/>
+            </a:pPr>
+            <a:r>
+              <a:rPr lang="zh-TW" altLang="en-US" sz="1400" dirty="0">
+                <a:latin typeface="微軟正黑體" panose="020B0604030504040204" pitchFamily="34" charset="-120"/>
+              </a:rPr>
+              <a:t>          </a:t>
+            </a:r>
+            <a:r>
+              <a:rPr lang="en-US" altLang="zh-TW" sz="1900" dirty="0">
+                <a:solidFill>
+                  <a:schemeClr val="tx1"/>
+                </a:solidFill>
+                <a:latin typeface="微軟正黑體" panose="020B0604030504040204" pitchFamily="34" charset="-120"/>
+              </a:rPr>
+              <a:t>SELECT </a:t>
+            </a:r>
+            <a:r>
+              <a:rPr lang="en-US" altLang="zh-TW" sz="1900" dirty="0" err="1">
+                <a:solidFill>
+                  <a:schemeClr val="tx1"/>
+                </a:solidFill>
+                <a:latin typeface="微軟正黑體" panose="020B0604030504040204" pitchFamily="34" charset="-120"/>
+              </a:rPr>
+              <a:t>mId</a:t>
+            </a:r>
+            <a:r>
+              <a:rPr lang="en-US" altLang="zh-TW" sz="1900" dirty="0">
+                <a:solidFill>
+                  <a:schemeClr val="tx1"/>
+                </a:solidFill>
+                <a:latin typeface="微軟正黑體" panose="020B0604030504040204" pitchFamily="34" charset="-120"/>
+              </a:rPr>
+              <a:t>, </a:t>
+            </a:r>
+            <a:r>
+              <a:rPr lang="en-US" altLang="zh-TW" sz="1900" dirty="0" err="1">
+                <a:solidFill>
+                  <a:schemeClr val="tx1"/>
+                </a:solidFill>
+                <a:latin typeface="微軟正黑體" panose="020B0604030504040204" pitchFamily="34" charset="-120"/>
+              </a:rPr>
+              <a:t>pNo</a:t>
+            </a:r>
+            <a:endParaRPr lang="en-US" altLang="zh-TW" sz="1900" dirty="0">
+              <a:solidFill>
+                <a:schemeClr val="tx1"/>
+              </a:solidFill>
+              <a:latin typeface="微軟正黑體" panose="020B0604030504040204" pitchFamily="34" charset="-120"/>
+            </a:endParaRPr>
+          </a:p>
+          <a:p>
+            <a:pPr marL="0" indent="0">
+              <a:lnSpc>
+                <a:spcPct val="80000"/>
+              </a:lnSpc>
+              <a:buNone/>
+            </a:pPr>
+            <a:r>
+              <a:rPr lang="zh-TW" altLang="en-US" sz="1900" dirty="0">
+                <a:solidFill>
+                  <a:schemeClr val="tx1"/>
+                </a:solidFill>
+                <a:latin typeface="微軟正黑體" panose="020B0604030504040204" pitchFamily="34" charset="-120"/>
+              </a:rPr>
+              <a:t>       </a:t>
+            </a:r>
+            <a:r>
+              <a:rPr lang="en-US" altLang="zh-TW" sz="1900" dirty="0">
+                <a:solidFill>
+                  <a:schemeClr val="tx1"/>
+                </a:solidFill>
+                <a:latin typeface="微軟正黑體" panose="020B0604030504040204" pitchFamily="34" charset="-120"/>
+              </a:rPr>
+              <a:t>FROM Member, Product; </a:t>
+            </a:r>
+          </a:p>
+          <a:p>
+            <a:pPr lvl="1" eaLnBrk="1" hangingPunct="1">
+              <a:lnSpc>
+                <a:spcPct val="80000"/>
+              </a:lnSpc>
+              <a:buFont typeface="Wingdings" pitchFamily="2" charset="2"/>
+              <a:buNone/>
+            </a:pPr>
+            <a:endParaRPr lang="en-US" altLang="zh-TW" dirty="0">
+              <a:latin typeface="微軟正黑體" panose="020B0604030504040204" pitchFamily="34" charset="-120"/>
+            </a:endParaRPr>
+          </a:p>
+          <a:p>
+            <a:pPr eaLnBrk="1" hangingPunct="1">
+              <a:lnSpc>
+                <a:spcPct val="120000"/>
+              </a:lnSpc>
+            </a:pPr>
+            <a:r>
+              <a:rPr lang="zh-TW" altLang="en-US" b="1" dirty="0">
+                <a:latin typeface="微軟正黑體" panose="020B0604030504040204" pitchFamily="34" charset="-120"/>
+                <a:ea typeface="微軟正黑體" panose="020B0604030504040204" pitchFamily="34" charset="-120"/>
+              </a:rPr>
+              <a:t>交集、聯集、差集等運算子則分別用</a:t>
+            </a:r>
+            <a:r>
+              <a:rPr lang="en-US" altLang="zh-TW" b="1" dirty="0">
+                <a:latin typeface="微軟正黑體" panose="020B0604030504040204" pitchFamily="34" charset="-120"/>
+                <a:ea typeface="微軟正黑體" panose="020B0604030504040204" pitchFamily="34" charset="-120"/>
+              </a:rPr>
+              <a:t>INTERSECT</a:t>
+            </a:r>
+            <a:r>
+              <a:rPr lang="zh-TW" altLang="en-US" b="1" dirty="0">
+                <a:latin typeface="微軟正黑體" panose="020B0604030504040204" pitchFamily="34" charset="-120"/>
+                <a:ea typeface="微軟正黑體" panose="020B0604030504040204" pitchFamily="34" charset="-120"/>
+              </a:rPr>
+              <a:t>、</a:t>
+            </a:r>
+            <a:r>
+              <a:rPr lang="en-US" altLang="zh-TW" b="1" dirty="0">
+                <a:latin typeface="微軟正黑體" panose="020B0604030504040204" pitchFamily="34" charset="-120"/>
+                <a:ea typeface="微軟正黑體" panose="020B0604030504040204" pitchFamily="34" charset="-120"/>
+              </a:rPr>
+              <a:t>UNION</a:t>
+            </a:r>
+            <a:r>
+              <a:rPr lang="zh-TW" altLang="en-US" b="1" dirty="0">
+                <a:latin typeface="微軟正黑體" panose="020B0604030504040204" pitchFamily="34" charset="-120"/>
+                <a:ea typeface="微軟正黑體" panose="020B0604030504040204" pitchFamily="34" charset="-120"/>
+              </a:rPr>
+              <a:t>，和</a:t>
+            </a:r>
+            <a:r>
+              <a:rPr lang="en-US" altLang="zh-TW" b="1" dirty="0">
+                <a:latin typeface="微軟正黑體" panose="020B0604030504040204" pitchFamily="34" charset="-120"/>
+                <a:ea typeface="微軟正黑體" panose="020B0604030504040204" pitchFamily="34" charset="-120"/>
+              </a:rPr>
+              <a:t>EXCEPT </a:t>
+            </a:r>
+            <a:endParaRPr lang="en-US" altLang="zh-TW" sz="1800" dirty="0">
+              <a:latin typeface="微軟正黑體" panose="020B0604030504040204" pitchFamily="34" charset="-120"/>
+            </a:endParaRPr>
+          </a:p>
+          <a:p>
+            <a:pPr marL="457200" lvl="1" indent="0" eaLnBrk="1" hangingPunct="1">
+              <a:lnSpc>
+                <a:spcPct val="120000"/>
+              </a:lnSpc>
+              <a:buNone/>
+            </a:pPr>
+            <a:r>
+              <a:rPr lang="zh-TW" altLang="en-US" sz="2200" b="1" dirty="0">
+                <a:latin typeface="微軟正黑體" panose="020B0604030504040204" pitchFamily="34" charset="-120"/>
+              </a:rPr>
+              <a:t>實例</a:t>
+            </a:r>
+            <a:r>
+              <a:rPr lang="en-US" altLang="zh-TW" sz="2200" b="1" dirty="0">
+                <a:latin typeface="微軟正黑體" panose="020B0604030504040204" pitchFamily="34" charset="-120"/>
+              </a:rPr>
+              <a:t>: </a:t>
+            </a:r>
+            <a:r>
+              <a:rPr lang="zh-TW" altLang="en-US" sz="2200" b="1" dirty="0">
+                <a:latin typeface="微軟正黑體" panose="020B0604030504040204" pitchFamily="34" charset="-120"/>
+              </a:rPr>
+              <a:t>找出所有瀏覽過或購買過「系統分析理論與實務」的會員之會員編號和會員姓名。</a:t>
+            </a:r>
+            <a:endParaRPr lang="zh-TW" altLang="en-US" sz="1900" dirty="0">
+              <a:latin typeface="微軟正黑體" panose="020B0604030504040204" pitchFamily="34" charset="-120"/>
+            </a:endParaRPr>
+          </a:p>
+          <a:p>
+            <a:pPr lvl="1" eaLnBrk="1" hangingPunct="1">
+              <a:lnSpc>
+                <a:spcPct val="110000"/>
+              </a:lnSpc>
+              <a:buFont typeface="Wingdings" pitchFamily="2" charset="2"/>
+              <a:buNone/>
+            </a:pPr>
+            <a:r>
+              <a:rPr lang="en-US" altLang="zh-TW" sz="1900" b="1" dirty="0">
+                <a:latin typeface="微軟正黑體" panose="020B0604030504040204" pitchFamily="34" charset="-120"/>
+              </a:rPr>
+              <a:t>SELECT </a:t>
+            </a:r>
+            <a:r>
+              <a:rPr lang="en-US" altLang="zh-TW" sz="1900" dirty="0" err="1">
+                <a:latin typeface="微軟正黑體" panose="020B0604030504040204" pitchFamily="34" charset="-120"/>
+              </a:rPr>
+              <a:t>M.mId</a:t>
+            </a:r>
+            <a:r>
+              <a:rPr lang="en-US" altLang="zh-TW" sz="1900" dirty="0">
+                <a:latin typeface="微軟正黑體" panose="020B0604030504040204" pitchFamily="34" charset="-120"/>
+              </a:rPr>
+              <a:t>, M.name</a:t>
+            </a:r>
+            <a:endParaRPr lang="en-US" altLang="zh-TW" sz="1900" b="1" dirty="0">
+              <a:latin typeface="微軟正黑體" panose="020B0604030504040204" pitchFamily="34" charset="-120"/>
+            </a:endParaRPr>
+          </a:p>
+          <a:p>
+            <a:pPr lvl="1" eaLnBrk="1" hangingPunct="1">
+              <a:lnSpc>
+                <a:spcPct val="110000"/>
+              </a:lnSpc>
+              <a:buFont typeface="Wingdings" pitchFamily="2" charset="2"/>
+              <a:buNone/>
+            </a:pPr>
+            <a:r>
+              <a:rPr lang="en-US" altLang="zh-TW" sz="1900" b="1" dirty="0">
+                <a:latin typeface="微軟正黑體" panose="020B0604030504040204" pitchFamily="34" charset="-120"/>
+              </a:rPr>
+              <a:t>FROM</a:t>
+            </a:r>
+            <a:r>
+              <a:rPr lang="en-US" altLang="zh-TW" sz="1900" dirty="0">
+                <a:latin typeface="微軟正黑體" panose="020B0604030504040204" pitchFamily="34" charset="-120"/>
+              </a:rPr>
+              <a:t> Product</a:t>
+            </a:r>
+            <a:r>
+              <a:rPr lang="en-US" altLang="zh-TW" sz="1900" b="1" dirty="0">
+                <a:latin typeface="微軟正黑體" panose="020B0604030504040204" pitchFamily="34" charset="-120"/>
+              </a:rPr>
+              <a:t> AS</a:t>
+            </a:r>
+            <a:r>
+              <a:rPr lang="en-US" altLang="zh-TW" sz="1900" dirty="0">
+                <a:latin typeface="微軟正黑體" panose="020B0604030504040204" pitchFamily="34" charset="-120"/>
+              </a:rPr>
+              <a:t> P, Browse </a:t>
+            </a:r>
+            <a:r>
+              <a:rPr lang="en-US" altLang="zh-TW" sz="1900" b="1" dirty="0">
+                <a:latin typeface="微軟正黑體" panose="020B0604030504040204" pitchFamily="34" charset="-120"/>
+              </a:rPr>
+              <a:t>AS</a:t>
+            </a:r>
+            <a:r>
+              <a:rPr lang="en-US" altLang="zh-TW" sz="1900" dirty="0">
+                <a:latin typeface="微軟正黑體" panose="020B0604030504040204" pitchFamily="34" charset="-120"/>
+              </a:rPr>
+              <a:t> B, Member</a:t>
+            </a:r>
+            <a:r>
+              <a:rPr lang="en-US" altLang="zh-TW" sz="1900" b="1" dirty="0">
+                <a:latin typeface="微軟正黑體" panose="020B0604030504040204" pitchFamily="34" charset="-120"/>
+              </a:rPr>
+              <a:t> AS </a:t>
+            </a:r>
+            <a:r>
+              <a:rPr lang="en-US" altLang="zh-TW" sz="1900" dirty="0">
+                <a:latin typeface="微軟正黑體" panose="020B0604030504040204" pitchFamily="34" charset="-120"/>
+              </a:rPr>
+              <a:t>M</a:t>
+            </a:r>
+            <a:endParaRPr lang="en-US" altLang="zh-TW" sz="1900" b="1" dirty="0">
+              <a:latin typeface="微軟正黑體" panose="020B0604030504040204" pitchFamily="34" charset="-120"/>
+            </a:endParaRPr>
+          </a:p>
+          <a:p>
+            <a:pPr lvl="1" eaLnBrk="1" hangingPunct="1">
+              <a:lnSpc>
+                <a:spcPct val="110000"/>
+              </a:lnSpc>
+              <a:buFont typeface="Wingdings" pitchFamily="2" charset="2"/>
+              <a:buNone/>
+            </a:pPr>
+            <a:r>
+              <a:rPr lang="en-US" altLang="zh-TW" sz="1900" b="1" dirty="0">
+                <a:latin typeface="微軟正黑體" panose="020B0604030504040204" pitchFamily="34" charset="-120"/>
+              </a:rPr>
+              <a:t>WHERE</a:t>
+            </a:r>
+            <a:r>
+              <a:rPr lang="en-US" altLang="zh-TW" sz="1900" dirty="0">
+                <a:latin typeface="微軟正黑體" panose="020B0604030504040204" pitchFamily="34" charset="-120"/>
+              </a:rPr>
+              <a:t> </a:t>
+            </a:r>
+            <a:r>
+              <a:rPr lang="en-US" altLang="zh-TW" sz="1900" dirty="0" err="1">
+                <a:latin typeface="微軟正黑體" panose="020B0604030504040204" pitchFamily="34" charset="-120"/>
+              </a:rPr>
+              <a:t>pName</a:t>
+            </a:r>
+            <a:r>
+              <a:rPr lang="en-US" altLang="zh-TW" sz="1900" dirty="0">
+                <a:latin typeface="微軟正黑體" panose="020B0604030504040204" pitchFamily="34" charset="-120"/>
+              </a:rPr>
+              <a:t> = </a:t>
+            </a:r>
+            <a:r>
+              <a:rPr lang="en-US" altLang="zh-TW" sz="1900" dirty="0">
+                <a:latin typeface="微軟正黑體" panose="020B0604030504040204" pitchFamily="34" charset="-120"/>
+                <a:cs typeface="Times New Roman" pitchFamily="18" charset="0"/>
+              </a:rPr>
+              <a:t>‘</a:t>
+            </a:r>
+            <a:r>
+              <a:rPr lang="zh-TW" altLang="en-US" sz="1900" dirty="0">
+                <a:latin typeface="微軟正黑體" panose="020B0604030504040204" pitchFamily="34" charset="-120"/>
+              </a:rPr>
+              <a:t>系統分析理論與實務</a:t>
+            </a:r>
+            <a:r>
+              <a:rPr lang="en-US" altLang="zh-TW" sz="1900" dirty="0">
+                <a:latin typeface="微軟正黑體" panose="020B0604030504040204" pitchFamily="34" charset="-120"/>
+              </a:rPr>
+              <a:t>’</a:t>
+            </a:r>
+            <a:r>
+              <a:rPr lang="en-US" altLang="zh-TW" sz="1900" b="1" dirty="0">
+                <a:latin typeface="微軟正黑體" panose="020B0604030504040204" pitchFamily="34" charset="-120"/>
+              </a:rPr>
+              <a:t>AND</a:t>
+            </a:r>
+            <a:r>
+              <a:rPr lang="en-US" altLang="zh-TW" sz="1900" dirty="0">
+                <a:latin typeface="微軟正黑體" panose="020B0604030504040204" pitchFamily="34" charset="-120"/>
+              </a:rPr>
+              <a:t> </a:t>
+            </a:r>
+            <a:r>
+              <a:rPr lang="en-US" altLang="zh-TW" sz="1900" dirty="0" err="1">
+                <a:latin typeface="微軟正黑體" panose="020B0604030504040204" pitchFamily="34" charset="-120"/>
+              </a:rPr>
+              <a:t>P.pNo</a:t>
+            </a:r>
+            <a:r>
+              <a:rPr lang="en-US" altLang="zh-TW" sz="1900" dirty="0">
+                <a:latin typeface="微軟正黑體" panose="020B0604030504040204" pitchFamily="34" charset="-120"/>
+              </a:rPr>
+              <a:t> = </a:t>
+            </a:r>
+            <a:r>
+              <a:rPr lang="en-US" altLang="zh-TW" sz="1900" dirty="0" err="1">
+                <a:latin typeface="微軟正黑體" panose="020B0604030504040204" pitchFamily="34" charset="-120"/>
+              </a:rPr>
+              <a:t>B.pNo</a:t>
+            </a:r>
+            <a:r>
+              <a:rPr lang="en-US" altLang="zh-TW" sz="1900" dirty="0">
+                <a:latin typeface="微軟正黑體" panose="020B0604030504040204" pitchFamily="34" charset="-120"/>
+              </a:rPr>
+              <a:t> </a:t>
+            </a:r>
+            <a:r>
+              <a:rPr lang="en-US" altLang="zh-TW" sz="1900" b="1" dirty="0">
+                <a:latin typeface="微軟正黑體" panose="020B0604030504040204" pitchFamily="34" charset="-120"/>
+              </a:rPr>
+              <a:t>AND</a:t>
+            </a:r>
+            <a:r>
+              <a:rPr lang="en-US" altLang="zh-TW" sz="1900" dirty="0">
+                <a:latin typeface="微軟正黑體" panose="020B0604030504040204" pitchFamily="34" charset="-120"/>
+              </a:rPr>
+              <a:t> </a:t>
+            </a:r>
+            <a:r>
+              <a:rPr lang="en-US" altLang="zh-TW" sz="1900" dirty="0" err="1">
+                <a:latin typeface="微軟正黑體" panose="020B0604030504040204" pitchFamily="34" charset="-120"/>
+              </a:rPr>
+              <a:t>B.mId</a:t>
+            </a:r>
+            <a:r>
+              <a:rPr lang="en-US" altLang="zh-TW" sz="1900" dirty="0">
+                <a:latin typeface="微軟正黑體" panose="020B0604030504040204" pitchFamily="34" charset="-120"/>
+              </a:rPr>
+              <a:t> = </a:t>
+            </a:r>
+            <a:r>
+              <a:rPr lang="en-US" altLang="zh-TW" sz="1900" dirty="0" err="1">
+                <a:latin typeface="微軟正黑體" panose="020B0604030504040204" pitchFamily="34" charset="-120"/>
+              </a:rPr>
+              <a:t>M.mId</a:t>
+            </a:r>
+            <a:endParaRPr lang="en-US" altLang="zh-TW" sz="1900" b="1" dirty="0">
+              <a:latin typeface="微軟正黑體" panose="020B0604030504040204" pitchFamily="34" charset="-120"/>
+            </a:endParaRPr>
+          </a:p>
+          <a:p>
+            <a:pPr lvl="1" eaLnBrk="1" hangingPunct="1">
+              <a:lnSpc>
+                <a:spcPct val="110000"/>
+              </a:lnSpc>
+              <a:buFont typeface="Wingdings" pitchFamily="2" charset="2"/>
+              <a:buNone/>
+            </a:pPr>
+            <a:r>
+              <a:rPr lang="en-US" altLang="zh-TW" sz="1900" b="1" dirty="0">
+                <a:solidFill>
+                  <a:srgbClr val="0000FF"/>
+                </a:solidFill>
+                <a:latin typeface="微軟正黑體" panose="020B0604030504040204" pitchFamily="34" charset="-120"/>
+              </a:rPr>
+              <a:t>UNION</a:t>
+            </a:r>
+          </a:p>
+          <a:p>
+            <a:pPr lvl="1" eaLnBrk="1" hangingPunct="1">
+              <a:lnSpc>
+                <a:spcPct val="110000"/>
+              </a:lnSpc>
+              <a:buFont typeface="Wingdings" pitchFamily="2" charset="2"/>
+              <a:buNone/>
+            </a:pPr>
+            <a:r>
+              <a:rPr lang="en-US" altLang="zh-TW" sz="1900" b="1" dirty="0">
+                <a:latin typeface="微軟正黑體" panose="020B0604030504040204" pitchFamily="34" charset="-120"/>
+              </a:rPr>
+              <a:t>SELECT </a:t>
+            </a:r>
+            <a:r>
+              <a:rPr lang="en-US" altLang="zh-TW" sz="1900" dirty="0" err="1">
+                <a:latin typeface="微軟正黑體" panose="020B0604030504040204" pitchFamily="34" charset="-120"/>
+              </a:rPr>
+              <a:t>M.mId</a:t>
+            </a:r>
+            <a:r>
+              <a:rPr lang="en-US" altLang="zh-TW" sz="1900" dirty="0">
+                <a:latin typeface="微軟正黑體" panose="020B0604030504040204" pitchFamily="34" charset="-120"/>
+              </a:rPr>
+              <a:t>, M.name</a:t>
+            </a:r>
+            <a:endParaRPr lang="en-US" altLang="zh-TW" sz="1900" b="1" dirty="0">
+              <a:latin typeface="微軟正黑體" panose="020B0604030504040204" pitchFamily="34" charset="-120"/>
+            </a:endParaRPr>
+          </a:p>
+          <a:p>
+            <a:pPr lvl="1" eaLnBrk="1" hangingPunct="1">
+              <a:lnSpc>
+                <a:spcPct val="110000"/>
+              </a:lnSpc>
+              <a:buFont typeface="Wingdings" pitchFamily="2" charset="2"/>
+              <a:buNone/>
+            </a:pPr>
+            <a:r>
+              <a:rPr lang="en-US" altLang="zh-TW" sz="1900" b="1" dirty="0">
+                <a:latin typeface="微軟正黑體" panose="020B0604030504040204" pitchFamily="34" charset="-120"/>
+              </a:rPr>
+              <a:t>FROM</a:t>
+            </a:r>
+            <a:r>
+              <a:rPr lang="en-US" altLang="zh-TW" sz="1900" dirty="0">
+                <a:latin typeface="微軟正黑體" panose="020B0604030504040204" pitchFamily="34" charset="-120"/>
+              </a:rPr>
+              <a:t> Product </a:t>
+            </a:r>
+            <a:r>
+              <a:rPr lang="en-US" altLang="zh-TW" sz="1900" b="1" dirty="0">
+                <a:latin typeface="微軟正黑體" panose="020B0604030504040204" pitchFamily="34" charset="-120"/>
+              </a:rPr>
+              <a:t>AS </a:t>
+            </a:r>
+            <a:r>
+              <a:rPr lang="en-US" altLang="zh-TW" sz="1900" dirty="0">
+                <a:latin typeface="微軟正黑體" panose="020B0604030504040204" pitchFamily="34" charset="-120"/>
+              </a:rPr>
+              <a:t>P, Record </a:t>
+            </a:r>
+            <a:r>
+              <a:rPr lang="en-US" altLang="zh-TW" sz="1900" b="1" dirty="0">
+                <a:latin typeface="微軟正黑體" panose="020B0604030504040204" pitchFamily="34" charset="-120"/>
+              </a:rPr>
+              <a:t>AS</a:t>
+            </a:r>
+            <a:r>
+              <a:rPr lang="en-US" altLang="zh-TW" sz="1900" dirty="0">
+                <a:latin typeface="微軟正黑體" panose="020B0604030504040204" pitchFamily="34" charset="-120"/>
+              </a:rPr>
+              <a:t> R, `Transaction` </a:t>
+            </a:r>
+            <a:r>
+              <a:rPr lang="en-US" altLang="zh-TW" sz="1900" b="1" dirty="0">
+                <a:latin typeface="微軟正黑體" panose="020B0604030504040204" pitchFamily="34" charset="-120"/>
+              </a:rPr>
+              <a:t>AS </a:t>
+            </a:r>
+            <a:r>
+              <a:rPr lang="en-US" altLang="zh-TW" sz="1900" dirty="0">
+                <a:latin typeface="微軟正黑體" panose="020B0604030504040204" pitchFamily="34" charset="-120"/>
+              </a:rPr>
+              <a:t>T, Member </a:t>
+            </a:r>
+            <a:r>
+              <a:rPr lang="en-US" altLang="zh-TW" sz="1900" b="1" dirty="0">
+                <a:latin typeface="微軟正黑體" panose="020B0604030504040204" pitchFamily="34" charset="-120"/>
+              </a:rPr>
+              <a:t>AS</a:t>
+            </a:r>
+            <a:r>
+              <a:rPr lang="en-US" altLang="zh-TW" sz="1900" dirty="0">
+                <a:latin typeface="微軟正黑體" panose="020B0604030504040204" pitchFamily="34" charset="-120"/>
+              </a:rPr>
+              <a:t> M</a:t>
+            </a:r>
+            <a:endParaRPr lang="en-US" altLang="zh-TW" sz="1900" b="1" dirty="0">
+              <a:latin typeface="微軟正黑體" panose="020B0604030504040204" pitchFamily="34" charset="-120"/>
+            </a:endParaRPr>
+          </a:p>
+          <a:p>
+            <a:pPr lvl="1" eaLnBrk="1" hangingPunct="1">
+              <a:lnSpc>
+                <a:spcPct val="110000"/>
+              </a:lnSpc>
+              <a:buFont typeface="Wingdings" pitchFamily="2" charset="2"/>
+              <a:buNone/>
+            </a:pPr>
+            <a:r>
+              <a:rPr lang="en-US" altLang="zh-TW" sz="1900" b="1" dirty="0">
+                <a:latin typeface="微軟正黑體" panose="020B0604030504040204" pitchFamily="34" charset="-120"/>
+              </a:rPr>
+              <a:t>WHERE</a:t>
+            </a:r>
+            <a:r>
+              <a:rPr lang="en-US" altLang="zh-TW" sz="1900" dirty="0">
+                <a:latin typeface="微軟正黑體" panose="020B0604030504040204" pitchFamily="34" charset="-120"/>
+              </a:rPr>
+              <a:t> </a:t>
+            </a:r>
+            <a:r>
+              <a:rPr lang="en-US" altLang="zh-TW" sz="1900" dirty="0" err="1">
+                <a:latin typeface="微軟正黑體" panose="020B0604030504040204" pitchFamily="34" charset="-120"/>
+              </a:rPr>
+              <a:t>pName</a:t>
+            </a:r>
+            <a:r>
+              <a:rPr lang="en-US" altLang="zh-TW" sz="1900" dirty="0">
+                <a:latin typeface="微軟正黑體" panose="020B0604030504040204" pitchFamily="34" charset="-120"/>
+              </a:rPr>
+              <a:t> = </a:t>
+            </a:r>
+            <a:r>
+              <a:rPr lang="en-US" altLang="zh-TW" sz="1900" dirty="0">
+                <a:latin typeface="微軟正黑體" panose="020B0604030504040204" pitchFamily="34" charset="-120"/>
+                <a:cs typeface="Times New Roman" pitchFamily="18" charset="0"/>
+              </a:rPr>
+              <a:t>‘</a:t>
+            </a:r>
+            <a:r>
+              <a:rPr lang="zh-TW" altLang="en-US" sz="1900" dirty="0">
+                <a:latin typeface="微軟正黑體" panose="020B0604030504040204" pitchFamily="34" charset="-120"/>
+              </a:rPr>
+              <a:t>系統分析理論與實務</a:t>
+            </a:r>
+            <a:r>
+              <a:rPr lang="en-US" altLang="zh-TW" sz="1900" dirty="0">
+                <a:latin typeface="微軟正黑體" panose="020B0604030504040204" pitchFamily="34" charset="-120"/>
+                <a:cs typeface="Times New Roman" pitchFamily="18" charset="0"/>
+              </a:rPr>
+              <a:t>’</a:t>
+            </a:r>
+            <a:r>
+              <a:rPr lang="en-US" altLang="zh-TW" sz="1900" b="1" dirty="0">
+                <a:latin typeface="微軟正黑體" panose="020B0604030504040204" pitchFamily="34" charset="-120"/>
+              </a:rPr>
+              <a:t>AND</a:t>
+            </a:r>
+            <a:r>
+              <a:rPr lang="en-US" altLang="zh-TW" sz="1900" dirty="0">
+                <a:latin typeface="微軟正黑體" panose="020B0604030504040204" pitchFamily="34" charset="-120"/>
+              </a:rPr>
+              <a:t> </a:t>
+            </a:r>
+            <a:r>
+              <a:rPr lang="en-US" altLang="zh-TW" sz="1900" dirty="0" err="1">
+                <a:latin typeface="微軟正黑體" panose="020B0604030504040204" pitchFamily="34" charset="-120"/>
+              </a:rPr>
+              <a:t>P.pNo</a:t>
+            </a:r>
+            <a:r>
+              <a:rPr lang="en-US" altLang="zh-TW" sz="1900" dirty="0">
+                <a:latin typeface="微軟正黑體" panose="020B0604030504040204" pitchFamily="34" charset="-120"/>
+              </a:rPr>
+              <a:t> = </a:t>
+            </a:r>
+            <a:r>
+              <a:rPr lang="en-US" altLang="zh-TW" sz="1900" dirty="0" err="1">
+                <a:latin typeface="微軟正黑體" panose="020B0604030504040204" pitchFamily="34" charset="-120"/>
+              </a:rPr>
+              <a:t>R.pNo</a:t>
+            </a:r>
+            <a:r>
+              <a:rPr lang="en-US" altLang="zh-TW" sz="1900" dirty="0">
+                <a:latin typeface="微軟正黑體" panose="020B0604030504040204" pitchFamily="34" charset="-120"/>
+              </a:rPr>
+              <a:t> </a:t>
+            </a:r>
+            <a:r>
+              <a:rPr lang="en-US" altLang="zh-TW" sz="1900" b="1" dirty="0">
+                <a:latin typeface="微軟正黑體" panose="020B0604030504040204" pitchFamily="34" charset="-120"/>
+              </a:rPr>
+              <a:t>AND</a:t>
+            </a:r>
+            <a:r>
+              <a:rPr lang="en-US" altLang="zh-TW" sz="1900" dirty="0">
+                <a:latin typeface="微軟正黑體" panose="020B0604030504040204" pitchFamily="34" charset="-120"/>
+              </a:rPr>
+              <a:t> </a:t>
+            </a:r>
+            <a:r>
+              <a:rPr lang="en-US" altLang="zh-TW" sz="1900" dirty="0" err="1">
+                <a:latin typeface="微軟正黑體" panose="020B0604030504040204" pitchFamily="34" charset="-120"/>
+              </a:rPr>
+              <a:t>R.tNo</a:t>
+            </a:r>
+            <a:r>
+              <a:rPr lang="en-US" altLang="zh-TW" sz="1900" dirty="0">
+                <a:latin typeface="微軟正黑體" panose="020B0604030504040204" pitchFamily="34" charset="-120"/>
+              </a:rPr>
+              <a:t> = </a:t>
+            </a:r>
+            <a:r>
+              <a:rPr lang="en-US" altLang="zh-TW" sz="1900" dirty="0" err="1">
+                <a:latin typeface="微軟正黑體" panose="020B0604030504040204" pitchFamily="34" charset="-120"/>
+              </a:rPr>
+              <a:t>T.tNo</a:t>
+            </a:r>
+            <a:r>
+              <a:rPr lang="en-US" altLang="zh-TW" sz="1900" dirty="0">
+                <a:latin typeface="微軟正黑體" panose="020B0604030504040204" pitchFamily="34" charset="-120"/>
+              </a:rPr>
+              <a:t> </a:t>
+            </a:r>
+          </a:p>
+          <a:p>
+            <a:pPr lvl="1" eaLnBrk="1" hangingPunct="1">
+              <a:lnSpc>
+                <a:spcPct val="110000"/>
+              </a:lnSpc>
+              <a:buFont typeface="Wingdings" pitchFamily="2" charset="2"/>
+              <a:buNone/>
+            </a:pPr>
+            <a:r>
+              <a:rPr lang="en-US" altLang="zh-TW" sz="1900" b="1" dirty="0">
+                <a:latin typeface="微軟正黑體" panose="020B0604030504040204" pitchFamily="34" charset="-120"/>
+              </a:rPr>
+              <a:t>AND</a:t>
+            </a:r>
+            <a:r>
+              <a:rPr lang="en-US" altLang="zh-TW" sz="1900" dirty="0">
+                <a:latin typeface="微軟正黑體" panose="020B0604030504040204" pitchFamily="34" charset="-120"/>
+              </a:rPr>
+              <a:t> </a:t>
+            </a:r>
+            <a:r>
+              <a:rPr lang="en-US" altLang="zh-TW" sz="1900" dirty="0" err="1">
+                <a:latin typeface="微軟正黑體" panose="020B0604030504040204" pitchFamily="34" charset="-120"/>
+              </a:rPr>
+              <a:t>T.transMid</a:t>
+            </a:r>
+            <a:r>
+              <a:rPr lang="en-US" altLang="zh-TW" sz="1900" dirty="0">
+                <a:latin typeface="微軟正黑體" panose="020B0604030504040204" pitchFamily="34" charset="-120"/>
+              </a:rPr>
+              <a:t> = </a:t>
+            </a:r>
+            <a:r>
+              <a:rPr lang="en-US" altLang="zh-TW" sz="1900" dirty="0" err="1">
+                <a:latin typeface="微軟正黑體" panose="020B0604030504040204" pitchFamily="34" charset="-120"/>
+              </a:rPr>
+              <a:t>M.mId</a:t>
+            </a:r>
+            <a:r>
+              <a:rPr lang="en-US" altLang="zh-TW" sz="1900" dirty="0">
+                <a:latin typeface="微軟正黑體" panose="020B0604030504040204" pitchFamily="34" charset="-120"/>
+              </a:rPr>
+              <a:t>;</a:t>
+            </a:r>
+          </a:p>
+          <a:p>
+            <a:pPr lvl="1" eaLnBrk="1" hangingPunct="1">
+              <a:lnSpc>
+                <a:spcPct val="80000"/>
+              </a:lnSpc>
+            </a:pPr>
+            <a:endParaRPr lang="en-US" altLang="zh-TW" sz="1400" dirty="0"/>
+          </a:p>
+        </p:txBody>
+      </p:sp>
+      <p:sp>
+        <p:nvSpPr>
+          <p:cNvPr id="4102" name="Rectangle 8"/>
+          <p:cNvSpPr>
+            <a:spLocks noChangeArrowheads="1"/>
+          </p:cNvSpPr>
+          <p:nvPr/>
+        </p:nvSpPr>
+        <p:spPr bwMode="auto">
+          <a:xfrm>
+            <a:off x="1524001" y="2048947"/>
+            <a:ext cx="184731" cy="369332"/>
+          </a:xfrm>
+          <a:prstGeom prst="rect">
+            <a:avLst/>
+          </a:prstGeom>
+          <a:noFill/>
+          <a:ln>
+            <a:noFill/>
+          </a:ln>
+          <a:extLst>
+            <a:ext uri="{909E8E84-426E-40DD-AFC4-6F175D3DCCD1}">
+              <a14:hiddenFill xmlns:a14="http://schemas.microsoft.com/office/drawing/2010/main">
+                <a:solidFill>
+                  <a:srgbClr val="FFFFFF"/>
+                </a:solidFill>
+              </a14:hiddenFill>
+            </a:ext>
+            <a:ext uri="{91240B29-F687-4F45-9708-019B960494DF}">
+              <a14:hiddenLine xmlns:a14="http://schemas.microsoft.com/office/drawing/2010/main" w="9525">
+                <a:solidFill>
+                  <a:srgbClr val="000000"/>
+                </a:solidFill>
+                <a:miter lim="800000"/>
+                <a:headEnd/>
+                <a:tailEnd/>
+              </a14:hiddenLine>
+            </a:ext>
+          </a:extLst>
+        </p:spPr>
+        <p:txBody>
+          <a:bodyPr wrap="none" anchor="ctr">
+            <a:spAutoFit/>
+          </a:bodyPr>
+          <a:lstStyle>
+            <a:lvl1pPr eaLnBrk="0" hangingPunct="0">
+              <a:defRPr kumimoji="1">
+                <a:solidFill>
+                  <a:schemeClr val="tx1"/>
+                </a:solidFill>
+                <a:latin typeface="Arial" charset="0"/>
+                <a:ea typeface="新細明體" pitchFamily="18" charset="-120"/>
+              </a:defRPr>
+            </a:lvl1pPr>
+            <a:lvl2pPr marL="742950" indent="-285750" eaLnBrk="0" hangingPunct="0">
+              <a:defRPr kumimoji="1">
+                <a:solidFill>
+                  <a:schemeClr val="tx1"/>
+                </a:solidFill>
+                <a:latin typeface="Arial" charset="0"/>
+                <a:ea typeface="新細明體" pitchFamily="18" charset="-120"/>
+              </a:defRPr>
+            </a:lvl2pPr>
+            <a:lvl3pPr marL="1143000" indent="-228600" eaLnBrk="0" hangingPunct="0">
+              <a:defRPr kumimoji="1">
+                <a:solidFill>
+                  <a:schemeClr val="tx1"/>
+                </a:solidFill>
+                <a:latin typeface="Arial" charset="0"/>
+                <a:ea typeface="新細明體" pitchFamily="18" charset="-120"/>
+              </a:defRPr>
+            </a:lvl3pPr>
+            <a:lvl4pPr marL="1600200" indent="-228600" eaLnBrk="0" hangingPunct="0">
+              <a:defRPr kumimoji="1">
+                <a:solidFill>
+                  <a:schemeClr val="tx1"/>
+                </a:solidFill>
+                <a:latin typeface="Arial" charset="0"/>
+                <a:ea typeface="新細明體" pitchFamily="18" charset="-120"/>
+              </a:defRPr>
+            </a:lvl4pPr>
+            <a:lvl5pPr marL="2057400" indent="-228600" eaLnBrk="0" hangingPunct="0">
+              <a:defRPr kumimoji="1">
+                <a:solidFill>
+                  <a:schemeClr val="tx1"/>
+                </a:solidFill>
+                <a:latin typeface="Arial" charset="0"/>
+                <a:ea typeface="新細明體" pitchFamily="18" charset="-120"/>
+              </a:defRPr>
+            </a:lvl5pPr>
+            <a:lvl6pPr marL="2514600" indent="-228600" eaLnBrk="0" fontAlgn="base" hangingPunct="0">
+              <a:spcBef>
+                <a:spcPct val="0"/>
+              </a:spcBef>
+              <a:spcAft>
+                <a:spcPct val="0"/>
+              </a:spcAft>
+              <a:defRPr kumimoji="1">
+                <a:solidFill>
+                  <a:schemeClr val="tx1"/>
+                </a:solidFill>
+                <a:latin typeface="Arial" charset="0"/>
+                <a:ea typeface="新細明體" pitchFamily="18" charset="-120"/>
+              </a:defRPr>
+            </a:lvl6pPr>
+            <a:lvl7pPr marL="2971800" indent="-228600" eaLnBrk="0" fontAlgn="base" hangingPunct="0">
+              <a:spcBef>
+                <a:spcPct val="0"/>
+              </a:spcBef>
+              <a:spcAft>
+                <a:spcPct val="0"/>
+              </a:spcAft>
+              <a:defRPr kumimoji="1">
+                <a:solidFill>
+                  <a:schemeClr val="tx1"/>
+                </a:solidFill>
+                <a:latin typeface="Arial" charset="0"/>
+                <a:ea typeface="新細明體" pitchFamily="18" charset="-120"/>
+              </a:defRPr>
+            </a:lvl7pPr>
+            <a:lvl8pPr marL="3429000" indent="-228600" eaLnBrk="0" fontAlgn="base" hangingPunct="0">
+              <a:spcBef>
+                <a:spcPct val="0"/>
+              </a:spcBef>
+              <a:spcAft>
+                <a:spcPct val="0"/>
+              </a:spcAft>
+              <a:defRPr kumimoji="1">
+                <a:solidFill>
+                  <a:schemeClr val="tx1"/>
+                </a:solidFill>
+                <a:latin typeface="Arial" charset="0"/>
+                <a:ea typeface="新細明體" pitchFamily="18" charset="-120"/>
+              </a:defRPr>
+            </a:lvl8pPr>
+            <a:lvl9pPr marL="3886200" indent="-228600" eaLnBrk="0" fontAlgn="base" hangingPunct="0">
+              <a:spcBef>
+                <a:spcPct val="0"/>
+              </a:spcBef>
+              <a:spcAft>
+                <a:spcPct val="0"/>
+              </a:spcAft>
+              <a:defRPr kumimoji="1">
+                <a:solidFill>
+                  <a:schemeClr val="tx1"/>
+                </a:solidFill>
+                <a:latin typeface="Arial" charset="0"/>
+                <a:ea typeface="新細明體" pitchFamily="18" charset="-120"/>
+              </a:defRPr>
+            </a:lvl9pPr>
+          </a:lstStyle>
+          <a:p>
+            <a:pPr eaLnBrk="1" hangingPunct="1"/>
+            <a:endParaRPr lang="zh-TW" altLang="en-US"/>
+          </a:p>
+        </p:txBody>
+      </p:sp>
+      <p:sp>
+        <p:nvSpPr>
+          <p:cNvPr id="4103" name="Rectangle 10"/>
+          <p:cNvSpPr>
+            <a:spLocks noChangeArrowheads="1"/>
+          </p:cNvSpPr>
+          <p:nvPr/>
+        </p:nvSpPr>
+        <p:spPr bwMode="auto">
+          <a:xfrm>
+            <a:off x="1524001" y="1520309"/>
+            <a:ext cx="184731" cy="369332"/>
+          </a:xfrm>
+          <a:prstGeom prst="rect">
+            <a:avLst/>
+          </a:prstGeom>
+          <a:noFill/>
+          <a:ln>
+            <a:noFill/>
+          </a:ln>
+          <a:extLst>
+            <a:ext uri="{909E8E84-426E-40DD-AFC4-6F175D3DCCD1}">
+              <a14:hiddenFill xmlns:a14="http://schemas.microsoft.com/office/drawing/2010/main">
+                <a:solidFill>
+                  <a:srgbClr val="FFFFFF"/>
+                </a:solidFill>
+              </a14:hiddenFill>
+            </a:ext>
+            <a:ext uri="{91240B29-F687-4F45-9708-019B960494DF}">
+              <a14:hiddenLine xmlns:a14="http://schemas.microsoft.com/office/drawing/2010/main" w="9525">
+                <a:solidFill>
+                  <a:srgbClr val="000000"/>
+                </a:solidFill>
+                <a:miter lim="800000"/>
+                <a:headEnd/>
+                <a:tailEnd/>
+              </a14:hiddenLine>
+            </a:ext>
+          </a:extLst>
+        </p:spPr>
+        <p:txBody>
+          <a:bodyPr wrap="none" anchor="ctr">
+            <a:spAutoFit/>
+          </a:bodyPr>
+          <a:lstStyle>
+            <a:lvl1pPr eaLnBrk="0" hangingPunct="0">
+              <a:defRPr kumimoji="1">
+                <a:solidFill>
+                  <a:schemeClr val="tx1"/>
+                </a:solidFill>
+                <a:latin typeface="Arial" charset="0"/>
+                <a:ea typeface="新細明體" pitchFamily="18" charset="-120"/>
+              </a:defRPr>
+            </a:lvl1pPr>
+            <a:lvl2pPr marL="742950" indent="-285750" eaLnBrk="0" hangingPunct="0">
+              <a:defRPr kumimoji="1">
+                <a:solidFill>
+                  <a:schemeClr val="tx1"/>
+                </a:solidFill>
+                <a:latin typeface="Arial" charset="0"/>
+                <a:ea typeface="新細明體" pitchFamily="18" charset="-120"/>
+              </a:defRPr>
+            </a:lvl2pPr>
+            <a:lvl3pPr marL="1143000" indent="-228600" eaLnBrk="0" hangingPunct="0">
+              <a:defRPr kumimoji="1">
+                <a:solidFill>
+                  <a:schemeClr val="tx1"/>
+                </a:solidFill>
+                <a:latin typeface="Arial" charset="0"/>
+                <a:ea typeface="新細明體" pitchFamily="18" charset="-120"/>
+              </a:defRPr>
+            </a:lvl3pPr>
+            <a:lvl4pPr marL="1600200" indent="-228600" eaLnBrk="0" hangingPunct="0">
+              <a:defRPr kumimoji="1">
+                <a:solidFill>
+                  <a:schemeClr val="tx1"/>
+                </a:solidFill>
+                <a:latin typeface="Arial" charset="0"/>
+                <a:ea typeface="新細明體" pitchFamily="18" charset="-120"/>
+              </a:defRPr>
+            </a:lvl4pPr>
+            <a:lvl5pPr marL="2057400" indent="-228600" eaLnBrk="0" hangingPunct="0">
+              <a:defRPr kumimoji="1">
+                <a:solidFill>
+                  <a:schemeClr val="tx1"/>
+                </a:solidFill>
+                <a:latin typeface="Arial" charset="0"/>
+                <a:ea typeface="新細明體" pitchFamily="18" charset="-120"/>
+              </a:defRPr>
+            </a:lvl5pPr>
+            <a:lvl6pPr marL="2514600" indent="-228600" eaLnBrk="0" fontAlgn="base" hangingPunct="0">
+              <a:spcBef>
+                <a:spcPct val="0"/>
+              </a:spcBef>
+              <a:spcAft>
+                <a:spcPct val="0"/>
+              </a:spcAft>
+              <a:defRPr kumimoji="1">
+                <a:solidFill>
+                  <a:schemeClr val="tx1"/>
+                </a:solidFill>
+                <a:latin typeface="Arial" charset="0"/>
+                <a:ea typeface="新細明體" pitchFamily="18" charset="-120"/>
+              </a:defRPr>
+            </a:lvl6pPr>
+            <a:lvl7pPr marL="2971800" indent="-228600" eaLnBrk="0" fontAlgn="base" hangingPunct="0">
+              <a:spcBef>
+                <a:spcPct val="0"/>
+              </a:spcBef>
+              <a:spcAft>
+                <a:spcPct val="0"/>
+              </a:spcAft>
+              <a:defRPr kumimoji="1">
+                <a:solidFill>
+                  <a:schemeClr val="tx1"/>
+                </a:solidFill>
+                <a:latin typeface="Arial" charset="0"/>
+                <a:ea typeface="新細明體" pitchFamily="18" charset="-120"/>
+              </a:defRPr>
+            </a:lvl7pPr>
+            <a:lvl8pPr marL="3429000" indent="-228600" eaLnBrk="0" fontAlgn="base" hangingPunct="0">
+              <a:spcBef>
+                <a:spcPct val="0"/>
+              </a:spcBef>
+              <a:spcAft>
+                <a:spcPct val="0"/>
+              </a:spcAft>
+              <a:defRPr kumimoji="1">
+                <a:solidFill>
+                  <a:schemeClr val="tx1"/>
+                </a:solidFill>
+                <a:latin typeface="Arial" charset="0"/>
+                <a:ea typeface="新細明體" pitchFamily="18" charset="-120"/>
+              </a:defRPr>
+            </a:lvl8pPr>
+            <a:lvl9pPr marL="3886200" indent="-228600" eaLnBrk="0" fontAlgn="base" hangingPunct="0">
+              <a:spcBef>
+                <a:spcPct val="0"/>
+              </a:spcBef>
+              <a:spcAft>
+                <a:spcPct val="0"/>
+              </a:spcAft>
+              <a:defRPr kumimoji="1">
+                <a:solidFill>
+                  <a:schemeClr val="tx1"/>
+                </a:solidFill>
+                <a:latin typeface="Arial" charset="0"/>
+                <a:ea typeface="新細明體" pitchFamily="18" charset="-120"/>
+              </a:defRPr>
+            </a:lvl9pPr>
+          </a:lstStyle>
+          <a:p>
+            <a:pPr eaLnBrk="1" hangingPunct="1"/>
+            <a:endParaRPr lang="zh-TW" altLang="en-US"/>
+          </a:p>
+        </p:txBody>
+      </p:sp>
+      <p:sp>
+        <p:nvSpPr>
+          <p:cNvPr id="4105" name="Oval 12"/>
+          <p:cNvSpPr>
+            <a:spLocks noChangeArrowheads="1"/>
+          </p:cNvSpPr>
+          <p:nvPr/>
+        </p:nvSpPr>
+        <p:spPr bwMode="auto">
+          <a:xfrm>
+            <a:off x="1298261" y="4323856"/>
+            <a:ext cx="1008509" cy="345608"/>
+          </a:xfrm>
+          <a:prstGeom prst="ellipse">
+            <a:avLst/>
+          </a:prstGeom>
+          <a:noFill/>
+          <a:ln>
+            <a:solidFill>
+              <a:srgbClr val="C00000"/>
+            </a:solidFill>
+            <a:headEnd/>
+            <a:tailEnd/>
+          </a:ln>
+        </p:spPr>
+        <p:style>
+          <a:lnRef idx="2">
+            <a:schemeClr val="accent1"/>
+          </a:lnRef>
+          <a:fillRef idx="1">
+            <a:schemeClr val="lt1"/>
+          </a:fillRef>
+          <a:effectRef idx="0">
+            <a:schemeClr val="accent1"/>
+          </a:effectRef>
+          <a:fontRef idx="minor">
+            <a:schemeClr val="dk1"/>
+          </a:fontRef>
+        </p:style>
+        <p:txBody>
+          <a:bodyPr wrap="none" anchor="ctr"/>
+          <a:lstStyle>
+            <a:lvl1pPr eaLnBrk="0" hangingPunct="0">
+              <a:defRPr kumimoji="1">
+                <a:solidFill>
+                  <a:schemeClr val="tx1"/>
+                </a:solidFill>
+                <a:latin typeface="Arial" charset="0"/>
+                <a:ea typeface="新細明體" pitchFamily="18" charset="-120"/>
+              </a:defRPr>
+            </a:lvl1pPr>
+            <a:lvl2pPr marL="742950" indent="-285750" eaLnBrk="0" hangingPunct="0">
+              <a:defRPr kumimoji="1">
+                <a:solidFill>
+                  <a:schemeClr val="tx1"/>
+                </a:solidFill>
+                <a:latin typeface="Arial" charset="0"/>
+                <a:ea typeface="新細明體" pitchFamily="18" charset="-120"/>
+              </a:defRPr>
+            </a:lvl2pPr>
+            <a:lvl3pPr marL="1143000" indent="-228600" eaLnBrk="0" hangingPunct="0">
+              <a:defRPr kumimoji="1">
+                <a:solidFill>
+                  <a:schemeClr val="tx1"/>
+                </a:solidFill>
+                <a:latin typeface="Arial" charset="0"/>
+                <a:ea typeface="新細明體" pitchFamily="18" charset="-120"/>
+              </a:defRPr>
+            </a:lvl3pPr>
+            <a:lvl4pPr marL="1600200" indent="-228600" eaLnBrk="0" hangingPunct="0">
+              <a:defRPr kumimoji="1">
+                <a:solidFill>
+                  <a:schemeClr val="tx1"/>
+                </a:solidFill>
+                <a:latin typeface="Arial" charset="0"/>
+                <a:ea typeface="新細明體" pitchFamily="18" charset="-120"/>
+              </a:defRPr>
+            </a:lvl4pPr>
+            <a:lvl5pPr marL="2057400" indent="-228600" eaLnBrk="0" hangingPunct="0">
+              <a:defRPr kumimoji="1">
+                <a:solidFill>
+                  <a:schemeClr val="tx1"/>
+                </a:solidFill>
+                <a:latin typeface="Arial" charset="0"/>
+                <a:ea typeface="新細明體" pitchFamily="18" charset="-120"/>
+              </a:defRPr>
+            </a:lvl5pPr>
+            <a:lvl6pPr marL="2514600" indent="-228600" eaLnBrk="0" fontAlgn="base" hangingPunct="0">
+              <a:spcBef>
+                <a:spcPct val="0"/>
+              </a:spcBef>
+              <a:spcAft>
+                <a:spcPct val="0"/>
+              </a:spcAft>
+              <a:defRPr kumimoji="1">
+                <a:solidFill>
+                  <a:schemeClr val="tx1"/>
+                </a:solidFill>
+                <a:latin typeface="Arial" charset="0"/>
+                <a:ea typeface="新細明體" pitchFamily="18" charset="-120"/>
+              </a:defRPr>
+            </a:lvl6pPr>
+            <a:lvl7pPr marL="2971800" indent="-228600" eaLnBrk="0" fontAlgn="base" hangingPunct="0">
+              <a:spcBef>
+                <a:spcPct val="0"/>
+              </a:spcBef>
+              <a:spcAft>
+                <a:spcPct val="0"/>
+              </a:spcAft>
+              <a:defRPr kumimoji="1">
+                <a:solidFill>
+                  <a:schemeClr val="tx1"/>
+                </a:solidFill>
+                <a:latin typeface="Arial" charset="0"/>
+                <a:ea typeface="新細明體" pitchFamily="18" charset="-120"/>
+              </a:defRPr>
+            </a:lvl7pPr>
+            <a:lvl8pPr marL="3429000" indent="-228600" eaLnBrk="0" fontAlgn="base" hangingPunct="0">
+              <a:spcBef>
+                <a:spcPct val="0"/>
+              </a:spcBef>
+              <a:spcAft>
+                <a:spcPct val="0"/>
+              </a:spcAft>
+              <a:defRPr kumimoji="1">
+                <a:solidFill>
+                  <a:schemeClr val="tx1"/>
+                </a:solidFill>
+                <a:latin typeface="Arial" charset="0"/>
+                <a:ea typeface="新細明體" pitchFamily="18" charset="-120"/>
+              </a:defRPr>
+            </a:lvl8pPr>
+            <a:lvl9pPr marL="3886200" indent="-228600" eaLnBrk="0" fontAlgn="base" hangingPunct="0">
+              <a:spcBef>
+                <a:spcPct val="0"/>
+              </a:spcBef>
+              <a:spcAft>
+                <a:spcPct val="0"/>
+              </a:spcAft>
+              <a:defRPr kumimoji="1">
+                <a:solidFill>
+                  <a:schemeClr val="tx1"/>
+                </a:solidFill>
+                <a:latin typeface="Arial" charset="0"/>
+                <a:ea typeface="新細明體" pitchFamily="18" charset="-120"/>
+              </a:defRPr>
+            </a:lvl9pPr>
+          </a:lstStyle>
+          <a:p>
+            <a:pPr eaLnBrk="1" hangingPunct="1"/>
+            <a:endParaRPr lang="zh-TW" altLang="en-US"/>
+          </a:p>
+        </p:txBody>
+      </p:sp>
+      <p:sp>
+        <p:nvSpPr>
+          <p:cNvPr id="2" name="投影片編號版面配置區 1"/>
+          <p:cNvSpPr>
+            <a:spLocks noGrp="1"/>
+          </p:cNvSpPr>
+          <p:nvPr>
+            <p:ph type="sldNum" sz="quarter" idx="12"/>
+          </p:nvPr>
+        </p:nvSpPr>
+        <p:spPr/>
+        <p:txBody>
+          <a:bodyPr/>
+          <a:lstStyle/>
+          <a:p>
+            <a:fld id="{6F42FDE4-A7DD-41A7-A0A6-9B649FB43336}" type="slidenum">
+              <a:rPr kumimoji="0" lang="en-US" smtClean="0"/>
+              <a:pPr/>
+              <a:t>50</a:t>
+            </a:fld>
+            <a:endParaRPr kumimoji="0" lang="en-US"/>
+          </a:p>
+        </p:txBody>
+      </p:sp>
+      <p:sp>
+        <p:nvSpPr>
+          <p:cNvPr id="13" name="頁尾版面配置區 19"/>
+          <p:cNvSpPr>
+            <a:spLocks noGrp="1"/>
+          </p:cNvSpPr>
+          <p:nvPr>
+            <p:ph type="ftr" sz="quarter" idx="11"/>
+          </p:nvPr>
+        </p:nvSpPr>
+        <p:spPr>
+          <a:xfrm>
+            <a:off x="4648200" y="6356351"/>
+            <a:ext cx="2895600" cy="365125"/>
+          </a:xfrm>
+        </p:spPr>
+        <p:txBody>
+          <a:bodyPr/>
+          <a:lstStyle/>
+          <a:p>
+            <a:r>
+              <a:rPr kumimoji="0" lang="en-US" altLang="zh-TW" dirty="0"/>
+              <a:t>Copyright </a:t>
+            </a:r>
+            <a:r>
+              <a:rPr kumimoji="0" lang="zh-TW" altLang="en-US" dirty="0"/>
+              <a:t>黃三益</a:t>
+            </a:r>
+            <a:r>
+              <a:rPr kumimoji="0" lang="en-US" altLang="zh-TW" dirty="0"/>
+              <a:t>2023</a:t>
+            </a:r>
+          </a:p>
+          <a:p>
+            <a:r>
+              <a:rPr kumimoji="0" lang="zh-TW" altLang="en-US" dirty="0"/>
+              <a:t>資料庫的核心理論與實務第八版 </a:t>
+            </a:r>
+            <a:endParaRPr kumimoji="0" lang="en-US" dirty="0"/>
+          </a:p>
+        </p:txBody>
+      </p:sp>
+    </p:spTree>
+    <p:extLst>
+      <p:ext uri="{BB962C8B-B14F-4D97-AF65-F5344CB8AC3E}">
+        <p14:creationId xmlns:p14="http://schemas.microsoft.com/office/powerpoint/2010/main" val="1348400414"/>
+      </p:ext>
+    </p:extLst>
+  </p:cSld>
+  <p:clrMapOvr>
+    <a:masterClrMapping/>
+  </p:clrMapOvr>
+  <mc:AlternateContent xmlns:mc="http://schemas.openxmlformats.org/markup-compatibility/2006" xmlns:p14="http://schemas.microsoft.com/office/powerpoint/2010/main">
+    <mc:Choice Requires="p14">
+      <p:transition spd="slow" p14:dur="2000">
+        <p:cut/>
+      </p:transition>
+    </mc:Choice>
+    <mc:Fallback xmlns="">
+      <p:transition spd="slow">
+        <p:cut/>
+      </p:transition>
+    </mc:Fallback>
+  </mc:AlternateContent>
+</p:sld>
+</file>
+
+<file path=ppt/slides/slide51.xml><?xml version="1.0" encoding="utf-8"?>
 <p:sld xmlns:a="http://schemas.openxmlformats.org/drawingml/2006/main" xmlns:r="http://schemas.openxmlformats.org/officeDocument/2006/relationships" xmlns:p="http://schemas.openxmlformats.org/presentationml/2006/main">
   <p:cSld>
     <p:spTree>
@@ -29727,7 +30365,7 @@
             <a:fld id="{6F42FDE4-A7DD-41A7-A0A6-9B649FB43336}" type="slidenum">
               <a:rPr kumimoji="0" lang="en-US" smtClean="0"/>
               <a:pPr/>
-              <a:t>50</a:t>
+              <a:t>51</a:t>
             </a:fld>
             <a:endParaRPr kumimoji="0" lang="en-US"/>
           </a:p>
@@ -29785,13 +30423,13 @@
   <p:clrMapOvr>
     <a:masterClrMapping/>
   </p:clrMapOvr>
-  <mc:AlternateContent xmlns:mc="http://schemas.openxmlformats.org/markup-compatibility/2006">
-    <mc:Choice xmlns:p14="http://schemas.microsoft.com/office/powerpoint/2010/main" Requires="p14">
+  <mc:AlternateContent xmlns:mc="http://schemas.openxmlformats.org/markup-compatibility/2006" xmlns:p14="http://schemas.microsoft.com/office/powerpoint/2010/main">
+    <mc:Choice Requires="p14">
       <p:transition spd="slow" p14:dur="2000">
         <p:cut/>
       </p:transition>
     </mc:Choice>
-    <mc:Fallback>
+    <mc:Fallback xmlns="">
       <p:transition spd="slow">
         <p:cut/>
       </p:transition>
@@ -29800,7 +30438,7 @@
 </p:sld>
 </file>
 
-<file path=ppt/slides/slide51.xml><?xml version="1.0" encoding="utf-8"?>
+<file path=ppt/slides/slide52.xml><?xml version="1.0" encoding="utf-8"?>
 <p:sld xmlns:a="http://schemas.openxmlformats.org/drawingml/2006/main" xmlns:r="http://schemas.openxmlformats.org/officeDocument/2006/relationships" xmlns:p="http://schemas.openxmlformats.org/presentationml/2006/main">
   <p:cSld>
     <p:spTree>
@@ -29912,7 +30550,7 @@
             <a:fld id="{6F42FDE4-A7DD-41A7-A0A6-9B649FB43336}" type="slidenum">
               <a:rPr kumimoji="0" lang="en-US" smtClean="0"/>
               <a:pPr/>
-              <a:t>51</a:t>
+              <a:t>52</a:t>
             </a:fld>
             <a:endParaRPr kumimoji="0" lang="en-US"/>
           </a:p>
@@ -35873,13 +36511,13 @@
   <p:clrMapOvr>
     <a:masterClrMapping/>
   </p:clrMapOvr>
-  <mc:AlternateContent xmlns:mc="http://schemas.openxmlformats.org/markup-compatibility/2006">
-    <mc:Choice xmlns:p14="http://schemas.microsoft.com/office/powerpoint/2010/main" Requires="p14">
+  <mc:AlternateContent xmlns:mc="http://schemas.openxmlformats.org/markup-compatibility/2006" xmlns:p14="http://schemas.microsoft.com/office/powerpoint/2010/main">
+    <mc:Choice Requires="p14">
       <p:transition spd="slow" p14:dur="2000">
         <p:cut/>
       </p:transition>
     </mc:Choice>
-    <mc:Fallback>
+    <mc:Fallback xmlns="">
       <p:transition spd="slow">
         <p:cut/>
       </p:transition>
@@ -35888,7 +36526,7 @@
 </p:sld>
 </file>
 
-<file path=ppt/slides/slide52.xml><?xml version="1.0" encoding="utf-8"?>
+<file path=ppt/slides/slide53.xml><?xml version="1.0" encoding="utf-8"?>
 <p:sld xmlns:a="http://schemas.openxmlformats.org/drawingml/2006/main" xmlns:r="http://schemas.openxmlformats.org/officeDocument/2006/relationships" xmlns:p="http://schemas.openxmlformats.org/presentationml/2006/main">
   <p:cSld>
     <p:spTree>
@@ -36524,7 +37162,7 @@
           <a:p>
             <a:fld id="{83DDF9CD-7CBC-4AB1-8834-785FFDC79F24}" type="datetime1">
               <a:rPr lang="zh-TW" altLang="en-US" smtClean="0"/>
-              <a:t>2025/10/17</a:t>
+              <a:t>2025/11/8</a:t>
             </a:fld>
             <a:endParaRPr lang="zh-TW" altLang="en-US"/>
           </a:p>
@@ -36553,7 +37191,7 @@
           <a:p>
             <a:fld id="{3F90885F-363B-4E17-8682-14738066703A}" type="slidenum">
               <a:rPr lang="zh-TW" altLang="en-US" smtClean="0"/>
-              <a:t>52</a:t>
+              <a:t>53</a:t>
             </a:fld>
             <a:endParaRPr lang="zh-TW" altLang="en-US"/>
           </a:p>
@@ -36569,13 +37207,13 @@
   <p:clrMapOvr>
     <a:masterClrMapping/>
   </p:clrMapOvr>
-  <mc:AlternateContent xmlns:mc="http://schemas.openxmlformats.org/markup-compatibility/2006">
-    <mc:Choice xmlns:p14="http://schemas.microsoft.com/office/powerpoint/2010/main" Requires="p14">
+  <mc:AlternateContent xmlns:mc="http://schemas.openxmlformats.org/markup-compatibility/2006" xmlns:p14="http://schemas.microsoft.com/office/powerpoint/2010/main">
+    <mc:Choice Requires="p14">
       <p:transition spd="slow" p14:dur="2000">
         <p:cut/>
       </p:transition>
     </mc:Choice>
-    <mc:Fallback>
+    <mc:Fallback xmlns="">
       <p:transition spd="slow">
         <p:cut/>
       </p:transition>
@@ -36584,7 +37222,7 @@
 </p:sld>
 </file>
 
-<file path=ppt/slides/slide53.xml><?xml version="1.0" encoding="utf-8"?>
+<file path=ppt/slides/slide54.xml><?xml version="1.0" encoding="utf-8"?>
 <p:sld xmlns:a="http://schemas.openxmlformats.org/drawingml/2006/main" xmlns:r="http://schemas.openxmlformats.org/officeDocument/2006/relationships" xmlns:p="http://schemas.openxmlformats.org/presentationml/2006/main">
   <p:cSld>
     <p:spTree>
@@ -36665,13 +37303,13 @@
   <p:clrMapOvr>
     <a:masterClrMapping/>
   </p:clrMapOvr>
-  <mc:AlternateContent xmlns:mc="http://schemas.openxmlformats.org/markup-compatibility/2006">
-    <mc:Choice xmlns:p14="http://schemas.microsoft.com/office/powerpoint/2010/main" Requires="p14">
+  <mc:AlternateContent xmlns:mc="http://schemas.openxmlformats.org/markup-compatibility/2006" xmlns:p14="http://schemas.microsoft.com/office/powerpoint/2010/main">
+    <mc:Choice Requires="p14">
       <p:transition spd="slow" p14:dur="2000">
         <p:cut/>
       </p:transition>
     </mc:Choice>
-    <mc:Fallback>
+    <mc:Fallback xmlns="">
       <p:transition spd="slow">
         <p:cut/>
       </p:transition>
@@ -36680,7 +37318,7 @@
 </p:sld>
 </file>
 
-<file path=ppt/slides/slide54.xml><?xml version="1.0" encoding="utf-8"?>
+<file path=ppt/slides/slide55.xml><?xml version="1.0" encoding="utf-8"?>
 <p:sld xmlns:a="http://schemas.openxmlformats.org/drawingml/2006/main" xmlns:r="http://schemas.openxmlformats.org/officeDocument/2006/relationships" xmlns:p="http://schemas.openxmlformats.org/presentationml/2006/main">
   <p:cSld>
     <p:spTree>
@@ -37100,7 +37738,7 @@
           <a:p>
             <a:fld id="{EA7441DC-00D3-45BF-AFCE-20713A31B6E3}" type="datetime1">
               <a:rPr lang="zh-TW" altLang="en-US" smtClean="0"/>
-              <a:t>2025/10/17</a:t>
+              <a:t>2025/11/8</a:t>
             </a:fld>
             <a:endParaRPr lang="zh-TW" altLang="en-US"/>
           </a:p>
@@ -37129,7 +37767,7 @@
           <a:p>
             <a:fld id="{3F90885F-363B-4E17-8682-14738066703A}" type="slidenum">
               <a:rPr lang="zh-TW" altLang="en-US" smtClean="0"/>
-              <a:t>54</a:t>
+              <a:t>55</a:t>
             </a:fld>
             <a:endParaRPr lang="zh-TW" altLang="en-US"/>
           </a:p>
@@ -37145,13 +37783,13 @@
   <p:clrMapOvr>
     <a:masterClrMapping/>
   </p:clrMapOvr>
-  <mc:AlternateContent xmlns:mc="http://schemas.openxmlformats.org/markup-compatibility/2006">
-    <mc:Choice xmlns:p14="http://schemas.microsoft.com/office/powerpoint/2010/main" Requires="p14">
+  <mc:AlternateContent xmlns:mc="http://schemas.openxmlformats.org/markup-compatibility/2006" xmlns:p14="http://schemas.microsoft.com/office/powerpoint/2010/main">
+    <mc:Choice Requires="p14">
       <p:transition spd="slow" p14:dur="2000">
         <p:cut/>
       </p:transition>
     </mc:Choice>
-    <mc:Fallback>
+    <mc:Fallback xmlns="">
       <p:transition spd="slow">
         <p:cut/>
       </p:transition>
@@ -37160,7 +37798,7 @@
 </p:sld>
 </file>
 
-<file path=ppt/slides/slide55.xml><?xml version="1.0" encoding="utf-8"?>
+<file path=ppt/slides/slide56.xml><?xml version="1.0" encoding="utf-8"?>
 <p:sld xmlns:a="http://schemas.openxmlformats.org/drawingml/2006/main" xmlns:r="http://schemas.openxmlformats.org/officeDocument/2006/relationships" xmlns:p="http://schemas.openxmlformats.org/presentationml/2006/main">
   <p:cSld>
     <p:spTree>
@@ -37434,7 +38072,7 @@
           <a:p>
             <a:fld id="{19928DFC-1BE7-4B02-B481-32DF7A513402}" type="datetime1">
               <a:rPr lang="zh-TW" altLang="en-US" smtClean="0"/>
-              <a:t>2025/10/17</a:t>
+              <a:t>2025/11/8</a:t>
             </a:fld>
             <a:endParaRPr lang="zh-TW" altLang="en-US"/>
           </a:p>
@@ -37463,7 +38101,7 @@
           <a:p>
             <a:fld id="{3F90885F-363B-4E17-8682-14738066703A}" type="slidenum">
               <a:rPr lang="zh-TW" altLang="en-US" smtClean="0"/>
-              <a:t>55</a:t>
+              <a:t>56</a:t>
             </a:fld>
             <a:endParaRPr lang="zh-TW" altLang="en-US"/>
           </a:p>
@@ -37479,13 +38117,13 @@
   <p:clrMapOvr>
     <a:masterClrMapping/>
   </p:clrMapOvr>
-  <mc:AlternateContent xmlns:mc="http://schemas.openxmlformats.org/markup-compatibility/2006">
-    <mc:Choice xmlns:p14="http://schemas.microsoft.com/office/powerpoint/2010/main" Requires="p14">
+  <mc:AlternateContent xmlns:mc="http://schemas.openxmlformats.org/markup-compatibility/2006" xmlns:p14="http://schemas.microsoft.com/office/powerpoint/2010/main">
+    <mc:Choice Requires="p14">
       <p:transition spd="slow" p14:dur="2000">
         <p:cut/>
       </p:transition>
     </mc:Choice>
-    <mc:Fallback>
+    <mc:Fallback xmlns="">
       <p:transition spd="slow">
         <p:cut/>
       </p:transition>
@@ -37494,7 +38132,7 @@
 </p:sld>
 </file>
 
-<file path=ppt/slides/slide56.xml><?xml version="1.0" encoding="utf-8"?>
+<file path=ppt/slides/slide57.xml><?xml version="1.0" encoding="utf-8"?>
 <p:sld xmlns:a="http://schemas.openxmlformats.org/drawingml/2006/main" xmlns:r="http://schemas.openxmlformats.org/officeDocument/2006/relationships" xmlns:p="http://schemas.openxmlformats.org/presentationml/2006/main">
   <p:cSld>
     <p:spTree>
@@ -37581,7 +38219,7 @@
           <a:p>
             <a:fld id="{BB0B8BE6-38D9-490D-9133-7D18B74162FE}" type="datetime1">
               <a:rPr lang="zh-TW" altLang="en-US" smtClean="0"/>
-              <a:t>2025/10/17</a:t>
+              <a:t>2025/11/8</a:t>
             </a:fld>
             <a:endParaRPr lang="zh-TW" altLang="en-US"/>
           </a:p>
@@ -37610,7 +38248,7 @@
           <a:p>
             <a:fld id="{3F90885F-363B-4E17-8682-14738066703A}" type="slidenum">
               <a:rPr lang="zh-TW" altLang="en-US" smtClean="0"/>
-              <a:t>56</a:t>
+              <a:t>57</a:t>
             </a:fld>
             <a:endParaRPr lang="zh-TW" altLang="en-US"/>
           </a:p>
@@ -37626,13 +38264,13 @@
   <p:clrMapOvr>
     <a:masterClrMapping/>
   </p:clrMapOvr>
-  <mc:AlternateContent xmlns:mc="http://schemas.openxmlformats.org/markup-compatibility/2006">
-    <mc:Choice xmlns:p14="http://schemas.microsoft.com/office/powerpoint/2010/main" Requires="p14">
+  <mc:AlternateContent xmlns:mc="http://schemas.openxmlformats.org/markup-compatibility/2006" xmlns:p14="http://schemas.microsoft.com/office/powerpoint/2010/main">
+    <mc:Choice Requires="p14">
       <p:transition spd="slow" p14:dur="2000">
         <p:cut/>
       </p:transition>
     </mc:Choice>
-    <mc:Fallback>
+    <mc:Fallback xmlns="">
       <p:transition spd="slow">
         <p:cut/>
       </p:transition>
@@ -37641,7 +38279,7 @@
 </p:sld>
 </file>
 
-<file path=ppt/slides/slide57.xml><?xml version="1.0" encoding="utf-8"?>
+<file path=ppt/slides/slide58.xml><?xml version="1.0" encoding="utf-8"?>
 <p:sld xmlns:a="http://schemas.openxmlformats.org/drawingml/2006/main" xmlns:r="http://schemas.openxmlformats.org/officeDocument/2006/relationships" xmlns:p="http://schemas.openxmlformats.org/presentationml/2006/main">
   <p:cSld>
     <p:spTree>
@@ -37815,7 +38453,7 @@
           <a:p>
             <a:fld id="{7DC95AF5-EAD1-4369-A1E3-ACA13EDCE993}" type="datetime1">
               <a:rPr lang="zh-TW" altLang="en-US" smtClean="0"/>
-              <a:t>2025/10/17</a:t>
+              <a:t>2025/11/8</a:t>
             </a:fld>
             <a:endParaRPr lang="zh-TW" altLang="en-US"/>
           </a:p>
@@ -37844,7 +38482,7 @@
           <a:p>
             <a:fld id="{3F90885F-363B-4E17-8682-14738066703A}" type="slidenum">
               <a:rPr lang="zh-TW" altLang="en-US" smtClean="0"/>
-              <a:t>57</a:t>
+              <a:t>58</a:t>
             </a:fld>
             <a:endParaRPr lang="zh-TW" altLang="en-US"/>
           </a:p>
@@ -37860,13 +38498,13 @@
   <p:clrMapOvr>
     <a:masterClrMapping/>
   </p:clrMapOvr>
-  <mc:AlternateContent xmlns:mc="http://schemas.openxmlformats.org/markup-compatibility/2006">
-    <mc:Choice xmlns:p14="http://schemas.microsoft.com/office/powerpoint/2010/main" Requires="p14">
+  <mc:AlternateContent xmlns:mc="http://schemas.openxmlformats.org/markup-compatibility/2006" xmlns:p14="http://schemas.microsoft.com/office/powerpoint/2010/main">
+    <mc:Choice Requires="p14">
       <p:transition spd="slow" p14:dur="2000">
         <p:cut/>
       </p:transition>
     </mc:Choice>
-    <mc:Fallback>
+    <mc:Fallback xmlns="">
       <p:transition spd="slow">
         <p:cut/>
       </p:transition>
@@ -37914,8 +38552,16 @@
           <a:lstStyle/>
           <a:p>
             <a:r>
-              <a:rPr lang="zh-TW" altLang="en-US"/>
+              <a:rPr lang="zh-TW" altLang="en-US" dirty="0"/>
               <a:t>系統操作指令</a:t>
+            </a:r>
+            <a:r>
+              <a:rPr lang="en-US" altLang="zh-TW" dirty="0"/>
+              <a:t> </a:t>
+            </a:r>
+            <a:r>
+              <a:rPr lang="zh-TW" altLang="en-US" dirty="0"/>
+              <a:t>（點指令）</a:t>
             </a:r>
           </a:p>
         </p:txBody>
@@ -37933,13 +38579,13 @@
             <a:spLocks noGrp="1"/>
           </p:cNvSpPr>
           <p:nvPr>
-            <p:ph idx="1"/>
+            <p:ph sz="half" idx="1"/>
           </p:nvPr>
         </p:nvSpPr>
         <p:spPr/>
         <p:txBody>
           <a:bodyPr>
-            <a:normAutofit fontScale="92500" lnSpcReduction="10000"/>
+            <a:normAutofit/>
           </a:bodyPr>
           <a:lstStyle/>
           <a:p>
@@ -37964,6 +38610,107 @@
           <a:p>
             <a:r>
               <a:rPr lang="zh-TW" altLang="en-US" dirty="0"/>
+              <a:t>退出</a:t>
+            </a:r>
+            <a:r>
+              <a:rPr lang="en-US" altLang="zh-TW" dirty="0"/>
+              <a:t>sqlite3</a:t>
+            </a:r>
+          </a:p>
+          <a:p>
+            <a:pPr lvl="1"/>
+            <a:r>
+              <a:rPr lang="en-US" altLang="zh-TW" dirty="0"/>
+              <a:t>.quit</a:t>
+            </a:r>
+          </a:p>
+          <a:p>
+            <a:r>
+              <a:rPr lang="zh-TW" altLang="en-US" dirty="0"/>
+              <a:t>儲存資料庫</a:t>
+            </a:r>
+            <a:endParaRPr lang="en-US" altLang="zh-TW" dirty="0"/>
+          </a:p>
+          <a:p>
+            <a:pPr lvl="1"/>
+            <a:r>
+              <a:rPr lang="en-US" altLang="zh-TW" dirty="0"/>
+              <a:t>.save</a:t>
+            </a:r>
+          </a:p>
+          <a:p>
+            <a:r>
+              <a:rPr lang="zh-TW" altLang="en-US" dirty="0"/>
+              <a:t>導出資料庫</a:t>
+            </a:r>
+            <a:endParaRPr lang="en-US" altLang="zh-TW" dirty="0"/>
+          </a:p>
+          <a:p>
+            <a:pPr lvl="1"/>
+            <a:r>
+              <a:rPr lang="en-US" altLang="zh-TW" dirty="0"/>
+              <a:t>.dump </a:t>
+            </a:r>
+            <a:r>
+              <a:rPr lang="en-US" altLang="zh-TW" dirty="0" err="1"/>
+              <a:t>test.db</a:t>
+            </a:r>
+            <a:endParaRPr lang="en-US" altLang="zh-TW" dirty="0"/>
+          </a:p>
+          <a:p>
+            <a:r>
+              <a:rPr lang="zh-TW" altLang="en-US" dirty="0"/>
+              <a:t>導入資料庫</a:t>
+            </a:r>
+            <a:endParaRPr lang="en-US" altLang="zh-TW" dirty="0"/>
+          </a:p>
+          <a:p>
+            <a:pPr lvl="1"/>
+            <a:r>
+              <a:rPr lang="en-US" altLang="zh-TW" dirty="0"/>
+              <a:t>sqlite3 </a:t>
+            </a:r>
+            <a:r>
+              <a:rPr lang="en-US" altLang="zh-TW" dirty="0" err="1"/>
+              <a:t>dbName.db</a:t>
+            </a:r>
+            <a:r>
+              <a:rPr lang="en-US" altLang="zh-TW" dirty="0"/>
+              <a:t> &lt; </a:t>
+            </a:r>
+            <a:r>
+              <a:rPr lang="en-US" altLang="zh-TW" dirty="0" err="1"/>
+              <a:t>test.db</a:t>
+            </a:r>
+            <a:endParaRPr lang="zh-TW" altLang="en-US" dirty="0"/>
+          </a:p>
+        </p:txBody>
+      </p:sp>
+      <p:sp>
+        <p:nvSpPr>
+          <p:cNvPr id="6" name="內容版面配置區 5">
+            <a:extLst>
+              <a:ext uri="{FF2B5EF4-FFF2-40B4-BE49-F238E27FC236}">
+                <a16:creationId xmlns:a16="http://schemas.microsoft.com/office/drawing/2014/main" id="{047352D8-061C-6006-BE0C-9D6A24DEE4AC}"/>
+              </a:ext>
+            </a:extLst>
+          </p:cNvPr>
+          <p:cNvSpPr>
+            <a:spLocks noGrp="1"/>
+          </p:cNvSpPr>
+          <p:nvPr>
+            <p:ph sz="half" idx="2"/>
+          </p:nvPr>
+        </p:nvSpPr>
+        <p:spPr/>
+        <p:txBody>
+          <a:bodyPr>
+            <a:normAutofit/>
+          </a:bodyPr>
+          <a:lstStyle/>
+          <a:p>
+            <a:r>
+              <a:rPr lang="zh-TW" altLang="en-US" dirty="0"/>
               <a:t>設定輸出格式</a:t>
             </a:r>
             <a:endParaRPr lang="en-US" altLang="zh-TW" dirty="0"/>
@@ -38019,7 +38766,7 @@
           <a:p>
             <a:r>
               <a:rPr lang="zh-TW" altLang="en-US" dirty="0"/>
-              <a:t>改變提示字串</a:t>
+              <a:t>檢查資料表</a:t>
             </a:r>
             <a:endParaRPr lang="en-US" altLang="zh-TW" dirty="0"/>
           </a:p>
@@ -38027,103 +38774,21 @@
             <a:pPr lvl="1"/>
             <a:r>
               <a:rPr lang="en-US" altLang="zh-TW" dirty="0"/>
-              <a:t>.prompt </a:t>
-            </a:r>
-            <a:r>
-              <a:rPr lang="en-US" altLang="zh-TW" dirty="0">
-                <a:solidFill>
-                  <a:schemeClr val="bg1">
-                    <a:lumMod val="65000"/>
-                  </a:schemeClr>
-                </a:solidFill>
-              </a:rPr>
-              <a:t>[</a:t>
-            </a:r>
-            <a:r>
-              <a:rPr lang="zh-TW" altLang="en-US" dirty="0">
-                <a:solidFill>
-                  <a:schemeClr val="bg1">
-                    <a:lumMod val="65000"/>
-                  </a:schemeClr>
-                </a:solidFill>
-              </a:rPr>
-              <a:t>學號</a:t>
-            </a:r>
-            <a:r>
-              <a:rPr lang="en-US" altLang="zh-TW" dirty="0">
-                <a:solidFill>
-                  <a:schemeClr val="bg1">
-                    <a:lumMod val="65000"/>
-                  </a:schemeClr>
-                </a:solidFill>
-              </a:rPr>
-              <a:t>]</a:t>
-            </a:r>
+              <a:t>.table</a:t>
+            </a:r>
+          </a:p>
+          <a:p>
+            <a:r>
+              <a:rPr lang="zh-TW" altLang="en-US" dirty="0"/>
+              <a:t>檢查關聯綱要</a:t>
+            </a:r>
+            <a:endParaRPr lang="en-US" altLang="zh-TW" dirty="0"/>
+          </a:p>
+          <a:p>
+            <a:pPr lvl="1"/>
             <a:r>
               <a:rPr lang="en-US" altLang="zh-TW" dirty="0"/>
-              <a:t>&gt;&gt;&gt; </a:t>
-            </a:r>
-          </a:p>
-          <a:p>
-            <a:r>
-              <a:rPr lang="zh-TW" altLang="en-US" dirty="0"/>
-              <a:t>退出</a:t>
-            </a:r>
-            <a:r>
-              <a:rPr lang="en-US" altLang="zh-TW" dirty="0"/>
-              <a:t>sqlite3</a:t>
-            </a:r>
-          </a:p>
-          <a:p>
-            <a:pPr lvl="1"/>
-            <a:r>
-              <a:rPr lang="en-US" altLang="zh-TW" dirty="0"/>
-              <a:t>.quit</a:t>
-            </a:r>
-          </a:p>
-          <a:p>
-            <a:r>
-              <a:rPr lang="zh-TW" altLang="en-US" dirty="0"/>
-              <a:t>導出資料庫</a:t>
-            </a:r>
-            <a:endParaRPr lang="en-US" altLang="zh-TW" dirty="0"/>
-          </a:p>
-          <a:p>
-            <a:pPr lvl="1"/>
-            <a:r>
-              <a:rPr lang="en-US" altLang="zh-TW" dirty="0"/>
-              <a:t>.dump </a:t>
-            </a:r>
-            <a:r>
-              <a:rPr lang="en-US" altLang="zh-TW" dirty="0" err="1"/>
-              <a:t>test.db</a:t>
-            </a:r>
-            <a:endParaRPr lang="en-US" altLang="zh-TW" dirty="0"/>
-          </a:p>
-          <a:p>
-            <a:r>
-              <a:rPr lang="zh-TW" altLang="en-US" dirty="0"/>
-              <a:t>導入資料庫</a:t>
-            </a:r>
-            <a:endParaRPr lang="en-US" altLang="zh-TW" dirty="0"/>
-          </a:p>
-          <a:p>
-            <a:pPr lvl="1"/>
-            <a:r>
-              <a:rPr lang="en-US" altLang="zh-TW" dirty="0"/>
-              <a:t>sqlite3 </a:t>
-            </a:r>
-            <a:r>
-              <a:rPr lang="en-US" altLang="zh-TW" dirty="0" err="1"/>
-              <a:t>dbName.db</a:t>
-            </a:r>
-            <a:r>
-              <a:rPr lang="en-US" altLang="zh-TW" dirty="0"/>
-              <a:t> &lt; </a:t>
-            </a:r>
-            <a:r>
-              <a:rPr lang="en-US" altLang="zh-TW" dirty="0" err="1"/>
-              <a:t>test.db</a:t>
+              <a:t>.schema</a:t>
             </a:r>
             <a:endParaRPr lang="zh-TW" altLang="en-US" dirty="0"/>
           </a:p>
@@ -38152,7 +38817,7 @@
           <a:p>
             <a:fld id="{FA8A69D5-7495-44F6-82EF-A989D47785C8}" type="datetime1">
               <a:rPr lang="zh-TW" altLang="en-US" smtClean="0"/>
-              <a:t>2025/10/17</a:t>
+              <a:t>2025/11/8</a:t>
             </a:fld>
             <a:endParaRPr lang="zh-TW" altLang="en-US"/>
           </a:p>
@@ -38197,13 +38862,13 @@
   <p:clrMapOvr>
     <a:masterClrMapping/>
   </p:clrMapOvr>
-  <mc:AlternateContent xmlns:mc="http://schemas.openxmlformats.org/markup-compatibility/2006">
-    <mc:Choice xmlns:p14="http://schemas.microsoft.com/office/powerpoint/2010/main" Requires="p14">
+  <mc:AlternateContent xmlns:mc="http://schemas.openxmlformats.org/markup-compatibility/2006" xmlns:p14="http://schemas.microsoft.com/office/powerpoint/2010/main">
+    <mc:Choice Requires="p14">
       <p:transition spd="slow" p14:dur="2000">
         <p:cut/>
       </p:transition>
     </mc:Choice>
-    <mc:Fallback>
+    <mc:Fallback xmlns="">
       <p:transition spd="slow">
         <p:cut/>
       </p:transition>
@@ -38645,7 +39310,7 @@
           <a:p>
             <a:fld id="{2FBAFC8F-4D8B-4198-87B6-96EDF9F08494}" type="datetime1">
               <a:rPr lang="zh-TW" altLang="en-US" smtClean="0"/>
-              <a:t>2025/10/17</a:t>
+              <a:t>2025/11/8</a:t>
             </a:fld>
             <a:endParaRPr lang="zh-TW" altLang="en-US"/>
           </a:p>
@@ -38690,13 +39355,13 @@
   <p:clrMapOvr>
     <a:masterClrMapping/>
   </p:clrMapOvr>
-  <mc:AlternateContent xmlns:mc="http://schemas.openxmlformats.org/markup-compatibility/2006">
-    <mc:Choice xmlns:p14="http://schemas.microsoft.com/office/powerpoint/2010/main" Requires="p14">
+  <mc:AlternateContent xmlns:mc="http://schemas.openxmlformats.org/markup-compatibility/2006" xmlns:p14="http://schemas.microsoft.com/office/powerpoint/2010/main">
+    <mc:Choice Requires="p14">
       <p:transition spd="slow" p14:dur="2000">
         <p:cut/>
       </p:transition>
     </mc:Choice>
-    <mc:Fallback>
+    <mc:Fallback xmlns="">
       <p:transition spd="slow">
         <p:cut/>
       </p:transition>
@@ -39105,7 +39770,7 @@
           <a:p>
             <a:fld id="{60F34570-D0DF-4180-B039-37747FE28BC3}" type="datetime1">
               <a:rPr lang="zh-TW" altLang="en-US" smtClean="0"/>
-              <a:t>2025/10/17</a:t>
+              <a:t>2025/11/8</a:t>
             </a:fld>
             <a:endParaRPr lang="zh-TW" altLang="en-US"/>
           </a:p>
@@ -39150,13 +39815,13 @@
   <p:clrMapOvr>
     <a:masterClrMapping/>
   </p:clrMapOvr>
-  <mc:AlternateContent xmlns:mc="http://schemas.openxmlformats.org/markup-compatibility/2006">
-    <mc:Choice xmlns:p14="http://schemas.microsoft.com/office/powerpoint/2010/main" Requires="p14">
+  <mc:AlternateContent xmlns:mc="http://schemas.openxmlformats.org/markup-compatibility/2006" xmlns:p14="http://schemas.microsoft.com/office/powerpoint/2010/main">
+    <mc:Choice Requires="p14">
       <p:transition spd="slow" p14:dur="2000">
         <p:cut/>
       </p:transition>
     </mc:Choice>
-    <mc:Fallback>
+    <mc:Fallback xmlns="">
       <p:transition spd="slow">
         <p:cut/>
       </p:transition>
@@ -39204,18 +39869,31 @@
           <a:lstStyle/>
           <a:p>
             <a:r>
-              <a:rPr lang="en-US" altLang="zh-TW" sz="4400" b="1">
+              <a:rPr lang="en-US" altLang="zh-TW" sz="4400" b="1" dirty="0">
                 <a:latin typeface="微軟正黑體" panose="020B0604030504040204" pitchFamily="34" charset="-120"/>
                 <a:ea typeface="微軟正黑體" panose="020B0604030504040204" pitchFamily="34" charset="-120"/>
               </a:rPr>
               <a:t>SQL</a:t>
             </a:r>
             <a:r>
+              <a:rPr lang="zh-TW" altLang="en-US" sz="4400" b="1" dirty="0">
+                <a:latin typeface="微軟正黑體" panose="020B0604030504040204" pitchFamily="34" charset="-120"/>
+                <a:ea typeface="微軟正黑體" panose="020B0604030504040204" pitchFamily="34" charset="-120"/>
+              </a:rPr>
+              <a:t>提供</a:t>
+            </a:r>
+            <a:r>
               <a:rPr lang="zh-TW" altLang="en-US" sz="4400" b="1">
                 <a:latin typeface="微軟正黑體" panose="020B0604030504040204" pitchFamily="34" charset="-120"/>
                 <a:ea typeface="微軟正黑體" panose="020B0604030504040204" pitchFamily="34" charset="-120"/>
               </a:rPr>
-              <a:t>提供了三種語言</a:t>
+              <a:t>三種</a:t>
+            </a:r>
+            <a:r>
+              <a:rPr lang="zh-TW" altLang="en-US" sz="4400">
+                <a:latin typeface="微軟正黑體" panose="020B0604030504040204" pitchFamily="34" charset="-120"/>
+              </a:rPr>
+              <a:t>指令</a:t>
             </a:r>
             <a:endParaRPr lang="zh-TW" altLang="en-US"/>
           </a:p>
@@ -39239,7 +39917,9 @@
         </p:nvSpPr>
         <p:spPr/>
         <p:txBody>
-          <a:bodyPr/>
+          <a:bodyPr>
+            <a:normAutofit/>
+          </a:bodyPr>
           <a:lstStyle/>
           <a:p>
             <a:pPr>
@@ -39248,15 +39928,15 @@
               </a:lnSpc>
             </a:pPr>
             <a:r>
-              <a:rPr lang="zh-TW" altLang="en-US" dirty="0"/>
+              <a:rPr lang="zh-TW" altLang="en-US" sz="2800" dirty="0"/>
               <a:t>資料定義語言</a:t>
             </a:r>
             <a:r>
-              <a:rPr lang="en-US" altLang="zh-TW" dirty="0"/>
+              <a:rPr lang="en-US" altLang="zh-TW" sz="2800" dirty="0"/>
               <a:t>(</a:t>
             </a:r>
             <a:r>
-              <a:rPr lang="en-US" altLang="zh-TW" b="0" i="0" dirty="0">
+              <a:rPr lang="en-US" altLang="zh-TW" sz="2800" i="0" dirty="0">
                 <a:solidFill>
                   <a:srgbClr val="273239"/>
                 </a:solidFill>
@@ -39266,7 +39946,7 @@
               <a:t>Data Definition Language, </a:t>
             </a:r>
             <a:r>
-              <a:rPr lang="en-US" altLang="zh-TW" dirty="0"/>
+              <a:rPr lang="en-US" altLang="zh-TW" sz="2800" dirty="0"/>
               <a:t>DDL)</a:t>
             </a:r>
           </a:p>
@@ -39277,22 +39957,22 @@
               </a:lnSpc>
             </a:pPr>
             <a:r>
-              <a:rPr lang="en-US" altLang="zh-TW" dirty="0"/>
+              <a:rPr lang="en-US" altLang="zh-TW" sz="2400" b="1" dirty="0"/>
               <a:t>SQL</a:t>
             </a:r>
             <a:r>
-              <a:rPr lang="zh-TW" altLang="en-US" dirty="0"/>
+              <a:rPr lang="zh-TW" altLang="en-US" sz="2400" b="1" dirty="0"/>
               <a:t>指令用於定義資料庫綱要</a:t>
             </a:r>
             <a:r>
-              <a:rPr lang="en-US" altLang="zh-TW" dirty="0"/>
+              <a:rPr lang="en-US" altLang="zh-TW" sz="2400" b="1" dirty="0"/>
               <a:t>(schema)</a:t>
             </a:r>
             <a:r>
-              <a:rPr lang="zh-TW" altLang="en-US" dirty="0"/>
+              <a:rPr lang="zh-TW" altLang="en-US" sz="2400" b="1" dirty="0"/>
               <a:t>，建立及修改資料的結構</a:t>
             </a:r>
-            <a:endParaRPr lang="en-US" altLang="zh-TW" dirty="0"/>
+            <a:endParaRPr lang="en-US" altLang="zh-TW" sz="2400" b="1" dirty="0"/>
           </a:p>
           <a:p>
             <a:pPr>
@@ -39301,15 +39981,15 @@
               </a:lnSpc>
             </a:pPr>
             <a:r>
-              <a:rPr lang="zh-TW" altLang="en-US" dirty="0"/>
+              <a:rPr lang="zh-TW" altLang="en-US" sz="2800" dirty="0"/>
               <a:t>資料處理語言</a:t>
             </a:r>
             <a:r>
-              <a:rPr lang="en-US" altLang="zh-TW" dirty="0"/>
+              <a:rPr lang="en-US" altLang="zh-TW" sz="2800" dirty="0"/>
               <a:t>(</a:t>
             </a:r>
             <a:r>
-              <a:rPr lang="en-US" altLang="zh-TW" b="0" i="0" dirty="0">
+              <a:rPr lang="en-US" altLang="zh-TW" sz="2800" i="0" dirty="0">
                 <a:solidFill>
                   <a:srgbClr val="273239"/>
                 </a:solidFill>
@@ -39319,7 +39999,7 @@
               <a:t>Data Manipulation Language, </a:t>
             </a:r>
             <a:r>
-              <a:rPr lang="en-US" altLang="zh-TW" dirty="0"/>
+              <a:rPr lang="en-US" altLang="zh-TW" sz="2800" dirty="0"/>
               <a:t>DML)</a:t>
             </a:r>
           </a:p>
@@ -39330,14 +40010,14 @@
               </a:lnSpc>
             </a:pPr>
             <a:r>
-              <a:rPr lang="en-US" altLang="zh-TW" dirty="0"/>
+              <a:rPr lang="en-US" altLang="zh-TW" sz="2400" b="1" dirty="0"/>
               <a:t>SQL</a:t>
             </a:r>
             <a:r>
-              <a:rPr lang="zh-TW" altLang="en-US" dirty="0"/>
+              <a:rPr lang="zh-TW" altLang="en-US" sz="2400" b="1" dirty="0"/>
               <a:t>指令用於資料庫中資料的操作</a:t>
             </a:r>
-            <a:endParaRPr lang="en-US" altLang="zh-TW" dirty="0"/>
+            <a:endParaRPr lang="en-US" altLang="zh-TW" sz="2400" b="1" dirty="0"/>
           </a:p>
           <a:p>
             <a:pPr>
@@ -39346,15 +40026,15 @@
               </a:lnSpc>
             </a:pPr>
             <a:r>
-              <a:rPr lang="zh-TW" altLang="en-US" dirty="0"/>
+              <a:rPr lang="zh-TW" altLang="en-US" sz="2800" dirty="0"/>
               <a:t>資料控制語言</a:t>
             </a:r>
             <a:r>
-              <a:rPr lang="en-US" altLang="zh-TW" dirty="0"/>
+              <a:rPr lang="en-US" altLang="zh-TW" sz="2800" dirty="0"/>
               <a:t>(</a:t>
             </a:r>
             <a:r>
-              <a:rPr lang="en-US" altLang="zh-TW" b="0" i="0" dirty="0">
+              <a:rPr lang="en-US" altLang="zh-TW" sz="2800" i="0" dirty="0">
                 <a:solidFill>
                   <a:srgbClr val="273239"/>
                 </a:solidFill>
@@ -39364,7 +40044,7 @@
               <a:t>Data Control Language, </a:t>
             </a:r>
             <a:r>
-              <a:rPr lang="en-US" altLang="zh-TW" dirty="0"/>
+              <a:rPr lang="en-US" altLang="zh-TW" sz="2800" dirty="0"/>
               <a:t>DCL)</a:t>
             </a:r>
           </a:p>
@@ -39375,11 +40055,11 @@
               </a:lnSpc>
             </a:pPr>
             <a:r>
-              <a:rPr lang="en-US" altLang="zh-TW" dirty="0"/>
+              <a:rPr lang="en-US" altLang="zh-TW" sz="2400" b="1" dirty="0"/>
               <a:t>SQL</a:t>
             </a:r>
             <a:r>
-              <a:rPr lang="zh-TW" altLang="en-US" dirty="0"/>
+              <a:rPr lang="zh-TW" altLang="en-US" sz="2400" b="1" dirty="0"/>
               <a:t>指令用於控制資料庫的權限</a:t>
             </a:r>
           </a:p>
@@ -39408,7 +40088,7 @@
           <a:p>
             <a:fld id="{1BE357B2-17EA-4DDC-ACD7-2AF54F43982C}" type="datetime1">
               <a:rPr lang="zh-TW" altLang="en-US" smtClean="0"/>
-              <a:t>2025/10/17</a:t>
+              <a:t>2025/11/8</a:t>
             </a:fld>
             <a:endParaRPr lang="zh-TW" altLang="en-US"/>
           </a:p>
@@ -39453,13 +40133,13 @@
   <p:clrMapOvr>
     <a:masterClrMapping/>
   </p:clrMapOvr>
-  <mc:AlternateContent xmlns:mc="http://schemas.openxmlformats.org/markup-compatibility/2006">
-    <mc:Choice xmlns:p14="http://schemas.microsoft.com/office/powerpoint/2010/main" Requires="p14">
+  <mc:AlternateContent xmlns:mc="http://schemas.openxmlformats.org/markup-compatibility/2006" xmlns:p14="http://schemas.microsoft.com/office/powerpoint/2010/main">
+    <mc:Choice Requires="p14">
       <p:transition spd="slow" p14:dur="2000">
         <p:cut/>
       </p:transition>
     </mc:Choice>
-    <mc:Fallback>
+    <mc:Fallback xmlns="">
       <p:transition spd="slow">
         <p:cut/>
       </p:transition>
